--- a/figs/pna-packet-paths-figure.pptx
+++ b/figs/pna-packet-paths-figure.pptx
@@ -115,7 +115,7 @@
 <file path=ppt/revisionInfo.xml><?xml version="1.0" encoding="utf-8"?>
 <p1510:revInfo xmlns:a="http://schemas.openxmlformats.org/drawingml/2006/main" xmlns:r="http://schemas.openxmlformats.org/officeDocument/2006/relationships" xmlns:p1510="http://schemas.microsoft.com/office/powerpoint/2015/10/main">
   <p1510:revLst>
-    <p1510:client id="{AB275EFB-7DC9-4E6C-884D-530FD05132B0}" v="19" dt="2020-11-13T02:40:44.173"/>
+    <p1510:client id="{AB46A06D-E856-40B7-957C-0F50F3800040}" v="9" dt="2021-04-12T15:35:58.690"/>
   </p1510:revLst>
 </p1510:revInfo>
 </file>
@@ -589,6 +589,1910 @@
             <pc:docMk/>
             <pc:sldMk cId="1091789387" sldId="273"/>
             <ac:cxnSpMk id="199" creationId="{9B56D066-03B7-4AA5-AE48-439E5D95D240}"/>
+          </ac:cxnSpMkLst>
+        </pc:cxnChg>
+      </pc:sldChg>
+    </pc:docChg>
+  </pc:docChgLst>
+  <pc:docChgLst>
+    <pc:chgData name="Fingerhut, John Andy" userId="6ad675d3-541e-4813-9336-4804cd571dc7" providerId="ADAL" clId="{AB46A06D-E856-40B7-957C-0F50F3800040}"/>
+    <pc:docChg chg="custSel modSld">
+      <pc:chgData name="Fingerhut, John Andy" userId="6ad675d3-541e-4813-9336-4804cd571dc7" providerId="ADAL" clId="{AB46A06D-E856-40B7-957C-0F50F3800040}" dt="2021-04-12T15:36:39.876" v="106" actId="692"/>
+      <pc:docMkLst>
+        <pc:docMk/>
+      </pc:docMkLst>
+      <pc:sldChg chg="addSp delSp modSp mod">
+        <pc:chgData name="Fingerhut, John Andy" userId="6ad675d3-541e-4813-9336-4804cd571dc7" providerId="ADAL" clId="{AB46A06D-E856-40B7-957C-0F50F3800040}" dt="2021-04-12T15:36:39.876" v="106" actId="692"/>
+        <pc:sldMkLst>
+          <pc:docMk/>
+          <pc:sldMk cId="1091789387" sldId="273"/>
+        </pc:sldMkLst>
+        <pc:spChg chg="add mod">
+          <ac:chgData name="Fingerhut, John Andy" userId="6ad675d3-541e-4813-9336-4804cd571dc7" providerId="ADAL" clId="{AB46A06D-E856-40B7-957C-0F50F3800040}" dt="2021-04-12T15:36:39.876" v="106" actId="692"/>
+          <ac:spMkLst>
+            <pc:docMk/>
+            <pc:sldMk cId="1091789387" sldId="273"/>
+            <ac:spMk id="2" creationId="{9847D30F-9ADA-4810-B8C8-D6A7B44A60A8}"/>
+          </ac:spMkLst>
+        </pc:spChg>
+        <pc:spChg chg="add mod">
+          <ac:chgData name="Fingerhut, John Andy" userId="6ad675d3-541e-4813-9336-4804cd571dc7" providerId="ADAL" clId="{AB46A06D-E856-40B7-957C-0F50F3800040}" dt="2021-04-12T15:36:39.876" v="106" actId="692"/>
+          <ac:spMkLst>
+            <pc:docMk/>
+            <pc:sldMk cId="1091789387" sldId="273"/>
+            <ac:spMk id="3" creationId="{77EB1111-14C9-4FDE-9B8C-BE6CB0048C13}"/>
+          </ac:spMkLst>
+        </pc:spChg>
+        <pc:spChg chg="add mod">
+          <ac:chgData name="Fingerhut, John Andy" userId="6ad675d3-541e-4813-9336-4804cd571dc7" providerId="ADAL" clId="{AB46A06D-E856-40B7-957C-0F50F3800040}" dt="2021-04-12T15:36:39.876" v="106" actId="692"/>
+          <ac:spMkLst>
+            <pc:docMk/>
+            <pc:sldMk cId="1091789387" sldId="273"/>
+            <ac:spMk id="4" creationId="{4F2B0426-4DBD-4DCA-8121-6447B8554B64}"/>
+          </ac:spMkLst>
+        </pc:spChg>
+        <pc:spChg chg="add mod">
+          <ac:chgData name="Fingerhut, John Andy" userId="6ad675d3-541e-4813-9336-4804cd571dc7" providerId="ADAL" clId="{AB46A06D-E856-40B7-957C-0F50F3800040}" dt="2021-04-12T15:36:39.876" v="106" actId="692"/>
+          <ac:spMkLst>
+            <pc:docMk/>
+            <pc:sldMk cId="1091789387" sldId="273"/>
+            <ac:spMk id="5" creationId="{09605A1F-B696-46DC-AC49-F2C8B4EE6697}"/>
+          </ac:spMkLst>
+        </pc:spChg>
+        <pc:spChg chg="del">
+          <ac:chgData name="Fingerhut, John Andy" userId="6ad675d3-541e-4813-9336-4804cd571dc7" providerId="ADAL" clId="{AB46A06D-E856-40B7-957C-0F50F3800040}" dt="2021-04-12T15:32:47.355" v="2" actId="478"/>
+          <ac:spMkLst>
+            <pc:docMk/>
+            <pc:sldMk cId="1091789387" sldId="273"/>
+            <ac:spMk id="35" creationId="{8EB9B0E0-C169-48B3-BCE6-385310287F99}"/>
+          </ac:spMkLst>
+        </pc:spChg>
+        <pc:spChg chg="del">
+          <ac:chgData name="Fingerhut, John Andy" userId="6ad675d3-541e-4813-9336-4804cd571dc7" providerId="ADAL" clId="{AB46A06D-E856-40B7-957C-0F50F3800040}" dt="2021-04-12T15:32:47.355" v="2" actId="478"/>
+          <ac:spMkLst>
+            <pc:docMk/>
+            <pc:sldMk cId="1091789387" sldId="273"/>
+            <ac:spMk id="36" creationId="{3ED9F1BC-576A-4EF3-9876-126695A64636}"/>
+          </ac:spMkLst>
+        </pc:spChg>
+        <pc:spChg chg="del">
+          <ac:chgData name="Fingerhut, John Andy" userId="6ad675d3-541e-4813-9336-4804cd571dc7" providerId="ADAL" clId="{AB46A06D-E856-40B7-957C-0F50F3800040}" dt="2021-04-12T15:32:47.355" v="2" actId="478"/>
+          <ac:spMkLst>
+            <pc:docMk/>
+            <pc:sldMk cId="1091789387" sldId="273"/>
+            <ac:spMk id="37" creationId="{FEF6D1E8-CAD9-4D86-8016-9DF9D3A426B1}"/>
+          </ac:spMkLst>
+        </pc:spChg>
+        <pc:spChg chg="del">
+          <ac:chgData name="Fingerhut, John Andy" userId="6ad675d3-541e-4813-9336-4804cd571dc7" providerId="ADAL" clId="{AB46A06D-E856-40B7-957C-0F50F3800040}" dt="2021-04-12T15:32:47.355" v="2" actId="478"/>
+          <ac:spMkLst>
+            <pc:docMk/>
+            <pc:sldMk cId="1091789387" sldId="273"/>
+            <ac:spMk id="40" creationId="{A99932A6-6BD7-4FD1-93C8-8E131159E42A}"/>
+          </ac:spMkLst>
+        </pc:spChg>
+        <pc:spChg chg="del">
+          <ac:chgData name="Fingerhut, John Andy" userId="6ad675d3-541e-4813-9336-4804cd571dc7" providerId="ADAL" clId="{AB46A06D-E856-40B7-957C-0F50F3800040}" dt="2021-04-12T15:32:47.355" v="2" actId="478"/>
+          <ac:spMkLst>
+            <pc:docMk/>
+            <pc:sldMk cId="1091789387" sldId="273"/>
+            <ac:spMk id="41" creationId="{92344D8E-30F6-4766-B972-809C391435CC}"/>
+          </ac:spMkLst>
+        </pc:spChg>
+        <pc:spChg chg="add del mod">
+          <ac:chgData name="Fingerhut, John Andy" userId="6ad675d3-541e-4813-9336-4804cd571dc7" providerId="ADAL" clId="{AB46A06D-E856-40B7-957C-0F50F3800040}" dt="2021-04-12T15:32:44.138" v="1"/>
+          <ac:spMkLst>
+            <pc:docMk/>
+            <pc:sldMk cId="1091789387" sldId="273"/>
+            <ac:spMk id="99" creationId="{DF154993-B5D2-467D-9DB2-E5E2933F6E0F}"/>
+          </ac:spMkLst>
+        </pc:spChg>
+        <pc:spChg chg="add del mod">
+          <ac:chgData name="Fingerhut, John Andy" userId="6ad675d3-541e-4813-9336-4804cd571dc7" providerId="ADAL" clId="{AB46A06D-E856-40B7-957C-0F50F3800040}" dt="2021-04-12T15:32:44.138" v="1"/>
+          <ac:spMkLst>
+            <pc:docMk/>
+            <pc:sldMk cId="1091789387" sldId="273"/>
+            <ac:spMk id="101" creationId="{30EECFD2-3AE2-4F67-9DB2-3C4C7D08A595}"/>
+          </ac:spMkLst>
+        </pc:spChg>
+        <pc:spChg chg="add del mod">
+          <ac:chgData name="Fingerhut, John Andy" userId="6ad675d3-541e-4813-9336-4804cd571dc7" providerId="ADAL" clId="{AB46A06D-E856-40B7-957C-0F50F3800040}" dt="2021-04-12T15:32:44.138" v="1"/>
+          <ac:spMkLst>
+            <pc:docMk/>
+            <pc:sldMk cId="1091789387" sldId="273"/>
+            <ac:spMk id="102" creationId="{0D2E6344-D307-448C-AF03-415E586FFFD5}"/>
+          </ac:spMkLst>
+        </pc:spChg>
+        <pc:spChg chg="add del mod">
+          <ac:chgData name="Fingerhut, John Andy" userId="6ad675d3-541e-4813-9336-4804cd571dc7" providerId="ADAL" clId="{AB46A06D-E856-40B7-957C-0F50F3800040}" dt="2021-04-12T15:32:44.138" v="1"/>
+          <ac:spMkLst>
+            <pc:docMk/>
+            <pc:sldMk cId="1091789387" sldId="273"/>
+            <ac:spMk id="103" creationId="{693B84CA-4704-4EEE-AF80-7762AD00C5F0}"/>
+          </ac:spMkLst>
+        </pc:spChg>
+        <pc:spChg chg="add del mod">
+          <ac:chgData name="Fingerhut, John Andy" userId="6ad675d3-541e-4813-9336-4804cd571dc7" providerId="ADAL" clId="{AB46A06D-E856-40B7-957C-0F50F3800040}" dt="2021-04-12T15:32:44.138" v="1"/>
+          <ac:spMkLst>
+            <pc:docMk/>
+            <pc:sldMk cId="1091789387" sldId="273"/>
+            <ac:spMk id="104" creationId="{875D7F5B-4EA5-443A-B8DC-CCEBD3679FA2}"/>
+          </ac:spMkLst>
+        </pc:spChg>
+        <pc:spChg chg="add del mod">
+          <ac:chgData name="Fingerhut, John Andy" userId="6ad675d3-541e-4813-9336-4804cd571dc7" providerId="ADAL" clId="{AB46A06D-E856-40B7-957C-0F50F3800040}" dt="2021-04-12T15:32:44.138" v="1"/>
+          <ac:spMkLst>
+            <pc:docMk/>
+            <pc:sldMk cId="1091789387" sldId="273"/>
+            <ac:spMk id="106" creationId="{6307626B-D62B-4FE0-9F83-3FCFD39F5804}"/>
+          </ac:spMkLst>
+        </pc:spChg>
+        <pc:spChg chg="add del mod">
+          <ac:chgData name="Fingerhut, John Andy" userId="6ad675d3-541e-4813-9336-4804cd571dc7" providerId="ADAL" clId="{AB46A06D-E856-40B7-957C-0F50F3800040}" dt="2021-04-12T15:32:44.138" v="1"/>
+          <ac:spMkLst>
+            <pc:docMk/>
+            <pc:sldMk cId="1091789387" sldId="273"/>
+            <ac:spMk id="107" creationId="{C20C6513-F229-4E3B-A4F7-0243576D959F}"/>
+          </ac:spMkLst>
+        </pc:spChg>
+        <pc:spChg chg="add del mod">
+          <ac:chgData name="Fingerhut, John Andy" userId="6ad675d3-541e-4813-9336-4804cd571dc7" providerId="ADAL" clId="{AB46A06D-E856-40B7-957C-0F50F3800040}" dt="2021-04-12T15:32:44.138" v="1"/>
+          <ac:spMkLst>
+            <pc:docMk/>
+            <pc:sldMk cId="1091789387" sldId="273"/>
+            <ac:spMk id="108" creationId="{4BACC077-B34D-4B9F-9E51-1615A14B9B38}"/>
+          </ac:spMkLst>
+        </pc:spChg>
+        <pc:spChg chg="add del mod">
+          <ac:chgData name="Fingerhut, John Andy" userId="6ad675d3-541e-4813-9336-4804cd571dc7" providerId="ADAL" clId="{AB46A06D-E856-40B7-957C-0F50F3800040}" dt="2021-04-12T15:32:44.138" v="1"/>
+          <ac:spMkLst>
+            <pc:docMk/>
+            <pc:sldMk cId="1091789387" sldId="273"/>
+            <ac:spMk id="109" creationId="{E42FE87D-EDA4-444C-921E-A0362F0804C6}"/>
+          </ac:spMkLst>
+        </pc:spChg>
+        <pc:spChg chg="del">
+          <ac:chgData name="Fingerhut, John Andy" userId="6ad675d3-541e-4813-9336-4804cd571dc7" providerId="ADAL" clId="{AB46A06D-E856-40B7-957C-0F50F3800040}" dt="2021-04-12T15:32:47.355" v="2" actId="478"/>
+          <ac:spMkLst>
+            <pc:docMk/>
+            <pc:sldMk cId="1091789387" sldId="273"/>
+            <ac:spMk id="110" creationId="{CBF41200-6B39-49A7-85D4-64606C55105F}"/>
+          </ac:spMkLst>
+        </pc:spChg>
+        <pc:spChg chg="del">
+          <ac:chgData name="Fingerhut, John Andy" userId="6ad675d3-541e-4813-9336-4804cd571dc7" providerId="ADAL" clId="{AB46A06D-E856-40B7-957C-0F50F3800040}" dt="2021-04-12T15:32:47.355" v="2" actId="478"/>
+          <ac:spMkLst>
+            <pc:docMk/>
+            <pc:sldMk cId="1091789387" sldId="273"/>
+            <ac:spMk id="111" creationId="{8EF40A48-3C9D-4A24-A40E-E4870584BA66}"/>
+          </ac:spMkLst>
+        </pc:spChg>
+        <pc:spChg chg="del">
+          <ac:chgData name="Fingerhut, John Andy" userId="6ad675d3-541e-4813-9336-4804cd571dc7" providerId="ADAL" clId="{AB46A06D-E856-40B7-957C-0F50F3800040}" dt="2021-04-12T15:32:47.355" v="2" actId="478"/>
+          <ac:spMkLst>
+            <pc:docMk/>
+            <pc:sldMk cId="1091789387" sldId="273"/>
+            <ac:spMk id="113" creationId="{58FA7448-7B0F-43F4-A246-03BDB307CBC0}"/>
+          </ac:spMkLst>
+        </pc:spChg>
+        <pc:spChg chg="del">
+          <ac:chgData name="Fingerhut, John Andy" userId="6ad675d3-541e-4813-9336-4804cd571dc7" providerId="ADAL" clId="{AB46A06D-E856-40B7-957C-0F50F3800040}" dt="2021-04-12T15:32:47.355" v="2" actId="478"/>
+          <ac:spMkLst>
+            <pc:docMk/>
+            <pc:sldMk cId="1091789387" sldId="273"/>
+            <ac:spMk id="114" creationId="{8981AA32-2977-41CF-9174-51C16EB7A3C1}"/>
+          </ac:spMkLst>
+        </pc:spChg>
+        <pc:spChg chg="del">
+          <ac:chgData name="Fingerhut, John Andy" userId="6ad675d3-541e-4813-9336-4804cd571dc7" providerId="ADAL" clId="{AB46A06D-E856-40B7-957C-0F50F3800040}" dt="2021-04-12T15:32:47.355" v="2" actId="478"/>
+          <ac:spMkLst>
+            <pc:docMk/>
+            <pc:sldMk cId="1091789387" sldId="273"/>
+            <ac:spMk id="120" creationId="{27878CF7-E469-4A06-9E5C-918E6DCCBE40}"/>
+          </ac:spMkLst>
+        </pc:spChg>
+        <pc:spChg chg="del">
+          <ac:chgData name="Fingerhut, John Andy" userId="6ad675d3-541e-4813-9336-4804cd571dc7" providerId="ADAL" clId="{AB46A06D-E856-40B7-957C-0F50F3800040}" dt="2021-04-12T15:32:47.355" v="2" actId="478"/>
+          <ac:spMkLst>
+            <pc:docMk/>
+            <pc:sldMk cId="1091789387" sldId="273"/>
+            <ac:spMk id="121" creationId="{C5B57169-1275-4E2F-A03B-8F7108AA0A55}"/>
+          </ac:spMkLst>
+        </pc:spChg>
+        <pc:spChg chg="mod">
+          <ac:chgData name="Fingerhut, John Andy" userId="6ad675d3-541e-4813-9336-4804cd571dc7" providerId="ADAL" clId="{AB46A06D-E856-40B7-957C-0F50F3800040}" dt="2021-04-12T15:32:41.886" v="0"/>
+          <ac:spMkLst>
+            <pc:docMk/>
+            <pc:sldMk cId="1091789387" sldId="273"/>
+            <ac:spMk id="136" creationId="{202CF88F-43F8-4779-B80F-6FC6808A6E02}"/>
+          </ac:spMkLst>
+        </pc:spChg>
+        <pc:spChg chg="del">
+          <ac:chgData name="Fingerhut, John Andy" userId="6ad675d3-541e-4813-9336-4804cd571dc7" providerId="ADAL" clId="{AB46A06D-E856-40B7-957C-0F50F3800040}" dt="2021-04-12T15:32:47.355" v="2" actId="478"/>
+          <ac:spMkLst>
+            <pc:docMk/>
+            <pc:sldMk cId="1091789387" sldId="273"/>
+            <ac:spMk id="138" creationId="{69446477-9F3C-4C1B-897E-FE05C5B55386}"/>
+          </ac:spMkLst>
+        </pc:spChg>
+        <pc:spChg chg="mod">
+          <ac:chgData name="Fingerhut, John Andy" userId="6ad675d3-541e-4813-9336-4804cd571dc7" providerId="ADAL" clId="{AB46A06D-E856-40B7-957C-0F50F3800040}" dt="2021-04-12T15:32:41.886" v="0"/>
+          <ac:spMkLst>
+            <pc:docMk/>
+            <pc:sldMk cId="1091789387" sldId="273"/>
+            <ac:spMk id="140" creationId="{8966223C-2CE9-4C4E-BB97-038394940500}"/>
+          </ac:spMkLst>
+        </pc:spChg>
+        <pc:spChg chg="mod">
+          <ac:chgData name="Fingerhut, John Andy" userId="6ad675d3-541e-4813-9336-4804cd571dc7" providerId="ADAL" clId="{AB46A06D-E856-40B7-957C-0F50F3800040}" dt="2021-04-12T15:32:41.886" v="0"/>
+          <ac:spMkLst>
+            <pc:docMk/>
+            <pc:sldMk cId="1091789387" sldId="273"/>
+            <ac:spMk id="141" creationId="{840E7056-8A5F-47BE-86C4-26EE02D025DC}"/>
+          </ac:spMkLst>
+        </pc:spChg>
+        <pc:spChg chg="mod">
+          <ac:chgData name="Fingerhut, John Andy" userId="6ad675d3-541e-4813-9336-4804cd571dc7" providerId="ADAL" clId="{AB46A06D-E856-40B7-957C-0F50F3800040}" dt="2021-04-12T15:32:41.886" v="0"/>
+          <ac:spMkLst>
+            <pc:docMk/>
+            <pc:sldMk cId="1091789387" sldId="273"/>
+            <ac:spMk id="142" creationId="{0F5C23FC-BE8B-4E89-93FA-2B3261B9C3A6}"/>
+          </ac:spMkLst>
+        </pc:spChg>
+        <pc:spChg chg="mod">
+          <ac:chgData name="Fingerhut, John Andy" userId="6ad675d3-541e-4813-9336-4804cd571dc7" providerId="ADAL" clId="{AB46A06D-E856-40B7-957C-0F50F3800040}" dt="2021-04-12T15:32:41.886" v="0"/>
+          <ac:spMkLst>
+            <pc:docMk/>
+            <pc:sldMk cId="1091789387" sldId="273"/>
+            <ac:spMk id="145" creationId="{CE5DFBF1-1A0A-4FDA-BD99-9C4FFEDDEF7F}"/>
+          </ac:spMkLst>
+        </pc:spChg>
+        <pc:spChg chg="mod">
+          <ac:chgData name="Fingerhut, John Andy" userId="6ad675d3-541e-4813-9336-4804cd571dc7" providerId="ADAL" clId="{AB46A06D-E856-40B7-957C-0F50F3800040}" dt="2021-04-12T15:32:41.886" v="0"/>
+          <ac:spMkLst>
+            <pc:docMk/>
+            <pc:sldMk cId="1091789387" sldId="273"/>
+            <ac:spMk id="146" creationId="{94CE705A-03BB-464D-89B9-F67C6B12FD43}"/>
+          </ac:spMkLst>
+        </pc:spChg>
+        <pc:spChg chg="mod">
+          <ac:chgData name="Fingerhut, John Andy" userId="6ad675d3-541e-4813-9336-4804cd571dc7" providerId="ADAL" clId="{AB46A06D-E856-40B7-957C-0F50F3800040}" dt="2021-04-12T15:32:41.886" v="0"/>
+          <ac:spMkLst>
+            <pc:docMk/>
+            <pc:sldMk cId="1091789387" sldId="273"/>
+            <ac:spMk id="147" creationId="{5C1CE12D-7A9A-4CDF-89A4-8BEFE916ABA5}"/>
+          </ac:spMkLst>
+        </pc:spChg>
+        <pc:spChg chg="del">
+          <ac:chgData name="Fingerhut, John Andy" userId="6ad675d3-541e-4813-9336-4804cd571dc7" providerId="ADAL" clId="{AB46A06D-E856-40B7-957C-0F50F3800040}" dt="2021-04-12T15:32:47.355" v="2" actId="478"/>
+          <ac:spMkLst>
+            <pc:docMk/>
+            <pc:sldMk cId="1091789387" sldId="273"/>
+            <ac:spMk id="148" creationId="{0E3FF64B-C6A6-4736-9847-96B6371F20AE}"/>
+          </ac:spMkLst>
+        </pc:spChg>
+        <pc:spChg chg="del">
+          <ac:chgData name="Fingerhut, John Andy" userId="6ad675d3-541e-4813-9336-4804cd571dc7" providerId="ADAL" clId="{AB46A06D-E856-40B7-957C-0F50F3800040}" dt="2021-04-12T15:32:47.355" v="2" actId="478"/>
+          <ac:spMkLst>
+            <pc:docMk/>
+            <pc:sldMk cId="1091789387" sldId="273"/>
+            <ac:spMk id="155" creationId="{9A9B0175-8F65-42F2-977C-C24007A56A08}"/>
+          </ac:spMkLst>
+        </pc:spChg>
+        <pc:spChg chg="mod">
+          <ac:chgData name="Fingerhut, John Andy" userId="6ad675d3-541e-4813-9336-4804cd571dc7" providerId="ADAL" clId="{AB46A06D-E856-40B7-957C-0F50F3800040}" dt="2021-04-12T15:32:41.886" v="0"/>
+          <ac:spMkLst>
+            <pc:docMk/>
+            <pc:sldMk cId="1091789387" sldId="273"/>
+            <ac:spMk id="157" creationId="{8E9174FD-EB3D-4CA2-A9C1-EE9473A34FBC}"/>
+          </ac:spMkLst>
+        </pc:spChg>
+        <pc:spChg chg="mod">
+          <ac:chgData name="Fingerhut, John Andy" userId="6ad675d3-541e-4813-9336-4804cd571dc7" providerId="ADAL" clId="{AB46A06D-E856-40B7-957C-0F50F3800040}" dt="2021-04-12T15:32:41.886" v="0"/>
+          <ac:spMkLst>
+            <pc:docMk/>
+            <pc:sldMk cId="1091789387" sldId="273"/>
+            <ac:spMk id="160" creationId="{0B19CC28-9982-4C29-B275-38282C25DD5D}"/>
+          </ac:spMkLst>
+        </pc:spChg>
+        <pc:spChg chg="mod">
+          <ac:chgData name="Fingerhut, John Andy" userId="6ad675d3-541e-4813-9336-4804cd571dc7" providerId="ADAL" clId="{AB46A06D-E856-40B7-957C-0F50F3800040}" dt="2021-04-12T15:32:41.886" v="0"/>
+          <ac:spMkLst>
+            <pc:docMk/>
+            <pc:sldMk cId="1091789387" sldId="273"/>
+            <ac:spMk id="161" creationId="{B3952A62-11B9-4A79-B702-195F54F1D5D3}"/>
+          </ac:spMkLst>
+        </pc:spChg>
+        <pc:spChg chg="mod">
+          <ac:chgData name="Fingerhut, John Andy" userId="6ad675d3-541e-4813-9336-4804cd571dc7" providerId="ADAL" clId="{AB46A06D-E856-40B7-957C-0F50F3800040}" dt="2021-04-12T15:32:41.886" v="0"/>
+          <ac:spMkLst>
+            <pc:docMk/>
+            <pc:sldMk cId="1091789387" sldId="273"/>
+            <ac:spMk id="162" creationId="{3E014191-E832-43CD-BADA-B085324ECEF5}"/>
+          </ac:spMkLst>
+        </pc:spChg>
+        <pc:spChg chg="mod">
+          <ac:chgData name="Fingerhut, John Andy" userId="6ad675d3-541e-4813-9336-4804cd571dc7" providerId="ADAL" clId="{AB46A06D-E856-40B7-957C-0F50F3800040}" dt="2021-04-12T15:32:41.886" v="0"/>
+          <ac:spMkLst>
+            <pc:docMk/>
+            <pc:sldMk cId="1091789387" sldId="273"/>
+            <ac:spMk id="167" creationId="{9682E46A-4344-4181-AADE-D7D76FC86893}"/>
+          </ac:spMkLst>
+        </pc:spChg>
+        <pc:spChg chg="mod">
+          <ac:chgData name="Fingerhut, John Andy" userId="6ad675d3-541e-4813-9336-4804cd571dc7" providerId="ADAL" clId="{AB46A06D-E856-40B7-957C-0F50F3800040}" dt="2021-04-12T15:32:41.886" v="0"/>
+          <ac:spMkLst>
+            <pc:docMk/>
+            <pc:sldMk cId="1091789387" sldId="273"/>
+            <ac:spMk id="168" creationId="{EB1B70C0-A9F3-4D12-A9E9-E99BCA1ADB0B}"/>
+          </ac:spMkLst>
+        </pc:spChg>
+        <pc:spChg chg="mod">
+          <ac:chgData name="Fingerhut, John Andy" userId="6ad675d3-541e-4813-9336-4804cd571dc7" providerId="ADAL" clId="{AB46A06D-E856-40B7-957C-0F50F3800040}" dt="2021-04-12T15:32:41.886" v="0"/>
+          <ac:spMkLst>
+            <pc:docMk/>
+            <pc:sldMk cId="1091789387" sldId="273"/>
+            <ac:spMk id="169" creationId="{73136E89-D2B2-4847-87BF-8C0FE24226A9}"/>
+          </ac:spMkLst>
+        </pc:spChg>
+        <pc:spChg chg="add del mod">
+          <ac:chgData name="Fingerhut, John Andy" userId="6ad675d3-541e-4813-9336-4804cd571dc7" providerId="ADAL" clId="{AB46A06D-E856-40B7-957C-0F50F3800040}" dt="2021-04-12T15:32:44.138" v="1"/>
+          <ac:spMkLst>
+            <pc:docMk/>
+            <pc:sldMk cId="1091789387" sldId="273"/>
+            <ac:spMk id="174" creationId="{7C00C76F-E46B-4221-9DB9-152412D8BB7C}"/>
+          </ac:spMkLst>
+        </pc:spChg>
+        <pc:spChg chg="add del mod">
+          <ac:chgData name="Fingerhut, John Andy" userId="6ad675d3-541e-4813-9336-4804cd571dc7" providerId="ADAL" clId="{AB46A06D-E856-40B7-957C-0F50F3800040}" dt="2021-04-12T15:32:44.138" v="1"/>
+          <ac:spMkLst>
+            <pc:docMk/>
+            <pc:sldMk cId="1091789387" sldId="273"/>
+            <ac:spMk id="176" creationId="{F7A3B001-50F2-4DEE-869D-94A0257C0B95}"/>
+          </ac:spMkLst>
+        </pc:spChg>
+        <pc:spChg chg="del">
+          <ac:chgData name="Fingerhut, John Andy" userId="6ad675d3-541e-4813-9336-4804cd571dc7" providerId="ADAL" clId="{AB46A06D-E856-40B7-957C-0F50F3800040}" dt="2021-04-12T15:32:47.355" v="2" actId="478"/>
+          <ac:spMkLst>
+            <pc:docMk/>
+            <pc:sldMk cId="1091789387" sldId="273"/>
+            <ac:spMk id="184" creationId="{68FB0182-B326-448A-83DA-468E49772E39}"/>
+          </ac:spMkLst>
+        </pc:spChg>
+        <pc:spChg chg="add del mod">
+          <ac:chgData name="Fingerhut, John Andy" userId="6ad675d3-541e-4813-9336-4804cd571dc7" providerId="ADAL" clId="{AB46A06D-E856-40B7-957C-0F50F3800040}" dt="2021-04-12T15:32:44.138" v="1"/>
+          <ac:spMkLst>
+            <pc:docMk/>
+            <pc:sldMk cId="1091789387" sldId="273"/>
+            <ac:spMk id="185" creationId="{5118D163-FBF8-4267-89A8-8F502C348B73}"/>
+          </ac:spMkLst>
+        </pc:spChg>
+        <pc:spChg chg="add del mod">
+          <ac:chgData name="Fingerhut, John Andy" userId="6ad675d3-541e-4813-9336-4804cd571dc7" providerId="ADAL" clId="{AB46A06D-E856-40B7-957C-0F50F3800040}" dt="2021-04-12T15:32:44.138" v="1"/>
+          <ac:spMkLst>
+            <pc:docMk/>
+            <pc:sldMk cId="1091789387" sldId="273"/>
+            <ac:spMk id="186" creationId="{F72D7E2A-3DAB-4415-899B-41AFA1E63A0C}"/>
+          </ac:spMkLst>
+        </pc:spChg>
+        <pc:spChg chg="add del mod">
+          <ac:chgData name="Fingerhut, John Andy" userId="6ad675d3-541e-4813-9336-4804cd571dc7" providerId="ADAL" clId="{AB46A06D-E856-40B7-957C-0F50F3800040}" dt="2021-04-12T15:32:44.138" v="1"/>
+          <ac:spMkLst>
+            <pc:docMk/>
+            <pc:sldMk cId="1091789387" sldId="273"/>
+            <ac:spMk id="192" creationId="{F9780C7E-9AA2-44F3-83EE-0EFE04B3A646}"/>
+          </ac:spMkLst>
+        </pc:spChg>
+        <pc:spChg chg="add del mod">
+          <ac:chgData name="Fingerhut, John Andy" userId="6ad675d3-541e-4813-9336-4804cd571dc7" providerId="ADAL" clId="{AB46A06D-E856-40B7-957C-0F50F3800040}" dt="2021-04-12T15:32:44.138" v="1"/>
+          <ac:spMkLst>
+            <pc:docMk/>
+            <pc:sldMk cId="1091789387" sldId="273"/>
+            <ac:spMk id="195" creationId="{70DE2081-21DB-4A97-B181-28F801144DC5}"/>
+          </ac:spMkLst>
+        </pc:spChg>
+        <pc:spChg chg="add del mod">
+          <ac:chgData name="Fingerhut, John Andy" userId="6ad675d3-541e-4813-9336-4804cd571dc7" providerId="ADAL" clId="{AB46A06D-E856-40B7-957C-0F50F3800040}" dt="2021-04-12T15:32:44.138" v="1"/>
+          <ac:spMkLst>
+            <pc:docMk/>
+            <pc:sldMk cId="1091789387" sldId="273"/>
+            <ac:spMk id="197" creationId="{07AE5C22-7644-4CCA-B07E-0111A2C28AEE}"/>
+          </ac:spMkLst>
+        </pc:spChg>
+        <pc:spChg chg="add del mod">
+          <ac:chgData name="Fingerhut, John Andy" userId="6ad675d3-541e-4813-9336-4804cd571dc7" providerId="ADAL" clId="{AB46A06D-E856-40B7-957C-0F50F3800040}" dt="2021-04-12T15:32:44.138" v="1"/>
+          <ac:spMkLst>
+            <pc:docMk/>
+            <pc:sldMk cId="1091789387" sldId="273"/>
+            <ac:spMk id="198" creationId="{3CB371CB-06FA-42F7-984E-5706AC716344}"/>
+          </ac:spMkLst>
+        </pc:spChg>
+        <pc:spChg chg="del">
+          <ac:chgData name="Fingerhut, John Andy" userId="6ad675d3-541e-4813-9336-4804cd571dc7" providerId="ADAL" clId="{AB46A06D-E856-40B7-957C-0F50F3800040}" dt="2021-04-12T15:32:47.355" v="2" actId="478"/>
+          <ac:spMkLst>
+            <pc:docMk/>
+            <pc:sldMk cId="1091789387" sldId="273"/>
+            <ac:spMk id="200" creationId="{6143778A-3CAF-4C20-AA59-3CC193DB8BCB}"/>
+          </ac:spMkLst>
+        </pc:spChg>
+        <pc:spChg chg="add del mod">
+          <ac:chgData name="Fingerhut, John Andy" userId="6ad675d3-541e-4813-9336-4804cd571dc7" providerId="ADAL" clId="{AB46A06D-E856-40B7-957C-0F50F3800040}" dt="2021-04-12T15:32:44.138" v="1"/>
+          <ac:spMkLst>
+            <pc:docMk/>
+            <pc:sldMk cId="1091789387" sldId="273"/>
+            <ac:spMk id="201" creationId="{29D6930D-B1DC-4DAA-8DB0-62C3771250B0}"/>
+          </ac:spMkLst>
+        </pc:spChg>
+        <pc:spChg chg="add del mod">
+          <ac:chgData name="Fingerhut, John Andy" userId="6ad675d3-541e-4813-9336-4804cd571dc7" providerId="ADAL" clId="{AB46A06D-E856-40B7-957C-0F50F3800040}" dt="2021-04-12T15:32:44.138" v="1"/>
+          <ac:spMkLst>
+            <pc:docMk/>
+            <pc:sldMk cId="1091789387" sldId="273"/>
+            <ac:spMk id="202" creationId="{104AC59B-361A-4E95-8913-B0823B8C22DD}"/>
+          </ac:spMkLst>
+        </pc:spChg>
+        <pc:spChg chg="add del mod">
+          <ac:chgData name="Fingerhut, John Andy" userId="6ad675d3-541e-4813-9336-4804cd571dc7" providerId="ADAL" clId="{AB46A06D-E856-40B7-957C-0F50F3800040}" dt="2021-04-12T15:32:44.138" v="1"/>
+          <ac:spMkLst>
+            <pc:docMk/>
+            <pc:sldMk cId="1091789387" sldId="273"/>
+            <ac:spMk id="214" creationId="{1ADD1B90-AEF5-4B9B-80E5-56712156B296}"/>
+          </ac:spMkLst>
+        </pc:spChg>
+        <pc:spChg chg="add del mod">
+          <ac:chgData name="Fingerhut, John Andy" userId="6ad675d3-541e-4813-9336-4804cd571dc7" providerId="ADAL" clId="{AB46A06D-E856-40B7-957C-0F50F3800040}" dt="2021-04-12T15:32:44.138" v="1"/>
+          <ac:spMkLst>
+            <pc:docMk/>
+            <pc:sldMk cId="1091789387" sldId="273"/>
+            <ac:spMk id="216" creationId="{FB5D1D01-A715-4911-B0C3-290CBC8DE702}"/>
+          </ac:spMkLst>
+        </pc:spChg>
+        <pc:spChg chg="add del mod">
+          <ac:chgData name="Fingerhut, John Andy" userId="6ad675d3-541e-4813-9336-4804cd571dc7" providerId="ADAL" clId="{AB46A06D-E856-40B7-957C-0F50F3800040}" dt="2021-04-12T15:32:44.138" v="1"/>
+          <ac:spMkLst>
+            <pc:docMk/>
+            <pc:sldMk cId="1091789387" sldId="273"/>
+            <ac:spMk id="219" creationId="{752CE54C-9E9C-4E0D-A4A7-CE2F12DF3FFE}"/>
+          </ac:spMkLst>
+        </pc:spChg>
+        <pc:spChg chg="add mod">
+          <ac:chgData name="Fingerhut, John Andy" userId="6ad675d3-541e-4813-9336-4804cd571dc7" providerId="ADAL" clId="{AB46A06D-E856-40B7-957C-0F50F3800040}" dt="2021-04-12T15:32:47.971" v="3"/>
+          <ac:spMkLst>
+            <pc:docMk/>
+            <pc:sldMk cId="1091789387" sldId="273"/>
+            <ac:spMk id="222" creationId="{266099EA-ACC6-4078-B069-B852B2050CE6}"/>
+          </ac:spMkLst>
+        </pc:spChg>
+        <pc:spChg chg="add mod">
+          <ac:chgData name="Fingerhut, John Andy" userId="6ad675d3-541e-4813-9336-4804cd571dc7" providerId="ADAL" clId="{AB46A06D-E856-40B7-957C-0F50F3800040}" dt="2021-04-12T15:32:47.971" v="3"/>
+          <ac:spMkLst>
+            <pc:docMk/>
+            <pc:sldMk cId="1091789387" sldId="273"/>
+            <ac:spMk id="223" creationId="{A028C3F0-E2D9-48A3-A1EC-A86001815691}"/>
+          </ac:spMkLst>
+        </pc:spChg>
+        <pc:spChg chg="add mod">
+          <ac:chgData name="Fingerhut, John Andy" userId="6ad675d3-541e-4813-9336-4804cd571dc7" providerId="ADAL" clId="{AB46A06D-E856-40B7-957C-0F50F3800040}" dt="2021-04-12T15:32:47.971" v="3"/>
+          <ac:spMkLst>
+            <pc:docMk/>
+            <pc:sldMk cId="1091789387" sldId="273"/>
+            <ac:spMk id="224" creationId="{319FE9D4-53FF-4EC3-8286-AC455816A8D2}"/>
+          </ac:spMkLst>
+        </pc:spChg>
+        <pc:spChg chg="add mod">
+          <ac:chgData name="Fingerhut, John Andy" userId="6ad675d3-541e-4813-9336-4804cd571dc7" providerId="ADAL" clId="{AB46A06D-E856-40B7-957C-0F50F3800040}" dt="2021-04-12T15:32:47.971" v="3"/>
+          <ac:spMkLst>
+            <pc:docMk/>
+            <pc:sldMk cId="1091789387" sldId="273"/>
+            <ac:spMk id="225" creationId="{D77F621A-AF1F-4682-9574-F1162A46B3CF}"/>
+          </ac:spMkLst>
+        </pc:spChg>
+        <pc:spChg chg="add mod">
+          <ac:chgData name="Fingerhut, John Andy" userId="6ad675d3-541e-4813-9336-4804cd571dc7" providerId="ADAL" clId="{AB46A06D-E856-40B7-957C-0F50F3800040}" dt="2021-04-12T15:32:47.971" v="3"/>
+          <ac:spMkLst>
+            <pc:docMk/>
+            <pc:sldMk cId="1091789387" sldId="273"/>
+            <ac:spMk id="226" creationId="{EDE8BA1F-87A2-490D-B7E5-0F00B58003A6}"/>
+          </ac:spMkLst>
+        </pc:spChg>
+        <pc:spChg chg="add mod">
+          <ac:chgData name="Fingerhut, John Andy" userId="6ad675d3-541e-4813-9336-4804cd571dc7" providerId="ADAL" clId="{AB46A06D-E856-40B7-957C-0F50F3800040}" dt="2021-04-12T15:32:47.971" v="3"/>
+          <ac:spMkLst>
+            <pc:docMk/>
+            <pc:sldMk cId="1091789387" sldId="273"/>
+            <ac:spMk id="227" creationId="{CA4323CB-ADAC-4ED5-AD4C-9DEC465AC37E}"/>
+          </ac:spMkLst>
+        </pc:spChg>
+        <pc:spChg chg="add mod">
+          <ac:chgData name="Fingerhut, John Andy" userId="6ad675d3-541e-4813-9336-4804cd571dc7" providerId="ADAL" clId="{AB46A06D-E856-40B7-957C-0F50F3800040}" dt="2021-04-12T15:32:47.971" v="3"/>
+          <ac:spMkLst>
+            <pc:docMk/>
+            <pc:sldMk cId="1091789387" sldId="273"/>
+            <ac:spMk id="228" creationId="{BF72167F-9D28-44BD-8402-6E8E588D1E32}"/>
+          </ac:spMkLst>
+        </pc:spChg>
+        <pc:spChg chg="add mod">
+          <ac:chgData name="Fingerhut, John Andy" userId="6ad675d3-541e-4813-9336-4804cd571dc7" providerId="ADAL" clId="{AB46A06D-E856-40B7-957C-0F50F3800040}" dt="2021-04-12T15:32:47.971" v="3"/>
+          <ac:spMkLst>
+            <pc:docMk/>
+            <pc:sldMk cId="1091789387" sldId="273"/>
+            <ac:spMk id="229" creationId="{EC47DCBD-93C9-4B30-A048-58347E5CCC5C}"/>
+          </ac:spMkLst>
+        </pc:spChg>
+        <pc:spChg chg="add mod">
+          <ac:chgData name="Fingerhut, John Andy" userId="6ad675d3-541e-4813-9336-4804cd571dc7" providerId="ADAL" clId="{AB46A06D-E856-40B7-957C-0F50F3800040}" dt="2021-04-12T15:32:47.971" v="3"/>
+          <ac:spMkLst>
+            <pc:docMk/>
+            <pc:sldMk cId="1091789387" sldId="273"/>
+            <ac:spMk id="230" creationId="{A984E7E2-CBFA-4994-AA26-E806CCB6F70E}"/>
+          </ac:spMkLst>
+        </pc:spChg>
+        <pc:spChg chg="mod">
+          <ac:chgData name="Fingerhut, John Andy" userId="6ad675d3-541e-4813-9336-4804cd571dc7" providerId="ADAL" clId="{AB46A06D-E856-40B7-957C-0F50F3800040}" dt="2021-04-12T15:32:47.971" v="3"/>
+          <ac:spMkLst>
+            <pc:docMk/>
+            <pc:sldMk cId="1091789387" sldId="273"/>
+            <ac:spMk id="242" creationId="{CC6D63A5-9D88-4DDA-A7E2-79047D65455A}"/>
+          </ac:spMkLst>
+        </pc:spChg>
+        <pc:spChg chg="mod">
+          <ac:chgData name="Fingerhut, John Andy" userId="6ad675d3-541e-4813-9336-4804cd571dc7" providerId="ADAL" clId="{AB46A06D-E856-40B7-957C-0F50F3800040}" dt="2021-04-12T15:32:47.971" v="3"/>
+          <ac:spMkLst>
+            <pc:docMk/>
+            <pc:sldMk cId="1091789387" sldId="273"/>
+            <ac:spMk id="245" creationId="{C2C6849C-5149-4135-9B52-DF9C58854811}"/>
+          </ac:spMkLst>
+        </pc:spChg>
+        <pc:spChg chg="mod">
+          <ac:chgData name="Fingerhut, John Andy" userId="6ad675d3-541e-4813-9336-4804cd571dc7" providerId="ADAL" clId="{AB46A06D-E856-40B7-957C-0F50F3800040}" dt="2021-04-12T15:32:47.971" v="3"/>
+          <ac:spMkLst>
+            <pc:docMk/>
+            <pc:sldMk cId="1091789387" sldId="273"/>
+            <ac:spMk id="246" creationId="{0BA30467-5A2B-4F23-BC71-D82E690613AB}"/>
+          </ac:spMkLst>
+        </pc:spChg>
+        <pc:spChg chg="mod">
+          <ac:chgData name="Fingerhut, John Andy" userId="6ad675d3-541e-4813-9336-4804cd571dc7" providerId="ADAL" clId="{AB46A06D-E856-40B7-957C-0F50F3800040}" dt="2021-04-12T15:32:47.971" v="3"/>
+          <ac:spMkLst>
+            <pc:docMk/>
+            <pc:sldMk cId="1091789387" sldId="273"/>
+            <ac:spMk id="247" creationId="{8F9EB285-79CF-4156-A067-E0D9B954F9FB}"/>
+          </ac:spMkLst>
+        </pc:spChg>
+        <pc:spChg chg="mod">
+          <ac:chgData name="Fingerhut, John Andy" userId="6ad675d3-541e-4813-9336-4804cd571dc7" providerId="ADAL" clId="{AB46A06D-E856-40B7-957C-0F50F3800040}" dt="2021-04-12T15:32:47.971" v="3"/>
+          <ac:spMkLst>
+            <pc:docMk/>
+            <pc:sldMk cId="1091789387" sldId="273"/>
+            <ac:spMk id="250" creationId="{DE6F5B0E-AD8C-497A-AD7E-59F4EA9CF3A7}"/>
+          </ac:spMkLst>
+        </pc:spChg>
+        <pc:spChg chg="mod">
+          <ac:chgData name="Fingerhut, John Andy" userId="6ad675d3-541e-4813-9336-4804cd571dc7" providerId="ADAL" clId="{AB46A06D-E856-40B7-957C-0F50F3800040}" dt="2021-04-12T15:32:47.971" v="3"/>
+          <ac:spMkLst>
+            <pc:docMk/>
+            <pc:sldMk cId="1091789387" sldId="273"/>
+            <ac:spMk id="251" creationId="{F87431F3-DBD6-48C5-9D50-412E6199F245}"/>
+          </ac:spMkLst>
+        </pc:spChg>
+        <pc:spChg chg="mod">
+          <ac:chgData name="Fingerhut, John Andy" userId="6ad675d3-541e-4813-9336-4804cd571dc7" providerId="ADAL" clId="{AB46A06D-E856-40B7-957C-0F50F3800040}" dt="2021-04-12T15:32:47.971" v="3"/>
+          <ac:spMkLst>
+            <pc:docMk/>
+            <pc:sldMk cId="1091789387" sldId="273"/>
+            <ac:spMk id="252" creationId="{B849BBD3-A5B9-4E17-813E-D69D581EE6DC}"/>
+          </ac:spMkLst>
+        </pc:spChg>
+        <pc:spChg chg="mod">
+          <ac:chgData name="Fingerhut, John Andy" userId="6ad675d3-541e-4813-9336-4804cd571dc7" providerId="ADAL" clId="{AB46A06D-E856-40B7-957C-0F50F3800040}" dt="2021-04-12T15:32:47.971" v="3"/>
+          <ac:spMkLst>
+            <pc:docMk/>
+            <pc:sldMk cId="1091789387" sldId="273"/>
+            <ac:spMk id="259" creationId="{E382B92E-664A-4573-B636-0157070B835C}"/>
+          </ac:spMkLst>
+        </pc:spChg>
+        <pc:spChg chg="mod">
+          <ac:chgData name="Fingerhut, John Andy" userId="6ad675d3-541e-4813-9336-4804cd571dc7" providerId="ADAL" clId="{AB46A06D-E856-40B7-957C-0F50F3800040}" dt="2021-04-12T15:32:47.971" v="3"/>
+          <ac:spMkLst>
+            <pc:docMk/>
+            <pc:sldMk cId="1091789387" sldId="273"/>
+            <ac:spMk id="262" creationId="{E739ED30-7A02-425A-92E3-566A3D7D624A}"/>
+          </ac:spMkLst>
+        </pc:spChg>
+        <pc:spChg chg="mod">
+          <ac:chgData name="Fingerhut, John Andy" userId="6ad675d3-541e-4813-9336-4804cd571dc7" providerId="ADAL" clId="{AB46A06D-E856-40B7-957C-0F50F3800040}" dt="2021-04-12T15:32:47.971" v="3"/>
+          <ac:spMkLst>
+            <pc:docMk/>
+            <pc:sldMk cId="1091789387" sldId="273"/>
+            <ac:spMk id="263" creationId="{9CD43880-5503-49E1-95C6-808A00B687F7}"/>
+          </ac:spMkLst>
+        </pc:spChg>
+        <pc:spChg chg="mod">
+          <ac:chgData name="Fingerhut, John Andy" userId="6ad675d3-541e-4813-9336-4804cd571dc7" providerId="ADAL" clId="{AB46A06D-E856-40B7-957C-0F50F3800040}" dt="2021-04-12T15:32:47.971" v="3"/>
+          <ac:spMkLst>
+            <pc:docMk/>
+            <pc:sldMk cId="1091789387" sldId="273"/>
+            <ac:spMk id="264" creationId="{B8558D66-F563-4619-BBDC-4F3FF8118DE8}"/>
+          </ac:spMkLst>
+        </pc:spChg>
+        <pc:spChg chg="mod">
+          <ac:chgData name="Fingerhut, John Andy" userId="6ad675d3-541e-4813-9336-4804cd571dc7" providerId="ADAL" clId="{AB46A06D-E856-40B7-957C-0F50F3800040}" dt="2021-04-12T15:32:47.971" v="3"/>
+          <ac:spMkLst>
+            <pc:docMk/>
+            <pc:sldMk cId="1091789387" sldId="273"/>
+            <ac:spMk id="267" creationId="{BCF9FCC9-5798-40FD-ABAC-34BB060F0EBB}"/>
+          </ac:spMkLst>
+        </pc:spChg>
+        <pc:spChg chg="mod">
+          <ac:chgData name="Fingerhut, John Andy" userId="6ad675d3-541e-4813-9336-4804cd571dc7" providerId="ADAL" clId="{AB46A06D-E856-40B7-957C-0F50F3800040}" dt="2021-04-12T15:32:47.971" v="3"/>
+          <ac:spMkLst>
+            <pc:docMk/>
+            <pc:sldMk cId="1091789387" sldId="273"/>
+            <ac:spMk id="268" creationId="{99CF885C-AA89-4F44-AEEF-0292B6575942}"/>
+          </ac:spMkLst>
+        </pc:spChg>
+        <pc:spChg chg="mod">
+          <ac:chgData name="Fingerhut, John Andy" userId="6ad675d3-541e-4813-9336-4804cd571dc7" providerId="ADAL" clId="{AB46A06D-E856-40B7-957C-0F50F3800040}" dt="2021-04-12T15:32:47.971" v="3"/>
+          <ac:spMkLst>
+            <pc:docMk/>
+            <pc:sldMk cId="1091789387" sldId="273"/>
+            <ac:spMk id="269" creationId="{87FED087-287F-4559-A3A8-206139F371EB}"/>
+          </ac:spMkLst>
+        </pc:spChg>
+        <pc:spChg chg="add mod">
+          <ac:chgData name="Fingerhut, John Andy" userId="6ad675d3-541e-4813-9336-4804cd571dc7" providerId="ADAL" clId="{AB46A06D-E856-40B7-957C-0F50F3800040}" dt="2021-04-12T15:32:47.971" v="3"/>
+          <ac:spMkLst>
+            <pc:docMk/>
+            <pc:sldMk cId="1091789387" sldId="273"/>
+            <ac:spMk id="273" creationId="{A944B993-D7E2-4EBE-8E83-C3708249E589}"/>
+          </ac:spMkLst>
+        </pc:spChg>
+        <pc:spChg chg="add mod">
+          <ac:chgData name="Fingerhut, John Andy" userId="6ad675d3-541e-4813-9336-4804cd571dc7" providerId="ADAL" clId="{AB46A06D-E856-40B7-957C-0F50F3800040}" dt="2021-04-12T15:32:47.971" v="3"/>
+          <ac:spMkLst>
+            <pc:docMk/>
+            <pc:sldMk cId="1091789387" sldId="273"/>
+            <ac:spMk id="274" creationId="{FA122D6D-249C-4715-B438-29650AAC2F6B}"/>
+          </ac:spMkLst>
+        </pc:spChg>
+        <pc:spChg chg="add mod">
+          <ac:chgData name="Fingerhut, John Andy" userId="6ad675d3-541e-4813-9336-4804cd571dc7" providerId="ADAL" clId="{AB46A06D-E856-40B7-957C-0F50F3800040}" dt="2021-04-12T15:32:47.971" v="3"/>
+          <ac:spMkLst>
+            <pc:docMk/>
+            <pc:sldMk cId="1091789387" sldId="273"/>
+            <ac:spMk id="276" creationId="{B6A9F9C8-0B3A-408C-BF6E-3F54FE02E4D0}"/>
+          </ac:spMkLst>
+        </pc:spChg>
+        <pc:spChg chg="add mod">
+          <ac:chgData name="Fingerhut, John Andy" userId="6ad675d3-541e-4813-9336-4804cd571dc7" providerId="ADAL" clId="{AB46A06D-E856-40B7-957C-0F50F3800040}" dt="2021-04-12T15:32:47.971" v="3"/>
+          <ac:spMkLst>
+            <pc:docMk/>
+            <pc:sldMk cId="1091789387" sldId="273"/>
+            <ac:spMk id="277" creationId="{A550955F-E587-4E41-9780-79D794CCDF68}"/>
+          </ac:spMkLst>
+        </pc:spChg>
+        <pc:spChg chg="add mod">
+          <ac:chgData name="Fingerhut, John Andy" userId="6ad675d3-541e-4813-9336-4804cd571dc7" providerId="ADAL" clId="{AB46A06D-E856-40B7-957C-0F50F3800040}" dt="2021-04-12T15:32:47.971" v="3"/>
+          <ac:spMkLst>
+            <pc:docMk/>
+            <pc:sldMk cId="1091789387" sldId="273"/>
+            <ac:spMk id="283" creationId="{5D6A279C-2804-4242-AD41-B5BFE673A44A}"/>
+          </ac:spMkLst>
+        </pc:spChg>
+        <pc:spChg chg="add mod">
+          <ac:chgData name="Fingerhut, John Andy" userId="6ad675d3-541e-4813-9336-4804cd571dc7" providerId="ADAL" clId="{AB46A06D-E856-40B7-957C-0F50F3800040}" dt="2021-04-12T15:32:47.971" v="3"/>
+          <ac:spMkLst>
+            <pc:docMk/>
+            <pc:sldMk cId="1091789387" sldId="273"/>
+            <ac:spMk id="286" creationId="{C2862EDF-6CB8-473B-96F0-7B08BA4372DC}"/>
+          </ac:spMkLst>
+        </pc:spChg>
+        <pc:spChg chg="add mod">
+          <ac:chgData name="Fingerhut, John Andy" userId="6ad675d3-541e-4813-9336-4804cd571dc7" providerId="ADAL" clId="{AB46A06D-E856-40B7-957C-0F50F3800040}" dt="2021-04-12T15:32:47.971" v="3"/>
+          <ac:spMkLst>
+            <pc:docMk/>
+            <pc:sldMk cId="1091789387" sldId="273"/>
+            <ac:spMk id="287" creationId="{BC313380-86A5-40BC-857A-1E9599CB7604}"/>
+          </ac:spMkLst>
+        </pc:spChg>
+        <pc:spChg chg="add mod">
+          <ac:chgData name="Fingerhut, John Andy" userId="6ad675d3-541e-4813-9336-4804cd571dc7" providerId="ADAL" clId="{AB46A06D-E856-40B7-957C-0F50F3800040}" dt="2021-04-12T15:32:47.971" v="3"/>
+          <ac:spMkLst>
+            <pc:docMk/>
+            <pc:sldMk cId="1091789387" sldId="273"/>
+            <ac:spMk id="288" creationId="{AD45C259-3BDF-4D24-A628-AFA2804DB86A}"/>
+          </ac:spMkLst>
+        </pc:spChg>
+        <pc:spChg chg="add mod">
+          <ac:chgData name="Fingerhut, John Andy" userId="6ad675d3-541e-4813-9336-4804cd571dc7" providerId="ADAL" clId="{AB46A06D-E856-40B7-957C-0F50F3800040}" dt="2021-04-12T15:32:47.971" v="3"/>
+          <ac:spMkLst>
+            <pc:docMk/>
+            <pc:sldMk cId="1091789387" sldId="273"/>
+            <ac:spMk id="289" creationId="{009FF2E6-3B45-4B42-B075-BA4BF1C645DD}"/>
+          </ac:spMkLst>
+        </pc:spChg>
+        <pc:spChg chg="add mod">
+          <ac:chgData name="Fingerhut, John Andy" userId="6ad675d3-541e-4813-9336-4804cd571dc7" providerId="ADAL" clId="{AB46A06D-E856-40B7-957C-0F50F3800040}" dt="2021-04-12T15:32:47.971" v="3"/>
+          <ac:spMkLst>
+            <pc:docMk/>
+            <pc:sldMk cId="1091789387" sldId="273"/>
+            <ac:spMk id="290" creationId="{6C428765-A7D7-4AD9-9009-6BA2D842DE3E}"/>
+          </ac:spMkLst>
+        </pc:spChg>
+        <pc:spChg chg="add mod">
+          <ac:chgData name="Fingerhut, John Andy" userId="6ad675d3-541e-4813-9336-4804cd571dc7" providerId="ADAL" clId="{AB46A06D-E856-40B7-957C-0F50F3800040}" dt="2021-04-12T15:32:47.971" v="3"/>
+          <ac:spMkLst>
+            <pc:docMk/>
+            <pc:sldMk cId="1091789387" sldId="273"/>
+            <ac:spMk id="302" creationId="{B792A41C-06A7-4FAC-A54E-95C77477E0E5}"/>
+          </ac:spMkLst>
+        </pc:spChg>
+        <pc:spChg chg="add mod">
+          <ac:chgData name="Fingerhut, John Andy" userId="6ad675d3-541e-4813-9336-4804cd571dc7" providerId="ADAL" clId="{AB46A06D-E856-40B7-957C-0F50F3800040}" dt="2021-04-12T15:32:47.971" v="3"/>
+          <ac:spMkLst>
+            <pc:docMk/>
+            <pc:sldMk cId="1091789387" sldId="273"/>
+            <ac:spMk id="304" creationId="{2238240A-BE3B-4E7C-800D-27309503901B}"/>
+          </ac:spMkLst>
+        </pc:spChg>
+        <pc:spChg chg="add mod">
+          <ac:chgData name="Fingerhut, John Andy" userId="6ad675d3-541e-4813-9336-4804cd571dc7" providerId="ADAL" clId="{AB46A06D-E856-40B7-957C-0F50F3800040}" dt="2021-04-12T15:32:47.971" v="3"/>
+          <ac:spMkLst>
+            <pc:docMk/>
+            <pc:sldMk cId="1091789387" sldId="273"/>
+            <ac:spMk id="307" creationId="{713EFF7B-52ED-43B8-BB1A-73445955696C}"/>
+          </ac:spMkLst>
+        </pc:spChg>
+        <pc:spChg chg="add mod">
+          <ac:chgData name="Fingerhut, John Andy" userId="6ad675d3-541e-4813-9336-4804cd571dc7" providerId="ADAL" clId="{AB46A06D-E856-40B7-957C-0F50F3800040}" dt="2021-04-12T15:33:36.820" v="20" actId="1076"/>
+          <ac:spMkLst>
+            <pc:docMk/>
+            <pc:sldMk cId="1091789387" sldId="273"/>
+            <ac:spMk id="310" creationId="{981107E8-DE2D-4888-BCFC-33D69FEF332E}"/>
+          </ac:spMkLst>
+        </pc:spChg>
+        <pc:spChg chg="add mod">
+          <ac:chgData name="Fingerhut, John Andy" userId="6ad675d3-541e-4813-9336-4804cd571dc7" providerId="ADAL" clId="{AB46A06D-E856-40B7-957C-0F50F3800040}" dt="2021-04-12T15:34:15.500" v="43" actId="1076"/>
+          <ac:spMkLst>
+            <pc:docMk/>
+            <pc:sldMk cId="1091789387" sldId="273"/>
+            <ac:spMk id="311" creationId="{817919C8-F833-43A3-8A44-4D58815D9EAD}"/>
+          </ac:spMkLst>
+        </pc:spChg>
+        <pc:spChg chg="add mod">
+          <ac:chgData name="Fingerhut, John Andy" userId="6ad675d3-541e-4813-9336-4804cd571dc7" providerId="ADAL" clId="{AB46A06D-E856-40B7-957C-0F50F3800040}" dt="2021-04-12T15:34:56.842" v="70" actId="1076"/>
+          <ac:spMkLst>
+            <pc:docMk/>
+            <pc:sldMk cId="1091789387" sldId="273"/>
+            <ac:spMk id="312" creationId="{DF91EB96-4E37-4BAD-AE0C-B421AB9B6A31}"/>
+          </ac:spMkLst>
+        </pc:spChg>
+        <pc:spChg chg="add mod">
+          <ac:chgData name="Fingerhut, John Andy" userId="6ad675d3-541e-4813-9336-4804cd571dc7" providerId="ADAL" clId="{AB46A06D-E856-40B7-957C-0F50F3800040}" dt="2021-04-12T15:35:19.474" v="87" actId="20577"/>
+          <ac:spMkLst>
+            <pc:docMk/>
+            <pc:sldMk cId="1091789387" sldId="273"/>
+            <ac:spMk id="313" creationId="{7AD35517-AAB9-439E-949C-2F8377393A25}"/>
+          </ac:spMkLst>
+        </pc:spChg>
+        <pc:spChg chg="add del mod">
+          <ac:chgData name="Fingerhut, John Andy" userId="6ad675d3-541e-4813-9336-4804cd571dc7" providerId="ADAL" clId="{AB46A06D-E856-40B7-957C-0F50F3800040}" dt="2021-04-12T15:36:08.045" v="102" actId="478"/>
+          <ac:spMkLst>
+            <pc:docMk/>
+            <pc:sldMk cId="1091789387" sldId="273"/>
+            <ac:spMk id="314" creationId="{1580A13D-89C2-4C2D-A109-2CD02CC6712F}"/>
+          </ac:spMkLst>
+        </pc:spChg>
+        <pc:spChg chg="add del mod">
+          <ac:chgData name="Fingerhut, John Andy" userId="6ad675d3-541e-4813-9336-4804cd571dc7" providerId="ADAL" clId="{AB46A06D-E856-40B7-957C-0F50F3800040}" dt="2021-04-12T15:36:05.567" v="101" actId="478"/>
+          <ac:spMkLst>
+            <pc:docMk/>
+            <pc:sldMk cId="1091789387" sldId="273"/>
+            <ac:spMk id="315" creationId="{8F0D46E5-8CD8-4CB3-866A-C3187460B975}"/>
+          </ac:spMkLst>
+        </pc:spChg>
+        <pc:grpChg chg="del">
+          <ac:chgData name="Fingerhut, John Andy" userId="6ad675d3-541e-4813-9336-4804cd571dc7" providerId="ADAL" clId="{AB46A06D-E856-40B7-957C-0F50F3800040}" dt="2021-04-12T15:32:47.355" v="2" actId="478"/>
+          <ac:grpSpMkLst>
+            <pc:docMk/>
+            <pc:sldMk cId="1091789387" sldId="273"/>
+            <ac:grpSpMk id="25" creationId="{D3A54630-E9F6-45DD-998F-E5DC0F14A399}"/>
+          </ac:grpSpMkLst>
+        </pc:grpChg>
+        <pc:grpChg chg="del">
+          <ac:chgData name="Fingerhut, John Andy" userId="6ad675d3-541e-4813-9336-4804cd571dc7" providerId="ADAL" clId="{AB46A06D-E856-40B7-957C-0F50F3800040}" dt="2021-04-12T15:32:47.355" v="2" actId="478"/>
+          <ac:grpSpMkLst>
+            <pc:docMk/>
+            <pc:sldMk cId="1091789387" sldId="273"/>
+            <ac:grpSpMk id="78" creationId="{45FA8724-A465-47A6-9A0E-9F107AF39809}"/>
+          </ac:grpSpMkLst>
+        </pc:grpChg>
+        <pc:grpChg chg="del">
+          <ac:chgData name="Fingerhut, John Andy" userId="6ad675d3-541e-4813-9336-4804cd571dc7" providerId="ADAL" clId="{AB46A06D-E856-40B7-957C-0F50F3800040}" dt="2021-04-12T15:32:47.355" v="2" actId="478"/>
+          <ac:grpSpMkLst>
+            <pc:docMk/>
+            <pc:sldMk cId="1091789387" sldId="273"/>
+            <ac:grpSpMk id="83" creationId="{1C834900-1FBA-4F79-9BAA-4729CB027B15}"/>
+          </ac:grpSpMkLst>
+        </pc:grpChg>
+        <pc:grpChg chg="add del mod">
+          <ac:chgData name="Fingerhut, John Andy" userId="6ad675d3-541e-4813-9336-4804cd571dc7" providerId="ADAL" clId="{AB46A06D-E856-40B7-957C-0F50F3800040}" dt="2021-04-12T15:32:44.138" v="1"/>
+          <ac:grpSpMkLst>
+            <pc:docMk/>
+            <pc:sldMk cId="1091789387" sldId="273"/>
+            <ac:grpSpMk id="132" creationId="{01D9807C-9514-4F84-8ACF-1D830081C68A}"/>
+          </ac:grpSpMkLst>
+        </pc:grpChg>
+        <pc:grpChg chg="mod">
+          <ac:chgData name="Fingerhut, John Andy" userId="6ad675d3-541e-4813-9336-4804cd571dc7" providerId="ADAL" clId="{AB46A06D-E856-40B7-957C-0F50F3800040}" dt="2021-04-12T15:32:41.886" v="0"/>
+          <ac:grpSpMkLst>
+            <pc:docMk/>
+            <pc:sldMk cId="1091789387" sldId="273"/>
+            <ac:grpSpMk id="133" creationId="{7713AE68-4734-4127-81B1-03672D287B7D}"/>
+          </ac:grpSpMkLst>
+        </pc:grpChg>
+        <pc:grpChg chg="mod">
+          <ac:chgData name="Fingerhut, John Andy" userId="6ad675d3-541e-4813-9336-4804cd571dc7" providerId="ADAL" clId="{AB46A06D-E856-40B7-957C-0F50F3800040}" dt="2021-04-12T15:32:41.886" v="0"/>
+          <ac:grpSpMkLst>
+            <pc:docMk/>
+            <pc:sldMk cId="1091789387" sldId="273"/>
+            <ac:grpSpMk id="135" creationId="{168107C3-ED2F-4A15-8AF1-2598C3D4BA8E}"/>
+          </ac:grpSpMkLst>
+        </pc:grpChg>
+        <pc:grpChg chg="add del mod">
+          <ac:chgData name="Fingerhut, John Andy" userId="6ad675d3-541e-4813-9336-4804cd571dc7" providerId="ADAL" clId="{AB46A06D-E856-40B7-957C-0F50F3800040}" dt="2021-04-12T15:32:44.138" v="1"/>
+          <ac:grpSpMkLst>
+            <pc:docMk/>
+            <pc:sldMk cId="1091789387" sldId="273"/>
+            <ac:grpSpMk id="153" creationId="{1D01A4BC-C03E-405C-98CA-D743FFA577FB}"/>
+          </ac:grpSpMkLst>
+        </pc:grpChg>
+        <pc:grpChg chg="mod">
+          <ac:chgData name="Fingerhut, John Andy" userId="6ad675d3-541e-4813-9336-4804cd571dc7" providerId="ADAL" clId="{AB46A06D-E856-40B7-957C-0F50F3800040}" dt="2021-04-12T15:32:41.886" v="0"/>
+          <ac:grpSpMkLst>
+            <pc:docMk/>
+            <pc:sldMk cId="1091789387" sldId="273"/>
+            <ac:grpSpMk id="154" creationId="{963FCCD3-6620-47B6-A5AF-19B1B8586448}"/>
+          </ac:grpSpMkLst>
+        </pc:grpChg>
+        <pc:grpChg chg="mod">
+          <ac:chgData name="Fingerhut, John Andy" userId="6ad675d3-541e-4813-9336-4804cd571dc7" providerId="ADAL" clId="{AB46A06D-E856-40B7-957C-0F50F3800040}" dt="2021-04-12T15:32:41.886" v="0"/>
+          <ac:grpSpMkLst>
+            <pc:docMk/>
+            <pc:sldMk cId="1091789387" sldId="273"/>
+            <ac:grpSpMk id="156" creationId="{CEC5D023-BD3D-4178-BDC4-A835307FDC1D}"/>
+          </ac:grpSpMkLst>
+        </pc:grpChg>
+        <pc:grpChg chg="del">
+          <ac:chgData name="Fingerhut, John Andy" userId="6ad675d3-541e-4813-9336-4804cd571dc7" providerId="ADAL" clId="{AB46A06D-E856-40B7-957C-0F50F3800040}" dt="2021-04-12T15:32:47.355" v="2" actId="478"/>
+          <ac:grpSpMkLst>
+            <pc:docMk/>
+            <pc:sldMk cId="1091789387" sldId="273"/>
+            <ac:grpSpMk id="163" creationId="{8608615B-EB0D-4D19-94C6-BA8F0B161E4B}"/>
+          </ac:grpSpMkLst>
+        </pc:grpChg>
+        <pc:grpChg chg="del">
+          <ac:chgData name="Fingerhut, John Andy" userId="6ad675d3-541e-4813-9336-4804cd571dc7" providerId="ADAL" clId="{AB46A06D-E856-40B7-957C-0F50F3800040}" dt="2021-04-12T15:32:47.355" v="2" actId="478"/>
+          <ac:grpSpMkLst>
+            <pc:docMk/>
+            <pc:sldMk cId="1091789387" sldId="273"/>
+            <ac:grpSpMk id="177" creationId="{AAC1F68D-05B8-4B51-8587-059500FE3478}"/>
+          </ac:grpSpMkLst>
+        </pc:grpChg>
+        <pc:grpChg chg="add mod">
+          <ac:chgData name="Fingerhut, John Andy" userId="6ad675d3-541e-4813-9336-4804cd571dc7" providerId="ADAL" clId="{AB46A06D-E856-40B7-957C-0F50F3800040}" dt="2021-04-12T15:32:47.971" v="3"/>
+          <ac:grpSpMkLst>
+            <pc:docMk/>
+            <pc:sldMk cId="1091789387" sldId="273"/>
+            <ac:grpSpMk id="239" creationId="{7AB11CB4-1483-4384-BFD8-CB28863FBB6A}"/>
+          </ac:grpSpMkLst>
+        </pc:grpChg>
+        <pc:grpChg chg="mod">
+          <ac:chgData name="Fingerhut, John Andy" userId="6ad675d3-541e-4813-9336-4804cd571dc7" providerId="ADAL" clId="{AB46A06D-E856-40B7-957C-0F50F3800040}" dt="2021-04-12T15:32:47.971" v="3"/>
+          <ac:grpSpMkLst>
+            <pc:docMk/>
+            <pc:sldMk cId="1091789387" sldId="273"/>
+            <ac:grpSpMk id="240" creationId="{473D80A0-7581-4A88-9511-55AFCF94F3C2}"/>
+          </ac:grpSpMkLst>
+        </pc:grpChg>
+        <pc:grpChg chg="mod">
+          <ac:chgData name="Fingerhut, John Andy" userId="6ad675d3-541e-4813-9336-4804cd571dc7" providerId="ADAL" clId="{AB46A06D-E856-40B7-957C-0F50F3800040}" dt="2021-04-12T15:32:47.971" v="3"/>
+          <ac:grpSpMkLst>
+            <pc:docMk/>
+            <pc:sldMk cId="1091789387" sldId="273"/>
+            <ac:grpSpMk id="241" creationId="{2B66C1FB-22FC-4731-98C9-928FB454CA77}"/>
+          </ac:grpSpMkLst>
+        </pc:grpChg>
+        <pc:grpChg chg="add mod">
+          <ac:chgData name="Fingerhut, John Andy" userId="6ad675d3-541e-4813-9336-4804cd571dc7" providerId="ADAL" clId="{AB46A06D-E856-40B7-957C-0F50F3800040}" dt="2021-04-12T15:32:47.971" v="3"/>
+          <ac:grpSpMkLst>
+            <pc:docMk/>
+            <pc:sldMk cId="1091789387" sldId="273"/>
+            <ac:grpSpMk id="256" creationId="{411D4FB8-0363-49AC-8F8A-8727B1637CD2}"/>
+          </ac:grpSpMkLst>
+        </pc:grpChg>
+        <pc:grpChg chg="mod">
+          <ac:chgData name="Fingerhut, John Andy" userId="6ad675d3-541e-4813-9336-4804cd571dc7" providerId="ADAL" clId="{AB46A06D-E856-40B7-957C-0F50F3800040}" dt="2021-04-12T15:32:47.971" v="3"/>
+          <ac:grpSpMkLst>
+            <pc:docMk/>
+            <pc:sldMk cId="1091789387" sldId="273"/>
+            <ac:grpSpMk id="257" creationId="{B6A68A3E-EE6C-439A-A4EA-AAB7DE163770}"/>
+          </ac:grpSpMkLst>
+        </pc:grpChg>
+        <pc:grpChg chg="mod">
+          <ac:chgData name="Fingerhut, John Andy" userId="6ad675d3-541e-4813-9336-4804cd571dc7" providerId="ADAL" clId="{AB46A06D-E856-40B7-957C-0F50F3800040}" dt="2021-04-12T15:32:47.971" v="3"/>
+          <ac:grpSpMkLst>
+            <pc:docMk/>
+            <pc:sldMk cId="1091789387" sldId="273"/>
+            <ac:grpSpMk id="258" creationId="{2EC64FAF-9E49-45E6-9EF9-9945277230B8}"/>
+          </ac:grpSpMkLst>
+        </pc:grpChg>
+        <pc:cxnChg chg="del mod">
+          <ac:chgData name="Fingerhut, John Andy" userId="6ad675d3-541e-4813-9336-4804cd571dc7" providerId="ADAL" clId="{AB46A06D-E856-40B7-957C-0F50F3800040}" dt="2021-04-12T15:32:47.355" v="2" actId="478"/>
+          <ac:cxnSpMkLst>
+            <pc:docMk/>
+            <pc:sldMk cId="1091789387" sldId="273"/>
+            <ac:cxnSpMk id="17" creationId="{415C7822-4030-42AD-AB86-5852B4DD265D}"/>
+          </ac:cxnSpMkLst>
+        </pc:cxnChg>
+        <pc:cxnChg chg="del">
+          <ac:chgData name="Fingerhut, John Andy" userId="6ad675d3-541e-4813-9336-4804cd571dc7" providerId="ADAL" clId="{AB46A06D-E856-40B7-957C-0F50F3800040}" dt="2021-04-12T15:32:47.355" v="2" actId="478"/>
+          <ac:cxnSpMkLst>
+            <pc:docMk/>
+            <pc:sldMk cId="1091789387" sldId="273"/>
+            <ac:cxnSpMk id="43" creationId="{9FEFDBCA-8D42-4559-B5B7-7B17A99615BD}"/>
+          </ac:cxnSpMkLst>
+        </pc:cxnChg>
+        <pc:cxnChg chg="del mod">
+          <ac:chgData name="Fingerhut, John Andy" userId="6ad675d3-541e-4813-9336-4804cd571dc7" providerId="ADAL" clId="{AB46A06D-E856-40B7-957C-0F50F3800040}" dt="2021-04-12T15:32:47.355" v="2" actId="478"/>
+          <ac:cxnSpMkLst>
+            <pc:docMk/>
+            <pc:sldMk cId="1091789387" sldId="273"/>
+            <ac:cxnSpMk id="49" creationId="{265B6322-C564-4122-876E-0B2152445370}"/>
+          </ac:cxnSpMkLst>
+        </pc:cxnChg>
+        <pc:cxnChg chg="del">
+          <ac:chgData name="Fingerhut, John Andy" userId="6ad675d3-541e-4813-9336-4804cd571dc7" providerId="ADAL" clId="{AB46A06D-E856-40B7-957C-0F50F3800040}" dt="2021-04-12T15:32:47.355" v="2" actId="478"/>
+          <ac:cxnSpMkLst>
+            <pc:docMk/>
+            <pc:sldMk cId="1091789387" sldId="273"/>
+            <ac:cxnSpMk id="50" creationId="{516664ED-D0D4-46ED-91FF-5BDE567A773D}"/>
+          </ac:cxnSpMkLst>
+        </pc:cxnChg>
+        <pc:cxnChg chg="mod">
+          <ac:chgData name="Fingerhut, John Andy" userId="6ad675d3-541e-4813-9336-4804cd571dc7" providerId="ADAL" clId="{AB46A06D-E856-40B7-957C-0F50F3800040}" dt="2021-04-12T15:32:47.355" v="2" actId="478"/>
+          <ac:cxnSpMkLst>
+            <pc:docMk/>
+            <pc:sldMk cId="1091789387" sldId="273"/>
+            <ac:cxnSpMk id="63" creationId="{06F1B34D-78E2-4CD7-A79E-D052F378D7AC}"/>
+          </ac:cxnSpMkLst>
+        </pc:cxnChg>
+        <pc:cxnChg chg="mod">
+          <ac:chgData name="Fingerhut, John Andy" userId="6ad675d3-541e-4813-9336-4804cd571dc7" providerId="ADAL" clId="{AB46A06D-E856-40B7-957C-0F50F3800040}" dt="2021-04-12T15:32:47.355" v="2" actId="478"/>
+          <ac:cxnSpMkLst>
+            <pc:docMk/>
+            <pc:sldMk cId="1091789387" sldId="273"/>
+            <ac:cxnSpMk id="70" creationId="{5AAC09B2-0041-43CD-ABEB-047275A88945}"/>
+          </ac:cxnSpMkLst>
+        </pc:cxnChg>
+        <pc:cxnChg chg="mod">
+          <ac:chgData name="Fingerhut, John Andy" userId="6ad675d3-541e-4813-9336-4804cd571dc7" providerId="ADAL" clId="{AB46A06D-E856-40B7-957C-0F50F3800040}" dt="2021-04-12T15:32:47.355" v="2" actId="478"/>
+          <ac:cxnSpMkLst>
+            <pc:docMk/>
+            <pc:sldMk cId="1091789387" sldId="273"/>
+            <ac:cxnSpMk id="74" creationId="{F9729964-2882-4AE9-AFD2-1FA623551E12}"/>
+          </ac:cxnSpMkLst>
+        </pc:cxnChg>
+        <pc:cxnChg chg="mod">
+          <ac:chgData name="Fingerhut, John Andy" userId="6ad675d3-541e-4813-9336-4804cd571dc7" providerId="ADAL" clId="{AB46A06D-E856-40B7-957C-0F50F3800040}" dt="2021-04-12T15:32:47.355" v="2" actId="478"/>
+          <ac:cxnSpMkLst>
+            <pc:docMk/>
+            <pc:sldMk cId="1091789387" sldId="273"/>
+            <ac:cxnSpMk id="75" creationId="{FF3752F6-B834-45F7-9B97-364258E51903}"/>
+          </ac:cxnSpMkLst>
+        </pc:cxnChg>
+        <pc:cxnChg chg="del mod">
+          <ac:chgData name="Fingerhut, John Andy" userId="6ad675d3-541e-4813-9336-4804cd571dc7" providerId="ADAL" clId="{AB46A06D-E856-40B7-957C-0F50F3800040}" dt="2021-04-12T15:32:47.355" v="2" actId="478"/>
+          <ac:cxnSpMkLst>
+            <pc:docMk/>
+            <pc:sldMk cId="1091789387" sldId="273"/>
+            <ac:cxnSpMk id="80" creationId="{236BE345-2EA6-45DD-85B2-ACD4C19A91F5}"/>
+          </ac:cxnSpMkLst>
+        </pc:cxnChg>
+        <pc:cxnChg chg="mod">
+          <ac:chgData name="Fingerhut, John Andy" userId="6ad675d3-541e-4813-9336-4804cd571dc7" providerId="ADAL" clId="{AB46A06D-E856-40B7-957C-0F50F3800040}" dt="2021-04-12T15:32:47.355" v="2" actId="478"/>
+          <ac:cxnSpMkLst>
+            <pc:docMk/>
+            <pc:sldMk cId="1091789387" sldId="273"/>
+            <ac:cxnSpMk id="87" creationId="{B4F37508-E32F-4F43-B165-1554A5AB679E}"/>
+          </ac:cxnSpMkLst>
+        </pc:cxnChg>
+        <pc:cxnChg chg="mod">
+          <ac:chgData name="Fingerhut, John Andy" userId="6ad675d3-541e-4813-9336-4804cd571dc7" providerId="ADAL" clId="{AB46A06D-E856-40B7-957C-0F50F3800040}" dt="2021-04-12T15:32:47.355" v="2" actId="478"/>
+          <ac:cxnSpMkLst>
+            <pc:docMk/>
+            <pc:sldMk cId="1091789387" sldId="273"/>
+            <ac:cxnSpMk id="88" creationId="{8EA0C0BF-71AF-491F-8D77-A19CCBAC8916}"/>
+          </ac:cxnSpMkLst>
+        </pc:cxnChg>
+        <pc:cxnChg chg="mod">
+          <ac:chgData name="Fingerhut, John Andy" userId="6ad675d3-541e-4813-9336-4804cd571dc7" providerId="ADAL" clId="{AB46A06D-E856-40B7-957C-0F50F3800040}" dt="2021-04-12T15:32:47.355" v="2" actId="478"/>
+          <ac:cxnSpMkLst>
+            <pc:docMk/>
+            <pc:sldMk cId="1091789387" sldId="273"/>
+            <ac:cxnSpMk id="92" creationId="{A0AC4723-CB26-4590-80A1-F7276F18C7C4}"/>
+          </ac:cxnSpMkLst>
+        </pc:cxnChg>
+        <pc:cxnChg chg="mod">
+          <ac:chgData name="Fingerhut, John Andy" userId="6ad675d3-541e-4813-9336-4804cd571dc7" providerId="ADAL" clId="{AB46A06D-E856-40B7-957C-0F50F3800040}" dt="2021-04-12T15:32:47.355" v="2" actId="478"/>
+          <ac:cxnSpMkLst>
+            <pc:docMk/>
+            <pc:sldMk cId="1091789387" sldId="273"/>
+            <ac:cxnSpMk id="97" creationId="{9A9CB8A9-645C-47BF-A98F-F493E5C3BF7C}"/>
+          </ac:cxnSpMkLst>
+        </pc:cxnChg>
+        <pc:cxnChg chg="del mod">
+          <ac:chgData name="Fingerhut, John Andy" userId="6ad675d3-541e-4813-9336-4804cd571dc7" providerId="ADAL" clId="{AB46A06D-E856-40B7-957C-0F50F3800040}" dt="2021-04-12T15:32:47.355" v="2" actId="478"/>
+          <ac:cxnSpMkLst>
+            <pc:docMk/>
+            <pc:sldMk cId="1091789387" sldId="273"/>
+            <ac:cxnSpMk id="100" creationId="{F4860C18-D645-4EE6-BCDB-79FE3B828918}"/>
+          </ac:cxnSpMkLst>
+        </pc:cxnChg>
+        <pc:cxnChg chg="del">
+          <ac:chgData name="Fingerhut, John Andy" userId="6ad675d3-541e-4813-9336-4804cd571dc7" providerId="ADAL" clId="{AB46A06D-E856-40B7-957C-0F50F3800040}" dt="2021-04-12T15:32:47.355" v="2" actId="478"/>
+          <ac:cxnSpMkLst>
+            <pc:docMk/>
+            <pc:sldMk cId="1091789387" sldId="273"/>
+            <ac:cxnSpMk id="112" creationId="{C64DEB71-3093-431E-88AF-4C2BE81668EF}"/>
+          </ac:cxnSpMkLst>
+        </pc:cxnChg>
+        <pc:cxnChg chg="del">
+          <ac:chgData name="Fingerhut, John Andy" userId="6ad675d3-541e-4813-9336-4804cd571dc7" providerId="ADAL" clId="{AB46A06D-E856-40B7-957C-0F50F3800040}" dt="2021-04-12T15:32:47.355" v="2" actId="478"/>
+          <ac:cxnSpMkLst>
+            <pc:docMk/>
+            <pc:sldMk cId="1091789387" sldId="273"/>
+            <ac:cxnSpMk id="115" creationId="{368C70F1-7509-412A-8F1A-A518E73EEB07}"/>
+          </ac:cxnSpMkLst>
+        </pc:cxnChg>
+        <pc:cxnChg chg="del">
+          <ac:chgData name="Fingerhut, John Andy" userId="6ad675d3-541e-4813-9336-4804cd571dc7" providerId="ADAL" clId="{AB46A06D-E856-40B7-957C-0F50F3800040}" dt="2021-04-12T15:32:47.355" v="2" actId="478"/>
+          <ac:cxnSpMkLst>
+            <pc:docMk/>
+            <pc:sldMk cId="1091789387" sldId="273"/>
+            <ac:cxnSpMk id="116" creationId="{D6EAE7FF-ED18-4376-A74D-07B093B5896D}"/>
+          </ac:cxnSpMkLst>
+        </pc:cxnChg>
+        <pc:cxnChg chg="del">
+          <ac:chgData name="Fingerhut, John Andy" userId="6ad675d3-541e-4813-9336-4804cd571dc7" providerId="ADAL" clId="{AB46A06D-E856-40B7-957C-0F50F3800040}" dt="2021-04-12T15:32:47.355" v="2" actId="478"/>
+          <ac:cxnSpMkLst>
+            <pc:docMk/>
+            <pc:sldMk cId="1091789387" sldId="273"/>
+            <ac:cxnSpMk id="117" creationId="{2B8B9C9F-8E4C-4C30-AB47-9A5A956DF566}"/>
+          </ac:cxnSpMkLst>
+        </pc:cxnChg>
+        <pc:cxnChg chg="del mod">
+          <ac:chgData name="Fingerhut, John Andy" userId="6ad675d3-541e-4813-9336-4804cd571dc7" providerId="ADAL" clId="{AB46A06D-E856-40B7-957C-0F50F3800040}" dt="2021-04-12T15:32:47.355" v="2" actId="478"/>
+          <ac:cxnSpMkLst>
+            <pc:docMk/>
+            <pc:sldMk cId="1091789387" sldId="273"/>
+            <ac:cxnSpMk id="118" creationId="{40462665-FCF8-4E8C-943A-0EF224BA3563}"/>
+          </ac:cxnSpMkLst>
+        </pc:cxnChg>
+        <pc:cxnChg chg="add del mod">
+          <ac:chgData name="Fingerhut, John Andy" userId="6ad675d3-541e-4813-9336-4804cd571dc7" providerId="ADAL" clId="{AB46A06D-E856-40B7-957C-0F50F3800040}" dt="2021-04-12T15:32:44.138" v="1"/>
+          <ac:cxnSpMkLst>
+            <pc:docMk/>
+            <pc:sldMk cId="1091789387" sldId="273"/>
+            <ac:cxnSpMk id="119" creationId="{9672BDF6-E014-4016-BBD0-FCE1EC811952}"/>
+          </ac:cxnSpMkLst>
+        </pc:cxnChg>
+        <pc:cxnChg chg="add del mod">
+          <ac:chgData name="Fingerhut, John Andy" userId="6ad675d3-541e-4813-9336-4804cd571dc7" providerId="ADAL" clId="{AB46A06D-E856-40B7-957C-0F50F3800040}" dt="2021-04-12T15:32:44.138" v="1"/>
+          <ac:cxnSpMkLst>
+            <pc:docMk/>
+            <pc:sldMk cId="1091789387" sldId="273"/>
+            <ac:cxnSpMk id="122" creationId="{582A97D1-A590-4CDB-A5CF-ABF476095044}"/>
+          </ac:cxnSpMkLst>
+        </pc:cxnChg>
+        <pc:cxnChg chg="del mod">
+          <ac:chgData name="Fingerhut, John Andy" userId="6ad675d3-541e-4813-9336-4804cd571dc7" providerId="ADAL" clId="{AB46A06D-E856-40B7-957C-0F50F3800040}" dt="2021-04-12T15:32:47.355" v="2" actId="478"/>
+          <ac:cxnSpMkLst>
+            <pc:docMk/>
+            <pc:sldMk cId="1091789387" sldId="273"/>
+            <ac:cxnSpMk id="123" creationId="{64C4D15B-D90A-42A1-857E-79AACC8E1ED6}"/>
+          </ac:cxnSpMkLst>
+        </pc:cxnChg>
+        <pc:cxnChg chg="add del mod">
+          <ac:chgData name="Fingerhut, John Andy" userId="6ad675d3-541e-4813-9336-4804cd571dc7" providerId="ADAL" clId="{AB46A06D-E856-40B7-957C-0F50F3800040}" dt="2021-04-12T15:32:44.138" v="1"/>
+          <ac:cxnSpMkLst>
+            <pc:docMk/>
+            <pc:sldMk cId="1091789387" sldId="273"/>
+            <ac:cxnSpMk id="124" creationId="{91E72D80-E74A-4575-9DEF-E80C5C8FF161}"/>
+          </ac:cxnSpMkLst>
+        </pc:cxnChg>
+        <pc:cxnChg chg="add del mod">
+          <ac:chgData name="Fingerhut, John Andy" userId="6ad675d3-541e-4813-9336-4804cd571dc7" providerId="ADAL" clId="{AB46A06D-E856-40B7-957C-0F50F3800040}" dt="2021-04-12T15:32:44.138" v="1"/>
+          <ac:cxnSpMkLst>
+            <pc:docMk/>
+            <pc:sldMk cId="1091789387" sldId="273"/>
+            <ac:cxnSpMk id="125" creationId="{F0A80A54-2DAC-4FAE-A5F8-274EA16173D1}"/>
+          </ac:cxnSpMkLst>
+        </pc:cxnChg>
+        <pc:cxnChg chg="del mod">
+          <ac:chgData name="Fingerhut, John Andy" userId="6ad675d3-541e-4813-9336-4804cd571dc7" providerId="ADAL" clId="{AB46A06D-E856-40B7-957C-0F50F3800040}" dt="2021-04-12T15:32:47.355" v="2" actId="478"/>
+          <ac:cxnSpMkLst>
+            <pc:docMk/>
+            <pc:sldMk cId="1091789387" sldId="273"/>
+            <ac:cxnSpMk id="127" creationId="{06F7C2A5-01AD-4181-B101-3CF0F11BE2B8}"/>
+          </ac:cxnSpMkLst>
+        </pc:cxnChg>
+        <pc:cxnChg chg="add del mod">
+          <ac:chgData name="Fingerhut, John Andy" userId="6ad675d3-541e-4813-9336-4804cd571dc7" providerId="ADAL" clId="{AB46A06D-E856-40B7-957C-0F50F3800040}" dt="2021-04-12T15:32:44.138" v="1"/>
+          <ac:cxnSpMkLst>
+            <pc:docMk/>
+            <pc:sldMk cId="1091789387" sldId="273"/>
+            <ac:cxnSpMk id="128" creationId="{A2B6D4A2-1E41-43CD-AD60-F900CCC47807}"/>
+          </ac:cxnSpMkLst>
+        </pc:cxnChg>
+        <pc:cxnChg chg="add del mod">
+          <ac:chgData name="Fingerhut, John Andy" userId="6ad675d3-541e-4813-9336-4804cd571dc7" providerId="ADAL" clId="{AB46A06D-E856-40B7-957C-0F50F3800040}" dt="2021-04-12T15:32:44.138" v="1"/>
+          <ac:cxnSpMkLst>
+            <pc:docMk/>
+            <pc:sldMk cId="1091789387" sldId="273"/>
+            <ac:cxnSpMk id="129" creationId="{7D080BBC-9530-4717-8B1B-D1DADE2A1519}"/>
+          </ac:cxnSpMkLst>
+        </pc:cxnChg>
+        <pc:cxnChg chg="add del mod">
+          <ac:chgData name="Fingerhut, John Andy" userId="6ad675d3-541e-4813-9336-4804cd571dc7" providerId="ADAL" clId="{AB46A06D-E856-40B7-957C-0F50F3800040}" dt="2021-04-12T15:32:44.138" v="1"/>
+          <ac:cxnSpMkLst>
+            <pc:docMk/>
+            <pc:sldMk cId="1091789387" sldId="273"/>
+            <ac:cxnSpMk id="130" creationId="{16598EE9-72D9-4166-AAF3-BEB6DFA146EF}"/>
+          </ac:cxnSpMkLst>
+        </pc:cxnChg>
+        <pc:cxnChg chg="add del mod">
+          <ac:chgData name="Fingerhut, John Andy" userId="6ad675d3-541e-4813-9336-4804cd571dc7" providerId="ADAL" clId="{AB46A06D-E856-40B7-957C-0F50F3800040}" dt="2021-04-12T15:32:44.138" v="1"/>
+          <ac:cxnSpMkLst>
+            <pc:docMk/>
+            <pc:sldMk cId="1091789387" sldId="273"/>
+            <ac:cxnSpMk id="131" creationId="{CFF65539-B5B8-4B88-83B7-D763B5405D89}"/>
+          </ac:cxnSpMkLst>
+        </pc:cxnChg>
+        <pc:cxnChg chg="del mod">
+          <ac:chgData name="Fingerhut, John Andy" userId="6ad675d3-541e-4813-9336-4804cd571dc7" providerId="ADAL" clId="{AB46A06D-E856-40B7-957C-0F50F3800040}" dt="2021-04-12T15:32:47.355" v="2" actId="478"/>
+          <ac:cxnSpMkLst>
+            <pc:docMk/>
+            <pc:sldMk cId="1091789387" sldId="273"/>
+            <ac:cxnSpMk id="134" creationId="{6C8D7A4A-4E00-4E2B-A752-9407B9B8DC70}"/>
+          </ac:cxnSpMkLst>
+        </pc:cxnChg>
+        <pc:cxnChg chg="mod">
+          <ac:chgData name="Fingerhut, John Andy" userId="6ad675d3-541e-4813-9336-4804cd571dc7" providerId="ADAL" clId="{AB46A06D-E856-40B7-957C-0F50F3800040}" dt="2021-04-12T15:32:41.886" v="0"/>
+          <ac:cxnSpMkLst>
+            <pc:docMk/>
+            <pc:sldMk cId="1091789387" sldId="273"/>
+            <ac:cxnSpMk id="137" creationId="{09A983CD-E347-4505-985E-03B863C4F0F3}"/>
+          </ac:cxnSpMkLst>
+        </pc:cxnChg>
+        <pc:cxnChg chg="mod">
+          <ac:chgData name="Fingerhut, John Andy" userId="6ad675d3-541e-4813-9336-4804cd571dc7" providerId="ADAL" clId="{AB46A06D-E856-40B7-957C-0F50F3800040}" dt="2021-04-12T15:32:41.886" v="0"/>
+          <ac:cxnSpMkLst>
+            <pc:docMk/>
+            <pc:sldMk cId="1091789387" sldId="273"/>
+            <ac:cxnSpMk id="139" creationId="{1349B16B-42DE-4C78-9123-548E28B51161}"/>
+          </ac:cxnSpMkLst>
+        </pc:cxnChg>
+        <pc:cxnChg chg="mod">
+          <ac:chgData name="Fingerhut, John Andy" userId="6ad675d3-541e-4813-9336-4804cd571dc7" providerId="ADAL" clId="{AB46A06D-E856-40B7-957C-0F50F3800040}" dt="2021-04-12T15:32:41.886" v="0"/>
+          <ac:cxnSpMkLst>
+            <pc:docMk/>
+            <pc:sldMk cId="1091789387" sldId="273"/>
+            <ac:cxnSpMk id="143" creationId="{BF99A01D-B597-460F-904E-411A35EA2EB5}"/>
+          </ac:cxnSpMkLst>
+        </pc:cxnChg>
+        <pc:cxnChg chg="mod">
+          <ac:chgData name="Fingerhut, John Andy" userId="6ad675d3-541e-4813-9336-4804cd571dc7" providerId="ADAL" clId="{AB46A06D-E856-40B7-957C-0F50F3800040}" dt="2021-04-12T15:32:41.886" v="0"/>
+          <ac:cxnSpMkLst>
+            <pc:docMk/>
+            <pc:sldMk cId="1091789387" sldId="273"/>
+            <ac:cxnSpMk id="144" creationId="{96389B92-E68B-4528-9913-789E51484AC6}"/>
+          </ac:cxnSpMkLst>
+        </pc:cxnChg>
+        <pc:cxnChg chg="mod">
+          <ac:chgData name="Fingerhut, John Andy" userId="6ad675d3-541e-4813-9336-4804cd571dc7" providerId="ADAL" clId="{AB46A06D-E856-40B7-957C-0F50F3800040}" dt="2021-04-12T15:32:41.886" v="0"/>
+          <ac:cxnSpMkLst>
+            <pc:docMk/>
+            <pc:sldMk cId="1091789387" sldId="273"/>
+            <ac:cxnSpMk id="149" creationId="{D1AA4C4A-AB00-40C6-AC3D-D0AB81CE13CC}"/>
+          </ac:cxnSpMkLst>
+        </pc:cxnChg>
+        <pc:cxnChg chg="mod">
+          <ac:chgData name="Fingerhut, John Andy" userId="6ad675d3-541e-4813-9336-4804cd571dc7" providerId="ADAL" clId="{AB46A06D-E856-40B7-957C-0F50F3800040}" dt="2021-04-12T15:32:41.886" v="0"/>
+          <ac:cxnSpMkLst>
+            <pc:docMk/>
+            <pc:sldMk cId="1091789387" sldId="273"/>
+            <ac:cxnSpMk id="151" creationId="{D852D17E-3641-4670-8F12-7D270A8484E5}"/>
+          </ac:cxnSpMkLst>
+        </pc:cxnChg>
+        <pc:cxnChg chg="add del mod">
+          <ac:chgData name="Fingerhut, John Andy" userId="6ad675d3-541e-4813-9336-4804cd571dc7" providerId="ADAL" clId="{AB46A06D-E856-40B7-957C-0F50F3800040}" dt="2021-04-12T15:32:44.138" v="1"/>
+          <ac:cxnSpMkLst>
+            <pc:docMk/>
+            <pc:sldMk cId="1091789387" sldId="273"/>
+            <ac:cxnSpMk id="152" creationId="{2DB4229B-3CB7-475F-9A37-A1022782A65C}"/>
+          </ac:cxnSpMkLst>
+        </pc:cxnChg>
+        <pc:cxnChg chg="mod">
+          <ac:chgData name="Fingerhut, John Andy" userId="6ad675d3-541e-4813-9336-4804cd571dc7" providerId="ADAL" clId="{AB46A06D-E856-40B7-957C-0F50F3800040}" dt="2021-04-12T15:32:41.886" v="0"/>
+          <ac:cxnSpMkLst>
+            <pc:docMk/>
+            <pc:sldMk cId="1091789387" sldId="273"/>
+            <ac:cxnSpMk id="158" creationId="{EE5EEB2B-7C97-40E7-9B5B-16BB78197363}"/>
+          </ac:cxnSpMkLst>
+        </pc:cxnChg>
+        <pc:cxnChg chg="mod">
+          <ac:chgData name="Fingerhut, John Andy" userId="6ad675d3-541e-4813-9336-4804cd571dc7" providerId="ADAL" clId="{AB46A06D-E856-40B7-957C-0F50F3800040}" dt="2021-04-12T15:32:41.886" v="0"/>
+          <ac:cxnSpMkLst>
+            <pc:docMk/>
+            <pc:sldMk cId="1091789387" sldId="273"/>
+            <ac:cxnSpMk id="159" creationId="{AF965F1D-EECF-4624-9464-11BB2D5E2491}"/>
+          </ac:cxnSpMkLst>
+        </pc:cxnChg>
+        <pc:cxnChg chg="mod">
+          <ac:chgData name="Fingerhut, John Andy" userId="6ad675d3-541e-4813-9336-4804cd571dc7" providerId="ADAL" clId="{AB46A06D-E856-40B7-957C-0F50F3800040}" dt="2021-04-12T15:32:41.886" v="0"/>
+          <ac:cxnSpMkLst>
+            <pc:docMk/>
+            <pc:sldMk cId="1091789387" sldId="273"/>
+            <ac:cxnSpMk id="164" creationId="{95685770-BB2C-4C1C-A358-8BA8AD84CAAE}"/>
+          </ac:cxnSpMkLst>
+        </pc:cxnChg>
+        <pc:cxnChg chg="mod">
+          <ac:chgData name="Fingerhut, John Andy" userId="6ad675d3-541e-4813-9336-4804cd571dc7" providerId="ADAL" clId="{AB46A06D-E856-40B7-957C-0F50F3800040}" dt="2021-04-12T15:32:41.886" v="0"/>
+          <ac:cxnSpMkLst>
+            <pc:docMk/>
+            <pc:sldMk cId="1091789387" sldId="273"/>
+            <ac:cxnSpMk id="165" creationId="{5BB7EE6A-40D7-4334-9C45-AE251692FCAF}"/>
+          </ac:cxnSpMkLst>
+        </pc:cxnChg>
+        <pc:cxnChg chg="del">
+          <ac:chgData name="Fingerhut, John Andy" userId="6ad675d3-541e-4813-9336-4804cd571dc7" providerId="ADAL" clId="{AB46A06D-E856-40B7-957C-0F50F3800040}" dt="2021-04-12T15:32:47.355" v="2" actId="478"/>
+          <ac:cxnSpMkLst>
+            <pc:docMk/>
+            <pc:sldMk cId="1091789387" sldId="273"/>
+            <ac:cxnSpMk id="166" creationId="{3C48504E-28A7-489B-8BDA-8A995ED1375D}"/>
+          </ac:cxnSpMkLst>
+        </pc:cxnChg>
+        <pc:cxnChg chg="del">
+          <ac:chgData name="Fingerhut, John Andy" userId="6ad675d3-541e-4813-9336-4804cd571dc7" providerId="ADAL" clId="{AB46A06D-E856-40B7-957C-0F50F3800040}" dt="2021-04-12T15:32:47.355" v="2" actId="478"/>
+          <ac:cxnSpMkLst>
+            <pc:docMk/>
+            <pc:sldMk cId="1091789387" sldId="273"/>
+            <ac:cxnSpMk id="170" creationId="{40A865F1-4DDF-4A37-936C-7E29C2D815D1}"/>
+          </ac:cxnSpMkLst>
+        </pc:cxnChg>
+        <pc:cxnChg chg="mod">
+          <ac:chgData name="Fingerhut, John Andy" userId="6ad675d3-541e-4813-9336-4804cd571dc7" providerId="ADAL" clId="{AB46A06D-E856-40B7-957C-0F50F3800040}" dt="2021-04-12T15:32:41.886" v="0"/>
+          <ac:cxnSpMkLst>
+            <pc:docMk/>
+            <pc:sldMk cId="1091789387" sldId="273"/>
+            <ac:cxnSpMk id="171" creationId="{DF790DEB-A770-4F2F-ADE5-AA283B9D3F8D}"/>
+          </ac:cxnSpMkLst>
+        </pc:cxnChg>
+        <pc:cxnChg chg="mod">
+          <ac:chgData name="Fingerhut, John Andy" userId="6ad675d3-541e-4813-9336-4804cd571dc7" providerId="ADAL" clId="{AB46A06D-E856-40B7-957C-0F50F3800040}" dt="2021-04-12T15:32:41.886" v="0"/>
+          <ac:cxnSpMkLst>
+            <pc:docMk/>
+            <pc:sldMk cId="1091789387" sldId="273"/>
+            <ac:cxnSpMk id="172" creationId="{80B1B5D4-A21E-4F63-B693-47089986F8AC}"/>
+          </ac:cxnSpMkLst>
+        </pc:cxnChg>
+        <pc:cxnChg chg="add del mod">
+          <ac:chgData name="Fingerhut, John Andy" userId="6ad675d3-541e-4813-9336-4804cd571dc7" providerId="ADAL" clId="{AB46A06D-E856-40B7-957C-0F50F3800040}" dt="2021-04-12T15:32:44.138" v="1"/>
+          <ac:cxnSpMkLst>
+            <pc:docMk/>
+            <pc:sldMk cId="1091789387" sldId="273"/>
+            <ac:cxnSpMk id="173" creationId="{26C40D5D-F676-468E-A490-B691489F7BA5}"/>
+          </ac:cxnSpMkLst>
+        </pc:cxnChg>
+        <pc:cxnChg chg="del">
+          <ac:chgData name="Fingerhut, John Andy" userId="6ad675d3-541e-4813-9336-4804cd571dc7" providerId="ADAL" clId="{AB46A06D-E856-40B7-957C-0F50F3800040}" dt="2021-04-12T15:32:47.355" v="2" actId="478"/>
+          <ac:cxnSpMkLst>
+            <pc:docMk/>
+            <pc:sldMk cId="1091789387" sldId="273"/>
+            <ac:cxnSpMk id="175" creationId="{0780DDE3-D616-4239-A66D-F2FEFC8DECC9}"/>
+          </ac:cxnSpMkLst>
+        </pc:cxnChg>
+        <pc:cxnChg chg="del">
+          <ac:chgData name="Fingerhut, John Andy" userId="6ad675d3-541e-4813-9336-4804cd571dc7" providerId="ADAL" clId="{AB46A06D-E856-40B7-957C-0F50F3800040}" dt="2021-04-12T15:32:47.355" v="2" actId="478"/>
+          <ac:cxnSpMkLst>
+            <pc:docMk/>
+            <pc:sldMk cId="1091789387" sldId="273"/>
+            <ac:cxnSpMk id="179" creationId="{675C8117-3AA7-4E36-88BA-920C6B3941AA}"/>
+          </ac:cxnSpMkLst>
+        </pc:cxnChg>
+        <pc:cxnChg chg="del mod">
+          <ac:chgData name="Fingerhut, John Andy" userId="6ad675d3-541e-4813-9336-4804cd571dc7" providerId="ADAL" clId="{AB46A06D-E856-40B7-957C-0F50F3800040}" dt="2021-04-12T15:32:47.355" v="2" actId="478"/>
+          <ac:cxnSpMkLst>
+            <pc:docMk/>
+            <pc:sldMk cId="1091789387" sldId="273"/>
+            <ac:cxnSpMk id="181" creationId="{90B81CF6-C291-4A3A-8CFF-4322DFD54B64}"/>
+          </ac:cxnSpMkLst>
+        </pc:cxnChg>
+        <pc:cxnChg chg="add del mod">
+          <ac:chgData name="Fingerhut, John Andy" userId="6ad675d3-541e-4813-9336-4804cd571dc7" providerId="ADAL" clId="{AB46A06D-E856-40B7-957C-0F50F3800040}" dt="2021-04-12T15:32:44.138" v="1"/>
+          <ac:cxnSpMkLst>
+            <pc:docMk/>
+            <pc:sldMk cId="1091789387" sldId="273"/>
+            <ac:cxnSpMk id="183" creationId="{1617CC72-24C7-43AB-AA8A-8FDC7AF91082}"/>
+          </ac:cxnSpMkLst>
+        </pc:cxnChg>
+        <pc:cxnChg chg="add del mod">
+          <ac:chgData name="Fingerhut, John Andy" userId="6ad675d3-541e-4813-9336-4804cd571dc7" providerId="ADAL" clId="{AB46A06D-E856-40B7-957C-0F50F3800040}" dt="2021-04-12T15:32:44.138" v="1"/>
+          <ac:cxnSpMkLst>
+            <pc:docMk/>
+            <pc:sldMk cId="1091789387" sldId="273"/>
+            <ac:cxnSpMk id="187" creationId="{D8C80BBC-C329-4AE4-9C3E-D012CC849114}"/>
+          </ac:cxnSpMkLst>
+        </pc:cxnChg>
+        <pc:cxnChg chg="add del mod">
+          <ac:chgData name="Fingerhut, John Andy" userId="6ad675d3-541e-4813-9336-4804cd571dc7" providerId="ADAL" clId="{AB46A06D-E856-40B7-957C-0F50F3800040}" dt="2021-04-12T15:32:44.138" v="1"/>
+          <ac:cxnSpMkLst>
+            <pc:docMk/>
+            <pc:sldMk cId="1091789387" sldId="273"/>
+            <ac:cxnSpMk id="188" creationId="{D6993D61-9223-4642-9B88-EA481D92A81A}"/>
+          </ac:cxnSpMkLst>
+        </pc:cxnChg>
+        <pc:cxnChg chg="add del mod">
+          <ac:chgData name="Fingerhut, John Andy" userId="6ad675d3-541e-4813-9336-4804cd571dc7" providerId="ADAL" clId="{AB46A06D-E856-40B7-957C-0F50F3800040}" dt="2021-04-12T15:32:44.138" v="1"/>
+          <ac:cxnSpMkLst>
+            <pc:docMk/>
+            <pc:sldMk cId="1091789387" sldId="273"/>
+            <ac:cxnSpMk id="189" creationId="{B071B098-5029-496D-AF94-12C704369927}"/>
+          </ac:cxnSpMkLst>
+        </pc:cxnChg>
+        <pc:cxnChg chg="add del mod">
+          <ac:chgData name="Fingerhut, John Andy" userId="6ad675d3-541e-4813-9336-4804cd571dc7" providerId="ADAL" clId="{AB46A06D-E856-40B7-957C-0F50F3800040}" dt="2021-04-12T15:32:44.138" v="1"/>
+          <ac:cxnSpMkLst>
+            <pc:docMk/>
+            <pc:sldMk cId="1091789387" sldId="273"/>
+            <ac:cxnSpMk id="190" creationId="{2AECC2FE-87F6-47F9-8060-7084D6BCAAD5}"/>
+          </ac:cxnSpMkLst>
+        </pc:cxnChg>
+        <pc:cxnChg chg="add del mod">
+          <ac:chgData name="Fingerhut, John Andy" userId="6ad675d3-541e-4813-9336-4804cd571dc7" providerId="ADAL" clId="{AB46A06D-E856-40B7-957C-0F50F3800040}" dt="2021-04-12T15:32:44.138" v="1"/>
+          <ac:cxnSpMkLst>
+            <pc:docMk/>
+            <pc:sldMk cId="1091789387" sldId="273"/>
+            <ac:cxnSpMk id="191" creationId="{EB2D5A3B-635D-4650-AD1A-8DBD267AF6E9}"/>
+          </ac:cxnSpMkLst>
+        </pc:cxnChg>
+        <pc:cxnChg chg="add del mod">
+          <ac:chgData name="Fingerhut, John Andy" userId="6ad675d3-541e-4813-9336-4804cd571dc7" providerId="ADAL" clId="{AB46A06D-E856-40B7-957C-0F50F3800040}" dt="2021-04-12T15:32:44.138" v="1"/>
+          <ac:cxnSpMkLst>
+            <pc:docMk/>
+            <pc:sldMk cId="1091789387" sldId="273"/>
+            <ac:cxnSpMk id="193" creationId="{55BA6B71-8A66-4B8C-8096-43921C5CA3A0}"/>
+          </ac:cxnSpMkLst>
+        </pc:cxnChg>
+        <pc:cxnChg chg="add del mod">
+          <ac:chgData name="Fingerhut, John Andy" userId="6ad675d3-541e-4813-9336-4804cd571dc7" providerId="ADAL" clId="{AB46A06D-E856-40B7-957C-0F50F3800040}" dt="2021-04-12T15:32:44.138" v="1"/>
+          <ac:cxnSpMkLst>
+            <pc:docMk/>
+            <pc:sldMk cId="1091789387" sldId="273"/>
+            <ac:cxnSpMk id="194" creationId="{9B8E60B4-E666-4FCE-9EE5-E3E622A06146}"/>
+          </ac:cxnSpMkLst>
+        </pc:cxnChg>
+        <pc:cxnChg chg="del mod">
+          <ac:chgData name="Fingerhut, John Andy" userId="6ad675d3-541e-4813-9336-4804cd571dc7" providerId="ADAL" clId="{AB46A06D-E856-40B7-957C-0F50F3800040}" dt="2021-04-12T15:32:47.355" v="2" actId="478"/>
+          <ac:cxnSpMkLst>
+            <pc:docMk/>
+            <pc:sldMk cId="1091789387" sldId="273"/>
+            <ac:cxnSpMk id="196" creationId="{C4648FD0-BE39-49B2-A297-6987E7ED42BA}"/>
+          </ac:cxnSpMkLst>
+        </pc:cxnChg>
+        <pc:cxnChg chg="del mod">
+          <ac:chgData name="Fingerhut, John Andy" userId="6ad675d3-541e-4813-9336-4804cd571dc7" providerId="ADAL" clId="{AB46A06D-E856-40B7-957C-0F50F3800040}" dt="2021-04-12T15:32:47.355" v="2" actId="478"/>
+          <ac:cxnSpMkLst>
+            <pc:docMk/>
+            <pc:sldMk cId="1091789387" sldId="273"/>
+            <ac:cxnSpMk id="199" creationId="{9B56D066-03B7-4AA5-AE48-439E5D95D240}"/>
+          </ac:cxnSpMkLst>
+        </pc:cxnChg>
+        <pc:cxnChg chg="add del mod">
+          <ac:chgData name="Fingerhut, John Andy" userId="6ad675d3-541e-4813-9336-4804cd571dc7" providerId="ADAL" clId="{AB46A06D-E856-40B7-957C-0F50F3800040}" dt="2021-04-12T15:32:44.138" v="1"/>
+          <ac:cxnSpMkLst>
+            <pc:docMk/>
+            <pc:sldMk cId="1091789387" sldId="273"/>
+            <ac:cxnSpMk id="203" creationId="{CDDACF73-F35C-4DEA-BDB6-CA6825625EAF}"/>
+          </ac:cxnSpMkLst>
+        </pc:cxnChg>
+        <pc:cxnChg chg="add del mod">
+          <ac:chgData name="Fingerhut, John Andy" userId="6ad675d3-541e-4813-9336-4804cd571dc7" providerId="ADAL" clId="{AB46A06D-E856-40B7-957C-0F50F3800040}" dt="2021-04-12T15:32:44.138" v="1"/>
+          <ac:cxnSpMkLst>
+            <pc:docMk/>
+            <pc:sldMk cId="1091789387" sldId="273"/>
+            <ac:cxnSpMk id="204" creationId="{C6523C86-4FF0-4F90-8CAC-324FB9754E6E}"/>
+          </ac:cxnSpMkLst>
+        </pc:cxnChg>
+        <pc:cxnChg chg="add del mod">
+          <ac:chgData name="Fingerhut, John Andy" userId="6ad675d3-541e-4813-9336-4804cd571dc7" providerId="ADAL" clId="{AB46A06D-E856-40B7-957C-0F50F3800040}" dt="2021-04-12T15:32:44.138" v="1"/>
+          <ac:cxnSpMkLst>
+            <pc:docMk/>
+            <pc:sldMk cId="1091789387" sldId="273"/>
+            <ac:cxnSpMk id="205" creationId="{30EC4716-91F5-4830-984A-20F32A0453AE}"/>
+          </ac:cxnSpMkLst>
+        </pc:cxnChg>
+        <pc:cxnChg chg="add del mod">
+          <ac:chgData name="Fingerhut, John Andy" userId="6ad675d3-541e-4813-9336-4804cd571dc7" providerId="ADAL" clId="{AB46A06D-E856-40B7-957C-0F50F3800040}" dt="2021-04-12T15:32:44.138" v="1"/>
+          <ac:cxnSpMkLst>
+            <pc:docMk/>
+            <pc:sldMk cId="1091789387" sldId="273"/>
+            <ac:cxnSpMk id="206" creationId="{FAD5F4FD-938D-4481-9184-27C2A050B797}"/>
+          </ac:cxnSpMkLst>
+        </pc:cxnChg>
+        <pc:cxnChg chg="add del mod">
+          <ac:chgData name="Fingerhut, John Andy" userId="6ad675d3-541e-4813-9336-4804cd571dc7" providerId="ADAL" clId="{AB46A06D-E856-40B7-957C-0F50F3800040}" dt="2021-04-12T15:32:44.138" v="1"/>
+          <ac:cxnSpMkLst>
+            <pc:docMk/>
+            <pc:sldMk cId="1091789387" sldId="273"/>
+            <ac:cxnSpMk id="207" creationId="{0A9B7F70-86AC-4279-9D1A-105BACCFC189}"/>
+          </ac:cxnSpMkLst>
+        </pc:cxnChg>
+        <pc:cxnChg chg="add del mod">
+          <ac:chgData name="Fingerhut, John Andy" userId="6ad675d3-541e-4813-9336-4804cd571dc7" providerId="ADAL" clId="{AB46A06D-E856-40B7-957C-0F50F3800040}" dt="2021-04-12T15:32:44.138" v="1"/>
+          <ac:cxnSpMkLst>
+            <pc:docMk/>
+            <pc:sldMk cId="1091789387" sldId="273"/>
+            <ac:cxnSpMk id="208" creationId="{966A622E-BF82-4CF1-916F-285FA4A24777}"/>
+          </ac:cxnSpMkLst>
+        </pc:cxnChg>
+        <pc:cxnChg chg="add del mod">
+          <ac:chgData name="Fingerhut, John Andy" userId="6ad675d3-541e-4813-9336-4804cd571dc7" providerId="ADAL" clId="{AB46A06D-E856-40B7-957C-0F50F3800040}" dt="2021-04-12T15:32:44.138" v="1"/>
+          <ac:cxnSpMkLst>
+            <pc:docMk/>
+            <pc:sldMk cId="1091789387" sldId="273"/>
+            <ac:cxnSpMk id="209" creationId="{47B90B10-1448-4CDE-9B2A-FA431E33164C}"/>
+          </ac:cxnSpMkLst>
+        </pc:cxnChg>
+        <pc:cxnChg chg="add del mod">
+          <ac:chgData name="Fingerhut, John Andy" userId="6ad675d3-541e-4813-9336-4804cd571dc7" providerId="ADAL" clId="{AB46A06D-E856-40B7-957C-0F50F3800040}" dt="2021-04-12T15:32:44.138" v="1"/>
+          <ac:cxnSpMkLst>
+            <pc:docMk/>
+            <pc:sldMk cId="1091789387" sldId="273"/>
+            <ac:cxnSpMk id="210" creationId="{DC78A1B6-7C2E-49F8-9D21-45BEF0810B00}"/>
+          </ac:cxnSpMkLst>
+        </pc:cxnChg>
+        <pc:cxnChg chg="add del mod">
+          <ac:chgData name="Fingerhut, John Andy" userId="6ad675d3-541e-4813-9336-4804cd571dc7" providerId="ADAL" clId="{AB46A06D-E856-40B7-957C-0F50F3800040}" dt="2021-04-12T15:32:44.138" v="1"/>
+          <ac:cxnSpMkLst>
+            <pc:docMk/>
+            <pc:sldMk cId="1091789387" sldId="273"/>
+            <ac:cxnSpMk id="211" creationId="{25E636DA-E5BD-4D37-B08A-269C98A97C7F}"/>
+          </ac:cxnSpMkLst>
+        </pc:cxnChg>
+        <pc:cxnChg chg="add del mod">
+          <ac:chgData name="Fingerhut, John Andy" userId="6ad675d3-541e-4813-9336-4804cd571dc7" providerId="ADAL" clId="{AB46A06D-E856-40B7-957C-0F50F3800040}" dt="2021-04-12T15:32:44.138" v="1"/>
+          <ac:cxnSpMkLst>
+            <pc:docMk/>
+            <pc:sldMk cId="1091789387" sldId="273"/>
+            <ac:cxnSpMk id="212" creationId="{10B7F1B3-14AC-40CB-9A88-7D1A9328272C}"/>
+          </ac:cxnSpMkLst>
+        </pc:cxnChg>
+        <pc:cxnChg chg="add del mod">
+          <ac:chgData name="Fingerhut, John Andy" userId="6ad675d3-541e-4813-9336-4804cd571dc7" providerId="ADAL" clId="{AB46A06D-E856-40B7-957C-0F50F3800040}" dt="2021-04-12T15:32:44.138" v="1"/>
+          <ac:cxnSpMkLst>
+            <pc:docMk/>
+            <pc:sldMk cId="1091789387" sldId="273"/>
+            <ac:cxnSpMk id="213" creationId="{3D407075-1A84-46F4-9BB6-AA8049AEEDA1}"/>
+          </ac:cxnSpMkLst>
+        </pc:cxnChg>
+        <pc:cxnChg chg="add del mod">
+          <ac:chgData name="Fingerhut, John Andy" userId="6ad675d3-541e-4813-9336-4804cd571dc7" providerId="ADAL" clId="{AB46A06D-E856-40B7-957C-0F50F3800040}" dt="2021-04-12T15:32:44.138" v="1"/>
+          <ac:cxnSpMkLst>
+            <pc:docMk/>
+            <pc:sldMk cId="1091789387" sldId="273"/>
+            <ac:cxnSpMk id="215" creationId="{C8DFCF3D-152E-44A1-BBB3-0E4E4F0DB736}"/>
+          </ac:cxnSpMkLst>
+        </pc:cxnChg>
+        <pc:cxnChg chg="add del mod">
+          <ac:chgData name="Fingerhut, John Andy" userId="6ad675d3-541e-4813-9336-4804cd571dc7" providerId="ADAL" clId="{AB46A06D-E856-40B7-957C-0F50F3800040}" dt="2021-04-12T15:32:44.138" v="1"/>
+          <ac:cxnSpMkLst>
+            <pc:docMk/>
+            <pc:sldMk cId="1091789387" sldId="273"/>
+            <ac:cxnSpMk id="217" creationId="{63AE2C0C-D1B3-4809-881D-BDE8B097C99A}"/>
+          </ac:cxnSpMkLst>
+        </pc:cxnChg>
+        <pc:cxnChg chg="add del mod">
+          <ac:chgData name="Fingerhut, John Andy" userId="6ad675d3-541e-4813-9336-4804cd571dc7" providerId="ADAL" clId="{AB46A06D-E856-40B7-957C-0F50F3800040}" dt="2021-04-12T15:32:44.138" v="1"/>
+          <ac:cxnSpMkLst>
+            <pc:docMk/>
+            <pc:sldMk cId="1091789387" sldId="273"/>
+            <ac:cxnSpMk id="218" creationId="{AF49F8A1-1DEB-4B86-8C91-20488A4C3EAC}"/>
+          </ac:cxnSpMkLst>
+        </pc:cxnChg>
+        <pc:cxnChg chg="add del mod">
+          <ac:chgData name="Fingerhut, John Andy" userId="6ad675d3-541e-4813-9336-4804cd571dc7" providerId="ADAL" clId="{AB46A06D-E856-40B7-957C-0F50F3800040}" dt="2021-04-12T15:32:44.138" v="1"/>
+          <ac:cxnSpMkLst>
+            <pc:docMk/>
+            <pc:sldMk cId="1091789387" sldId="273"/>
+            <ac:cxnSpMk id="220" creationId="{D35069FB-0489-489D-BCF9-35D8B4ADD186}"/>
+          </ac:cxnSpMkLst>
+        </pc:cxnChg>
+        <pc:cxnChg chg="add del mod">
+          <ac:chgData name="Fingerhut, John Andy" userId="6ad675d3-541e-4813-9336-4804cd571dc7" providerId="ADAL" clId="{AB46A06D-E856-40B7-957C-0F50F3800040}" dt="2021-04-12T15:32:44.138" v="1"/>
+          <ac:cxnSpMkLst>
+            <pc:docMk/>
+            <pc:sldMk cId="1091789387" sldId="273"/>
+            <ac:cxnSpMk id="221" creationId="{EE608D53-4377-4C3A-95BE-0B77B974942D}"/>
+          </ac:cxnSpMkLst>
+        </pc:cxnChg>
+        <pc:cxnChg chg="add mod">
+          <ac:chgData name="Fingerhut, John Andy" userId="6ad675d3-541e-4813-9336-4804cd571dc7" providerId="ADAL" clId="{AB46A06D-E856-40B7-957C-0F50F3800040}" dt="2021-04-12T15:32:47.971" v="3"/>
+          <ac:cxnSpMkLst>
+            <pc:docMk/>
+            <pc:sldMk cId="1091789387" sldId="273"/>
+            <ac:cxnSpMk id="231" creationId="{FFF2B4D5-2E93-4B5A-A9DF-81D9C179557A}"/>
+          </ac:cxnSpMkLst>
+        </pc:cxnChg>
+        <pc:cxnChg chg="add mod">
+          <ac:chgData name="Fingerhut, John Andy" userId="6ad675d3-541e-4813-9336-4804cd571dc7" providerId="ADAL" clId="{AB46A06D-E856-40B7-957C-0F50F3800040}" dt="2021-04-12T15:32:47.971" v="3"/>
+          <ac:cxnSpMkLst>
+            <pc:docMk/>
+            <pc:sldMk cId="1091789387" sldId="273"/>
+            <ac:cxnSpMk id="232" creationId="{08751EF5-869E-4130-9212-C8741761CAC6}"/>
+          </ac:cxnSpMkLst>
+        </pc:cxnChg>
+        <pc:cxnChg chg="add mod">
+          <ac:chgData name="Fingerhut, John Andy" userId="6ad675d3-541e-4813-9336-4804cd571dc7" providerId="ADAL" clId="{AB46A06D-E856-40B7-957C-0F50F3800040}" dt="2021-04-12T15:32:47.971" v="3"/>
+          <ac:cxnSpMkLst>
+            <pc:docMk/>
+            <pc:sldMk cId="1091789387" sldId="273"/>
+            <ac:cxnSpMk id="233" creationId="{856F1056-8EB7-4FAA-B9C9-609CD7AD7645}"/>
+          </ac:cxnSpMkLst>
+        </pc:cxnChg>
+        <pc:cxnChg chg="add mod">
+          <ac:chgData name="Fingerhut, John Andy" userId="6ad675d3-541e-4813-9336-4804cd571dc7" providerId="ADAL" clId="{AB46A06D-E856-40B7-957C-0F50F3800040}" dt="2021-04-12T15:32:47.971" v="3"/>
+          <ac:cxnSpMkLst>
+            <pc:docMk/>
+            <pc:sldMk cId="1091789387" sldId="273"/>
+            <ac:cxnSpMk id="234" creationId="{30EB7FF0-4987-4780-AD04-A9A763576801}"/>
+          </ac:cxnSpMkLst>
+        </pc:cxnChg>
+        <pc:cxnChg chg="add mod">
+          <ac:chgData name="Fingerhut, John Andy" userId="6ad675d3-541e-4813-9336-4804cd571dc7" providerId="ADAL" clId="{AB46A06D-E856-40B7-957C-0F50F3800040}" dt="2021-04-12T15:32:47.971" v="3"/>
+          <ac:cxnSpMkLst>
+            <pc:docMk/>
+            <pc:sldMk cId="1091789387" sldId="273"/>
+            <ac:cxnSpMk id="235" creationId="{0BBC1BD7-627A-4A2C-9AA4-6C682BBC69F8}"/>
+          </ac:cxnSpMkLst>
+        </pc:cxnChg>
+        <pc:cxnChg chg="add mod">
+          <ac:chgData name="Fingerhut, John Andy" userId="6ad675d3-541e-4813-9336-4804cd571dc7" providerId="ADAL" clId="{AB46A06D-E856-40B7-957C-0F50F3800040}" dt="2021-04-12T15:32:47.971" v="3"/>
+          <ac:cxnSpMkLst>
+            <pc:docMk/>
+            <pc:sldMk cId="1091789387" sldId="273"/>
+            <ac:cxnSpMk id="236" creationId="{772A4263-1FCC-49D6-8724-A53882F2A4FE}"/>
+          </ac:cxnSpMkLst>
+        </pc:cxnChg>
+        <pc:cxnChg chg="add mod">
+          <ac:chgData name="Fingerhut, John Andy" userId="6ad675d3-541e-4813-9336-4804cd571dc7" providerId="ADAL" clId="{AB46A06D-E856-40B7-957C-0F50F3800040}" dt="2021-04-12T15:32:47.971" v="3"/>
+          <ac:cxnSpMkLst>
+            <pc:docMk/>
+            <pc:sldMk cId="1091789387" sldId="273"/>
+            <ac:cxnSpMk id="237" creationId="{785C3731-3B3F-4CD5-8E7C-DB9ED6C26FE7}"/>
+          </ac:cxnSpMkLst>
+        </pc:cxnChg>
+        <pc:cxnChg chg="add mod">
+          <ac:chgData name="Fingerhut, John Andy" userId="6ad675d3-541e-4813-9336-4804cd571dc7" providerId="ADAL" clId="{AB46A06D-E856-40B7-957C-0F50F3800040}" dt="2021-04-12T15:32:47.971" v="3"/>
+          <ac:cxnSpMkLst>
+            <pc:docMk/>
+            <pc:sldMk cId="1091789387" sldId="273"/>
+            <ac:cxnSpMk id="238" creationId="{30E9BAA8-16AE-4A99-9674-7286259428AB}"/>
+          </ac:cxnSpMkLst>
+        </pc:cxnChg>
+        <pc:cxnChg chg="mod">
+          <ac:chgData name="Fingerhut, John Andy" userId="6ad675d3-541e-4813-9336-4804cd571dc7" providerId="ADAL" clId="{AB46A06D-E856-40B7-957C-0F50F3800040}" dt="2021-04-12T15:32:47.971" v="3"/>
+          <ac:cxnSpMkLst>
+            <pc:docMk/>
+            <pc:sldMk cId="1091789387" sldId="273"/>
+            <ac:cxnSpMk id="243" creationId="{86C44683-CECA-457D-82B9-A27634319A83}"/>
+          </ac:cxnSpMkLst>
+        </pc:cxnChg>
+        <pc:cxnChg chg="mod">
+          <ac:chgData name="Fingerhut, John Andy" userId="6ad675d3-541e-4813-9336-4804cd571dc7" providerId="ADAL" clId="{AB46A06D-E856-40B7-957C-0F50F3800040}" dt="2021-04-12T15:32:47.971" v="3"/>
+          <ac:cxnSpMkLst>
+            <pc:docMk/>
+            <pc:sldMk cId="1091789387" sldId="273"/>
+            <ac:cxnSpMk id="244" creationId="{E2F2CB72-AA03-46BF-9BA6-388CB4DA26EA}"/>
+          </ac:cxnSpMkLst>
+        </pc:cxnChg>
+        <pc:cxnChg chg="mod">
+          <ac:chgData name="Fingerhut, John Andy" userId="6ad675d3-541e-4813-9336-4804cd571dc7" providerId="ADAL" clId="{AB46A06D-E856-40B7-957C-0F50F3800040}" dt="2021-04-12T15:32:47.971" v="3"/>
+          <ac:cxnSpMkLst>
+            <pc:docMk/>
+            <pc:sldMk cId="1091789387" sldId="273"/>
+            <ac:cxnSpMk id="248" creationId="{D690429A-9C9D-4CE5-810F-43323AEBABFB}"/>
+          </ac:cxnSpMkLst>
+        </pc:cxnChg>
+        <pc:cxnChg chg="mod">
+          <ac:chgData name="Fingerhut, John Andy" userId="6ad675d3-541e-4813-9336-4804cd571dc7" providerId="ADAL" clId="{AB46A06D-E856-40B7-957C-0F50F3800040}" dt="2021-04-12T15:32:47.971" v="3"/>
+          <ac:cxnSpMkLst>
+            <pc:docMk/>
+            <pc:sldMk cId="1091789387" sldId="273"/>
+            <ac:cxnSpMk id="249" creationId="{314B3860-3706-4794-911E-C9C017DE96E8}"/>
+          </ac:cxnSpMkLst>
+        </pc:cxnChg>
+        <pc:cxnChg chg="mod">
+          <ac:chgData name="Fingerhut, John Andy" userId="6ad675d3-541e-4813-9336-4804cd571dc7" providerId="ADAL" clId="{AB46A06D-E856-40B7-957C-0F50F3800040}" dt="2021-04-12T15:32:47.971" v="3"/>
+          <ac:cxnSpMkLst>
+            <pc:docMk/>
+            <pc:sldMk cId="1091789387" sldId="273"/>
+            <ac:cxnSpMk id="253" creationId="{B08A12BB-BF36-44A2-8061-85EEB3489839}"/>
+          </ac:cxnSpMkLst>
+        </pc:cxnChg>
+        <pc:cxnChg chg="mod">
+          <ac:chgData name="Fingerhut, John Andy" userId="6ad675d3-541e-4813-9336-4804cd571dc7" providerId="ADAL" clId="{AB46A06D-E856-40B7-957C-0F50F3800040}" dt="2021-04-12T15:32:47.971" v="3"/>
+          <ac:cxnSpMkLst>
+            <pc:docMk/>
+            <pc:sldMk cId="1091789387" sldId="273"/>
+            <ac:cxnSpMk id="254" creationId="{5B8ECAF9-1C4E-4D71-B71B-CF8A0DE135DC}"/>
+          </ac:cxnSpMkLst>
+        </pc:cxnChg>
+        <pc:cxnChg chg="add mod">
+          <ac:chgData name="Fingerhut, John Andy" userId="6ad675d3-541e-4813-9336-4804cd571dc7" providerId="ADAL" clId="{AB46A06D-E856-40B7-957C-0F50F3800040}" dt="2021-04-12T15:32:47.971" v="3"/>
+          <ac:cxnSpMkLst>
+            <pc:docMk/>
+            <pc:sldMk cId="1091789387" sldId="273"/>
+            <ac:cxnSpMk id="255" creationId="{552090D0-A48A-4568-ACB1-196CD221D8CF}"/>
+          </ac:cxnSpMkLst>
+        </pc:cxnChg>
+        <pc:cxnChg chg="mod">
+          <ac:chgData name="Fingerhut, John Andy" userId="6ad675d3-541e-4813-9336-4804cd571dc7" providerId="ADAL" clId="{AB46A06D-E856-40B7-957C-0F50F3800040}" dt="2021-04-12T15:32:47.971" v="3"/>
+          <ac:cxnSpMkLst>
+            <pc:docMk/>
+            <pc:sldMk cId="1091789387" sldId="273"/>
+            <ac:cxnSpMk id="260" creationId="{571A982D-E8ED-416F-9BD8-B150891874EF}"/>
+          </ac:cxnSpMkLst>
+        </pc:cxnChg>
+        <pc:cxnChg chg="mod">
+          <ac:chgData name="Fingerhut, John Andy" userId="6ad675d3-541e-4813-9336-4804cd571dc7" providerId="ADAL" clId="{AB46A06D-E856-40B7-957C-0F50F3800040}" dt="2021-04-12T15:32:47.971" v="3"/>
+          <ac:cxnSpMkLst>
+            <pc:docMk/>
+            <pc:sldMk cId="1091789387" sldId="273"/>
+            <ac:cxnSpMk id="261" creationId="{7E87507E-1A2C-40C7-9A52-C8D21A606A39}"/>
+          </ac:cxnSpMkLst>
+        </pc:cxnChg>
+        <pc:cxnChg chg="mod">
+          <ac:chgData name="Fingerhut, John Andy" userId="6ad675d3-541e-4813-9336-4804cd571dc7" providerId="ADAL" clId="{AB46A06D-E856-40B7-957C-0F50F3800040}" dt="2021-04-12T15:32:47.971" v="3"/>
+          <ac:cxnSpMkLst>
+            <pc:docMk/>
+            <pc:sldMk cId="1091789387" sldId="273"/>
+            <ac:cxnSpMk id="265" creationId="{A5660E5A-A3F9-4C89-A9B3-D5F2472F4AF9}"/>
+          </ac:cxnSpMkLst>
+        </pc:cxnChg>
+        <pc:cxnChg chg="mod">
+          <ac:chgData name="Fingerhut, John Andy" userId="6ad675d3-541e-4813-9336-4804cd571dc7" providerId="ADAL" clId="{AB46A06D-E856-40B7-957C-0F50F3800040}" dt="2021-04-12T15:32:47.971" v="3"/>
+          <ac:cxnSpMkLst>
+            <pc:docMk/>
+            <pc:sldMk cId="1091789387" sldId="273"/>
+            <ac:cxnSpMk id="266" creationId="{795C18E0-916D-4774-B202-4C430DBE6B13}"/>
+          </ac:cxnSpMkLst>
+        </pc:cxnChg>
+        <pc:cxnChg chg="mod">
+          <ac:chgData name="Fingerhut, John Andy" userId="6ad675d3-541e-4813-9336-4804cd571dc7" providerId="ADAL" clId="{AB46A06D-E856-40B7-957C-0F50F3800040}" dt="2021-04-12T15:32:47.971" v="3"/>
+          <ac:cxnSpMkLst>
+            <pc:docMk/>
+            <pc:sldMk cId="1091789387" sldId="273"/>
+            <ac:cxnSpMk id="270" creationId="{E1CA9F43-DC4F-4673-9B62-080125959D5E}"/>
+          </ac:cxnSpMkLst>
+        </pc:cxnChg>
+        <pc:cxnChg chg="mod">
+          <ac:chgData name="Fingerhut, John Andy" userId="6ad675d3-541e-4813-9336-4804cd571dc7" providerId="ADAL" clId="{AB46A06D-E856-40B7-957C-0F50F3800040}" dt="2021-04-12T15:32:47.971" v="3"/>
+          <ac:cxnSpMkLst>
+            <pc:docMk/>
+            <pc:sldMk cId="1091789387" sldId="273"/>
+            <ac:cxnSpMk id="271" creationId="{A2A85ADF-A68F-49BC-AEB4-81578254A8B1}"/>
+          </ac:cxnSpMkLst>
+        </pc:cxnChg>
+        <pc:cxnChg chg="add mod">
+          <ac:chgData name="Fingerhut, John Andy" userId="6ad675d3-541e-4813-9336-4804cd571dc7" providerId="ADAL" clId="{AB46A06D-E856-40B7-957C-0F50F3800040}" dt="2021-04-12T15:32:47.971" v="3"/>
+          <ac:cxnSpMkLst>
+            <pc:docMk/>
+            <pc:sldMk cId="1091789387" sldId="273"/>
+            <ac:cxnSpMk id="272" creationId="{2B08C2EB-75BB-4EB9-B294-D4C9570C8667}"/>
+          </ac:cxnSpMkLst>
+        </pc:cxnChg>
+        <pc:cxnChg chg="add mod">
+          <ac:chgData name="Fingerhut, John Andy" userId="6ad675d3-541e-4813-9336-4804cd571dc7" providerId="ADAL" clId="{AB46A06D-E856-40B7-957C-0F50F3800040}" dt="2021-04-12T15:32:47.971" v="3"/>
+          <ac:cxnSpMkLst>
+            <pc:docMk/>
+            <pc:sldMk cId="1091789387" sldId="273"/>
+            <ac:cxnSpMk id="275" creationId="{37BE0E60-BBC8-41CA-BBF3-0016D07C2260}"/>
+          </ac:cxnSpMkLst>
+        </pc:cxnChg>
+        <pc:cxnChg chg="add mod">
+          <ac:chgData name="Fingerhut, John Andy" userId="6ad675d3-541e-4813-9336-4804cd571dc7" providerId="ADAL" clId="{AB46A06D-E856-40B7-957C-0F50F3800040}" dt="2021-04-12T15:32:47.971" v="3"/>
+          <ac:cxnSpMkLst>
+            <pc:docMk/>
+            <pc:sldMk cId="1091789387" sldId="273"/>
+            <ac:cxnSpMk id="278" creationId="{B6DCA3E1-3B6C-4A31-85D3-2F9C2CDAC977}"/>
+          </ac:cxnSpMkLst>
+        </pc:cxnChg>
+        <pc:cxnChg chg="add mod">
+          <ac:chgData name="Fingerhut, John Andy" userId="6ad675d3-541e-4813-9336-4804cd571dc7" providerId="ADAL" clId="{AB46A06D-E856-40B7-957C-0F50F3800040}" dt="2021-04-12T15:32:47.971" v="3"/>
+          <ac:cxnSpMkLst>
+            <pc:docMk/>
+            <pc:sldMk cId="1091789387" sldId="273"/>
+            <ac:cxnSpMk id="279" creationId="{C443E615-1193-4A98-A793-2DCE9563BB65}"/>
+          </ac:cxnSpMkLst>
+        </pc:cxnChg>
+        <pc:cxnChg chg="add mod">
+          <ac:chgData name="Fingerhut, John Andy" userId="6ad675d3-541e-4813-9336-4804cd571dc7" providerId="ADAL" clId="{AB46A06D-E856-40B7-957C-0F50F3800040}" dt="2021-04-12T15:32:47.971" v="3"/>
+          <ac:cxnSpMkLst>
+            <pc:docMk/>
+            <pc:sldMk cId="1091789387" sldId="273"/>
+            <ac:cxnSpMk id="280" creationId="{2619B468-6320-486D-8EDA-1196560C8AF2}"/>
+          </ac:cxnSpMkLst>
+        </pc:cxnChg>
+        <pc:cxnChg chg="add mod">
+          <ac:chgData name="Fingerhut, John Andy" userId="6ad675d3-541e-4813-9336-4804cd571dc7" providerId="ADAL" clId="{AB46A06D-E856-40B7-957C-0F50F3800040}" dt="2021-04-12T15:32:47.971" v="3"/>
+          <ac:cxnSpMkLst>
+            <pc:docMk/>
+            <pc:sldMk cId="1091789387" sldId="273"/>
+            <ac:cxnSpMk id="281" creationId="{8072B402-D030-412C-BD62-36A7A905EB58}"/>
+          </ac:cxnSpMkLst>
+        </pc:cxnChg>
+        <pc:cxnChg chg="add mod">
+          <ac:chgData name="Fingerhut, John Andy" userId="6ad675d3-541e-4813-9336-4804cd571dc7" providerId="ADAL" clId="{AB46A06D-E856-40B7-957C-0F50F3800040}" dt="2021-04-12T15:32:47.971" v="3"/>
+          <ac:cxnSpMkLst>
+            <pc:docMk/>
+            <pc:sldMk cId="1091789387" sldId="273"/>
+            <ac:cxnSpMk id="282" creationId="{DB67302F-AFC9-4C9B-A821-D55E704A35CD}"/>
+          </ac:cxnSpMkLst>
+        </pc:cxnChg>
+        <pc:cxnChg chg="add mod">
+          <ac:chgData name="Fingerhut, John Andy" userId="6ad675d3-541e-4813-9336-4804cd571dc7" providerId="ADAL" clId="{AB46A06D-E856-40B7-957C-0F50F3800040}" dt="2021-04-12T15:32:47.971" v="3"/>
+          <ac:cxnSpMkLst>
+            <pc:docMk/>
+            <pc:sldMk cId="1091789387" sldId="273"/>
+            <ac:cxnSpMk id="284" creationId="{94DA0782-16EE-470B-ADC8-92FB4D26A4BD}"/>
+          </ac:cxnSpMkLst>
+        </pc:cxnChg>
+        <pc:cxnChg chg="add mod">
+          <ac:chgData name="Fingerhut, John Andy" userId="6ad675d3-541e-4813-9336-4804cd571dc7" providerId="ADAL" clId="{AB46A06D-E856-40B7-957C-0F50F3800040}" dt="2021-04-12T15:32:47.971" v="3"/>
+          <ac:cxnSpMkLst>
+            <pc:docMk/>
+            <pc:sldMk cId="1091789387" sldId="273"/>
+            <ac:cxnSpMk id="285" creationId="{D6C5A1C5-210A-4A44-A72C-1C432166FAD5}"/>
+          </ac:cxnSpMkLst>
+        </pc:cxnChg>
+        <pc:cxnChg chg="add mod">
+          <ac:chgData name="Fingerhut, John Andy" userId="6ad675d3-541e-4813-9336-4804cd571dc7" providerId="ADAL" clId="{AB46A06D-E856-40B7-957C-0F50F3800040}" dt="2021-04-12T15:32:47.971" v="3"/>
+          <ac:cxnSpMkLst>
+            <pc:docMk/>
+            <pc:sldMk cId="1091789387" sldId="273"/>
+            <ac:cxnSpMk id="291" creationId="{975620DA-F204-4886-8DF5-75B260E4FEB3}"/>
+          </ac:cxnSpMkLst>
+        </pc:cxnChg>
+        <pc:cxnChg chg="add mod">
+          <ac:chgData name="Fingerhut, John Andy" userId="6ad675d3-541e-4813-9336-4804cd571dc7" providerId="ADAL" clId="{AB46A06D-E856-40B7-957C-0F50F3800040}" dt="2021-04-12T15:32:47.971" v="3"/>
+          <ac:cxnSpMkLst>
+            <pc:docMk/>
+            <pc:sldMk cId="1091789387" sldId="273"/>
+            <ac:cxnSpMk id="292" creationId="{F2A4F303-3270-4322-B4D4-71EB55509A90}"/>
+          </ac:cxnSpMkLst>
+        </pc:cxnChg>
+        <pc:cxnChg chg="add mod">
+          <ac:chgData name="Fingerhut, John Andy" userId="6ad675d3-541e-4813-9336-4804cd571dc7" providerId="ADAL" clId="{AB46A06D-E856-40B7-957C-0F50F3800040}" dt="2021-04-12T15:32:47.971" v="3"/>
+          <ac:cxnSpMkLst>
+            <pc:docMk/>
+            <pc:sldMk cId="1091789387" sldId="273"/>
+            <ac:cxnSpMk id="293" creationId="{3B110F17-DBD3-46F1-AA06-1E2F93C10168}"/>
+          </ac:cxnSpMkLst>
+        </pc:cxnChg>
+        <pc:cxnChg chg="add mod">
+          <ac:chgData name="Fingerhut, John Andy" userId="6ad675d3-541e-4813-9336-4804cd571dc7" providerId="ADAL" clId="{AB46A06D-E856-40B7-957C-0F50F3800040}" dt="2021-04-12T15:32:47.971" v="3"/>
+          <ac:cxnSpMkLst>
+            <pc:docMk/>
+            <pc:sldMk cId="1091789387" sldId="273"/>
+            <ac:cxnSpMk id="294" creationId="{132FAF17-1422-4C66-BDC6-BD0E1EC05ABE}"/>
+          </ac:cxnSpMkLst>
+        </pc:cxnChg>
+        <pc:cxnChg chg="add mod">
+          <ac:chgData name="Fingerhut, John Andy" userId="6ad675d3-541e-4813-9336-4804cd571dc7" providerId="ADAL" clId="{AB46A06D-E856-40B7-957C-0F50F3800040}" dt="2021-04-12T15:32:47.971" v="3"/>
+          <ac:cxnSpMkLst>
+            <pc:docMk/>
+            <pc:sldMk cId="1091789387" sldId="273"/>
+            <ac:cxnSpMk id="295" creationId="{8392C6E3-4B62-4598-A61D-50379CFDC32E}"/>
+          </ac:cxnSpMkLst>
+        </pc:cxnChg>
+        <pc:cxnChg chg="add mod">
+          <ac:chgData name="Fingerhut, John Andy" userId="6ad675d3-541e-4813-9336-4804cd571dc7" providerId="ADAL" clId="{AB46A06D-E856-40B7-957C-0F50F3800040}" dt="2021-04-12T15:32:47.971" v="3"/>
+          <ac:cxnSpMkLst>
+            <pc:docMk/>
+            <pc:sldMk cId="1091789387" sldId="273"/>
+            <ac:cxnSpMk id="296" creationId="{AFD5B5D5-6FCB-4A9D-8E9D-0659DD53CDA7}"/>
+          </ac:cxnSpMkLst>
+        </pc:cxnChg>
+        <pc:cxnChg chg="add mod">
+          <ac:chgData name="Fingerhut, John Andy" userId="6ad675d3-541e-4813-9336-4804cd571dc7" providerId="ADAL" clId="{AB46A06D-E856-40B7-957C-0F50F3800040}" dt="2021-04-12T15:32:47.971" v="3"/>
+          <ac:cxnSpMkLst>
+            <pc:docMk/>
+            <pc:sldMk cId="1091789387" sldId="273"/>
+            <ac:cxnSpMk id="297" creationId="{AD23FF2C-AAB2-4F69-9E3B-72F3DF1A5C4A}"/>
+          </ac:cxnSpMkLst>
+        </pc:cxnChg>
+        <pc:cxnChg chg="add mod">
+          <ac:chgData name="Fingerhut, John Andy" userId="6ad675d3-541e-4813-9336-4804cd571dc7" providerId="ADAL" clId="{AB46A06D-E856-40B7-957C-0F50F3800040}" dt="2021-04-12T15:32:47.971" v="3"/>
+          <ac:cxnSpMkLst>
+            <pc:docMk/>
+            <pc:sldMk cId="1091789387" sldId="273"/>
+            <ac:cxnSpMk id="298" creationId="{F21017AA-7720-4DBA-86B3-B183D869B2CC}"/>
+          </ac:cxnSpMkLst>
+        </pc:cxnChg>
+        <pc:cxnChg chg="add mod">
+          <ac:chgData name="Fingerhut, John Andy" userId="6ad675d3-541e-4813-9336-4804cd571dc7" providerId="ADAL" clId="{AB46A06D-E856-40B7-957C-0F50F3800040}" dt="2021-04-12T15:32:47.971" v="3"/>
+          <ac:cxnSpMkLst>
+            <pc:docMk/>
+            <pc:sldMk cId="1091789387" sldId="273"/>
+            <ac:cxnSpMk id="299" creationId="{7D95EB9B-4649-48B8-B77E-A6A7F05C3FFF}"/>
+          </ac:cxnSpMkLst>
+        </pc:cxnChg>
+        <pc:cxnChg chg="add mod">
+          <ac:chgData name="Fingerhut, John Andy" userId="6ad675d3-541e-4813-9336-4804cd571dc7" providerId="ADAL" clId="{AB46A06D-E856-40B7-957C-0F50F3800040}" dt="2021-04-12T15:32:47.971" v="3"/>
+          <ac:cxnSpMkLst>
+            <pc:docMk/>
+            <pc:sldMk cId="1091789387" sldId="273"/>
+            <ac:cxnSpMk id="300" creationId="{26DB3D12-209C-4ED3-8D8F-D66DCD94D9EF}"/>
+          </ac:cxnSpMkLst>
+        </pc:cxnChg>
+        <pc:cxnChg chg="add mod">
+          <ac:chgData name="Fingerhut, John Andy" userId="6ad675d3-541e-4813-9336-4804cd571dc7" providerId="ADAL" clId="{AB46A06D-E856-40B7-957C-0F50F3800040}" dt="2021-04-12T15:32:47.971" v="3"/>
+          <ac:cxnSpMkLst>
+            <pc:docMk/>
+            <pc:sldMk cId="1091789387" sldId="273"/>
+            <ac:cxnSpMk id="301" creationId="{4DC35F3F-FD85-4068-83DF-F596995AA6FA}"/>
+          </ac:cxnSpMkLst>
+        </pc:cxnChg>
+        <pc:cxnChg chg="add mod">
+          <ac:chgData name="Fingerhut, John Andy" userId="6ad675d3-541e-4813-9336-4804cd571dc7" providerId="ADAL" clId="{AB46A06D-E856-40B7-957C-0F50F3800040}" dt="2021-04-12T15:32:47.971" v="3"/>
+          <ac:cxnSpMkLst>
+            <pc:docMk/>
+            <pc:sldMk cId="1091789387" sldId="273"/>
+            <ac:cxnSpMk id="303" creationId="{D3A4E10E-EB35-43DB-B5CE-58A044FD9547}"/>
+          </ac:cxnSpMkLst>
+        </pc:cxnChg>
+        <pc:cxnChg chg="add mod">
+          <ac:chgData name="Fingerhut, John Andy" userId="6ad675d3-541e-4813-9336-4804cd571dc7" providerId="ADAL" clId="{AB46A06D-E856-40B7-957C-0F50F3800040}" dt="2021-04-12T15:32:47.971" v="3"/>
+          <ac:cxnSpMkLst>
+            <pc:docMk/>
+            <pc:sldMk cId="1091789387" sldId="273"/>
+            <ac:cxnSpMk id="305" creationId="{9DBCA7FA-F2AC-4264-855D-71D88031345B}"/>
+          </ac:cxnSpMkLst>
+        </pc:cxnChg>
+        <pc:cxnChg chg="add mod">
+          <ac:chgData name="Fingerhut, John Andy" userId="6ad675d3-541e-4813-9336-4804cd571dc7" providerId="ADAL" clId="{AB46A06D-E856-40B7-957C-0F50F3800040}" dt="2021-04-12T15:32:47.971" v="3"/>
+          <ac:cxnSpMkLst>
+            <pc:docMk/>
+            <pc:sldMk cId="1091789387" sldId="273"/>
+            <ac:cxnSpMk id="306" creationId="{F0CDD946-DEDA-49BC-881E-2EFF0E53EEAF}"/>
+          </ac:cxnSpMkLst>
+        </pc:cxnChg>
+        <pc:cxnChg chg="add mod">
+          <ac:chgData name="Fingerhut, John Andy" userId="6ad675d3-541e-4813-9336-4804cd571dc7" providerId="ADAL" clId="{AB46A06D-E856-40B7-957C-0F50F3800040}" dt="2021-04-12T15:32:47.971" v="3"/>
+          <ac:cxnSpMkLst>
+            <pc:docMk/>
+            <pc:sldMk cId="1091789387" sldId="273"/>
+            <ac:cxnSpMk id="308" creationId="{EB206779-8C96-4FD7-8AB9-8EC49CB6AB8A}"/>
+          </ac:cxnSpMkLst>
+        </pc:cxnChg>
+        <pc:cxnChg chg="add mod">
+          <ac:chgData name="Fingerhut, John Andy" userId="6ad675d3-541e-4813-9336-4804cd571dc7" providerId="ADAL" clId="{AB46A06D-E856-40B7-957C-0F50F3800040}" dt="2021-04-12T15:32:47.971" v="3"/>
+          <ac:cxnSpMkLst>
+            <pc:docMk/>
+            <pc:sldMk cId="1091789387" sldId="273"/>
+            <ac:cxnSpMk id="309" creationId="{20379808-FE56-458C-8084-B9FAD8A45934}"/>
           </ac:cxnSpMkLst>
         </pc:cxnChg>
       </pc:sldChg>
@@ -744,7 +2648,7 @@
           <a:p>
             <a:fld id="{B72825D7-6CAC-4DD9-81D1-F420B7F343C3}" type="datetimeFigureOut">
               <a:rPr lang="en-US" smtClean="0"/>
-              <a:t>11/12/2020</a:t>
+              <a:t>4/12/2021</a:t>
             </a:fld>
             <a:endParaRPr lang="en-US"/>
           </a:p>
@@ -942,7 +2846,7 @@
           <a:p>
             <a:fld id="{B72825D7-6CAC-4DD9-81D1-F420B7F343C3}" type="datetimeFigureOut">
               <a:rPr lang="en-US" smtClean="0"/>
-              <a:t>11/12/2020</a:t>
+              <a:t>4/12/2021</a:t>
             </a:fld>
             <a:endParaRPr lang="en-US"/>
           </a:p>
@@ -1150,7 +3054,7 @@
           <a:p>
             <a:fld id="{B72825D7-6CAC-4DD9-81D1-F420B7F343C3}" type="datetimeFigureOut">
               <a:rPr lang="en-US" smtClean="0"/>
-              <a:t>11/12/2020</a:t>
+              <a:t>4/12/2021</a:t>
             </a:fld>
             <a:endParaRPr lang="en-US"/>
           </a:p>
@@ -1348,7 +3252,7 @@
           <a:p>
             <a:fld id="{B72825D7-6CAC-4DD9-81D1-F420B7F343C3}" type="datetimeFigureOut">
               <a:rPr lang="en-US" smtClean="0"/>
-              <a:t>11/12/2020</a:t>
+              <a:t>4/12/2021</a:t>
             </a:fld>
             <a:endParaRPr lang="en-US"/>
           </a:p>
@@ -1623,7 +3527,7 @@
           <a:p>
             <a:fld id="{B72825D7-6CAC-4DD9-81D1-F420B7F343C3}" type="datetimeFigureOut">
               <a:rPr lang="en-US" smtClean="0"/>
-              <a:t>11/12/2020</a:t>
+              <a:t>4/12/2021</a:t>
             </a:fld>
             <a:endParaRPr lang="en-US"/>
           </a:p>
@@ -1888,7 +3792,7 @@
           <a:p>
             <a:fld id="{B72825D7-6CAC-4DD9-81D1-F420B7F343C3}" type="datetimeFigureOut">
               <a:rPr lang="en-US" smtClean="0"/>
-              <a:t>11/12/2020</a:t>
+              <a:t>4/12/2021</a:t>
             </a:fld>
             <a:endParaRPr lang="en-US"/>
           </a:p>
@@ -2300,7 +4204,7 @@
           <a:p>
             <a:fld id="{B72825D7-6CAC-4DD9-81D1-F420B7F343C3}" type="datetimeFigureOut">
               <a:rPr lang="en-US" smtClean="0"/>
-              <a:t>11/12/2020</a:t>
+              <a:t>4/12/2021</a:t>
             </a:fld>
             <a:endParaRPr lang="en-US"/>
           </a:p>
@@ -2441,7 +4345,7 @@
           <a:p>
             <a:fld id="{B72825D7-6CAC-4DD9-81D1-F420B7F343C3}" type="datetimeFigureOut">
               <a:rPr lang="en-US" smtClean="0"/>
-              <a:t>11/12/2020</a:t>
+              <a:t>4/12/2021</a:t>
             </a:fld>
             <a:endParaRPr lang="en-US"/>
           </a:p>
@@ -2554,7 +4458,7 @@
           <a:p>
             <a:fld id="{B72825D7-6CAC-4DD9-81D1-F420B7F343C3}" type="datetimeFigureOut">
               <a:rPr lang="en-US" smtClean="0"/>
-              <a:t>11/12/2020</a:t>
+              <a:t>4/12/2021</a:t>
             </a:fld>
             <a:endParaRPr lang="en-US"/>
           </a:p>
@@ -2865,7 +4769,7 @@
           <a:p>
             <a:fld id="{B72825D7-6CAC-4DD9-81D1-F420B7F343C3}" type="datetimeFigureOut">
               <a:rPr lang="en-US" smtClean="0"/>
-              <a:t>11/12/2020</a:t>
+              <a:t>4/12/2021</a:t>
             </a:fld>
             <a:endParaRPr lang="en-US"/>
           </a:p>
@@ -3153,7 +5057,7 @@
           <a:p>
             <a:fld id="{B72825D7-6CAC-4DD9-81D1-F420B7F343C3}" type="datetimeFigureOut">
               <a:rPr lang="en-US" smtClean="0"/>
-              <a:t>11/12/2020</a:t>
+              <a:t>4/12/2021</a:t>
             </a:fld>
             <a:endParaRPr lang="en-US"/>
           </a:p>
@@ -3394,7 +5298,7 @@
           <a:p>
             <a:fld id="{B72825D7-6CAC-4DD9-81D1-F420B7F343C3}" type="datetimeFigureOut">
               <a:rPr lang="en-US" smtClean="0"/>
-              <a:t>11/12/2020</a:t>
+              <a:t>4/12/2021</a:t>
             </a:fld>
             <a:endParaRPr lang="en-US"/>
           </a:p>
@@ -3813,10 +5717,10 @@
       </p:grpSpPr>
       <p:sp>
         <p:nvSpPr>
-          <p:cNvPr id="148" name="Rectangle 147">
-            <a:extLst>
-              <a:ext uri="{FF2B5EF4-FFF2-40B4-BE49-F238E27FC236}">
-                <a16:creationId xmlns:a16="http://schemas.microsoft.com/office/drawing/2014/main" id="{0E3FF64B-C6A6-4736-9847-96B6371F20AE}"/>
+          <p:cNvPr id="222" name="Rectangle 221">
+            <a:extLst>
+              <a:ext uri="{FF2B5EF4-FFF2-40B4-BE49-F238E27FC236}">
+                <a16:creationId xmlns:a16="http://schemas.microsoft.com/office/drawing/2014/main" id="{266099EA-ACC6-4078-B069-B852B2050CE6}"/>
               </a:ext>
             </a:extLst>
           </p:cNvPr>
@@ -3825,7 +5729,7 @@
         </p:nvSpPr>
         <p:spPr>
           <a:xfrm rot="16200000">
-            <a:off x="8943956" y="3937957"/>
+            <a:off x="8767177" y="3937957"/>
             <a:ext cx="2276178" cy="392105"/>
           </a:xfrm>
           <a:prstGeom prst="rect">
@@ -3859,7 +5763,7 @@
             <a:r>
               <a:rPr lang="en-US" dirty="0">
                 <a:solidFill>
-                  <a:schemeClr val="tx1"/>
+                  <a:schemeClr val="bg1"/>
                 </a:solidFill>
               </a:rPr>
               <a:t>Message Processing</a:t>
@@ -3867,712 +5771,12 @@
           </a:p>
         </p:txBody>
       </p:sp>
-      <p:grpSp>
-        <p:nvGrpSpPr>
-          <p:cNvPr id="25" name="Group 24">
-            <a:extLst>
-              <a:ext uri="{FF2B5EF4-FFF2-40B4-BE49-F238E27FC236}">
-                <a16:creationId xmlns:a16="http://schemas.microsoft.com/office/drawing/2014/main" id="{D3A54630-E9F6-45DD-998F-E5DC0F14A399}"/>
-              </a:ext>
-            </a:extLst>
-          </p:cNvPr>
-          <p:cNvGrpSpPr/>
-          <p:nvPr/>
-        </p:nvGrpSpPr>
-        <p:grpSpPr>
-          <a:xfrm rot="16200000">
-            <a:off x="5978999" y="2927995"/>
-            <a:ext cx="1676833" cy="1661997"/>
-            <a:chOff x="6523829" y="1695985"/>
-            <a:chExt cx="1676833" cy="1661997"/>
-          </a:xfrm>
-        </p:grpSpPr>
-        <p:sp>
-          <p:nvSpPr>
-            <p:cNvPr id="7" name="Rectangle 6">
-              <a:extLst>
-                <a:ext uri="{FF2B5EF4-FFF2-40B4-BE49-F238E27FC236}">
-                  <a16:creationId xmlns:a16="http://schemas.microsoft.com/office/drawing/2014/main" id="{9719FC3C-4B0A-4BE8-AD6C-44B06ECD8204}"/>
-                </a:ext>
-              </a:extLst>
-            </p:cNvPr>
-            <p:cNvSpPr/>
-            <p:nvPr/>
-          </p:nvSpPr>
-          <p:spPr>
-            <a:xfrm>
-              <a:off x="6548148" y="1698443"/>
-              <a:ext cx="1621162" cy="1657688"/>
-            </a:xfrm>
-            <a:prstGeom prst="rect">
-              <a:avLst/>
-            </a:prstGeom>
-            <a:solidFill>
-              <a:schemeClr val="accent5">
-                <a:lumMod val="40000"/>
-                <a:lumOff val="60000"/>
-              </a:schemeClr>
-            </a:solidFill>
-          </p:spPr>
-          <p:style>
-            <a:lnRef idx="2">
-              <a:schemeClr val="accent1">
-                <a:shade val="50000"/>
-              </a:schemeClr>
-            </a:lnRef>
-            <a:fillRef idx="1">
-              <a:schemeClr val="accent1"/>
-            </a:fillRef>
-            <a:effectRef idx="0">
-              <a:schemeClr val="accent1"/>
-            </a:effectRef>
-            <a:fontRef idx="minor">
-              <a:schemeClr val="lt1"/>
-            </a:fontRef>
-          </p:style>
-          <p:txBody>
-            <a:bodyPr rtlCol="0" anchor="ctr"/>
-            <a:lstStyle/>
-            <a:p>
-              <a:endParaRPr lang="en-US" dirty="0">
-                <a:solidFill>
-                  <a:schemeClr val="tx1"/>
-                </a:solidFill>
-              </a:endParaRPr>
-            </a:p>
-          </p:txBody>
-        </p:sp>
-        <p:sp>
-          <p:nvSpPr>
-            <p:cNvPr id="9" name="Rectangle 8">
-              <a:extLst>
-                <a:ext uri="{FF2B5EF4-FFF2-40B4-BE49-F238E27FC236}">
-                  <a16:creationId xmlns:a16="http://schemas.microsoft.com/office/drawing/2014/main" id="{08CD8402-7233-47B1-A1B5-23D2E88AF40D}"/>
-                </a:ext>
-              </a:extLst>
-            </p:cNvPr>
-            <p:cNvSpPr/>
-            <p:nvPr/>
-          </p:nvSpPr>
-          <p:spPr>
-            <a:xfrm>
-              <a:off x="6610278" y="2059975"/>
-              <a:ext cx="1494503" cy="224589"/>
-            </a:xfrm>
-            <a:prstGeom prst="rect">
-              <a:avLst/>
-            </a:prstGeom>
-            <a:solidFill>
-              <a:srgbClr val="00B050"/>
-            </a:solidFill>
-          </p:spPr>
-          <p:style>
-            <a:lnRef idx="2">
-              <a:schemeClr val="accent1">
-                <a:shade val="50000"/>
-              </a:schemeClr>
-            </a:lnRef>
-            <a:fillRef idx="1">
-              <a:schemeClr val="accent1"/>
-            </a:fillRef>
-            <a:effectRef idx="0">
-              <a:schemeClr val="accent1"/>
-            </a:effectRef>
-            <a:fontRef idx="minor">
-              <a:schemeClr val="lt1"/>
-            </a:fontRef>
-          </p:style>
-          <p:txBody>
-            <a:bodyPr rtlCol="0" anchor="ctr"/>
-            <a:lstStyle/>
-            <a:p>
-              <a:pPr algn="ctr"/>
-              <a:r>
-                <a:rPr lang="en-US" dirty="0"/>
-                <a:t>Parser</a:t>
-              </a:r>
-            </a:p>
-          </p:txBody>
-        </p:sp>
-        <p:sp>
-          <p:nvSpPr>
-            <p:cNvPr id="10" name="Rectangle 9">
-              <a:extLst>
-                <a:ext uri="{FF2B5EF4-FFF2-40B4-BE49-F238E27FC236}">
-                  <a16:creationId xmlns:a16="http://schemas.microsoft.com/office/drawing/2014/main" id="{4DA835D9-811A-4207-86BD-82A8C24C1D85}"/>
-                </a:ext>
-              </a:extLst>
-            </p:cNvPr>
-            <p:cNvSpPr/>
-            <p:nvPr/>
-          </p:nvSpPr>
-          <p:spPr>
-            <a:xfrm>
-              <a:off x="6610278" y="2422677"/>
-              <a:ext cx="1494503" cy="200960"/>
-            </a:xfrm>
-            <a:prstGeom prst="rect">
-              <a:avLst/>
-            </a:prstGeom>
-            <a:solidFill>
-              <a:srgbClr val="00B050"/>
-            </a:solidFill>
-          </p:spPr>
-          <p:style>
-            <a:lnRef idx="2">
-              <a:schemeClr val="accent1">
-                <a:shade val="50000"/>
-              </a:schemeClr>
-            </a:lnRef>
-            <a:fillRef idx="1">
-              <a:schemeClr val="accent1"/>
-            </a:fillRef>
-            <a:effectRef idx="0">
-              <a:schemeClr val="accent1"/>
-            </a:effectRef>
-            <a:fontRef idx="minor">
-              <a:schemeClr val="lt1"/>
-            </a:fontRef>
-          </p:style>
-          <p:txBody>
-            <a:bodyPr rtlCol="0" anchor="ctr"/>
-            <a:lstStyle/>
-            <a:p>
-              <a:pPr algn="ctr"/>
-              <a:r>
-                <a:rPr lang="en-US" dirty="0"/>
-                <a:t>Main control</a:t>
-              </a:r>
-            </a:p>
-          </p:txBody>
-        </p:sp>
-        <p:sp>
-          <p:nvSpPr>
-            <p:cNvPr id="11" name="Rectangle 10">
-              <a:extLst>
-                <a:ext uri="{FF2B5EF4-FFF2-40B4-BE49-F238E27FC236}">
-                  <a16:creationId xmlns:a16="http://schemas.microsoft.com/office/drawing/2014/main" id="{C5E0B604-11FA-4D85-8C27-1B6B6D7746A0}"/>
-                </a:ext>
-              </a:extLst>
-            </p:cNvPr>
-            <p:cNvSpPr/>
-            <p:nvPr/>
-          </p:nvSpPr>
-          <p:spPr>
-            <a:xfrm>
-              <a:off x="6610278" y="2761264"/>
-              <a:ext cx="1494503" cy="234880"/>
-            </a:xfrm>
-            <a:prstGeom prst="rect">
-              <a:avLst/>
-            </a:prstGeom>
-            <a:solidFill>
-              <a:srgbClr val="00B050"/>
-            </a:solidFill>
-          </p:spPr>
-          <p:style>
-            <a:lnRef idx="2">
-              <a:schemeClr val="accent1">
-                <a:shade val="50000"/>
-              </a:schemeClr>
-            </a:lnRef>
-            <a:fillRef idx="1">
-              <a:schemeClr val="accent1"/>
-            </a:fillRef>
-            <a:effectRef idx="0">
-              <a:schemeClr val="accent1"/>
-            </a:effectRef>
-            <a:fontRef idx="minor">
-              <a:schemeClr val="lt1"/>
-            </a:fontRef>
-          </p:style>
-          <p:txBody>
-            <a:bodyPr rtlCol="0" anchor="ctr"/>
-            <a:lstStyle/>
-            <a:p>
-              <a:pPr algn="ctr"/>
-              <a:r>
-                <a:rPr lang="en-US" dirty="0"/>
-                <a:t>Deparser</a:t>
-              </a:r>
-            </a:p>
-          </p:txBody>
-        </p:sp>
-        <p:sp>
-          <p:nvSpPr>
-            <p:cNvPr id="12" name="TextBox 11">
-              <a:extLst>
-                <a:ext uri="{FF2B5EF4-FFF2-40B4-BE49-F238E27FC236}">
-                  <a16:creationId xmlns:a16="http://schemas.microsoft.com/office/drawing/2014/main" id="{A57A30FC-8EBC-4414-9C3F-8F53C01E89DB}"/>
-                </a:ext>
-              </a:extLst>
-            </p:cNvPr>
-            <p:cNvSpPr txBox="1"/>
-            <p:nvPr/>
-          </p:nvSpPr>
-          <p:spPr>
-            <a:xfrm>
-              <a:off x="7389221" y="1695985"/>
-              <a:ext cx="811441" cy="253916"/>
-            </a:xfrm>
-            <a:prstGeom prst="rect">
-              <a:avLst/>
-            </a:prstGeom>
-            <a:noFill/>
-          </p:spPr>
-          <p:txBody>
-            <a:bodyPr wrap="none" rtlCol="0">
-              <a:spAutoFit/>
-            </a:bodyPr>
-            <a:lstStyle/>
-            <a:p>
-              <a:r>
-                <a:rPr lang="en-US" sz="1050" dirty="0"/>
-                <a:t>FROM_NET</a:t>
-              </a:r>
-            </a:p>
-          </p:txBody>
-        </p:sp>
-        <p:sp>
-          <p:nvSpPr>
-            <p:cNvPr id="13" name="TextBox 12">
-              <a:extLst>
-                <a:ext uri="{FF2B5EF4-FFF2-40B4-BE49-F238E27FC236}">
-                  <a16:creationId xmlns:a16="http://schemas.microsoft.com/office/drawing/2014/main" id="{1CFDA1D5-F37B-4541-B9D2-E055C8630AC5}"/>
-                </a:ext>
-              </a:extLst>
-            </p:cNvPr>
-            <p:cNvSpPr txBox="1"/>
-            <p:nvPr/>
-          </p:nvSpPr>
-          <p:spPr>
-            <a:xfrm>
-              <a:off x="6605815" y="3104066"/>
-              <a:ext cx="625492" cy="253916"/>
-            </a:xfrm>
-            <a:prstGeom prst="rect">
-              <a:avLst/>
-            </a:prstGeom>
-            <a:noFill/>
-          </p:spPr>
-          <p:txBody>
-            <a:bodyPr wrap="none" rtlCol="0">
-              <a:spAutoFit/>
-            </a:bodyPr>
-            <a:lstStyle/>
-            <a:p>
-              <a:r>
-                <a:rPr lang="en-US" sz="1050" dirty="0"/>
-                <a:t>TO_NET</a:t>
-              </a:r>
-            </a:p>
-          </p:txBody>
-        </p:sp>
-        <p:sp>
-          <p:nvSpPr>
-            <p:cNvPr id="14" name="TextBox 13">
-              <a:extLst>
-                <a:ext uri="{FF2B5EF4-FFF2-40B4-BE49-F238E27FC236}">
-                  <a16:creationId xmlns:a16="http://schemas.microsoft.com/office/drawing/2014/main" id="{1334AC9D-6D71-45C5-B180-594CD48DA462}"/>
-                </a:ext>
-              </a:extLst>
-            </p:cNvPr>
-            <p:cNvSpPr txBox="1"/>
-            <p:nvPr/>
-          </p:nvSpPr>
-          <p:spPr>
-            <a:xfrm>
-              <a:off x="6523829" y="1705094"/>
-              <a:ext cx="894797" cy="253916"/>
-            </a:xfrm>
-            <a:prstGeom prst="rect">
-              <a:avLst/>
-            </a:prstGeom>
-            <a:noFill/>
-          </p:spPr>
-          <p:txBody>
-            <a:bodyPr wrap="none" rtlCol="0">
-              <a:spAutoFit/>
-            </a:bodyPr>
-            <a:lstStyle/>
-            <a:p>
-              <a:r>
-                <a:rPr lang="en-US" sz="1050" dirty="0"/>
-                <a:t>FROM_HOST</a:t>
-              </a:r>
-            </a:p>
-          </p:txBody>
-        </p:sp>
-        <p:sp>
-          <p:nvSpPr>
-            <p:cNvPr id="15" name="TextBox 14">
-              <a:extLst>
-                <a:ext uri="{FF2B5EF4-FFF2-40B4-BE49-F238E27FC236}">
-                  <a16:creationId xmlns:a16="http://schemas.microsoft.com/office/drawing/2014/main" id="{962C12F2-DD96-4A51-B663-4E2BD4690C21}"/>
-                </a:ext>
-              </a:extLst>
-            </p:cNvPr>
-            <p:cNvSpPr txBox="1"/>
-            <p:nvPr/>
-          </p:nvSpPr>
-          <p:spPr>
-            <a:xfrm>
-              <a:off x="7411958" y="3097378"/>
-              <a:ext cx="708848" cy="253916"/>
-            </a:xfrm>
-            <a:prstGeom prst="rect">
-              <a:avLst/>
-            </a:prstGeom>
-            <a:noFill/>
-          </p:spPr>
-          <p:txBody>
-            <a:bodyPr wrap="none" rtlCol="0">
-              <a:spAutoFit/>
-            </a:bodyPr>
-            <a:lstStyle/>
-            <a:p>
-              <a:r>
-                <a:rPr lang="en-US" sz="1050" dirty="0"/>
-                <a:t>TO_HOST</a:t>
-              </a:r>
-            </a:p>
-          </p:txBody>
-        </p:sp>
-        <p:cxnSp>
-          <p:nvCxnSpPr>
-            <p:cNvPr id="8" name="Straight Arrow Connector 7">
-              <a:extLst>
-                <a:ext uri="{FF2B5EF4-FFF2-40B4-BE49-F238E27FC236}">
-                  <a16:creationId xmlns:a16="http://schemas.microsoft.com/office/drawing/2014/main" id="{BB801080-B3EB-43D3-BDB6-AD0E67A57AA2}"/>
-                </a:ext>
-              </a:extLst>
-            </p:cNvPr>
-            <p:cNvCxnSpPr>
-              <a:cxnSpLocks/>
-            </p:cNvCxnSpPr>
-            <p:nvPr/>
-          </p:nvCxnSpPr>
-          <p:spPr>
-            <a:xfrm>
-              <a:off x="6926262" y="1914867"/>
-              <a:ext cx="0" cy="145108"/>
-            </a:xfrm>
-            <a:prstGeom prst="straightConnector1">
-              <a:avLst/>
-            </a:prstGeom>
-            <a:ln>
-              <a:tailEnd type="triangle"/>
-            </a:ln>
-          </p:spPr>
-          <p:style>
-            <a:lnRef idx="1">
-              <a:schemeClr val="accent1"/>
-            </a:lnRef>
-            <a:fillRef idx="0">
-              <a:schemeClr val="accent1"/>
-            </a:fillRef>
-            <a:effectRef idx="0">
-              <a:schemeClr val="accent1"/>
-            </a:effectRef>
-            <a:fontRef idx="minor">
-              <a:schemeClr val="tx1"/>
-            </a:fontRef>
-          </p:style>
-        </p:cxnSp>
-        <p:cxnSp>
-          <p:nvCxnSpPr>
-            <p:cNvPr id="18" name="Straight Arrow Connector 17">
-              <a:extLst>
-                <a:ext uri="{FF2B5EF4-FFF2-40B4-BE49-F238E27FC236}">
-                  <a16:creationId xmlns:a16="http://schemas.microsoft.com/office/drawing/2014/main" id="{78AD3BE8-DF3A-4F04-908C-973DFE021940}"/>
-                </a:ext>
-              </a:extLst>
-            </p:cNvPr>
-            <p:cNvCxnSpPr>
-              <a:cxnSpLocks/>
-            </p:cNvCxnSpPr>
-            <p:nvPr/>
-          </p:nvCxnSpPr>
-          <p:spPr>
-            <a:xfrm>
-              <a:off x="7799490" y="2291559"/>
-              <a:ext cx="0" cy="138113"/>
-            </a:xfrm>
-            <a:prstGeom prst="straightConnector1">
-              <a:avLst/>
-            </a:prstGeom>
-            <a:ln>
-              <a:tailEnd type="triangle"/>
-            </a:ln>
-          </p:spPr>
-          <p:style>
-            <a:lnRef idx="1">
-              <a:schemeClr val="accent1"/>
-            </a:lnRef>
-            <a:fillRef idx="0">
-              <a:schemeClr val="accent1"/>
-            </a:fillRef>
-            <a:effectRef idx="0">
-              <a:schemeClr val="accent1"/>
-            </a:effectRef>
-            <a:fontRef idx="minor">
-              <a:schemeClr val="tx1"/>
-            </a:fontRef>
-          </p:style>
-        </p:cxnSp>
-        <p:cxnSp>
-          <p:nvCxnSpPr>
-            <p:cNvPr id="21" name="Straight Arrow Connector 20">
-              <a:extLst>
-                <a:ext uri="{FF2B5EF4-FFF2-40B4-BE49-F238E27FC236}">
-                  <a16:creationId xmlns:a16="http://schemas.microsoft.com/office/drawing/2014/main" id="{118C6842-6E5E-4C24-B95F-914E14CD1B9C}"/>
-                </a:ext>
-              </a:extLst>
-            </p:cNvPr>
-            <p:cNvCxnSpPr>
-              <a:cxnSpLocks/>
-            </p:cNvCxnSpPr>
-            <p:nvPr/>
-          </p:nvCxnSpPr>
-          <p:spPr>
-            <a:xfrm>
-              <a:off x="7794942" y="2623637"/>
-              <a:ext cx="0" cy="137627"/>
-            </a:xfrm>
-            <a:prstGeom prst="straightConnector1">
-              <a:avLst/>
-            </a:prstGeom>
-            <a:ln>
-              <a:tailEnd type="triangle"/>
-            </a:ln>
-          </p:spPr>
-          <p:style>
-            <a:lnRef idx="1">
-              <a:schemeClr val="accent1"/>
-            </a:lnRef>
-            <a:fillRef idx="0">
-              <a:schemeClr val="accent1"/>
-            </a:fillRef>
-            <a:effectRef idx="0">
-              <a:schemeClr val="accent1"/>
-            </a:effectRef>
-            <a:fontRef idx="minor">
-              <a:schemeClr val="tx1"/>
-            </a:fontRef>
-          </p:style>
-        </p:cxnSp>
-        <p:cxnSp>
-          <p:nvCxnSpPr>
-            <p:cNvPr id="29" name="Straight Arrow Connector 28">
-              <a:extLst>
-                <a:ext uri="{FF2B5EF4-FFF2-40B4-BE49-F238E27FC236}">
-                  <a16:creationId xmlns:a16="http://schemas.microsoft.com/office/drawing/2014/main" id="{6E973354-BD42-4475-A807-8DE90F54F8A4}"/>
-                </a:ext>
-              </a:extLst>
-            </p:cNvPr>
-            <p:cNvCxnSpPr>
-              <a:cxnSpLocks/>
-            </p:cNvCxnSpPr>
-            <p:nvPr/>
-          </p:nvCxnSpPr>
-          <p:spPr>
-            <a:xfrm>
-              <a:off x="7794942" y="1914867"/>
-              <a:ext cx="0" cy="145108"/>
-            </a:xfrm>
-            <a:prstGeom prst="straightConnector1">
-              <a:avLst/>
-            </a:prstGeom>
-            <a:ln>
-              <a:tailEnd type="triangle"/>
-            </a:ln>
-          </p:spPr>
-          <p:style>
-            <a:lnRef idx="1">
-              <a:schemeClr val="accent1"/>
-            </a:lnRef>
-            <a:fillRef idx="0">
-              <a:schemeClr val="accent1"/>
-            </a:fillRef>
-            <a:effectRef idx="0">
-              <a:schemeClr val="accent1"/>
-            </a:effectRef>
-            <a:fontRef idx="minor">
-              <a:schemeClr val="tx1"/>
-            </a:fontRef>
-          </p:style>
-        </p:cxnSp>
-        <p:cxnSp>
-          <p:nvCxnSpPr>
-            <p:cNvPr id="30" name="Straight Arrow Connector 29">
-              <a:extLst>
-                <a:ext uri="{FF2B5EF4-FFF2-40B4-BE49-F238E27FC236}">
-                  <a16:creationId xmlns:a16="http://schemas.microsoft.com/office/drawing/2014/main" id="{D4BD033C-95E1-41B3-B6D8-C9EAC2E4C393}"/>
-                </a:ext>
-              </a:extLst>
-            </p:cNvPr>
-            <p:cNvCxnSpPr>
-              <a:cxnSpLocks/>
-            </p:cNvCxnSpPr>
-            <p:nvPr/>
-          </p:nvCxnSpPr>
-          <p:spPr>
-            <a:xfrm>
-              <a:off x="6926262" y="2996144"/>
-              <a:ext cx="0" cy="145108"/>
-            </a:xfrm>
-            <a:prstGeom prst="straightConnector1">
-              <a:avLst/>
-            </a:prstGeom>
-            <a:ln>
-              <a:tailEnd type="triangle"/>
-            </a:ln>
-          </p:spPr>
-          <p:style>
-            <a:lnRef idx="1">
-              <a:schemeClr val="accent1"/>
-            </a:lnRef>
-            <a:fillRef idx="0">
-              <a:schemeClr val="accent1"/>
-            </a:fillRef>
-            <a:effectRef idx="0">
-              <a:schemeClr val="accent1"/>
-            </a:effectRef>
-            <a:fontRef idx="minor">
-              <a:schemeClr val="tx1"/>
-            </a:fontRef>
-          </p:style>
-        </p:cxnSp>
-        <p:cxnSp>
-          <p:nvCxnSpPr>
-            <p:cNvPr id="31" name="Straight Arrow Connector 30">
-              <a:extLst>
-                <a:ext uri="{FF2B5EF4-FFF2-40B4-BE49-F238E27FC236}">
-                  <a16:creationId xmlns:a16="http://schemas.microsoft.com/office/drawing/2014/main" id="{3B2C21DB-6C35-4435-AF14-F51CB6679761}"/>
-                </a:ext>
-              </a:extLst>
-            </p:cNvPr>
-            <p:cNvCxnSpPr>
-              <a:cxnSpLocks/>
-            </p:cNvCxnSpPr>
-            <p:nvPr/>
-          </p:nvCxnSpPr>
-          <p:spPr>
-            <a:xfrm>
-              <a:off x="7794942" y="2996144"/>
-              <a:ext cx="0" cy="145108"/>
-            </a:xfrm>
-            <a:prstGeom prst="straightConnector1">
-              <a:avLst/>
-            </a:prstGeom>
-            <a:ln>
-              <a:tailEnd type="triangle"/>
-            </a:ln>
-          </p:spPr>
-          <p:style>
-            <a:lnRef idx="1">
-              <a:schemeClr val="accent1"/>
-            </a:lnRef>
-            <a:fillRef idx="0">
-              <a:schemeClr val="accent1"/>
-            </a:fillRef>
-            <a:effectRef idx="0">
-              <a:schemeClr val="accent1"/>
-            </a:effectRef>
-            <a:fontRef idx="minor">
-              <a:schemeClr val="tx1"/>
-            </a:fontRef>
-          </p:style>
-        </p:cxnSp>
-        <p:cxnSp>
-          <p:nvCxnSpPr>
-            <p:cNvPr id="32" name="Straight Arrow Connector 31">
-              <a:extLst>
-                <a:ext uri="{FF2B5EF4-FFF2-40B4-BE49-F238E27FC236}">
-                  <a16:creationId xmlns:a16="http://schemas.microsoft.com/office/drawing/2014/main" id="{92046405-9500-4397-B377-F93955C0070E}"/>
-                </a:ext>
-              </a:extLst>
-            </p:cNvPr>
-            <p:cNvCxnSpPr>
-              <a:cxnSpLocks/>
-            </p:cNvCxnSpPr>
-            <p:nvPr/>
-          </p:nvCxnSpPr>
-          <p:spPr>
-            <a:xfrm>
-              <a:off x="6926262" y="2284564"/>
-              <a:ext cx="0" cy="145108"/>
-            </a:xfrm>
-            <a:prstGeom prst="straightConnector1">
-              <a:avLst/>
-            </a:prstGeom>
-            <a:ln>
-              <a:tailEnd type="triangle"/>
-            </a:ln>
-          </p:spPr>
-          <p:style>
-            <a:lnRef idx="1">
-              <a:schemeClr val="accent1"/>
-            </a:lnRef>
-            <a:fillRef idx="0">
-              <a:schemeClr val="accent1"/>
-            </a:fillRef>
-            <a:effectRef idx="0">
-              <a:schemeClr val="accent1"/>
-            </a:effectRef>
-            <a:fontRef idx="minor">
-              <a:schemeClr val="tx1"/>
-            </a:fontRef>
-          </p:style>
-        </p:cxnSp>
-        <p:cxnSp>
-          <p:nvCxnSpPr>
-            <p:cNvPr id="33" name="Straight Arrow Connector 32">
-              <a:extLst>
-                <a:ext uri="{FF2B5EF4-FFF2-40B4-BE49-F238E27FC236}">
-                  <a16:creationId xmlns:a16="http://schemas.microsoft.com/office/drawing/2014/main" id="{E38A593F-0DEE-408E-8DF2-68583A1E725F}"/>
-                </a:ext>
-              </a:extLst>
-            </p:cNvPr>
-            <p:cNvCxnSpPr>
-              <a:cxnSpLocks/>
-            </p:cNvCxnSpPr>
-            <p:nvPr/>
-          </p:nvCxnSpPr>
-          <p:spPr>
-            <a:xfrm>
-              <a:off x="6926262" y="2623637"/>
-              <a:ext cx="0" cy="145108"/>
-            </a:xfrm>
-            <a:prstGeom prst="straightConnector1">
-              <a:avLst/>
-            </a:prstGeom>
-            <a:ln>
-              <a:tailEnd type="triangle"/>
-            </a:ln>
-          </p:spPr>
-          <p:style>
-            <a:lnRef idx="1">
-              <a:schemeClr val="accent1"/>
-            </a:lnRef>
-            <a:fillRef idx="0">
-              <a:schemeClr val="accent1"/>
-            </a:fillRef>
-            <a:effectRef idx="0">
-              <a:schemeClr val="accent1"/>
-            </a:effectRef>
-            <a:fontRef idx="minor">
-              <a:schemeClr val="tx1"/>
-            </a:fontRef>
-          </p:style>
-        </p:cxnSp>
-      </p:grpSp>
       <p:sp>
         <p:nvSpPr>
-          <p:cNvPr id="35" name="Rectangle 34">
-            <a:extLst>
-              <a:ext uri="{FF2B5EF4-FFF2-40B4-BE49-F238E27FC236}">
-                <a16:creationId xmlns:a16="http://schemas.microsoft.com/office/drawing/2014/main" id="{8EB9B0E0-C169-48B3-BCE6-385310287F99}"/>
+          <p:cNvPr id="223" name="Rectangle 222">
+            <a:extLst>
+              <a:ext uri="{FF2B5EF4-FFF2-40B4-BE49-F238E27FC236}">
+                <a16:creationId xmlns:a16="http://schemas.microsoft.com/office/drawing/2014/main" id="{A028C3F0-E2D9-48A3-A1EC-A86001815691}"/>
               </a:ext>
             </a:extLst>
           </p:cNvPr>
@@ -4581,8 +5785,8 @@
         </p:nvSpPr>
         <p:spPr>
           <a:xfrm rot="16200000">
-            <a:off x="2199810" y="2699455"/>
-            <a:ext cx="1715848" cy="1230325"/>
+            <a:off x="5643169" y="2742665"/>
+            <a:ext cx="1621162" cy="2032069"/>
           </a:xfrm>
           <a:prstGeom prst="rect">
             <a:avLst/>
@@ -4624,10 +5828,10 @@
       </p:sp>
       <p:sp>
         <p:nvSpPr>
-          <p:cNvPr id="36" name="Rectangle 35">
-            <a:extLst>
-              <a:ext uri="{FF2B5EF4-FFF2-40B4-BE49-F238E27FC236}">
-                <a16:creationId xmlns:a16="http://schemas.microsoft.com/office/drawing/2014/main" id="{3ED9F1BC-576A-4EF3-9876-126695A64636}"/>
+          <p:cNvPr id="224" name="Rectangle 223">
+            <a:extLst>
+              <a:ext uri="{FF2B5EF4-FFF2-40B4-BE49-F238E27FC236}">
+                <a16:creationId xmlns:a16="http://schemas.microsoft.com/office/drawing/2014/main" id="{319FE9D4-53FF-4EC3-8286-AC455816A8D2}"/>
               </a:ext>
             </a:extLst>
           </p:cNvPr>
@@ -4636,8 +5840,8 @@
         </p:nvSpPr>
         <p:spPr>
           <a:xfrm rot="16200000">
-            <a:off x="2065473" y="3213078"/>
-            <a:ext cx="1602958" cy="224589"/>
+            <a:off x="5194979" y="3643815"/>
+            <a:ext cx="1494503" cy="224589"/>
           </a:xfrm>
           <a:prstGeom prst="rect">
             <a:avLst/>
@@ -4669,17 +5873,17 @@
             <a:pPr algn="ctr"/>
             <a:r>
               <a:rPr lang="en-US" dirty="0"/>
-              <a:t>Crypto Parser</a:t>
+              <a:t>Main Parser</a:t>
             </a:r>
           </a:p>
         </p:txBody>
       </p:sp>
       <p:sp>
         <p:nvSpPr>
-          <p:cNvPr id="37" name="Rectangle 36">
-            <a:extLst>
-              <a:ext uri="{FF2B5EF4-FFF2-40B4-BE49-F238E27FC236}">
-                <a16:creationId xmlns:a16="http://schemas.microsoft.com/office/drawing/2014/main" id="{FEF6D1E8-CAD9-4D86-8016-9DF9D3A426B1}"/>
+          <p:cNvPr id="225" name="Rectangle 224">
+            <a:extLst>
+              <a:ext uri="{FF2B5EF4-FFF2-40B4-BE49-F238E27FC236}">
+                <a16:creationId xmlns:a16="http://schemas.microsoft.com/office/drawing/2014/main" id="{D77F621A-AF1F-4682-9574-F1162A46B3CF}"/>
               </a:ext>
             </a:extLst>
           </p:cNvPr>
@@ -4688,8 +5892,8 @@
         </p:nvSpPr>
         <p:spPr>
           <a:xfrm rot="16200000">
-            <a:off x="2416360" y="3224893"/>
-            <a:ext cx="1602958" cy="200959"/>
+            <a:off x="5889559" y="3659420"/>
+            <a:ext cx="1494503" cy="200960"/>
           </a:xfrm>
           <a:prstGeom prst="rect">
             <a:avLst/>
@@ -4721,17 +5925,69 @@
             <a:pPr algn="ctr"/>
             <a:r>
               <a:rPr lang="en-US" dirty="0"/>
-              <a:t>Crypto control</a:t>
+              <a:t>Main control</a:t>
             </a:r>
           </a:p>
         </p:txBody>
       </p:sp>
       <p:sp>
         <p:nvSpPr>
-          <p:cNvPr id="40" name="TextBox 39">
-            <a:extLst>
-              <a:ext uri="{FF2B5EF4-FFF2-40B4-BE49-F238E27FC236}">
-                <a16:creationId xmlns:a16="http://schemas.microsoft.com/office/drawing/2014/main" id="{A99932A6-6BD7-4FD1-93C8-8E131159E42A}"/>
+          <p:cNvPr id="226" name="Rectangle 225">
+            <a:extLst>
+              <a:ext uri="{FF2B5EF4-FFF2-40B4-BE49-F238E27FC236}">
+                <a16:creationId xmlns:a16="http://schemas.microsoft.com/office/drawing/2014/main" id="{EDE8BA1F-87A2-490D-B7E5-0F00B58003A6}"/>
+              </a:ext>
+            </a:extLst>
+          </p:cNvPr>
+          <p:cNvSpPr/>
+          <p:nvPr/>
+        </p:nvSpPr>
+        <p:spPr>
+          <a:xfrm rot="16200000">
+            <a:off x="6245106" y="3642459"/>
+            <a:ext cx="1494503" cy="234880"/>
+          </a:xfrm>
+          <a:prstGeom prst="rect">
+            <a:avLst/>
+          </a:prstGeom>
+          <a:solidFill>
+            <a:srgbClr val="00B050"/>
+          </a:solidFill>
+        </p:spPr>
+        <p:style>
+          <a:lnRef idx="2">
+            <a:schemeClr val="accent1">
+              <a:shade val="50000"/>
+            </a:schemeClr>
+          </a:lnRef>
+          <a:fillRef idx="1">
+            <a:schemeClr val="accent1"/>
+          </a:fillRef>
+          <a:effectRef idx="0">
+            <a:schemeClr val="accent1"/>
+          </a:effectRef>
+          <a:fontRef idx="minor">
+            <a:schemeClr val="lt1"/>
+          </a:fontRef>
+        </p:style>
+        <p:txBody>
+          <a:bodyPr rtlCol="0" anchor="ctr"/>
+          <a:lstStyle/>
+          <a:p>
+            <a:pPr algn="ctr"/>
+            <a:r>
+              <a:rPr lang="en-US" sz="1600" dirty="0"/>
+              <a:t>Main Deparser</a:t>
+            </a:r>
+          </a:p>
+        </p:txBody>
+      </p:sp>
+      <p:sp>
+        <p:nvSpPr>
+          <p:cNvPr id="227" name="TextBox 226">
+            <a:extLst>
+              <a:ext uri="{FF2B5EF4-FFF2-40B4-BE49-F238E27FC236}">
+                <a16:creationId xmlns:a16="http://schemas.microsoft.com/office/drawing/2014/main" id="{CA4323CB-ADAC-4ED5-AD4C-9DEC465AC37E}"/>
               </a:ext>
             </a:extLst>
           </p:cNvPr>
@@ -4740,42 +5996,7 @@
         </p:nvSpPr>
         <p:spPr>
           <a:xfrm rot="16200000">
-            <a:off x="3094534" y="3198415"/>
-            <a:ext cx="902811" cy="253916"/>
-          </a:xfrm>
-          <a:prstGeom prst="rect">
-            <a:avLst/>
-          </a:prstGeom>
-          <a:noFill/>
-        </p:spPr>
-        <p:txBody>
-          <a:bodyPr wrap="none" rtlCol="0">
-            <a:spAutoFit/>
-          </a:bodyPr>
-          <a:lstStyle/>
-          <a:p>
-            <a:r>
-              <a:rPr lang="en-US" sz="1050" dirty="0"/>
-              <a:t>TO_DECRYPT</a:t>
-            </a:r>
-          </a:p>
-        </p:txBody>
-      </p:sp>
-      <p:sp>
-        <p:nvSpPr>
-          <p:cNvPr id="41" name="TextBox 40">
-            <a:extLst>
-              <a:ext uri="{FF2B5EF4-FFF2-40B4-BE49-F238E27FC236}">
-                <a16:creationId xmlns:a16="http://schemas.microsoft.com/office/drawing/2014/main" id="{92344D8E-30F6-4766-B972-809C391435CC}"/>
-              </a:ext>
-            </a:extLst>
-          </p:cNvPr>
-          <p:cNvSpPr txBox="1"/>
-          <p:nvPr/>
-        </p:nvSpPr>
-        <p:spPr>
-          <a:xfrm rot="16200000">
-            <a:off x="2121484" y="3198415"/>
+            <a:off x="5145785" y="3191740"/>
             <a:ext cx="811441" cy="253916"/>
           </a:xfrm>
           <a:prstGeom prst="rect">
@@ -4796,12 +6017,117 @@
           </a:p>
         </p:txBody>
       </p:sp>
+      <p:sp>
+        <p:nvSpPr>
+          <p:cNvPr id="228" name="TextBox 227">
+            <a:extLst>
+              <a:ext uri="{FF2B5EF4-FFF2-40B4-BE49-F238E27FC236}">
+                <a16:creationId xmlns:a16="http://schemas.microsoft.com/office/drawing/2014/main" id="{BF72167F-9D28-44BD-8402-6E8E588D1E32}"/>
+              </a:ext>
+            </a:extLst>
+          </p:cNvPr>
+          <p:cNvSpPr txBox="1"/>
+          <p:nvPr/>
+        </p:nvSpPr>
+        <p:spPr>
+          <a:xfrm rot="16200000">
+            <a:off x="7031931" y="4071910"/>
+            <a:ext cx="625492" cy="253916"/>
+          </a:xfrm>
+          <a:prstGeom prst="rect">
+            <a:avLst/>
+          </a:prstGeom>
+          <a:noFill/>
+        </p:spPr>
+        <p:txBody>
+          <a:bodyPr wrap="none" rtlCol="0">
+            <a:spAutoFit/>
+          </a:bodyPr>
+          <a:lstStyle/>
+          <a:p>
+            <a:r>
+              <a:rPr lang="en-US" sz="1050" dirty="0"/>
+              <a:t>TO_NET</a:t>
+            </a:r>
+          </a:p>
+        </p:txBody>
+      </p:sp>
+      <p:sp>
+        <p:nvSpPr>
+          <p:cNvPr id="229" name="TextBox 228">
+            <a:extLst>
+              <a:ext uri="{FF2B5EF4-FFF2-40B4-BE49-F238E27FC236}">
+                <a16:creationId xmlns:a16="http://schemas.microsoft.com/office/drawing/2014/main" id="{EC47DCBD-93C9-4B30-A048-58347E5CCC5C}"/>
+              </a:ext>
+            </a:extLst>
+          </p:cNvPr>
+          <p:cNvSpPr txBox="1"/>
+          <p:nvPr/>
+        </p:nvSpPr>
+        <p:spPr>
+          <a:xfrm rot="16200000">
+            <a:off x="5113216" y="4015454"/>
+            <a:ext cx="894797" cy="253916"/>
+          </a:xfrm>
+          <a:prstGeom prst="rect">
+            <a:avLst/>
+          </a:prstGeom>
+          <a:noFill/>
+        </p:spPr>
+        <p:txBody>
+          <a:bodyPr wrap="none" rtlCol="0">
+            <a:spAutoFit/>
+          </a:bodyPr>
+          <a:lstStyle/>
+          <a:p>
+            <a:r>
+              <a:rPr lang="en-US" sz="1050" dirty="0"/>
+              <a:t>FROM_HOST</a:t>
+            </a:r>
+          </a:p>
+        </p:txBody>
+      </p:sp>
+      <p:sp>
+        <p:nvSpPr>
+          <p:cNvPr id="230" name="TextBox 229">
+            <a:extLst>
+              <a:ext uri="{FF2B5EF4-FFF2-40B4-BE49-F238E27FC236}">
+                <a16:creationId xmlns:a16="http://schemas.microsoft.com/office/drawing/2014/main" id="{A984E7E2-CBFA-4994-AA26-E806CCB6F70E}"/>
+              </a:ext>
+            </a:extLst>
+          </p:cNvPr>
+          <p:cNvSpPr txBox="1"/>
+          <p:nvPr/>
+        </p:nvSpPr>
+        <p:spPr>
+          <a:xfrm rot="16200000">
+            <a:off x="6983565" y="3224089"/>
+            <a:ext cx="708848" cy="253916"/>
+          </a:xfrm>
+          <a:prstGeom prst="rect">
+            <a:avLst/>
+          </a:prstGeom>
+          <a:noFill/>
+        </p:spPr>
+        <p:txBody>
+          <a:bodyPr wrap="none" rtlCol="0">
+            <a:spAutoFit/>
+          </a:bodyPr>
+          <a:lstStyle/>
+          <a:p>
+            <a:r>
+              <a:rPr lang="en-US" sz="1050" dirty="0"/>
+              <a:t>TO_HOST</a:t>
+            </a:r>
+          </a:p>
+        </p:txBody>
+      </p:sp>
       <p:cxnSp>
         <p:nvCxnSpPr>
-          <p:cNvPr id="43" name="Straight Arrow Connector 42">
-            <a:extLst>
-              <a:ext uri="{FF2B5EF4-FFF2-40B4-BE49-F238E27FC236}">
-                <a16:creationId xmlns:a16="http://schemas.microsoft.com/office/drawing/2014/main" id="{9FEFDBCA-8D42-4559-B5B7-7B17A99615BD}"/>
+          <p:cNvPr id="231" name="Straight Arrow Connector 230">
+            <a:extLst>
+              <a:ext uri="{FF2B5EF4-FFF2-40B4-BE49-F238E27FC236}">
+                <a16:creationId xmlns:a16="http://schemas.microsoft.com/office/drawing/2014/main" id="{FFF2B4D5-2E93-4B5A-A9DF-81D9C179557A}"/>
               </a:ext>
             </a:extLst>
           </p:cNvPr>
@@ -4812,7 +6138,7 @@
         </p:nvCxnSpPr>
         <p:spPr>
           <a:xfrm rot="16200000">
-            <a:off x="2682104" y="3252818"/>
+            <a:off x="5757382" y="4114823"/>
             <a:ext cx="0" cy="145108"/>
           </a:xfrm>
           <a:prstGeom prst="straightConnector1">
@@ -4839,23 +6165,21 @@
       </p:cxnSp>
       <p:cxnSp>
         <p:nvCxnSpPr>
-          <p:cNvPr id="49" name="Straight Arrow Connector 48">
-            <a:extLst>
-              <a:ext uri="{FF2B5EF4-FFF2-40B4-BE49-F238E27FC236}">
-                <a16:creationId xmlns:a16="http://schemas.microsoft.com/office/drawing/2014/main" id="{265B6322-C564-4122-876E-0B2152445370}"/>
+          <p:cNvPr id="232" name="Straight Arrow Connector 231">
+            <a:extLst>
+              <a:ext uri="{FF2B5EF4-FFF2-40B4-BE49-F238E27FC236}">
+                <a16:creationId xmlns:a16="http://schemas.microsoft.com/office/drawing/2014/main" id="{08751EF5-869E-4130-9212-C8741761CAC6}"/>
               </a:ext>
             </a:extLst>
           </p:cNvPr>
           <p:cNvCxnSpPr>
             <a:cxnSpLocks/>
-            <a:stCxn id="36" idx="2"/>
-            <a:endCxn id="37" idx="0"/>
           </p:cNvCxnSpPr>
           <p:nvPr/>
         </p:nvCxnSpPr>
         <p:spPr>
           <a:xfrm rot="16200000">
-            <a:off x="3048303" y="3256316"/>
+            <a:off x="6474269" y="3248883"/>
             <a:ext cx="0" cy="138113"/>
           </a:xfrm>
           <a:prstGeom prst="straightConnector1">
@@ -4882,10 +6206,10 @@
       </p:cxnSp>
       <p:cxnSp>
         <p:nvCxnSpPr>
-          <p:cNvPr id="50" name="Straight Arrow Connector 49">
-            <a:extLst>
-              <a:ext uri="{FF2B5EF4-FFF2-40B4-BE49-F238E27FC236}">
-                <a16:creationId xmlns:a16="http://schemas.microsoft.com/office/drawing/2014/main" id="{516664ED-D0D4-46ED-91FF-5BDE567A773D}"/>
+          <p:cNvPr id="233" name="Straight Arrow Connector 232">
+            <a:extLst>
+              <a:ext uri="{FF2B5EF4-FFF2-40B4-BE49-F238E27FC236}">
+                <a16:creationId xmlns:a16="http://schemas.microsoft.com/office/drawing/2014/main" id="{856F1056-8EB7-4FAA-B9C9-609CD7AD7645}"/>
               </a:ext>
             </a:extLst>
           </p:cNvPr>
@@ -4896,7 +6220,48 @@
         </p:nvCxnSpPr>
         <p:spPr>
           <a:xfrm rot="16200000">
-            <a:off x="3390874" y="3252818"/>
+            <a:off x="6806104" y="3253673"/>
+            <a:ext cx="0" cy="137627"/>
+          </a:xfrm>
+          <a:prstGeom prst="straightConnector1">
+            <a:avLst/>
+          </a:prstGeom>
+          <a:ln>
+            <a:tailEnd type="triangle"/>
+          </a:ln>
+        </p:spPr>
+        <p:style>
+          <a:lnRef idx="1">
+            <a:schemeClr val="accent1"/>
+          </a:lnRef>
+          <a:fillRef idx="0">
+            <a:schemeClr val="accent1"/>
+          </a:fillRef>
+          <a:effectRef idx="0">
+            <a:schemeClr val="accent1"/>
+          </a:effectRef>
+          <a:fontRef idx="minor">
+            <a:schemeClr val="tx1"/>
+          </a:fontRef>
+        </p:style>
+      </p:cxnSp>
+      <p:cxnSp>
+        <p:nvCxnSpPr>
+          <p:cNvPr id="234" name="Straight Arrow Connector 233">
+            <a:extLst>
+              <a:ext uri="{FF2B5EF4-FFF2-40B4-BE49-F238E27FC236}">
+                <a16:creationId xmlns:a16="http://schemas.microsoft.com/office/drawing/2014/main" id="{30EB7FF0-4987-4780-AD04-A9A763576801}"/>
+              </a:ext>
+            </a:extLst>
+          </p:cNvPr>
+          <p:cNvCxnSpPr>
+            <a:cxnSpLocks/>
+          </p:cNvCxnSpPr>
+          <p:nvPr/>
+        </p:nvCxnSpPr>
+        <p:spPr>
+          <a:xfrm rot="16200000">
+            <a:off x="5757382" y="3246143"/>
             <a:ext cx="0" cy="145108"/>
           </a:xfrm>
           <a:prstGeom prst="straightConnector1">
@@ -4921,12 +6286,176 @@
           </a:fontRef>
         </p:style>
       </p:cxnSp>
+      <p:cxnSp>
+        <p:nvCxnSpPr>
+          <p:cNvPr id="235" name="Straight Arrow Connector 234">
+            <a:extLst>
+              <a:ext uri="{FF2B5EF4-FFF2-40B4-BE49-F238E27FC236}">
+                <a16:creationId xmlns:a16="http://schemas.microsoft.com/office/drawing/2014/main" id="{0BBC1BD7-627A-4A2C-9AA4-6C682BBC69F8}"/>
+              </a:ext>
+            </a:extLst>
+          </p:cNvPr>
+          <p:cNvCxnSpPr>
+            <a:cxnSpLocks/>
+          </p:cNvCxnSpPr>
+          <p:nvPr/>
+        </p:nvCxnSpPr>
+        <p:spPr>
+          <a:xfrm rot="16200000">
+            <a:off x="7182351" y="4118613"/>
+            <a:ext cx="0" cy="145108"/>
+          </a:xfrm>
+          <a:prstGeom prst="straightConnector1">
+            <a:avLst/>
+          </a:prstGeom>
+          <a:ln>
+            <a:tailEnd type="triangle"/>
+          </a:ln>
+        </p:spPr>
+        <p:style>
+          <a:lnRef idx="1">
+            <a:schemeClr val="accent1"/>
+          </a:lnRef>
+          <a:fillRef idx="0">
+            <a:schemeClr val="accent1"/>
+          </a:fillRef>
+          <a:effectRef idx="0">
+            <a:schemeClr val="accent1"/>
+          </a:effectRef>
+          <a:fontRef idx="minor">
+            <a:schemeClr val="tx1"/>
+          </a:fontRef>
+        </p:style>
+      </p:cxnSp>
+      <p:cxnSp>
+        <p:nvCxnSpPr>
+          <p:cNvPr id="236" name="Straight Arrow Connector 235">
+            <a:extLst>
+              <a:ext uri="{FF2B5EF4-FFF2-40B4-BE49-F238E27FC236}">
+                <a16:creationId xmlns:a16="http://schemas.microsoft.com/office/drawing/2014/main" id="{772A4263-1FCC-49D6-8724-A53882F2A4FE}"/>
+              </a:ext>
+            </a:extLst>
+          </p:cNvPr>
+          <p:cNvCxnSpPr>
+            <a:cxnSpLocks/>
+          </p:cNvCxnSpPr>
+          <p:nvPr/>
+        </p:nvCxnSpPr>
+        <p:spPr>
+          <a:xfrm rot="16200000">
+            <a:off x="7182351" y="3249933"/>
+            <a:ext cx="0" cy="145108"/>
+          </a:xfrm>
+          <a:prstGeom prst="straightConnector1">
+            <a:avLst/>
+          </a:prstGeom>
+          <a:ln>
+            <a:tailEnd type="triangle"/>
+          </a:ln>
+        </p:spPr>
+        <p:style>
+          <a:lnRef idx="1">
+            <a:schemeClr val="accent1"/>
+          </a:lnRef>
+          <a:fillRef idx="0">
+            <a:schemeClr val="accent1"/>
+          </a:fillRef>
+          <a:effectRef idx="0">
+            <a:schemeClr val="accent1"/>
+          </a:effectRef>
+          <a:fontRef idx="minor">
+            <a:schemeClr val="tx1"/>
+          </a:fontRef>
+        </p:style>
+      </p:cxnSp>
+      <p:cxnSp>
+        <p:nvCxnSpPr>
+          <p:cNvPr id="237" name="Straight Arrow Connector 236">
+            <a:extLst>
+              <a:ext uri="{FF2B5EF4-FFF2-40B4-BE49-F238E27FC236}">
+                <a16:creationId xmlns:a16="http://schemas.microsoft.com/office/drawing/2014/main" id="{785C3731-3B3F-4CD5-8E7C-DB9ED6C26FE7}"/>
+              </a:ext>
+            </a:extLst>
+          </p:cNvPr>
+          <p:cNvCxnSpPr>
+            <a:cxnSpLocks/>
+          </p:cNvCxnSpPr>
+          <p:nvPr/>
+        </p:nvCxnSpPr>
+        <p:spPr>
+          <a:xfrm rot="16200000">
+            <a:off x="6470771" y="4118613"/>
+            <a:ext cx="0" cy="145108"/>
+          </a:xfrm>
+          <a:prstGeom prst="straightConnector1">
+            <a:avLst/>
+          </a:prstGeom>
+          <a:ln>
+            <a:tailEnd type="triangle"/>
+          </a:ln>
+        </p:spPr>
+        <p:style>
+          <a:lnRef idx="1">
+            <a:schemeClr val="accent1"/>
+          </a:lnRef>
+          <a:fillRef idx="0">
+            <a:schemeClr val="accent1"/>
+          </a:fillRef>
+          <a:effectRef idx="0">
+            <a:schemeClr val="accent1"/>
+          </a:effectRef>
+          <a:fontRef idx="minor">
+            <a:schemeClr val="tx1"/>
+          </a:fontRef>
+        </p:style>
+      </p:cxnSp>
+      <p:cxnSp>
+        <p:nvCxnSpPr>
+          <p:cNvPr id="238" name="Straight Arrow Connector 237">
+            <a:extLst>
+              <a:ext uri="{FF2B5EF4-FFF2-40B4-BE49-F238E27FC236}">
+                <a16:creationId xmlns:a16="http://schemas.microsoft.com/office/drawing/2014/main" id="{30E9BAA8-16AE-4A99-9674-7286259428AB}"/>
+              </a:ext>
+            </a:extLst>
+          </p:cNvPr>
+          <p:cNvCxnSpPr>
+            <a:cxnSpLocks/>
+          </p:cNvCxnSpPr>
+          <p:nvPr/>
+        </p:nvCxnSpPr>
+        <p:spPr>
+          <a:xfrm rot="16200000">
+            <a:off x="6809844" y="4118613"/>
+            <a:ext cx="0" cy="145108"/>
+          </a:xfrm>
+          <a:prstGeom prst="straightConnector1">
+            <a:avLst/>
+          </a:prstGeom>
+          <a:ln>
+            <a:tailEnd type="triangle"/>
+          </a:ln>
+        </p:spPr>
+        <p:style>
+          <a:lnRef idx="1">
+            <a:schemeClr val="accent1"/>
+          </a:lnRef>
+          <a:fillRef idx="0">
+            <a:schemeClr val="accent1"/>
+          </a:fillRef>
+          <a:effectRef idx="0">
+            <a:schemeClr val="accent1"/>
+          </a:effectRef>
+          <a:fontRef idx="minor">
+            <a:schemeClr val="tx1"/>
+          </a:fontRef>
+        </p:style>
+      </p:cxnSp>
       <p:grpSp>
         <p:nvGrpSpPr>
-          <p:cNvPr id="78" name="Group 77">
-            <a:extLst>
-              <a:ext uri="{FF2B5EF4-FFF2-40B4-BE49-F238E27FC236}">
-                <a16:creationId xmlns:a16="http://schemas.microsoft.com/office/drawing/2014/main" id="{45FA8724-A465-47A6-9A0E-9F107AF39809}"/>
+          <p:cNvPr id="239" name="Group 238">
+            <a:extLst>
+              <a:ext uri="{FF2B5EF4-FFF2-40B4-BE49-F238E27FC236}">
+                <a16:creationId xmlns:a16="http://schemas.microsoft.com/office/drawing/2014/main" id="{7AB11CB4-1483-4384-BFD8-CB28863FBB6A}"/>
               </a:ext>
             </a:extLst>
           </p:cNvPr>
@@ -4949,10 +6478,10 @@
         </p:grpSpPr>
         <p:grpSp>
           <p:nvGrpSpPr>
-            <p:cNvPr id="65" name="Group 64">
+            <p:cNvPr id="240" name="Group 239">
               <a:extLst>
                 <a:ext uri="{FF2B5EF4-FFF2-40B4-BE49-F238E27FC236}">
-                  <a16:creationId xmlns:a16="http://schemas.microsoft.com/office/drawing/2014/main" id="{4DF3C48E-C2EF-4D20-AFB2-DB281529E8F3}"/>
+                  <a16:creationId xmlns:a16="http://schemas.microsoft.com/office/drawing/2014/main" id="{473D80A0-7581-4A88-9511-55AFCF94F3C2}"/>
                 </a:ext>
               </a:extLst>
             </p:cNvPr>
@@ -4970,10 +6499,10 @@
           </p:grpSpPr>
           <p:sp>
             <p:nvSpPr>
-              <p:cNvPr id="57" name="Rectangle 56">
+              <p:cNvPr id="250" name="Rectangle 249">
                 <a:extLst>
                   <a:ext uri="{FF2B5EF4-FFF2-40B4-BE49-F238E27FC236}">
-                    <a16:creationId xmlns:a16="http://schemas.microsoft.com/office/drawing/2014/main" id="{789E4118-41DC-4868-9B6A-C447AD851B5D}"/>
+                    <a16:creationId xmlns:a16="http://schemas.microsoft.com/office/drawing/2014/main" id="{DE6F5B0E-AD8C-497A-AD7E-59F4EA9CF3A7}"/>
                   </a:ext>
                 </a:extLst>
               </p:cNvPr>
@@ -5017,10 +6546,10 @@
           </p:sp>
           <p:sp>
             <p:nvSpPr>
-              <p:cNvPr id="60" name="Rectangle 59">
+              <p:cNvPr id="251" name="Rectangle 250">
                 <a:extLst>
                   <a:ext uri="{FF2B5EF4-FFF2-40B4-BE49-F238E27FC236}">
-                    <a16:creationId xmlns:a16="http://schemas.microsoft.com/office/drawing/2014/main" id="{190398E5-521F-4063-99FE-BE1264D443E1}"/>
+                    <a16:creationId xmlns:a16="http://schemas.microsoft.com/office/drawing/2014/main" id="{F87431F3-DBD6-48C5-9D50-412E6199F245}"/>
                   </a:ext>
                 </a:extLst>
               </p:cNvPr>
@@ -5064,10 +6593,10 @@
           </p:sp>
           <p:sp>
             <p:nvSpPr>
-              <p:cNvPr id="61" name="Rectangle 60">
+              <p:cNvPr id="252" name="Rectangle 251">
                 <a:extLst>
                   <a:ext uri="{FF2B5EF4-FFF2-40B4-BE49-F238E27FC236}">
-                    <a16:creationId xmlns:a16="http://schemas.microsoft.com/office/drawing/2014/main" id="{BECBDE68-91F2-47E4-AC15-78AF217D7254}"/>
+                    <a16:creationId xmlns:a16="http://schemas.microsoft.com/office/drawing/2014/main" id="{B849BBD3-A5B9-4E17-813E-D69D581EE6DC}"/>
                   </a:ext>
                 </a:extLst>
               </p:cNvPr>
@@ -5111,15 +6640,15 @@
           </p:sp>
           <p:cxnSp>
             <p:nvCxnSpPr>
-              <p:cNvPr id="63" name="Straight Connector 62">
+              <p:cNvPr id="253" name="Straight Connector 252">
                 <a:extLst>
                   <a:ext uri="{FF2B5EF4-FFF2-40B4-BE49-F238E27FC236}">
-                    <a16:creationId xmlns:a16="http://schemas.microsoft.com/office/drawing/2014/main" id="{06F1B34D-78E2-4CD7-A79E-D052F378D7AC}"/>
+                    <a16:creationId xmlns:a16="http://schemas.microsoft.com/office/drawing/2014/main" id="{B08A12BB-BF36-44A2-8061-85EEB3489839}"/>
                   </a:ext>
                 </a:extLst>
               </p:cNvPr>
               <p:cNvCxnSpPr>
-                <a:stCxn id="61" idx="0"/>
+                <a:stCxn id="252" idx="0"/>
               </p:cNvCxnSpPr>
               <p:nvPr/>
             </p:nvCxnSpPr>
@@ -5155,10 +6684,10 @@
           </p:cxnSp>
           <p:cxnSp>
             <p:nvCxnSpPr>
-              <p:cNvPr id="64" name="Straight Connector 63">
+              <p:cNvPr id="254" name="Straight Connector 253">
                 <a:extLst>
                   <a:ext uri="{FF2B5EF4-FFF2-40B4-BE49-F238E27FC236}">
-                    <a16:creationId xmlns:a16="http://schemas.microsoft.com/office/drawing/2014/main" id="{B0897452-91E2-44F6-BA39-CC080CF0F7D7}"/>
+                    <a16:creationId xmlns:a16="http://schemas.microsoft.com/office/drawing/2014/main" id="{5B8ECAF9-1C4E-4D71-B71B-CF8A0DE135DC}"/>
                   </a:ext>
                 </a:extLst>
               </p:cNvPr>
@@ -5198,10 +6727,10 @@
         </p:grpSp>
         <p:grpSp>
           <p:nvGrpSpPr>
-            <p:cNvPr id="66" name="Group 65">
+            <p:cNvPr id="241" name="Group 240">
               <a:extLst>
                 <a:ext uri="{FF2B5EF4-FFF2-40B4-BE49-F238E27FC236}">
-                  <a16:creationId xmlns:a16="http://schemas.microsoft.com/office/drawing/2014/main" id="{B9FDB37A-305A-4275-ACA9-DB35B7949DC1}"/>
+                  <a16:creationId xmlns:a16="http://schemas.microsoft.com/office/drawing/2014/main" id="{2B66C1FB-22FC-4731-98C9-928FB454CA77}"/>
                 </a:ext>
               </a:extLst>
             </p:cNvPr>
@@ -5219,10 +6748,10 @@
           </p:grpSpPr>
           <p:sp>
             <p:nvSpPr>
-              <p:cNvPr id="67" name="Rectangle 66">
+              <p:cNvPr id="245" name="Rectangle 244">
                 <a:extLst>
                   <a:ext uri="{FF2B5EF4-FFF2-40B4-BE49-F238E27FC236}">
-                    <a16:creationId xmlns:a16="http://schemas.microsoft.com/office/drawing/2014/main" id="{521E671A-4AB0-45E2-927C-7EB4F296105C}"/>
+                    <a16:creationId xmlns:a16="http://schemas.microsoft.com/office/drawing/2014/main" id="{C2C6849C-5149-4135-9B52-DF9C58854811}"/>
                   </a:ext>
                 </a:extLst>
               </p:cNvPr>
@@ -5266,10 +6795,10 @@
           </p:sp>
           <p:sp>
             <p:nvSpPr>
-              <p:cNvPr id="68" name="Rectangle 67">
+              <p:cNvPr id="246" name="Rectangle 245">
                 <a:extLst>
                   <a:ext uri="{FF2B5EF4-FFF2-40B4-BE49-F238E27FC236}">
-                    <a16:creationId xmlns:a16="http://schemas.microsoft.com/office/drawing/2014/main" id="{F80FA354-CDAD-4F92-82D2-BB7E29F7234F}"/>
+                    <a16:creationId xmlns:a16="http://schemas.microsoft.com/office/drawing/2014/main" id="{0BA30467-5A2B-4F23-BC71-D82E690613AB}"/>
                   </a:ext>
                 </a:extLst>
               </p:cNvPr>
@@ -5313,10 +6842,10 @@
           </p:sp>
           <p:sp>
             <p:nvSpPr>
-              <p:cNvPr id="69" name="Rectangle 68">
+              <p:cNvPr id="247" name="Rectangle 246">
                 <a:extLst>
                   <a:ext uri="{FF2B5EF4-FFF2-40B4-BE49-F238E27FC236}">
-                    <a16:creationId xmlns:a16="http://schemas.microsoft.com/office/drawing/2014/main" id="{E2DA1646-60A8-4B65-A623-9C5669963125}"/>
+                    <a16:creationId xmlns:a16="http://schemas.microsoft.com/office/drawing/2014/main" id="{8F9EB285-79CF-4156-A067-E0D9B954F9FB}"/>
                   </a:ext>
                 </a:extLst>
               </p:cNvPr>
@@ -5360,15 +6889,15 @@
           </p:sp>
           <p:cxnSp>
             <p:nvCxnSpPr>
-              <p:cNvPr id="70" name="Straight Connector 69">
+              <p:cNvPr id="248" name="Straight Connector 247">
                 <a:extLst>
                   <a:ext uri="{FF2B5EF4-FFF2-40B4-BE49-F238E27FC236}">
-                    <a16:creationId xmlns:a16="http://schemas.microsoft.com/office/drawing/2014/main" id="{5AAC09B2-0041-43CD-ABEB-047275A88945}"/>
+                    <a16:creationId xmlns:a16="http://schemas.microsoft.com/office/drawing/2014/main" id="{D690429A-9C9D-4CE5-810F-43323AEBABFB}"/>
                   </a:ext>
                 </a:extLst>
               </p:cNvPr>
               <p:cNvCxnSpPr>
-                <a:stCxn id="69" idx="0"/>
+                <a:stCxn id="247" idx="0"/>
               </p:cNvCxnSpPr>
               <p:nvPr/>
             </p:nvCxnSpPr>
@@ -5404,10 +6933,10 @@
           </p:cxnSp>
           <p:cxnSp>
             <p:nvCxnSpPr>
-              <p:cNvPr id="71" name="Straight Connector 70">
+              <p:cNvPr id="249" name="Straight Connector 248">
                 <a:extLst>
                   <a:ext uri="{FF2B5EF4-FFF2-40B4-BE49-F238E27FC236}">
-                    <a16:creationId xmlns:a16="http://schemas.microsoft.com/office/drawing/2014/main" id="{675BAC5A-ABFE-45F5-B96B-39E7A4A2E9FF}"/>
+                    <a16:creationId xmlns:a16="http://schemas.microsoft.com/office/drawing/2014/main" id="{314B3860-3706-4794-911E-C9C017DE96E8}"/>
                   </a:ext>
                 </a:extLst>
               </p:cNvPr>
@@ -5447,10 +6976,10 @@
         </p:grpSp>
         <p:sp>
           <p:nvSpPr>
-            <p:cNvPr id="72" name="Isosceles Triangle 71">
+            <p:cNvPr id="242" name="Isosceles Triangle 241">
               <a:extLst>
                 <a:ext uri="{FF2B5EF4-FFF2-40B4-BE49-F238E27FC236}">
-                  <a16:creationId xmlns:a16="http://schemas.microsoft.com/office/drawing/2014/main" id="{E4EB1CBB-A1A6-4A7E-B150-7170D3DEB315}"/>
+                  <a16:creationId xmlns:a16="http://schemas.microsoft.com/office/drawing/2014/main" id="{CC6D63A5-9D88-4DDA-A7E2-79047D65455A}"/>
                 </a:ext>
               </a:extLst>
             </p:cNvPr>
@@ -5496,15 +7025,15 @@
         </p:sp>
         <p:cxnSp>
           <p:nvCxnSpPr>
-            <p:cNvPr id="74" name="Straight Connector 73">
+            <p:cNvPr id="243" name="Straight Connector 242">
               <a:extLst>
                 <a:ext uri="{FF2B5EF4-FFF2-40B4-BE49-F238E27FC236}">
-                  <a16:creationId xmlns:a16="http://schemas.microsoft.com/office/drawing/2014/main" id="{F9729964-2882-4AE9-AFD2-1FA623551E12}"/>
+                  <a16:creationId xmlns:a16="http://schemas.microsoft.com/office/drawing/2014/main" id="{86C44683-CECA-457D-82B9-A27634319A83}"/>
                 </a:ext>
               </a:extLst>
             </p:cNvPr>
             <p:cNvCxnSpPr>
-              <a:stCxn id="57" idx="1"/>
+              <a:stCxn id="250" idx="1"/>
             </p:cNvCxnSpPr>
             <p:nvPr/>
           </p:nvCxnSpPr>
@@ -5540,16 +7069,16 @@
         </p:cxnSp>
         <p:cxnSp>
           <p:nvCxnSpPr>
-            <p:cNvPr id="75" name="Straight Connector 74">
+            <p:cNvPr id="244" name="Straight Connector 243">
               <a:extLst>
                 <a:ext uri="{FF2B5EF4-FFF2-40B4-BE49-F238E27FC236}">
-                  <a16:creationId xmlns:a16="http://schemas.microsoft.com/office/drawing/2014/main" id="{FF3752F6-B834-45F7-9B97-364258E51903}"/>
+                  <a16:creationId xmlns:a16="http://schemas.microsoft.com/office/drawing/2014/main" id="{E2F2CB72-AA03-46BF-9BA6-388CB4DA26EA}"/>
                 </a:ext>
               </a:extLst>
             </p:cNvPr>
             <p:cNvCxnSpPr>
               <a:cxnSpLocks/>
-              <a:stCxn id="67" idx="1"/>
+              <a:stCxn id="245" idx="1"/>
             </p:cNvCxnSpPr>
             <p:nvPr/>
           </p:nvCxnSpPr>
@@ -5586,27 +7115,27 @@
       </p:grpSp>
       <p:cxnSp>
         <p:nvCxnSpPr>
-          <p:cNvPr id="80" name="Connector: Elbow 79">
-            <a:extLst>
-              <a:ext uri="{FF2B5EF4-FFF2-40B4-BE49-F238E27FC236}">
-                <a16:creationId xmlns:a16="http://schemas.microsoft.com/office/drawing/2014/main" id="{236BE345-2EA6-45DD-85B2-ACD4C19A91F5}"/>
+          <p:cNvPr id="255" name="Connector: Elbow 254">
+            <a:extLst>
+              <a:ext uri="{FF2B5EF4-FFF2-40B4-BE49-F238E27FC236}">
+                <a16:creationId xmlns:a16="http://schemas.microsoft.com/office/drawing/2014/main" id="{552090D0-A48A-4568-ACB1-196CD221D8CF}"/>
               </a:ext>
             </a:extLst>
           </p:cNvPr>
           <p:cNvCxnSpPr>
             <a:cxnSpLocks/>
-            <a:stCxn id="13" idx="2"/>
+            <a:stCxn id="228" idx="2"/>
           </p:cNvCxnSpPr>
           <p:nvPr/>
         </p:nvCxnSpPr>
         <p:spPr>
           <a:xfrm flipH="1">
-            <a:off x="5136366" y="4202678"/>
-            <a:ext cx="2512048" cy="692733"/>
+            <a:off x="5119926" y="4198868"/>
+            <a:ext cx="2351709" cy="943925"/>
           </a:xfrm>
           <a:prstGeom prst="bentConnector3">
             <a:avLst>
-              <a:gd name="adj1" fmla="val -16496"/>
+              <a:gd name="adj1" fmla="val -11465"/>
             </a:avLst>
           </a:prstGeom>
           <a:ln>
@@ -5630,10 +7159,10 @@
       </p:cxnSp>
       <p:grpSp>
         <p:nvGrpSpPr>
-          <p:cNvPr id="83" name="Group 82">
-            <a:extLst>
-              <a:ext uri="{FF2B5EF4-FFF2-40B4-BE49-F238E27FC236}">
-                <a16:creationId xmlns:a16="http://schemas.microsoft.com/office/drawing/2014/main" id="{1C834900-1FBA-4F79-9BAA-4729CB027B15}"/>
+          <p:cNvPr id="256" name="Group 255">
+            <a:extLst>
+              <a:ext uri="{FF2B5EF4-FFF2-40B4-BE49-F238E27FC236}">
+                <a16:creationId xmlns:a16="http://schemas.microsoft.com/office/drawing/2014/main" id="{411D4FB8-0363-49AC-8F8A-8727B1637CD2}"/>
               </a:ext>
             </a:extLst>
           </p:cNvPr>
@@ -5642,7 +7171,7 @@
         </p:nvGrpSpPr>
         <p:grpSpPr>
           <a:xfrm rot="10800000">
-            <a:off x="7933098" y="2996747"/>
+            <a:off x="7756319" y="2996747"/>
             <a:ext cx="1036865" cy="660688"/>
             <a:chOff x="7162255" y="2438057"/>
             <a:chExt cx="1036865" cy="660688"/>
@@ -5656,10 +7185,10 @@
         </p:grpSpPr>
         <p:grpSp>
           <p:nvGrpSpPr>
-            <p:cNvPr id="84" name="Group 83">
+            <p:cNvPr id="257" name="Group 256">
               <a:extLst>
                 <a:ext uri="{FF2B5EF4-FFF2-40B4-BE49-F238E27FC236}">
-                  <a16:creationId xmlns:a16="http://schemas.microsoft.com/office/drawing/2014/main" id="{A234B8E6-B6C8-4BFF-A10F-079EB15198A8}"/>
+                  <a16:creationId xmlns:a16="http://schemas.microsoft.com/office/drawing/2014/main" id="{B6A68A3E-EE6C-439A-A4EA-AAB7DE163770}"/>
                 </a:ext>
               </a:extLst>
             </p:cNvPr>
@@ -5677,10 +7206,10 @@
           </p:grpSpPr>
           <p:sp>
             <p:nvSpPr>
-              <p:cNvPr id="94" name="Rectangle 93">
+              <p:cNvPr id="267" name="Rectangle 266">
                 <a:extLst>
                   <a:ext uri="{FF2B5EF4-FFF2-40B4-BE49-F238E27FC236}">
-                    <a16:creationId xmlns:a16="http://schemas.microsoft.com/office/drawing/2014/main" id="{F13AE22C-8AD7-40F6-9EF8-6B4DE095F8DF}"/>
+                    <a16:creationId xmlns:a16="http://schemas.microsoft.com/office/drawing/2014/main" id="{BCF9FCC9-5798-40FD-ABAC-34BB060F0EBB}"/>
                   </a:ext>
                 </a:extLst>
               </p:cNvPr>
@@ -5724,10 +7253,10 @@
           </p:sp>
           <p:sp>
             <p:nvSpPr>
-              <p:cNvPr id="95" name="Rectangle 94">
+              <p:cNvPr id="268" name="Rectangle 267">
                 <a:extLst>
                   <a:ext uri="{FF2B5EF4-FFF2-40B4-BE49-F238E27FC236}">
-                    <a16:creationId xmlns:a16="http://schemas.microsoft.com/office/drawing/2014/main" id="{EF785829-C061-4AFB-BDB7-9C39345526BD}"/>
+                    <a16:creationId xmlns:a16="http://schemas.microsoft.com/office/drawing/2014/main" id="{99CF885C-AA89-4F44-AEEF-0292B6575942}"/>
                   </a:ext>
                 </a:extLst>
               </p:cNvPr>
@@ -5771,10 +7300,10 @@
           </p:sp>
           <p:sp>
             <p:nvSpPr>
-              <p:cNvPr id="96" name="Rectangle 95">
+              <p:cNvPr id="269" name="Rectangle 268">
                 <a:extLst>
                   <a:ext uri="{FF2B5EF4-FFF2-40B4-BE49-F238E27FC236}">
-                    <a16:creationId xmlns:a16="http://schemas.microsoft.com/office/drawing/2014/main" id="{A83D7377-E38F-400E-BCB0-83D756291236}"/>
+                    <a16:creationId xmlns:a16="http://schemas.microsoft.com/office/drawing/2014/main" id="{87FED087-287F-4559-A3A8-206139F371EB}"/>
                   </a:ext>
                 </a:extLst>
               </p:cNvPr>
@@ -5818,15 +7347,15 @@
           </p:sp>
           <p:cxnSp>
             <p:nvCxnSpPr>
-              <p:cNvPr id="97" name="Straight Connector 96">
+              <p:cNvPr id="270" name="Straight Connector 269">
                 <a:extLst>
                   <a:ext uri="{FF2B5EF4-FFF2-40B4-BE49-F238E27FC236}">
-                    <a16:creationId xmlns:a16="http://schemas.microsoft.com/office/drawing/2014/main" id="{9A9CB8A9-645C-47BF-A98F-F493E5C3BF7C}"/>
+                    <a16:creationId xmlns:a16="http://schemas.microsoft.com/office/drawing/2014/main" id="{E1CA9F43-DC4F-4673-9B62-080125959D5E}"/>
                   </a:ext>
                 </a:extLst>
               </p:cNvPr>
               <p:cNvCxnSpPr>
-                <a:stCxn id="96" idx="0"/>
+                <a:stCxn id="269" idx="0"/>
               </p:cNvCxnSpPr>
               <p:nvPr/>
             </p:nvCxnSpPr>
@@ -5862,10 +7391,10 @@
           </p:cxnSp>
           <p:cxnSp>
             <p:nvCxnSpPr>
-              <p:cNvPr id="98" name="Straight Connector 97">
+              <p:cNvPr id="271" name="Straight Connector 270">
                 <a:extLst>
                   <a:ext uri="{FF2B5EF4-FFF2-40B4-BE49-F238E27FC236}">
-                    <a16:creationId xmlns:a16="http://schemas.microsoft.com/office/drawing/2014/main" id="{12F34EA5-A6AF-4011-A59A-0B5A3CB4CB1E}"/>
+                    <a16:creationId xmlns:a16="http://schemas.microsoft.com/office/drawing/2014/main" id="{A2A85ADF-A68F-49BC-AEB4-81578254A8B1}"/>
                   </a:ext>
                 </a:extLst>
               </p:cNvPr>
@@ -5905,10 +7434,10 @@
         </p:grpSp>
         <p:grpSp>
           <p:nvGrpSpPr>
-            <p:cNvPr id="85" name="Group 84">
+            <p:cNvPr id="258" name="Group 257">
               <a:extLst>
                 <a:ext uri="{FF2B5EF4-FFF2-40B4-BE49-F238E27FC236}">
-                  <a16:creationId xmlns:a16="http://schemas.microsoft.com/office/drawing/2014/main" id="{93D2EA44-E572-4314-A407-A19912C2D501}"/>
+                  <a16:creationId xmlns:a16="http://schemas.microsoft.com/office/drawing/2014/main" id="{2EC64FAF-9E49-45E6-9EF9-9945277230B8}"/>
                 </a:ext>
               </a:extLst>
             </p:cNvPr>
@@ -5926,10 +7455,10 @@
           </p:grpSpPr>
           <p:sp>
             <p:nvSpPr>
-              <p:cNvPr id="89" name="Rectangle 88">
+              <p:cNvPr id="262" name="Rectangle 261">
                 <a:extLst>
                   <a:ext uri="{FF2B5EF4-FFF2-40B4-BE49-F238E27FC236}">
-                    <a16:creationId xmlns:a16="http://schemas.microsoft.com/office/drawing/2014/main" id="{69FA7F2F-5E1A-4F16-89E2-0CB288EEE1E1}"/>
+                    <a16:creationId xmlns:a16="http://schemas.microsoft.com/office/drawing/2014/main" id="{E739ED30-7A02-425A-92E3-566A3D7D624A}"/>
                   </a:ext>
                 </a:extLst>
               </p:cNvPr>
@@ -5973,10 +7502,10 @@
           </p:sp>
           <p:sp>
             <p:nvSpPr>
-              <p:cNvPr id="90" name="Rectangle 89">
+              <p:cNvPr id="263" name="Rectangle 262">
                 <a:extLst>
                   <a:ext uri="{FF2B5EF4-FFF2-40B4-BE49-F238E27FC236}">
-                    <a16:creationId xmlns:a16="http://schemas.microsoft.com/office/drawing/2014/main" id="{F3B28F9F-E81C-43E0-8F8F-E37C550607A4}"/>
+                    <a16:creationId xmlns:a16="http://schemas.microsoft.com/office/drawing/2014/main" id="{9CD43880-5503-49E1-95C6-808A00B687F7}"/>
                   </a:ext>
                 </a:extLst>
               </p:cNvPr>
@@ -6020,10 +7549,10 @@
           </p:sp>
           <p:sp>
             <p:nvSpPr>
-              <p:cNvPr id="91" name="Rectangle 90">
+              <p:cNvPr id="264" name="Rectangle 263">
                 <a:extLst>
                   <a:ext uri="{FF2B5EF4-FFF2-40B4-BE49-F238E27FC236}">
-                    <a16:creationId xmlns:a16="http://schemas.microsoft.com/office/drawing/2014/main" id="{0E6D3780-48EF-411D-8EA2-E6D89A649A36}"/>
+                    <a16:creationId xmlns:a16="http://schemas.microsoft.com/office/drawing/2014/main" id="{B8558D66-F563-4619-BBDC-4F3FF8118DE8}"/>
                   </a:ext>
                 </a:extLst>
               </p:cNvPr>
@@ -6067,15 +7596,15 @@
           </p:sp>
           <p:cxnSp>
             <p:nvCxnSpPr>
-              <p:cNvPr id="92" name="Straight Connector 91">
+              <p:cNvPr id="265" name="Straight Connector 264">
                 <a:extLst>
                   <a:ext uri="{FF2B5EF4-FFF2-40B4-BE49-F238E27FC236}">
-                    <a16:creationId xmlns:a16="http://schemas.microsoft.com/office/drawing/2014/main" id="{A0AC4723-CB26-4590-80A1-F7276F18C7C4}"/>
+                    <a16:creationId xmlns:a16="http://schemas.microsoft.com/office/drawing/2014/main" id="{A5660E5A-A3F9-4C89-A9B3-D5F2472F4AF9}"/>
                   </a:ext>
                 </a:extLst>
               </p:cNvPr>
               <p:cNvCxnSpPr>
-                <a:stCxn id="91" idx="0"/>
+                <a:stCxn id="264" idx="0"/>
               </p:cNvCxnSpPr>
               <p:nvPr/>
             </p:nvCxnSpPr>
@@ -6111,10 +7640,10 @@
           </p:cxnSp>
           <p:cxnSp>
             <p:nvCxnSpPr>
-              <p:cNvPr id="93" name="Straight Connector 92">
+              <p:cNvPr id="266" name="Straight Connector 265">
                 <a:extLst>
                   <a:ext uri="{FF2B5EF4-FFF2-40B4-BE49-F238E27FC236}">
-                    <a16:creationId xmlns:a16="http://schemas.microsoft.com/office/drawing/2014/main" id="{BF6ACD16-9151-4EB9-8D35-BF01BF9499FA}"/>
+                    <a16:creationId xmlns:a16="http://schemas.microsoft.com/office/drawing/2014/main" id="{795C18E0-916D-4774-B202-4C430DBE6B13}"/>
                   </a:ext>
                 </a:extLst>
               </p:cNvPr>
@@ -6154,10 +7683,10 @@
         </p:grpSp>
         <p:sp>
           <p:nvSpPr>
-            <p:cNvPr id="86" name="Isosceles Triangle 85">
+            <p:cNvPr id="259" name="Isosceles Triangle 258">
               <a:extLst>
                 <a:ext uri="{FF2B5EF4-FFF2-40B4-BE49-F238E27FC236}">
-                  <a16:creationId xmlns:a16="http://schemas.microsoft.com/office/drawing/2014/main" id="{E0EC7B73-1EFE-47F9-937E-B4ED639FD123}"/>
+                  <a16:creationId xmlns:a16="http://schemas.microsoft.com/office/drawing/2014/main" id="{E382B92E-664A-4573-B636-0157070B835C}"/>
                 </a:ext>
               </a:extLst>
             </p:cNvPr>
@@ -6203,15 +7732,15 @@
         </p:sp>
         <p:cxnSp>
           <p:nvCxnSpPr>
-            <p:cNvPr id="87" name="Straight Connector 86">
+            <p:cNvPr id="260" name="Straight Connector 259">
               <a:extLst>
                 <a:ext uri="{FF2B5EF4-FFF2-40B4-BE49-F238E27FC236}">
-                  <a16:creationId xmlns:a16="http://schemas.microsoft.com/office/drawing/2014/main" id="{B4F37508-E32F-4F43-B165-1554A5AB679E}"/>
+                  <a16:creationId xmlns:a16="http://schemas.microsoft.com/office/drawing/2014/main" id="{571A982D-E8ED-416F-9BD8-B150891874EF}"/>
                 </a:ext>
               </a:extLst>
             </p:cNvPr>
             <p:cNvCxnSpPr>
-              <a:stCxn id="94" idx="1"/>
+              <a:stCxn id="267" idx="1"/>
             </p:cNvCxnSpPr>
             <p:nvPr/>
           </p:nvCxnSpPr>
@@ -6247,16 +7776,16 @@
         </p:cxnSp>
         <p:cxnSp>
           <p:nvCxnSpPr>
-            <p:cNvPr id="88" name="Straight Connector 87">
+            <p:cNvPr id="261" name="Straight Connector 260">
               <a:extLst>
                 <a:ext uri="{FF2B5EF4-FFF2-40B4-BE49-F238E27FC236}">
-                  <a16:creationId xmlns:a16="http://schemas.microsoft.com/office/drawing/2014/main" id="{8EA0C0BF-71AF-491F-8D77-A19CCBAC8916}"/>
+                  <a16:creationId xmlns:a16="http://schemas.microsoft.com/office/drawing/2014/main" id="{7E87507E-1A2C-40C7-9A52-C8D21A606A39}"/>
                 </a:ext>
               </a:extLst>
             </p:cNvPr>
             <p:cNvCxnSpPr>
               <a:cxnSpLocks/>
-              <a:stCxn id="89" idx="1"/>
+              <a:stCxn id="262" idx="1"/>
             </p:cNvCxnSpPr>
             <p:nvPr/>
           </p:nvCxnSpPr>
@@ -6293,23 +7822,22 @@
       </p:grpSp>
       <p:cxnSp>
         <p:nvCxnSpPr>
-          <p:cNvPr id="100" name="Connector: Elbow 99">
-            <a:extLst>
-              <a:ext uri="{FF2B5EF4-FFF2-40B4-BE49-F238E27FC236}">
-                <a16:creationId xmlns:a16="http://schemas.microsoft.com/office/drawing/2014/main" id="{F4860C18-D645-4EE6-BCDB-79FE3B828918}"/>
+          <p:cNvPr id="272" name="Connector: Elbow 271">
+            <a:extLst>
+              <a:ext uri="{FF2B5EF4-FFF2-40B4-BE49-F238E27FC236}">
+                <a16:creationId xmlns:a16="http://schemas.microsoft.com/office/drawing/2014/main" id="{2B08C2EB-75BB-4EB9-B294-D4C9570C8667}"/>
               </a:ext>
             </a:extLst>
           </p:cNvPr>
           <p:cNvCxnSpPr>
             <a:cxnSpLocks/>
-            <a:stCxn id="15" idx="2"/>
           </p:cNvCxnSpPr>
           <p:nvPr/>
         </p:nvCxnSpPr>
         <p:spPr>
           <a:xfrm flipV="1">
-            <a:off x="7641726" y="3345998"/>
-            <a:ext cx="323076" cy="8859"/>
+            <a:off x="7464947" y="3354678"/>
+            <a:ext cx="316688" cy="180"/>
           </a:xfrm>
           <a:prstGeom prst="bentConnector3">
             <a:avLst>
@@ -6337,10 +7865,10 @@
       </p:cxnSp>
       <p:sp>
         <p:nvSpPr>
-          <p:cNvPr id="120" name="Rectangle 119">
-            <a:extLst>
-              <a:ext uri="{FF2B5EF4-FFF2-40B4-BE49-F238E27FC236}">
-                <a16:creationId xmlns:a16="http://schemas.microsoft.com/office/drawing/2014/main" id="{27878CF7-E469-4A06-9E5C-918E6DCCBE40}"/>
+          <p:cNvPr id="273" name="Rectangle 272">
+            <a:extLst>
+              <a:ext uri="{FF2B5EF4-FFF2-40B4-BE49-F238E27FC236}">
+                <a16:creationId xmlns:a16="http://schemas.microsoft.com/office/drawing/2014/main" id="{A944B993-D7E2-4EBE-8E83-C3708249E589}"/>
               </a:ext>
             </a:extLst>
           </p:cNvPr>
@@ -6349,8 +7877,8 @@
         </p:nvSpPr>
         <p:spPr>
           <a:xfrm>
-            <a:off x="4045856" y="2836760"/>
-            <a:ext cx="1321092" cy="979076"/>
+            <a:off x="5757847" y="2167447"/>
+            <a:ext cx="1406025" cy="596438"/>
           </a:xfrm>
           <a:prstGeom prst="rect">
             <a:avLst/>
@@ -6389,17 +7917,17 @@
                   <a:schemeClr val="tx1"/>
                 </a:solidFill>
               </a:rPr>
-              <a:t>Inline extern (e.g. decryption)</a:t>
+              <a:t>Net-to-host inline extern</a:t>
             </a:r>
           </a:p>
         </p:txBody>
       </p:sp>
       <p:sp>
         <p:nvSpPr>
-          <p:cNvPr id="121" name="Rectangle 120">
-            <a:extLst>
-              <a:ext uri="{FF2B5EF4-FFF2-40B4-BE49-F238E27FC236}">
-                <a16:creationId xmlns:a16="http://schemas.microsoft.com/office/drawing/2014/main" id="{C5B57169-1275-4E2F-A03B-8F7108AA0A55}"/>
+          <p:cNvPr id="274" name="Rectangle 273">
+            <a:extLst>
+              <a:ext uri="{FF2B5EF4-FFF2-40B4-BE49-F238E27FC236}">
+                <a16:creationId xmlns:a16="http://schemas.microsoft.com/office/drawing/2014/main" id="{FA122D6D-249C-4715-B438-29650AAC2F6B}"/>
               </a:ext>
             </a:extLst>
           </p:cNvPr>
@@ -6408,8 +7936,8 @@
         </p:nvSpPr>
         <p:spPr>
           <a:xfrm>
-            <a:off x="2411912" y="4524192"/>
-            <a:ext cx="1273775" cy="807649"/>
+            <a:off x="2335252" y="4589811"/>
+            <a:ext cx="1350435" cy="681362"/>
           </a:xfrm>
           <a:prstGeom prst="rect">
             <a:avLst/>
@@ -6448,121 +7976,31 @@
                   <a:schemeClr val="tx1"/>
                 </a:solidFill>
               </a:rPr>
-              <a:t>Inline extern (e.g. encryption)</a:t>
+              <a:t>Host-to-net inline extern</a:t>
             </a:r>
           </a:p>
         </p:txBody>
       </p:sp>
       <p:cxnSp>
         <p:nvCxnSpPr>
-          <p:cNvPr id="123" name="Connector: Elbow 122">
-            <a:extLst>
-              <a:ext uri="{FF2B5EF4-FFF2-40B4-BE49-F238E27FC236}">
-                <a16:creationId xmlns:a16="http://schemas.microsoft.com/office/drawing/2014/main" id="{64C4D15B-D90A-42A1-857E-79AACC8E1ED6}"/>
+          <p:cNvPr id="275" name="Connector: Elbow 274">
+            <a:extLst>
+              <a:ext uri="{FF2B5EF4-FFF2-40B4-BE49-F238E27FC236}">
+                <a16:creationId xmlns:a16="http://schemas.microsoft.com/office/drawing/2014/main" id="{37BE0E60-BBC8-41CA-BBF3-0016D07C2260}"/>
               </a:ext>
             </a:extLst>
           </p:cNvPr>
           <p:cNvCxnSpPr>
             <a:cxnSpLocks/>
-            <a:stCxn id="120" idx="3"/>
-            <a:endCxn id="12" idx="0"/>
-          </p:cNvCxnSpPr>
-          <p:nvPr/>
-        </p:nvCxnSpPr>
-        <p:spPr>
-          <a:xfrm>
-            <a:off x="5366948" y="3326298"/>
-            <a:ext cx="619470" cy="12700"/>
-          </a:xfrm>
-          <a:prstGeom prst="bentConnector3">
-            <a:avLst>
-              <a:gd name="adj1" fmla="val 50000"/>
-            </a:avLst>
-          </a:prstGeom>
-          <a:ln>
-            <a:tailEnd type="triangle"/>
-          </a:ln>
-        </p:spPr>
-        <p:style>
-          <a:lnRef idx="1">
-            <a:schemeClr val="accent1"/>
-          </a:lnRef>
-          <a:fillRef idx="0">
-            <a:schemeClr val="accent1"/>
-          </a:fillRef>
-          <a:effectRef idx="0">
-            <a:schemeClr val="accent1"/>
-          </a:effectRef>
-          <a:fontRef idx="minor">
-            <a:schemeClr val="tx1"/>
-          </a:fontRef>
-        </p:style>
-      </p:cxnSp>
-      <p:cxnSp>
-        <p:nvCxnSpPr>
-          <p:cNvPr id="127" name="Connector: Elbow 126">
-            <a:extLst>
-              <a:ext uri="{FF2B5EF4-FFF2-40B4-BE49-F238E27FC236}">
-                <a16:creationId xmlns:a16="http://schemas.microsoft.com/office/drawing/2014/main" id="{06F7C2A5-01AD-4181-B101-3CF0F11BE2B8}"/>
-              </a:ext>
-            </a:extLst>
-          </p:cNvPr>
-          <p:cNvCxnSpPr>
-            <a:cxnSpLocks/>
-            <a:stCxn id="40" idx="2"/>
-            <a:endCxn id="120" idx="1"/>
-          </p:cNvCxnSpPr>
-          <p:nvPr/>
-        </p:nvCxnSpPr>
-        <p:spPr>
-          <a:xfrm>
-            <a:off x="3672898" y="3325373"/>
-            <a:ext cx="372958" cy="925"/>
-          </a:xfrm>
-          <a:prstGeom prst="bentConnector3">
-            <a:avLst>
-              <a:gd name="adj1" fmla="val 50000"/>
-            </a:avLst>
-          </a:prstGeom>
-          <a:ln>
-            <a:tailEnd type="triangle"/>
-          </a:ln>
-        </p:spPr>
-        <p:style>
-          <a:lnRef idx="1">
-            <a:schemeClr val="accent1"/>
-          </a:lnRef>
-          <a:fillRef idx="0">
-            <a:schemeClr val="accent1"/>
-          </a:fillRef>
-          <a:effectRef idx="0">
-            <a:schemeClr val="accent1"/>
-          </a:effectRef>
-          <a:fontRef idx="minor">
-            <a:schemeClr val="tx1"/>
-          </a:fontRef>
-        </p:style>
-      </p:cxnSp>
-      <p:cxnSp>
-        <p:nvCxnSpPr>
-          <p:cNvPr id="134" name="Connector: Elbow 133">
-            <a:extLst>
-              <a:ext uri="{FF2B5EF4-FFF2-40B4-BE49-F238E27FC236}">
-                <a16:creationId xmlns:a16="http://schemas.microsoft.com/office/drawing/2014/main" id="{6C8D7A4A-4E00-4E2B-A752-9407B9B8DC70}"/>
-              </a:ext>
-            </a:extLst>
-          </p:cNvPr>
-          <p:cNvCxnSpPr>
-            <a:cxnSpLocks/>
-            <a:stCxn id="72" idx="0"/>
-            <a:endCxn id="121" idx="3"/>
+            <a:stCxn id="242" idx="0"/>
+            <a:endCxn id="274" idx="3"/>
           </p:cNvCxnSpPr>
           <p:nvPr/>
         </p:nvCxnSpPr>
         <p:spPr>
           <a:xfrm rot="10800000" flipV="1">
-            <a:off x="3685687" y="4926643"/>
-            <a:ext cx="397376" cy="1374"/>
+            <a:off x="3685687" y="4926642"/>
+            <a:ext cx="397376" cy="3849"/>
           </a:xfrm>
           <a:prstGeom prst="bentConnector3">
             <a:avLst/>
@@ -6591,10 +8029,10 @@
       </p:cxnSp>
       <p:sp>
         <p:nvSpPr>
-          <p:cNvPr id="138" name="Isosceles Triangle 137">
-            <a:extLst>
-              <a:ext uri="{FF2B5EF4-FFF2-40B4-BE49-F238E27FC236}">
-                <a16:creationId xmlns:a16="http://schemas.microsoft.com/office/drawing/2014/main" id="{69446477-9F3C-4C1B-897E-FE05C5B55386}"/>
+          <p:cNvPr id="276" name="Isosceles Triangle 275">
+            <a:extLst>
+              <a:ext uri="{FF2B5EF4-FFF2-40B4-BE49-F238E27FC236}">
+                <a16:creationId xmlns:a16="http://schemas.microsoft.com/office/drawing/2014/main" id="{B6A9F9C8-0B3A-408C-BF6E-3F54FE02E4D0}"/>
               </a:ext>
             </a:extLst>
           </p:cNvPr>
@@ -6645,10 +8083,10 @@
       </p:sp>
       <p:sp>
         <p:nvSpPr>
-          <p:cNvPr id="155" name="Isosceles Triangle 154">
-            <a:extLst>
-              <a:ext uri="{FF2B5EF4-FFF2-40B4-BE49-F238E27FC236}">
-                <a16:creationId xmlns:a16="http://schemas.microsoft.com/office/drawing/2014/main" id="{9A9B0175-8F65-42F2-977C-C24007A56A08}"/>
+          <p:cNvPr id="277" name="Isosceles Triangle 276">
+            <a:extLst>
+              <a:ext uri="{FF2B5EF4-FFF2-40B4-BE49-F238E27FC236}">
+                <a16:creationId xmlns:a16="http://schemas.microsoft.com/office/drawing/2014/main" id="{A550955F-E587-4E41-9780-79D794CCDF68}"/>
               </a:ext>
             </a:extLst>
           </p:cNvPr>
@@ -6699,10 +8137,10 @@
       </p:sp>
       <p:cxnSp>
         <p:nvCxnSpPr>
-          <p:cNvPr id="166" name="Connector: Elbow 165">
-            <a:extLst>
-              <a:ext uri="{FF2B5EF4-FFF2-40B4-BE49-F238E27FC236}">
-                <a16:creationId xmlns:a16="http://schemas.microsoft.com/office/drawing/2014/main" id="{3C48504E-28A7-489B-8BDA-8A995ED1375D}"/>
+          <p:cNvPr id="278" name="Connector: Elbow 277">
+            <a:extLst>
+              <a:ext uri="{FF2B5EF4-FFF2-40B4-BE49-F238E27FC236}">
+                <a16:creationId xmlns:a16="http://schemas.microsoft.com/office/drawing/2014/main" id="{B6DCA3E1-3B6C-4A31-85D3-2F9C2CDAC977}"/>
               </a:ext>
             </a:extLst>
           </p:cNvPr>
@@ -6740,10 +8178,10 @@
       </p:cxnSp>
       <p:cxnSp>
         <p:nvCxnSpPr>
-          <p:cNvPr id="170" name="Connector: Elbow 169">
-            <a:extLst>
-              <a:ext uri="{FF2B5EF4-FFF2-40B4-BE49-F238E27FC236}">
-                <a16:creationId xmlns:a16="http://schemas.microsoft.com/office/drawing/2014/main" id="{40A865F1-4DDF-4A37-936C-7E29C2D815D1}"/>
+          <p:cNvPr id="279" name="Connector: Elbow 278">
+            <a:extLst>
+              <a:ext uri="{FF2B5EF4-FFF2-40B4-BE49-F238E27FC236}">
+                <a16:creationId xmlns:a16="http://schemas.microsoft.com/office/drawing/2014/main" id="{C443E615-1193-4A98-A793-2DCE9563BB65}"/>
               </a:ext>
             </a:extLst>
           </p:cNvPr>
@@ -6783,10 +8221,10 @@
       </p:cxnSp>
       <p:cxnSp>
         <p:nvCxnSpPr>
-          <p:cNvPr id="175" name="Straight Arrow Connector 174">
-            <a:extLst>
-              <a:ext uri="{FF2B5EF4-FFF2-40B4-BE49-F238E27FC236}">
-                <a16:creationId xmlns:a16="http://schemas.microsoft.com/office/drawing/2014/main" id="{0780DDE3-D616-4239-A66D-F2FEFC8DECC9}"/>
+          <p:cNvPr id="280" name="Straight Arrow Connector 279">
+            <a:extLst>
+              <a:ext uri="{FF2B5EF4-FFF2-40B4-BE49-F238E27FC236}">
+                <a16:creationId xmlns:a16="http://schemas.microsoft.com/office/drawing/2014/main" id="{2619B468-6320-486D-8EDA-1196560C8AF2}"/>
               </a:ext>
             </a:extLst>
           </p:cNvPr>
@@ -6824,10 +8262,10 @@
       </p:cxnSp>
       <p:cxnSp>
         <p:nvCxnSpPr>
-          <p:cNvPr id="179" name="Straight Arrow Connector 178">
-            <a:extLst>
-              <a:ext uri="{FF2B5EF4-FFF2-40B4-BE49-F238E27FC236}">
-                <a16:creationId xmlns:a16="http://schemas.microsoft.com/office/drawing/2014/main" id="{675C8117-3AA7-4E36-88BA-920C6B3941AA}"/>
+          <p:cNvPr id="281" name="Straight Arrow Connector 280">
+            <a:extLst>
+              <a:ext uri="{FF2B5EF4-FFF2-40B4-BE49-F238E27FC236}">
+                <a16:creationId xmlns:a16="http://schemas.microsoft.com/office/drawing/2014/main" id="{8072B402-D030-412C-BD62-36A7A905EB58}"/>
               </a:ext>
             </a:extLst>
           </p:cNvPr>
@@ -6865,24 +8303,24 @@
       </p:cxnSp>
       <p:cxnSp>
         <p:nvCxnSpPr>
-          <p:cNvPr id="181" name="Straight Arrow Connector 180">
-            <a:extLst>
-              <a:ext uri="{FF2B5EF4-FFF2-40B4-BE49-F238E27FC236}">
-                <a16:creationId xmlns:a16="http://schemas.microsoft.com/office/drawing/2014/main" id="{90B81CF6-C291-4A3A-8CFF-4322DFD54B64}"/>
+          <p:cNvPr id="282" name="Straight Arrow Connector 281">
+            <a:extLst>
+              <a:ext uri="{FF2B5EF4-FFF2-40B4-BE49-F238E27FC236}">
+                <a16:creationId xmlns:a16="http://schemas.microsoft.com/office/drawing/2014/main" id="{DB67302F-AFC9-4C9B-A821-D55E704A35CD}"/>
               </a:ext>
             </a:extLst>
           </p:cNvPr>
           <p:cNvCxnSpPr>
             <a:cxnSpLocks/>
-            <a:stCxn id="121" idx="1"/>
-            <a:endCxn id="155" idx="0"/>
+            <a:stCxn id="274" idx="1"/>
+            <a:endCxn id="277" idx="0"/>
           </p:cNvCxnSpPr>
           <p:nvPr/>
         </p:nvCxnSpPr>
         <p:spPr>
           <a:xfrm flipH="1" flipV="1">
             <a:off x="2052479" y="4925851"/>
-            <a:ext cx="359433" cy="2166"/>
+            <a:ext cx="282773" cy="4641"/>
           </a:xfrm>
           <a:prstGeom prst="straightConnector1">
             <a:avLst/>
@@ -6908,10 +8346,10 @@
       </p:cxnSp>
       <p:sp>
         <p:nvSpPr>
-          <p:cNvPr id="184" name="Rectangle 183">
-            <a:extLst>
-              <a:ext uri="{FF2B5EF4-FFF2-40B4-BE49-F238E27FC236}">
-                <a16:creationId xmlns:a16="http://schemas.microsoft.com/office/drawing/2014/main" id="{68FB0182-B326-448A-83DA-468E49772E39}"/>
+          <p:cNvPr id="283" name="Rectangle 282">
+            <a:extLst>
+              <a:ext uri="{FF2B5EF4-FFF2-40B4-BE49-F238E27FC236}">
+                <a16:creationId xmlns:a16="http://schemas.microsoft.com/office/drawing/2014/main" id="{5D6A279C-2804-4242-AD41-B5BFE673A44A}"/>
               </a:ext>
             </a:extLst>
           </p:cNvPr>
@@ -6967,28 +8405,28 @@
       </p:sp>
       <p:cxnSp>
         <p:nvCxnSpPr>
-          <p:cNvPr id="196" name="Connector: Elbow 195">
-            <a:extLst>
-              <a:ext uri="{FF2B5EF4-FFF2-40B4-BE49-F238E27FC236}">
-                <a16:creationId xmlns:a16="http://schemas.microsoft.com/office/drawing/2014/main" id="{C4648FD0-BE39-49B2-A297-6987E7ED42BA}"/>
+          <p:cNvPr id="284" name="Connector: Elbow 283">
+            <a:extLst>
+              <a:ext uri="{FF2B5EF4-FFF2-40B4-BE49-F238E27FC236}">
+                <a16:creationId xmlns:a16="http://schemas.microsoft.com/office/drawing/2014/main" id="{94DA0782-16EE-470B-ADC8-92FB4D26A4BD}"/>
               </a:ext>
             </a:extLst>
           </p:cNvPr>
           <p:cNvCxnSpPr>
             <a:cxnSpLocks/>
-            <a:stCxn id="110" idx="0"/>
-            <a:endCxn id="14" idx="0"/>
+            <a:stCxn id="289" idx="0"/>
+            <a:endCxn id="229" idx="0"/>
           </p:cNvCxnSpPr>
           <p:nvPr/>
         </p:nvCxnSpPr>
         <p:spPr>
           <a:xfrm rot="10800000">
-            <a:off x="5995528" y="4150013"/>
-            <a:ext cx="3153055" cy="793647"/>
+            <a:off x="5433657" y="4142413"/>
+            <a:ext cx="3538146" cy="801247"/>
           </a:xfrm>
           <a:prstGeom prst="bentConnector3">
             <a:avLst>
-              <a:gd name="adj1" fmla="val 117413"/>
+              <a:gd name="adj1" fmla="val 106903"/>
             </a:avLst>
           </a:prstGeom>
           <a:ln>
@@ -7012,23 +8450,23 @@
       </p:cxnSp>
       <p:cxnSp>
         <p:nvCxnSpPr>
-          <p:cNvPr id="199" name="Straight Arrow Connector 198">
-            <a:extLst>
-              <a:ext uri="{FF2B5EF4-FFF2-40B4-BE49-F238E27FC236}">
-                <a16:creationId xmlns:a16="http://schemas.microsoft.com/office/drawing/2014/main" id="{9B56D066-03B7-4AA5-AE48-439E5D95D240}"/>
+          <p:cNvPr id="285" name="Straight Arrow Connector 284">
+            <a:extLst>
+              <a:ext uri="{FF2B5EF4-FFF2-40B4-BE49-F238E27FC236}">
+                <a16:creationId xmlns:a16="http://schemas.microsoft.com/office/drawing/2014/main" id="{D6C5A1C5-210A-4A44-A72C-1C432166FAD5}"/>
               </a:ext>
             </a:extLst>
           </p:cNvPr>
           <p:cNvCxnSpPr>
             <a:cxnSpLocks/>
-            <a:stCxn id="148" idx="2"/>
+            <a:endCxn id="286" idx="0"/>
           </p:cNvCxnSpPr>
           <p:nvPr/>
         </p:nvCxnSpPr>
         <p:spPr>
-          <a:xfrm flipV="1">
-            <a:off x="10278098" y="4129140"/>
-            <a:ext cx="311385" cy="4870"/>
+          <a:xfrm>
+            <a:off x="10101319" y="3502272"/>
+            <a:ext cx="311852" cy="0"/>
           </a:xfrm>
           <a:prstGeom prst="straightConnector1">
             <a:avLst/>
@@ -7055,10 +8493,10 @@
       </p:cxnSp>
       <p:sp>
         <p:nvSpPr>
-          <p:cNvPr id="200" name="Rectangle 199">
-            <a:extLst>
-              <a:ext uri="{FF2B5EF4-FFF2-40B4-BE49-F238E27FC236}">
-                <a16:creationId xmlns:a16="http://schemas.microsoft.com/office/drawing/2014/main" id="{6143778A-3CAF-4C20-AA59-3CC193DB8BCB}"/>
+          <p:cNvPr id="286" name="Rectangle 285">
+            <a:extLst>
+              <a:ext uri="{FF2B5EF4-FFF2-40B4-BE49-F238E27FC236}">
+                <a16:creationId xmlns:a16="http://schemas.microsoft.com/office/drawing/2014/main" id="{C2862EDF-6CB8-473B-96F0-7B08BA4372DC}"/>
               </a:ext>
             </a:extLst>
           </p:cNvPr>
@@ -7067,8 +8505,8 @@
         </p:nvSpPr>
         <p:spPr>
           <a:xfrm rot="16200000">
-            <a:off x="9635974" y="3945025"/>
-            <a:ext cx="2276179" cy="368228"/>
+            <a:off x="10086062" y="3318158"/>
+            <a:ext cx="1022445" cy="368228"/>
           </a:xfrm>
           <a:prstGeom prst="rect">
             <a:avLst/>
@@ -7106,17 +8544,17 @@
                   <a:schemeClr val="tx1"/>
                 </a:solidFill>
               </a:rPr>
-              <a:t>Host</a:t>
+              <a:t>Host 1</a:t>
             </a:r>
           </a:p>
         </p:txBody>
       </p:sp>
       <p:sp>
         <p:nvSpPr>
-          <p:cNvPr id="113" name="Rectangle 112">
-            <a:extLst>
-              <a:ext uri="{FF2B5EF4-FFF2-40B4-BE49-F238E27FC236}">
-                <a16:creationId xmlns:a16="http://schemas.microsoft.com/office/drawing/2014/main" id="{58FA7448-7B0F-43F4-A246-03BDB307CBC0}"/>
+          <p:cNvPr id="287" name="Rectangle 286">
+            <a:extLst>
+              <a:ext uri="{FF2B5EF4-FFF2-40B4-BE49-F238E27FC236}">
+                <a16:creationId xmlns:a16="http://schemas.microsoft.com/office/drawing/2014/main" id="{BC313380-86A5-40BC-857A-1E9599CB7604}"/>
               </a:ext>
             </a:extLst>
           </p:cNvPr>
@@ -7125,7 +8563,7 @@
         </p:nvSpPr>
         <p:spPr>
           <a:xfrm>
-            <a:off x="8868924" y="2113631"/>
+            <a:off x="8692145" y="2113631"/>
             <a:ext cx="2089254" cy="224589"/>
           </a:xfrm>
           <a:prstGeom prst="rect">
@@ -7165,10 +8603,10 @@
       </p:sp>
       <p:sp>
         <p:nvSpPr>
-          <p:cNvPr id="114" name="Rectangle 113">
-            <a:extLst>
-              <a:ext uri="{FF2B5EF4-FFF2-40B4-BE49-F238E27FC236}">
-                <a16:creationId xmlns:a16="http://schemas.microsoft.com/office/drawing/2014/main" id="{8981AA32-2977-41CF-9174-51C16EB7A3C1}"/>
+          <p:cNvPr id="288" name="Rectangle 287">
+            <a:extLst>
+              <a:ext uri="{FF2B5EF4-FFF2-40B4-BE49-F238E27FC236}">
+                <a16:creationId xmlns:a16="http://schemas.microsoft.com/office/drawing/2014/main" id="{AD45C259-3BDF-4D24-A628-AFA2804DB86A}"/>
               </a:ext>
             </a:extLst>
           </p:cNvPr>
@@ -7177,7 +8615,7 @@
         </p:nvSpPr>
         <p:spPr>
           <a:xfrm>
-            <a:off x="8868924" y="2348203"/>
+            <a:off x="8692145" y="2348203"/>
             <a:ext cx="2089254" cy="240643"/>
           </a:xfrm>
           <a:prstGeom prst="rect">
@@ -7222,54 +8660,12 @@
           </a:p>
         </p:txBody>
       </p:sp>
-      <p:cxnSp>
-        <p:nvCxnSpPr>
-          <p:cNvPr id="17" name="Straight Arrow Connector 16">
-            <a:extLst>
-              <a:ext uri="{FF2B5EF4-FFF2-40B4-BE49-F238E27FC236}">
-                <a16:creationId xmlns:a16="http://schemas.microsoft.com/office/drawing/2014/main" id="{415C7822-4030-42AD-AB86-5852B4DD265D}"/>
-              </a:ext>
-            </a:extLst>
-          </p:cNvPr>
-          <p:cNvCxnSpPr>
-            <a:stCxn id="138" idx="0"/>
-            <a:endCxn id="41" idx="0"/>
-          </p:cNvCxnSpPr>
-          <p:nvPr/>
-        </p:nvCxnSpPr>
-        <p:spPr>
-          <a:xfrm>
-            <a:off x="2052479" y="3314619"/>
-            <a:ext cx="347768" cy="10754"/>
-          </a:xfrm>
-          <a:prstGeom prst="straightConnector1">
-            <a:avLst/>
-          </a:prstGeom>
-          <a:ln>
-            <a:tailEnd type="triangle"/>
-          </a:ln>
-        </p:spPr>
-        <p:style>
-          <a:lnRef idx="1">
-            <a:schemeClr val="accent1"/>
-          </a:lnRef>
-          <a:fillRef idx="0">
-            <a:schemeClr val="accent1"/>
-          </a:fillRef>
-          <a:effectRef idx="0">
-            <a:schemeClr val="accent1"/>
-          </a:effectRef>
-          <a:fontRef idx="minor">
-            <a:schemeClr val="tx1"/>
-          </a:fontRef>
-        </p:style>
-      </p:cxnSp>
       <p:sp>
         <p:nvSpPr>
-          <p:cNvPr id="110" name="Isosceles Triangle 109">
-            <a:extLst>
-              <a:ext uri="{FF2B5EF4-FFF2-40B4-BE49-F238E27FC236}">
-                <a16:creationId xmlns:a16="http://schemas.microsoft.com/office/drawing/2014/main" id="{CBF41200-6B39-49A7-85D4-64606C55105F}"/>
+          <p:cNvPr id="289" name="Isosceles Triangle 288">
+            <a:extLst>
+              <a:ext uri="{FF2B5EF4-FFF2-40B4-BE49-F238E27FC236}">
+                <a16:creationId xmlns:a16="http://schemas.microsoft.com/office/drawing/2014/main" id="{009FF2E6-3B45-4B42-B075-BA4BF1C645DD}"/>
               </a:ext>
             </a:extLst>
           </p:cNvPr>
@@ -7278,7 +8674,7 @@
         </p:nvSpPr>
         <p:spPr>
           <a:xfrm rot="16200000">
-            <a:off x="8934338" y="4829463"/>
+            <a:off x="8757559" y="4829463"/>
             <a:ext cx="656879" cy="228392"/>
           </a:xfrm>
           <a:prstGeom prst="triangle">
@@ -7320,10 +8716,10 @@
       </p:sp>
       <p:sp>
         <p:nvSpPr>
-          <p:cNvPr id="111" name="Isosceles Triangle 110">
-            <a:extLst>
-              <a:ext uri="{FF2B5EF4-FFF2-40B4-BE49-F238E27FC236}">
-                <a16:creationId xmlns:a16="http://schemas.microsoft.com/office/drawing/2014/main" id="{8EF40A48-3C9D-4A24-A40E-E4870584BA66}"/>
+          <p:cNvPr id="290" name="Isosceles Triangle 289">
+            <a:extLst>
+              <a:ext uri="{FF2B5EF4-FFF2-40B4-BE49-F238E27FC236}">
+                <a16:creationId xmlns:a16="http://schemas.microsoft.com/office/drawing/2014/main" id="{6C428765-A7D7-4AD9-9009-6BA2D842DE3E}"/>
               </a:ext>
             </a:extLst>
           </p:cNvPr>
@@ -7332,7 +8728,7 @@
         </p:nvSpPr>
         <p:spPr>
           <a:xfrm rot="16200000">
-            <a:off x="8934338" y="3218231"/>
+            <a:off x="8757559" y="3218231"/>
             <a:ext cx="656879" cy="228392"/>
           </a:xfrm>
           <a:prstGeom prst="triangle">
@@ -7374,10 +8770,10 @@
       </p:sp>
       <p:cxnSp>
         <p:nvCxnSpPr>
-          <p:cNvPr id="112" name="Connector: Elbow 111">
-            <a:extLst>
-              <a:ext uri="{FF2B5EF4-FFF2-40B4-BE49-F238E27FC236}">
-                <a16:creationId xmlns:a16="http://schemas.microsoft.com/office/drawing/2014/main" id="{C64DEB71-3093-431E-88AF-4C2BE81668EF}"/>
+          <p:cNvPr id="291" name="Connector: Elbow 290">
+            <a:extLst>
+              <a:ext uri="{FF2B5EF4-FFF2-40B4-BE49-F238E27FC236}">
+                <a16:creationId xmlns:a16="http://schemas.microsoft.com/office/drawing/2014/main" id="{975620DA-F204-4886-8DF5-75B260E4FEB3}"/>
               </a:ext>
             </a:extLst>
           </p:cNvPr>
@@ -7388,7 +8784,7 @@
         </p:nvCxnSpPr>
         <p:spPr>
           <a:xfrm rot="5400000" flipV="1">
-            <a:off x="9169856" y="3726372"/>
+            <a:off x="8993077" y="3726372"/>
             <a:ext cx="715787" cy="301552"/>
           </a:xfrm>
           <a:prstGeom prst="bentConnector3">
@@ -7417,10 +8813,10 @@
       </p:cxnSp>
       <p:cxnSp>
         <p:nvCxnSpPr>
-          <p:cNvPr id="115" name="Connector: Elbow 114">
-            <a:extLst>
-              <a:ext uri="{FF2B5EF4-FFF2-40B4-BE49-F238E27FC236}">
-                <a16:creationId xmlns:a16="http://schemas.microsoft.com/office/drawing/2014/main" id="{368C70F1-7509-412A-8F1A-A518E73EEB07}"/>
+          <p:cNvPr id="292" name="Connector: Elbow 291">
+            <a:extLst>
+              <a:ext uri="{FF2B5EF4-FFF2-40B4-BE49-F238E27FC236}">
+                <a16:creationId xmlns:a16="http://schemas.microsoft.com/office/drawing/2014/main" id="{F2A4F303-3270-4322-B4D4-71EB55509A90}"/>
               </a:ext>
             </a:extLst>
           </p:cNvPr>
@@ -7431,7 +8827,7 @@
         </p:nvCxnSpPr>
         <p:spPr>
           <a:xfrm rot="16200000" flipH="1" flipV="1">
-            <a:off x="9249064" y="4344340"/>
+            <a:off x="9072285" y="4344340"/>
             <a:ext cx="554346" cy="298527"/>
           </a:xfrm>
           <a:prstGeom prst="bentConnector3">
@@ -7460,10 +8856,10 @@
       </p:cxnSp>
       <p:cxnSp>
         <p:nvCxnSpPr>
-          <p:cNvPr id="116" name="Straight Arrow Connector 115">
-            <a:extLst>
-              <a:ext uri="{FF2B5EF4-FFF2-40B4-BE49-F238E27FC236}">
-                <a16:creationId xmlns:a16="http://schemas.microsoft.com/office/drawing/2014/main" id="{D6EAE7FF-ED18-4376-A74D-07B093B5896D}"/>
+          <p:cNvPr id="293" name="Straight Arrow Connector 292">
+            <a:extLst>
+              <a:ext uri="{FF2B5EF4-FFF2-40B4-BE49-F238E27FC236}">
+                <a16:creationId xmlns:a16="http://schemas.microsoft.com/office/drawing/2014/main" id="{3B110F17-DBD3-46F1-AA06-1E2F93C10168}"/>
               </a:ext>
             </a:extLst>
           </p:cNvPr>
@@ -7474,7 +8870,7 @@
         </p:nvCxnSpPr>
         <p:spPr>
           <a:xfrm rot="10800000">
-            <a:off x="9381355" y="5095376"/>
+            <a:off x="9204576" y="5095376"/>
             <a:ext cx="494377" cy="1"/>
           </a:xfrm>
           <a:prstGeom prst="straightConnector1">
@@ -7501,10 +8897,10 @@
       </p:cxnSp>
       <p:cxnSp>
         <p:nvCxnSpPr>
-          <p:cNvPr id="117" name="Straight Arrow Connector 116">
-            <a:extLst>
-              <a:ext uri="{FF2B5EF4-FFF2-40B4-BE49-F238E27FC236}">
-                <a16:creationId xmlns:a16="http://schemas.microsoft.com/office/drawing/2014/main" id="{2B8B9C9F-8E4C-4C30-AB47-9A5A956DF566}"/>
+          <p:cNvPr id="294" name="Straight Arrow Connector 293">
+            <a:extLst>
+              <a:ext uri="{FF2B5EF4-FFF2-40B4-BE49-F238E27FC236}">
+                <a16:creationId xmlns:a16="http://schemas.microsoft.com/office/drawing/2014/main" id="{132FAF17-1422-4C66-BDC6-BD0E1EC05ABE}"/>
               </a:ext>
             </a:extLst>
           </p:cNvPr>
@@ -7515,7 +8911,7 @@
         </p:nvCxnSpPr>
         <p:spPr>
           <a:xfrm rot="10800000" flipH="1">
-            <a:off x="9381355" y="3180321"/>
+            <a:off x="9204576" y="3180321"/>
             <a:ext cx="487249" cy="0"/>
           </a:xfrm>
           <a:prstGeom prst="straightConnector1">
@@ -7542,23 +8938,23 @@
       </p:cxnSp>
       <p:cxnSp>
         <p:nvCxnSpPr>
-          <p:cNvPr id="118" name="Straight Arrow Connector 117">
-            <a:extLst>
-              <a:ext uri="{FF2B5EF4-FFF2-40B4-BE49-F238E27FC236}">
-                <a16:creationId xmlns:a16="http://schemas.microsoft.com/office/drawing/2014/main" id="{40462665-FCF8-4E8C-943A-0EF224BA3563}"/>
+          <p:cNvPr id="295" name="Straight Arrow Connector 294">
+            <a:extLst>
+              <a:ext uri="{FF2B5EF4-FFF2-40B4-BE49-F238E27FC236}">
+                <a16:creationId xmlns:a16="http://schemas.microsoft.com/office/drawing/2014/main" id="{8392C6E3-4B62-4598-A61D-50379CFDC32E}"/>
               </a:ext>
             </a:extLst>
           </p:cNvPr>
           <p:cNvCxnSpPr>
             <a:cxnSpLocks/>
-            <a:stCxn id="86" idx="0"/>
-            <a:endCxn id="111" idx="0"/>
+            <a:stCxn id="259" idx="0"/>
+            <a:endCxn id="290" idx="0"/>
           </p:cNvCxnSpPr>
           <p:nvPr/>
         </p:nvCxnSpPr>
         <p:spPr>
           <a:xfrm>
-            <a:off x="8969964" y="3328996"/>
+            <a:off x="8793185" y="3328996"/>
             <a:ext cx="178618" cy="3431"/>
           </a:xfrm>
           <a:prstGeom prst="straightConnector1">
@@ -7583,292 +8979,1601 @@
           </a:fontRef>
         </p:style>
       </p:cxnSp>
-      <p:grpSp>
-        <p:nvGrpSpPr>
-          <p:cNvPr id="163" name="Group 162">
-            <a:extLst>
-              <a:ext uri="{FF2B5EF4-FFF2-40B4-BE49-F238E27FC236}">
-                <a16:creationId xmlns:a16="http://schemas.microsoft.com/office/drawing/2014/main" id="{8608615B-EB0D-4D19-94C6-BA8F0B161E4B}"/>
-              </a:ext>
-            </a:extLst>
-          </p:cNvPr>
-          <p:cNvGrpSpPr/>
+      <p:cxnSp>
+        <p:nvCxnSpPr>
+          <p:cNvPr id="296" name="Connector: Elbow 295">
+            <a:extLst>
+              <a:ext uri="{FF2B5EF4-FFF2-40B4-BE49-F238E27FC236}">
+                <a16:creationId xmlns:a16="http://schemas.microsoft.com/office/drawing/2014/main" id="{AFD5B5D5-6FCB-4A9D-8E9D-0659DD53CDA7}"/>
+              </a:ext>
+            </a:extLst>
+          </p:cNvPr>
+          <p:cNvCxnSpPr>
+            <a:cxnSpLocks/>
+          </p:cNvCxnSpPr>
           <p:nvPr/>
-        </p:nvGrpSpPr>
-        <p:grpSpPr>
+        </p:nvCxnSpPr>
+        <p:spPr>
+          <a:xfrm rot="5400000" flipH="1" flipV="1">
+            <a:off x="7200632" y="2735448"/>
+            <a:ext cx="676870" cy="136691"/>
+          </a:xfrm>
+          <a:prstGeom prst="bentConnector3">
+            <a:avLst>
+              <a:gd name="adj1" fmla="val -97"/>
+            </a:avLst>
+          </a:prstGeom>
+          <a:ln>
+            <a:tailEnd type="none"/>
+          </a:ln>
+        </p:spPr>
+        <p:style>
+          <a:lnRef idx="1">
+            <a:schemeClr val="accent1"/>
+          </a:lnRef>
+          <a:fillRef idx="0">
+            <a:schemeClr val="accent1"/>
+          </a:fillRef>
+          <a:effectRef idx="0">
+            <a:schemeClr val="accent1"/>
+          </a:effectRef>
+          <a:fontRef idx="minor">
+            <a:schemeClr val="tx1"/>
+          </a:fontRef>
+        </p:style>
+      </p:cxnSp>
+      <p:cxnSp>
+        <p:nvCxnSpPr>
+          <p:cNvPr id="297" name="Connector: Elbow 296">
+            <a:extLst>
+              <a:ext uri="{FF2B5EF4-FFF2-40B4-BE49-F238E27FC236}">
+                <a16:creationId xmlns:a16="http://schemas.microsoft.com/office/drawing/2014/main" id="{AD23FF2C-AAB2-4F69-9E3B-72F3DF1A5C4A}"/>
+              </a:ext>
+            </a:extLst>
+          </p:cNvPr>
+          <p:cNvCxnSpPr>
+            <a:cxnSpLocks/>
+          </p:cNvCxnSpPr>
+          <p:nvPr/>
+        </p:nvCxnSpPr>
+        <p:spPr>
+          <a:xfrm rot="16200000" flipH="1">
+            <a:off x="5024235" y="2733173"/>
+            <a:ext cx="672330" cy="150304"/>
+          </a:xfrm>
+          <a:prstGeom prst="bentConnector3">
+            <a:avLst>
+              <a:gd name="adj1" fmla="val 100435"/>
+            </a:avLst>
+          </a:prstGeom>
+          <a:ln>
+            <a:tailEnd type="triangle"/>
+          </a:ln>
+        </p:spPr>
+        <p:style>
+          <a:lnRef idx="1">
+            <a:schemeClr val="accent1"/>
+          </a:lnRef>
+          <a:fillRef idx="0">
+            <a:schemeClr val="accent1"/>
+          </a:fillRef>
+          <a:effectRef idx="0">
+            <a:schemeClr val="accent1"/>
+          </a:effectRef>
+          <a:fontRef idx="minor">
+            <a:schemeClr val="tx1"/>
+          </a:fontRef>
+        </p:style>
+      </p:cxnSp>
+      <p:cxnSp>
+        <p:nvCxnSpPr>
+          <p:cNvPr id="298" name="Connector: Elbow 297">
+            <a:extLst>
+              <a:ext uri="{FF2B5EF4-FFF2-40B4-BE49-F238E27FC236}">
+                <a16:creationId xmlns:a16="http://schemas.microsoft.com/office/drawing/2014/main" id="{F21017AA-7720-4DBA-86B3-B183D869B2CC}"/>
+              </a:ext>
+            </a:extLst>
+          </p:cNvPr>
+          <p:cNvCxnSpPr>
+            <a:cxnSpLocks/>
+          </p:cNvCxnSpPr>
+          <p:nvPr/>
+        </p:nvCxnSpPr>
+        <p:spPr>
+          <a:xfrm rot="16200000" flipH="1">
+            <a:off x="7326389" y="4490272"/>
+            <a:ext cx="403990" cy="115327"/>
+          </a:xfrm>
+          <a:prstGeom prst="bentConnector3">
+            <a:avLst>
+              <a:gd name="adj1" fmla="val 960"/>
+            </a:avLst>
+          </a:prstGeom>
+          <a:ln>
+            <a:tailEnd type="none"/>
+          </a:ln>
+        </p:spPr>
+        <p:style>
+          <a:lnRef idx="1">
+            <a:schemeClr val="accent1"/>
+          </a:lnRef>
+          <a:fillRef idx="0">
+            <a:schemeClr val="accent1"/>
+          </a:fillRef>
+          <a:effectRef idx="0">
+            <a:schemeClr val="accent1"/>
+          </a:effectRef>
+          <a:fontRef idx="minor">
+            <a:schemeClr val="tx1"/>
+          </a:fontRef>
+        </p:style>
+      </p:cxnSp>
+      <p:cxnSp>
+        <p:nvCxnSpPr>
+          <p:cNvPr id="299" name="Connector: Elbow 298">
+            <a:extLst>
+              <a:ext uri="{FF2B5EF4-FFF2-40B4-BE49-F238E27FC236}">
+                <a16:creationId xmlns:a16="http://schemas.microsoft.com/office/drawing/2014/main" id="{7D95EB9B-4649-48B8-B77E-A6A7F05C3FFF}"/>
+              </a:ext>
+            </a:extLst>
+          </p:cNvPr>
+          <p:cNvCxnSpPr>
+            <a:cxnSpLocks/>
+          </p:cNvCxnSpPr>
+          <p:nvPr/>
+        </p:nvCxnSpPr>
+        <p:spPr>
+          <a:xfrm rot="5400000" flipH="1" flipV="1">
+            <a:off x="5163407" y="4480360"/>
+            <a:ext cx="408827" cy="135459"/>
+          </a:xfrm>
+          <a:prstGeom prst="bentConnector3">
+            <a:avLst>
+              <a:gd name="adj1" fmla="val 99393"/>
+            </a:avLst>
+          </a:prstGeom>
+          <a:ln>
+            <a:tailEnd type="triangle"/>
+          </a:ln>
+        </p:spPr>
+        <p:style>
+          <a:lnRef idx="1">
+            <a:schemeClr val="accent1"/>
+          </a:lnRef>
+          <a:fillRef idx="0">
+            <a:schemeClr val="accent1"/>
+          </a:fillRef>
+          <a:effectRef idx="0">
+            <a:schemeClr val="accent1"/>
+          </a:effectRef>
+          <a:fontRef idx="minor">
+            <a:schemeClr val="tx1"/>
+          </a:fontRef>
+        </p:style>
+      </p:cxnSp>
+      <p:cxnSp>
+        <p:nvCxnSpPr>
+          <p:cNvPr id="300" name="Straight Connector 299">
+            <a:extLst>
+              <a:ext uri="{FF2B5EF4-FFF2-40B4-BE49-F238E27FC236}">
+                <a16:creationId xmlns:a16="http://schemas.microsoft.com/office/drawing/2014/main" id="{26DB3D12-209C-4ED3-8D8F-D66DCD94D9EF}"/>
+              </a:ext>
+            </a:extLst>
+          </p:cNvPr>
+          <p:cNvCxnSpPr>
+            <a:cxnSpLocks/>
+          </p:cNvCxnSpPr>
+          <p:nvPr/>
+        </p:nvCxnSpPr>
+        <p:spPr>
+          <a:xfrm flipH="1">
+            <a:off x="5300092" y="4747290"/>
+            <a:ext cx="2285956" cy="5212"/>
+          </a:xfrm>
+          <a:prstGeom prst="line">
+            <a:avLst/>
+          </a:prstGeom>
+        </p:spPr>
+        <p:style>
+          <a:lnRef idx="1">
+            <a:schemeClr val="accent1"/>
+          </a:lnRef>
+          <a:fillRef idx="0">
+            <a:schemeClr val="accent1"/>
+          </a:fillRef>
+          <a:effectRef idx="0">
+            <a:schemeClr val="accent1"/>
+          </a:effectRef>
+          <a:fontRef idx="minor">
+            <a:schemeClr val="tx1"/>
+          </a:fontRef>
+        </p:style>
+      </p:cxnSp>
+      <p:cxnSp>
+        <p:nvCxnSpPr>
+          <p:cNvPr id="301" name="Connector: Elbow 300">
+            <a:extLst>
+              <a:ext uri="{FF2B5EF4-FFF2-40B4-BE49-F238E27FC236}">
+                <a16:creationId xmlns:a16="http://schemas.microsoft.com/office/drawing/2014/main" id="{4DC35F3F-FD85-4068-83DF-F596995AA6FA}"/>
+              </a:ext>
+            </a:extLst>
+          </p:cNvPr>
+          <p:cNvCxnSpPr>
+            <a:cxnSpLocks/>
+            <a:stCxn id="276" idx="0"/>
+          </p:cNvCxnSpPr>
+          <p:nvPr/>
+        </p:nvCxnSpPr>
+        <p:spPr>
           <a:xfrm>
-            <a:off x="5782914" y="2733762"/>
-            <a:ext cx="2092231" cy="410729"/>
-            <a:chOff x="5782914" y="2733762"/>
-            <a:chExt cx="2092231" cy="410729"/>
+            <a:off x="2052479" y="3314619"/>
+            <a:ext cx="3367830" cy="172881"/>
           </a:xfrm>
-        </p:grpSpPr>
-        <p:cxnSp>
-          <p:nvCxnSpPr>
-            <p:cNvPr id="105" name="Connector: Elbow 104">
-              <a:extLst>
-                <a:ext uri="{FF2B5EF4-FFF2-40B4-BE49-F238E27FC236}">
-                  <a16:creationId xmlns:a16="http://schemas.microsoft.com/office/drawing/2014/main" id="{AAD870DC-10F4-46EA-8DD1-22D68B525CA7}"/>
-                </a:ext>
-              </a:extLst>
-            </p:cNvPr>
-            <p:cNvCxnSpPr>
-              <a:cxnSpLocks/>
-            </p:cNvCxnSpPr>
-            <p:nvPr/>
-          </p:nvCxnSpPr>
-          <p:spPr>
-            <a:xfrm rot="5400000" flipH="1" flipV="1">
-              <a:off x="7560841" y="2827921"/>
-              <a:ext cx="408463" cy="220145"/>
-            </a:xfrm>
-            <a:prstGeom prst="bentConnector3">
-              <a:avLst>
-                <a:gd name="adj1" fmla="val -369"/>
-              </a:avLst>
-            </a:prstGeom>
-            <a:ln>
-              <a:tailEnd type="none"/>
-            </a:ln>
-          </p:spPr>
-          <p:style>
-            <a:lnRef idx="1">
-              <a:schemeClr val="accent1"/>
-            </a:lnRef>
-            <a:fillRef idx="0">
-              <a:schemeClr val="accent1"/>
-            </a:fillRef>
-            <a:effectRef idx="0">
-              <a:schemeClr val="accent1"/>
-            </a:effectRef>
-            <a:fontRef idx="minor">
-              <a:schemeClr val="tx1"/>
-            </a:fontRef>
-          </p:style>
-        </p:cxnSp>
-        <p:cxnSp>
-          <p:nvCxnSpPr>
-            <p:cNvPr id="126" name="Connector: Elbow 125">
-              <a:extLst>
-                <a:ext uri="{FF2B5EF4-FFF2-40B4-BE49-F238E27FC236}">
-                  <a16:creationId xmlns:a16="http://schemas.microsoft.com/office/drawing/2014/main" id="{6D1D99B2-0E86-47B6-9123-9267435A5C00}"/>
-                </a:ext>
-              </a:extLst>
-            </p:cNvPr>
-            <p:cNvCxnSpPr/>
-            <p:nvPr/>
-          </p:nvCxnSpPr>
-          <p:spPr>
-            <a:xfrm rot="16200000" flipH="1">
-              <a:off x="5682254" y="2836324"/>
-              <a:ext cx="408827" cy="207508"/>
-            </a:xfrm>
-            <a:prstGeom prst="bentConnector3">
-              <a:avLst>
-                <a:gd name="adj1" fmla="val 100325"/>
-              </a:avLst>
-            </a:prstGeom>
-            <a:ln>
-              <a:tailEnd type="triangle"/>
-            </a:ln>
-          </p:spPr>
-          <p:style>
-            <a:lnRef idx="1">
-              <a:schemeClr val="accent1"/>
-            </a:lnRef>
-            <a:fillRef idx="0">
-              <a:schemeClr val="accent1"/>
-            </a:fillRef>
-            <a:effectRef idx="0">
-              <a:schemeClr val="accent1"/>
-            </a:effectRef>
-            <a:fontRef idx="minor">
-              <a:schemeClr val="tx1"/>
-            </a:fontRef>
-          </p:style>
-        </p:cxnSp>
-        <p:cxnSp>
-          <p:nvCxnSpPr>
-            <p:cNvPr id="150" name="Straight Connector 149">
-              <a:extLst>
-                <a:ext uri="{FF2B5EF4-FFF2-40B4-BE49-F238E27FC236}">
-                  <a16:creationId xmlns:a16="http://schemas.microsoft.com/office/drawing/2014/main" id="{A5C1AA9D-F6C3-45F8-8EF2-65A29333F671}"/>
-                </a:ext>
-              </a:extLst>
-            </p:cNvPr>
-            <p:cNvCxnSpPr>
-              <a:cxnSpLocks/>
-            </p:cNvCxnSpPr>
-            <p:nvPr/>
-          </p:nvCxnSpPr>
-          <p:spPr>
-            <a:xfrm flipH="1">
-              <a:off x="5782914" y="2735664"/>
-              <a:ext cx="2092230" cy="0"/>
-            </a:xfrm>
-            <a:prstGeom prst="line">
-              <a:avLst/>
-            </a:prstGeom>
-          </p:spPr>
-          <p:style>
-            <a:lnRef idx="1">
-              <a:schemeClr val="accent1"/>
-            </a:lnRef>
-            <a:fillRef idx="0">
-              <a:schemeClr val="accent1"/>
-            </a:fillRef>
-            <a:effectRef idx="0">
-              <a:schemeClr val="accent1"/>
-            </a:effectRef>
-            <a:fontRef idx="minor">
-              <a:schemeClr val="tx1"/>
-            </a:fontRef>
-          </p:style>
-        </p:cxnSp>
-      </p:grpSp>
-      <p:grpSp>
-        <p:nvGrpSpPr>
-          <p:cNvPr id="177" name="Group 176">
-            <a:extLst>
-              <a:ext uri="{FF2B5EF4-FFF2-40B4-BE49-F238E27FC236}">
-                <a16:creationId xmlns:a16="http://schemas.microsoft.com/office/drawing/2014/main" id="{AAC1F68D-05B8-4B51-8587-059500FE3478}"/>
-              </a:ext>
-            </a:extLst>
-          </p:cNvPr>
-          <p:cNvGrpSpPr/>
+          <a:prstGeom prst="bentConnector3">
+            <a:avLst>
+              <a:gd name="adj1" fmla="val 50000"/>
+            </a:avLst>
+          </a:prstGeom>
+          <a:ln>
+            <a:tailEnd type="triangle"/>
+          </a:ln>
+        </p:spPr>
+        <p:style>
+          <a:lnRef idx="1">
+            <a:schemeClr val="accent1"/>
+          </a:lnRef>
+          <a:fillRef idx="0">
+            <a:schemeClr val="accent1"/>
+          </a:fillRef>
+          <a:effectRef idx="0">
+            <a:schemeClr val="accent1"/>
+          </a:effectRef>
+          <a:fontRef idx="minor">
+            <a:schemeClr val="tx1"/>
+          </a:fontRef>
+        </p:style>
+      </p:cxnSp>
+      <p:sp>
+        <p:nvSpPr>
+          <p:cNvPr id="302" name="Rectangle 301">
+            <a:extLst>
+              <a:ext uri="{FF2B5EF4-FFF2-40B4-BE49-F238E27FC236}">
+                <a16:creationId xmlns:a16="http://schemas.microsoft.com/office/drawing/2014/main" id="{B792A41C-06A7-4FAC-A54E-95C77477E0E5}"/>
+              </a:ext>
+            </a:extLst>
+          </p:cNvPr>
+          <p:cNvSpPr/>
           <p:nvPr/>
-        </p:nvGrpSpPr>
-        <p:grpSpPr>
-          <a:xfrm flipV="1">
-            <a:off x="5780613" y="4343679"/>
-            <a:ext cx="2092231" cy="410729"/>
-            <a:chOff x="5782914" y="2733762"/>
-            <a:chExt cx="2092231" cy="410729"/>
+        </p:nvSpPr>
+        <p:spPr>
+          <a:xfrm rot="16200000">
+            <a:off x="10086062" y="4578852"/>
+            <a:ext cx="1022445" cy="368228"/>
           </a:xfrm>
-        </p:grpSpPr>
-        <p:cxnSp>
-          <p:nvCxnSpPr>
-            <p:cNvPr id="178" name="Connector: Elbow 177">
-              <a:extLst>
-                <a:ext uri="{FF2B5EF4-FFF2-40B4-BE49-F238E27FC236}">
-                  <a16:creationId xmlns:a16="http://schemas.microsoft.com/office/drawing/2014/main" id="{A750F747-27DB-43AF-84FE-43C67DC6B905}"/>
-                </a:ext>
-              </a:extLst>
-            </p:cNvPr>
-            <p:cNvCxnSpPr>
-              <a:cxnSpLocks/>
-            </p:cNvCxnSpPr>
-            <p:nvPr/>
-          </p:nvCxnSpPr>
-          <p:spPr>
-            <a:xfrm rot="5400000" flipH="1" flipV="1">
-              <a:off x="7560841" y="2827921"/>
-              <a:ext cx="408463" cy="220145"/>
-            </a:xfrm>
-            <a:prstGeom prst="bentConnector3">
-              <a:avLst>
-                <a:gd name="adj1" fmla="val -369"/>
-              </a:avLst>
-            </a:prstGeom>
-            <a:ln>
-              <a:tailEnd type="none"/>
-            </a:ln>
-          </p:spPr>
-          <p:style>
-            <a:lnRef idx="1">
-              <a:schemeClr val="accent1"/>
-            </a:lnRef>
-            <a:fillRef idx="0">
-              <a:schemeClr val="accent1"/>
-            </a:fillRef>
-            <a:effectRef idx="0">
-              <a:schemeClr val="accent1"/>
-            </a:effectRef>
-            <a:fontRef idx="minor">
-              <a:schemeClr val="tx1"/>
-            </a:fontRef>
-          </p:style>
-        </p:cxnSp>
-        <p:cxnSp>
-          <p:nvCxnSpPr>
-            <p:cNvPr id="180" name="Connector: Elbow 179">
-              <a:extLst>
-                <a:ext uri="{FF2B5EF4-FFF2-40B4-BE49-F238E27FC236}">
-                  <a16:creationId xmlns:a16="http://schemas.microsoft.com/office/drawing/2014/main" id="{7C40998A-C287-47CA-9A06-025F2A66B1EE}"/>
-                </a:ext>
-              </a:extLst>
-            </p:cNvPr>
-            <p:cNvCxnSpPr/>
-            <p:nvPr/>
-          </p:nvCxnSpPr>
-          <p:spPr>
-            <a:xfrm rot="16200000" flipH="1">
-              <a:off x="5682254" y="2836324"/>
-              <a:ext cx="408827" cy="207508"/>
-            </a:xfrm>
-            <a:prstGeom prst="bentConnector3">
-              <a:avLst>
-                <a:gd name="adj1" fmla="val 100325"/>
-              </a:avLst>
-            </a:prstGeom>
-            <a:ln>
-              <a:tailEnd type="triangle"/>
-            </a:ln>
-          </p:spPr>
-          <p:style>
-            <a:lnRef idx="1">
-              <a:schemeClr val="accent1"/>
-            </a:lnRef>
-            <a:fillRef idx="0">
-              <a:schemeClr val="accent1"/>
-            </a:fillRef>
-            <a:effectRef idx="0">
-              <a:schemeClr val="accent1"/>
-            </a:effectRef>
-            <a:fontRef idx="minor">
-              <a:schemeClr val="tx1"/>
-            </a:fontRef>
-          </p:style>
-        </p:cxnSp>
-        <p:cxnSp>
-          <p:nvCxnSpPr>
-            <p:cNvPr id="182" name="Straight Connector 181">
-              <a:extLst>
-                <a:ext uri="{FF2B5EF4-FFF2-40B4-BE49-F238E27FC236}">
-                  <a16:creationId xmlns:a16="http://schemas.microsoft.com/office/drawing/2014/main" id="{24155A40-B988-46ED-BC5E-C58015564533}"/>
-                </a:ext>
-              </a:extLst>
-            </p:cNvPr>
-            <p:cNvCxnSpPr>
-              <a:cxnSpLocks/>
-            </p:cNvCxnSpPr>
-            <p:nvPr/>
-          </p:nvCxnSpPr>
-          <p:spPr>
-            <a:xfrm flipH="1">
-              <a:off x="5782914" y="2735664"/>
-              <a:ext cx="2092230" cy="0"/>
-            </a:xfrm>
-            <a:prstGeom prst="line">
-              <a:avLst/>
-            </a:prstGeom>
-          </p:spPr>
-          <p:style>
-            <a:lnRef idx="1">
-              <a:schemeClr val="accent1"/>
-            </a:lnRef>
-            <a:fillRef idx="0">
-              <a:schemeClr val="accent1"/>
-            </a:fillRef>
-            <a:effectRef idx="0">
-              <a:schemeClr val="accent1"/>
-            </a:effectRef>
-            <a:fontRef idx="minor">
-              <a:schemeClr val="tx1"/>
-            </a:fontRef>
-          </p:style>
-        </p:cxnSp>
-      </p:grpSp>
+          <a:prstGeom prst="rect">
+            <a:avLst/>
+          </a:prstGeom>
+          <a:solidFill>
+            <a:schemeClr val="bg2">
+              <a:lumMod val="90000"/>
+            </a:schemeClr>
+          </a:solidFill>
+        </p:spPr>
+        <p:style>
+          <a:lnRef idx="2">
+            <a:schemeClr val="accent1">
+              <a:shade val="50000"/>
+            </a:schemeClr>
+          </a:lnRef>
+          <a:fillRef idx="1">
+            <a:schemeClr val="accent1"/>
+          </a:fillRef>
+          <a:effectRef idx="0">
+            <a:schemeClr val="accent1"/>
+          </a:effectRef>
+          <a:fontRef idx="minor">
+            <a:schemeClr val="lt1"/>
+          </a:fontRef>
+        </p:style>
+        <p:txBody>
+          <a:bodyPr rtlCol="0" anchor="ctr"/>
+          <a:lstStyle/>
+          <a:p>
+            <a:pPr algn="ctr"/>
+            <a:r>
+              <a:rPr lang="en-US" dirty="0">
+                <a:solidFill>
+                  <a:schemeClr val="tx1"/>
+                </a:solidFill>
+              </a:rPr>
+              <a:t>Host N</a:t>
+            </a:r>
+          </a:p>
+        </p:txBody>
+      </p:sp>
+      <p:cxnSp>
+        <p:nvCxnSpPr>
+          <p:cNvPr id="303" name="Straight Arrow Connector 302">
+            <a:extLst>
+              <a:ext uri="{FF2B5EF4-FFF2-40B4-BE49-F238E27FC236}">
+                <a16:creationId xmlns:a16="http://schemas.microsoft.com/office/drawing/2014/main" id="{D3A4E10E-EB35-43DB-B5CE-58A044FD9547}"/>
+              </a:ext>
+            </a:extLst>
+          </p:cNvPr>
+          <p:cNvCxnSpPr>
+            <a:cxnSpLocks/>
+            <a:endCxn id="302" idx="0"/>
+          </p:cNvCxnSpPr>
+          <p:nvPr/>
+        </p:nvCxnSpPr>
+        <p:spPr>
+          <a:xfrm>
+            <a:off x="10101319" y="4762966"/>
+            <a:ext cx="311852" cy="0"/>
+          </a:xfrm>
+          <a:prstGeom prst="straightConnector1">
+            <a:avLst/>
+          </a:prstGeom>
+          <a:ln>
+            <a:headEnd type="triangle"/>
+            <a:tailEnd type="triangle"/>
+          </a:ln>
+        </p:spPr>
+        <p:style>
+          <a:lnRef idx="1">
+            <a:schemeClr val="accent1"/>
+          </a:lnRef>
+          <a:fillRef idx="0">
+            <a:schemeClr val="accent1"/>
+          </a:fillRef>
+          <a:effectRef idx="0">
+            <a:schemeClr val="accent1"/>
+          </a:effectRef>
+          <a:fontRef idx="minor">
+            <a:schemeClr val="tx1"/>
+          </a:fontRef>
+        </p:style>
+      </p:cxnSp>
+      <p:sp>
+        <p:nvSpPr>
+          <p:cNvPr id="304" name="TextBox 303">
+            <a:extLst>
+              <a:ext uri="{FF2B5EF4-FFF2-40B4-BE49-F238E27FC236}">
+                <a16:creationId xmlns:a16="http://schemas.microsoft.com/office/drawing/2014/main" id="{2238240A-BE3B-4E7C-800D-27309503901B}"/>
+              </a:ext>
+            </a:extLst>
+          </p:cNvPr>
+          <p:cNvSpPr txBox="1"/>
+          <p:nvPr/>
+        </p:nvSpPr>
+        <p:spPr>
+          <a:xfrm rot="16200000">
+            <a:off x="10444675" y="4005660"/>
+            <a:ext cx="238248" cy="253916"/>
+          </a:xfrm>
+          <a:prstGeom prst="rect">
+            <a:avLst/>
+          </a:prstGeom>
+          <a:noFill/>
+        </p:spPr>
+        <p:txBody>
+          <a:bodyPr wrap="square" rtlCol="0">
+            <a:spAutoFit/>
+          </a:bodyPr>
+          <a:lstStyle/>
+          <a:p>
+            <a:pPr algn="ctr"/>
+            <a:r>
+              <a:rPr lang="en-US" sz="1050" dirty="0"/>
+              <a:t>…</a:t>
+            </a:r>
+          </a:p>
+        </p:txBody>
+      </p:sp>
+      <p:cxnSp>
+        <p:nvCxnSpPr>
+          <p:cNvPr id="305" name="Straight Connector 304">
+            <a:extLst>
+              <a:ext uri="{FF2B5EF4-FFF2-40B4-BE49-F238E27FC236}">
+                <a16:creationId xmlns:a16="http://schemas.microsoft.com/office/drawing/2014/main" id="{9DBCA7FA-F2AC-4264-855D-71D88031345B}"/>
+              </a:ext>
+            </a:extLst>
+          </p:cNvPr>
+          <p:cNvCxnSpPr>
+            <a:cxnSpLocks/>
+            <a:stCxn id="273" idx="1"/>
+          </p:cNvCxnSpPr>
+          <p:nvPr/>
+        </p:nvCxnSpPr>
+        <p:spPr>
+          <a:xfrm flipH="1">
+            <a:off x="5279521" y="2465666"/>
+            <a:ext cx="478326" cy="2858"/>
+          </a:xfrm>
+          <a:prstGeom prst="line">
+            <a:avLst/>
+          </a:prstGeom>
+        </p:spPr>
+        <p:style>
+          <a:lnRef idx="1">
+            <a:schemeClr val="accent1"/>
+          </a:lnRef>
+          <a:fillRef idx="0">
+            <a:schemeClr val="accent1"/>
+          </a:fillRef>
+          <a:effectRef idx="0">
+            <a:schemeClr val="accent1"/>
+          </a:effectRef>
+          <a:fontRef idx="minor">
+            <a:schemeClr val="tx1"/>
+          </a:fontRef>
+        </p:style>
+      </p:cxnSp>
+      <p:cxnSp>
+        <p:nvCxnSpPr>
+          <p:cNvPr id="306" name="Straight Connector 305">
+            <a:extLst>
+              <a:ext uri="{FF2B5EF4-FFF2-40B4-BE49-F238E27FC236}">
+                <a16:creationId xmlns:a16="http://schemas.microsoft.com/office/drawing/2014/main" id="{F0CDD946-DEDA-49BC-881E-2EFF0E53EEAF}"/>
+              </a:ext>
+            </a:extLst>
+          </p:cNvPr>
+          <p:cNvCxnSpPr>
+            <a:cxnSpLocks/>
+            <a:endCxn id="273" idx="3"/>
+          </p:cNvCxnSpPr>
+          <p:nvPr/>
+        </p:nvCxnSpPr>
+        <p:spPr>
+          <a:xfrm flipH="1">
+            <a:off x="7163872" y="2465359"/>
+            <a:ext cx="443542" cy="307"/>
+          </a:xfrm>
+          <a:prstGeom prst="line">
+            <a:avLst/>
+          </a:prstGeom>
+        </p:spPr>
+        <p:style>
+          <a:lnRef idx="1">
+            <a:schemeClr val="accent1"/>
+          </a:lnRef>
+          <a:fillRef idx="0">
+            <a:schemeClr val="accent1"/>
+          </a:fillRef>
+          <a:effectRef idx="0">
+            <a:schemeClr val="accent1"/>
+          </a:effectRef>
+          <a:fontRef idx="minor">
+            <a:schemeClr val="tx1"/>
+          </a:fontRef>
+        </p:style>
+      </p:cxnSp>
+      <p:sp>
+        <p:nvSpPr>
+          <p:cNvPr id="307" name="Rectangle 306">
+            <a:extLst>
+              <a:ext uri="{FF2B5EF4-FFF2-40B4-BE49-F238E27FC236}">
+                <a16:creationId xmlns:a16="http://schemas.microsoft.com/office/drawing/2014/main" id="{713EFF7B-52ED-43B8-BB1A-73445955696C}"/>
+              </a:ext>
+            </a:extLst>
+          </p:cNvPr>
+          <p:cNvSpPr/>
+          <p:nvPr/>
+        </p:nvSpPr>
+        <p:spPr>
+          <a:xfrm rot="16200000">
+            <a:off x="5554161" y="3655629"/>
+            <a:ext cx="1494503" cy="200960"/>
+          </a:xfrm>
+          <a:prstGeom prst="rect">
+            <a:avLst/>
+          </a:prstGeom>
+          <a:solidFill>
+            <a:srgbClr val="00B050"/>
+          </a:solidFill>
+        </p:spPr>
+        <p:style>
+          <a:lnRef idx="2">
+            <a:schemeClr val="accent1">
+              <a:shade val="50000"/>
+            </a:schemeClr>
+          </a:lnRef>
+          <a:fillRef idx="1">
+            <a:schemeClr val="accent1"/>
+          </a:fillRef>
+          <a:effectRef idx="0">
+            <a:schemeClr val="accent1"/>
+          </a:effectRef>
+          <a:fontRef idx="minor">
+            <a:schemeClr val="lt1"/>
+          </a:fontRef>
+        </p:style>
+        <p:txBody>
+          <a:bodyPr rtlCol="0" anchor="ctr"/>
+          <a:lstStyle/>
+          <a:p>
+            <a:pPr algn="ctr"/>
+            <a:r>
+              <a:rPr lang="en-US" dirty="0"/>
+              <a:t>Pre control</a:t>
+            </a:r>
+          </a:p>
+        </p:txBody>
+      </p:sp>
+      <p:cxnSp>
+        <p:nvCxnSpPr>
+          <p:cNvPr id="308" name="Straight Arrow Connector 307">
+            <a:extLst>
+              <a:ext uri="{FF2B5EF4-FFF2-40B4-BE49-F238E27FC236}">
+                <a16:creationId xmlns:a16="http://schemas.microsoft.com/office/drawing/2014/main" id="{EB206779-8C96-4FD7-8AB9-8EC49CB6AB8A}"/>
+              </a:ext>
+            </a:extLst>
+          </p:cNvPr>
+          <p:cNvCxnSpPr>
+            <a:cxnSpLocks/>
+          </p:cNvCxnSpPr>
+          <p:nvPr/>
+        </p:nvCxnSpPr>
+        <p:spPr>
+          <a:xfrm rot="16200000">
+            <a:off x="6138871" y="3245092"/>
+            <a:ext cx="0" cy="138113"/>
+          </a:xfrm>
+          <a:prstGeom prst="straightConnector1">
+            <a:avLst/>
+          </a:prstGeom>
+          <a:ln>
+            <a:tailEnd type="triangle"/>
+          </a:ln>
+        </p:spPr>
+        <p:style>
+          <a:lnRef idx="1">
+            <a:schemeClr val="accent1"/>
+          </a:lnRef>
+          <a:fillRef idx="0">
+            <a:schemeClr val="accent1"/>
+          </a:fillRef>
+          <a:effectRef idx="0">
+            <a:schemeClr val="accent1"/>
+          </a:effectRef>
+          <a:fontRef idx="minor">
+            <a:schemeClr val="tx1"/>
+          </a:fontRef>
+        </p:style>
+      </p:cxnSp>
+      <p:cxnSp>
+        <p:nvCxnSpPr>
+          <p:cNvPr id="309" name="Straight Arrow Connector 308">
+            <a:extLst>
+              <a:ext uri="{FF2B5EF4-FFF2-40B4-BE49-F238E27FC236}">
+                <a16:creationId xmlns:a16="http://schemas.microsoft.com/office/drawing/2014/main" id="{20379808-FE56-458C-8084-B9FAD8A45934}"/>
+              </a:ext>
+            </a:extLst>
+          </p:cNvPr>
+          <p:cNvCxnSpPr>
+            <a:cxnSpLocks/>
+          </p:cNvCxnSpPr>
+          <p:nvPr/>
+        </p:nvCxnSpPr>
+        <p:spPr>
+          <a:xfrm rot="16200000">
+            <a:off x="6135373" y="4114822"/>
+            <a:ext cx="0" cy="145108"/>
+          </a:xfrm>
+          <a:prstGeom prst="straightConnector1">
+            <a:avLst/>
+          </a:prstGeom>
+          <a:ln>
+            <a:tailEnd type="triangle"/>
+          </a:ln>
+        </p:spPr>
+        <p:style>
+          <a:lnRef idx="1">
+            <a:schemeClr val="accent1"/>
+          </a:lnRef>
+          <a:fillRef idx="0">
+            <a:schemeClr val="accent1"/>
+          </a:fillRef>
+          <a:effectRef idx="0">
+            <a:schemeClr val="accent1"/>
+          </a:effectRef>
+          <a:fontRef idx="minor">
+            <a:schemeClr val="tx1"/>
+          </a:fontRef>
+        </p:style>
+      </p:cxnSp>
+      <p:sp>
+        <p:nvSpPr>
+          <p:cNvPr id="310" name="TextBox 309">
+            <a:extLst>
+              <a:ext uri="{FF2B5EF4-FFF2-40B4-BE49-F238E27FC236}">
+                <a16:creationId xmlns:a16="http://schemas.microsoft.com/office/drawing/2014/main" id="{981107E8-DE2D-4888-BCFC-33D69FEF332E}"/>
+              </a:ext>
+            </a:extLst>
+          </p:cNvPr>
+          <p:cNvSpPr txBox="1"/>
+          <p:nvPr/>
+        </p:nvSpPr>
+        <p:spPr>
+          <a:xfrm>
+            <a:off x="1819705" y="3958236"/>
+            <a:ext cx="1217265" cy="307777"/>
+          </a:xfrm>
+          <a:prstGeom prst="rect">
+            <a:avLst/>
+          </a:prstGeom>
+          <a:noFill/>
+        </p:spPr>
+        <p:txBody>
+          <a:bodyPr wrap="square" rtlCol="0">
+            <a:spAutoFit/>
+          </a:bodyPr>
+          <a:lstStyle/>
+          <a:p>
+            <a:r>
+              <a:rPr lang="en-US" sz="1400" dirty="0"/>
+              <a:t>Port loopback</a:t>
+            </a:r>
+          </a:p>
+        </p:txBody>
+      </p:sp>
+      <p:sp>
+        <p:nvSpPr>
+          <p:cNvPr id="2" name="Freeform: Shape 1">
+            <a:extLst>
+              <a:ext uri="{FF2B5EF4-FFF2-40B4-BE49-F238E27FC236}">
+                <a16:creationId xmlns:a16="http://schemas.microsoft.com/office/drawing/2014/main" id="{9847D30F-9ADA-4810-B8C8-D6A7B44A60A8}"/>
+              </a:ext>
+            </a:extLst>
+          </p:cNvPr>
+          <p:cNvSpPr/>
+          <p:nvPr/>
+        </p:nvSpPr>
+        <p:spPr>
+          <a:xfrm>
+            <a:off x="1567543" y="4106636"/>
+            <a:ext cx="302078" cy="33107"/>
+          </a:xfrm>
+          <a:custGeom>
+            <a:avLst/>
+            <a:gdLst>
+              <a:gd name="connsiteX0" fmla="*/ 302078 w 302078"/>
+              <a:gd name="connsiteY0" fmla="*/ 0 h 33107"/>
+              <a:gd name="connsiteX1" fmla="*/ 261257 w 302078"/>
+              <a:gd name="connsiteY1" fmla="*/ 16328 h 33107"/>
+              <a:gd name="connsiteX2" fmla="*/ 236764 w 302078"/>
+              <a:gd name="connsiteY2" fmla="*/ 24493 h 33107"/>
+              <a:gd name="connsiteX3" fmla="*/ 0 w 302078"/>
+              <a:gd name="connsiteY3" fmla="*/ 32657 h 33107"/>
+            </a:gdLst>
+            <a:ahLst/>
+            <a:cxnLst>
+              <a:cxn ang="0">
+                <a:pos x="connsiteX0" y="connsiteY0"/>
+              </a:cxn>
+              <a:cxn ang="0">
+                <a:pos x="connsiteX1" y="connsiteY1"/>
+              </a:cxn>
+              <a:cxn ang="0">
+                <a:pos x="connsiteX2" y="connsiteY2"/>
+              </a:cxn>
+              <a:cxn ang="0">
+                <a:pos x="connsiteX3" y="connsiteY3"/>
+              </a:cxn>
+            </a:cxnLst>
+            <a:rect l="l" t="t" r="r" b="b"/>
+            <a:pathLst>
+              <a:path w="302078" h="33107" extrusionOk="0">
+                <a:moveTo>
+                  <a:pt x="302078" y="0"/>
+                </a:moveTo>
+                <a:cubicBezTo>
+                  <a:pt x="285677" y="3720"/>
+                  <a:pt x="272835" y="11987"/>
+                  <a:pt x="261257" y="16328"/>
+                </a:cubicBezTo>
+                <a:cubicBezTo>
+                  <a:pt x="254790" y="19685"/>
+                  <a:pt x="244317" y="23457"/>
+                  <a:pt x="236764" y="24493"/>
+                </a:cubicBezTo>
+                <a:cubicBezTo>
+                  <a:pt x="140070" y="40555"/>
+                  <a:pt x="95044" y="35290"/>
+                  <a:pt x="0" y="32657"/>
+                </a:cubicBezTo>
+              </a:path>
+            </a:pathLst>
+          </a:custGeom>
+          <a:noFill/>
+          <a:ln>
+            <a:prstDash val="dash"/>
+            <a:tailEnd type="triangle" w="med" len="lg"/>
+            <a:extLst>
+              <a:ext uri="{C807C97D-BFC1-408E-A445-0C87EB9F89A2}">
+                <ask:lineSketchStyleProps xmlns:ask="http://schemas.microsoft.com/office/drawing/2018/sketchyshapes" sd="1219033472">
+                  <a:custGeom>
+                    <a:avLst/>
+                    <a:gdLst>
+                      <a:gd name="connsiteX0" fmla="*/ 302078 w 302078"/>
+                      <a:gd name="connsiteY0" fmla="*/ 0 h 33107"/>
+                      <a:gd name="connsiteX1" fmla="*/ 261257 w 302078"/>
+                      <a:gd name="connsiteY1" fmla="*/ 16328 h 33107"/>
+                      <a:gd name="connsiteX2" fmla="*/ 236764 w 302078"/>
+                      <a:gd name="connsiteY2" fmla="*/ 24493 h 33107"/>
+                      <a:gd name="connsiteX3" fmla="*/ 0 w 302078"/>
+                      <a:gd name="connsiteY3" fmla="*/ 32657 h 33107"/>
+                    </a:gdLst>
+                    <a:ahLst/>
+                    <a:cxnLst>
+                      <a:cxn ang="0">
+                        <a:pos x="connsiteX0" y="connsiteY0"/>
+                      </a:cxn>
+                      <a:cxn ang="0">
+                        <a:pos x="connsiteX1" y="connsiteY1"/>
+                      </a:cxn>
+                      <a:cxn ang="0">
+                        <a:pos x="connsiteX2" y="connsiteY2"/>
+                      </a:cxn>
+                      <a:cxn ang="0">
+                        <a:pos x="connsiteX3" y="connsiteY3"/>
+                      </a:cxn>
+                    </a:cxnLst>
+                    <a:rect l="l" t="t" r="r" b="b"/>
+                    <a:pathLst>
+                      <a:path w="302078" h="33107">
+                        <a:moveTo>
+                          <a:pt x="302078" y="0"/>
+                        </a:moveTo>
+                        <a:cubicBezTo>
+                          <a:pt x="288471" y="5443"/>
+                          <a:pt x="274979" y="11182"/>
+                          <a:pt x="261257" y="16328"/>
+                        </a:cubicBezTo>
+                        <a:cubicBezTo>
+                          <a:pt x="253199" y="19350"/>
+                          <a:pt x="245304" y="23426"/>
+                          <a:pt x="236764" y="24493"/>
+                        </a:cubicBezTo>
+                        <a:cubicBezTo>
+                          <a:pt x="144739" y="35996"/>
+                          <a:pt x="95520" y="32657"/>
+                          <a:pt x="0" y="32657"/>
+                        </a:cubicBezTo>
+                      </a:path>
+                    </a:pathLst>
+                  </a:custGeom>
+                  <ask:type>
+                    <ask:lineSketchFreehand/>
+                  </ask:type>
+                </ask:lineSketchStyleProps>
+              </a:ext>
+            </a:extLst>
+          </a:ln>
+        </p:spPr>
+        <p:style>
+          <a:lnRef idx="2">
+            <a:schemeClr val="accent1">
+              <a:shade val="50000"/>
+            </a:schemeClr>
+          </a:lnRef>
+          <a:fillRef idx="1">
+            <a:schemeClr val="accent1"/>
+          </a:fillRef>
+          <a:effectRef idx="0">
+            <a:schemeClr val="accent1"/>
+          </a:effectRef>
+          <a:fontRef idx="minor">
+            <a:schemeClr val="lt1"/>
+          </a:fontRef>
+        </p:style>
+        <p:txBody>
+          <a:bodyPr rtlCol="0" anchor="ctr"/>
+          <a:lstStyle/>
+          <a:p>
+            <a:pPr algn="ctr"/>
+            <a:endParaRPr lang="en-US"/>
+          </a:p>
+        </p:txBody>
+      </p:sp>
+      <p:sp>
+        <p:nvSpPr>
+          <p:cNvPr id="311" name="TextBox 310">
+            <a:extLst>
+              <a:ext uri="{FF2B5EF4-FFF2-40B4-BE49-F238E27FC236}">
+                <a16:creationId xmlns:a16="http://schemas.microsoft.com/office/drawing/2014/main" id="{817919C8-F833-43A3-8A44-4D58815D9EAD}"/>
+              </a:ext>
+            </a:extLst>
+          </p:cNvPr>
+          <p:cNvSpPr txBox="1"/>
+          <p:nvPr/>
+        </p:nvSpPr>
+        <p:spPr>
+          <a:xfrm>
+            <a:off x="8388278" y="3874371"/>
+            <a:ext cx="862081" cy="523220"/>
+          </a:xfrm>
+          <a:prstGeom prst="rect">
+            <a:avLst/>
+          </a:prstGeom>
+          <a:noFill/>
+        </p:spPr>
+        <p:txBody>
+          <a:bodyPr wrap="square" rtlCol="0">
+            <a:spAutoFit/>
+          </a:bodyPr>
+          <a:lstStyle/>
+          <a:p>
+            <a:r>
+              <a:rPr lang="en-US" sz="1400" dirty="0"/>
+              <a:t>Host loopback</a:t>
+            </a:r>
+          </a:p>
+        </p:txBody>
+      </p:sp>
+      <p:sp>
+        <p:nvSpPr>
+          <p:cNvPr id="3" name="Freeform: Shape 2">
+            <a:extLst>
+              <a:ext uri="{FF2B5EF4-FFF2-40B4-BE49-F238E27FC236}">
+                <a16:creationId xmlns:a16="http://schemas.microsoft.com/office/drawing/2014/main" id="{77EB1111-14C9-4FDE-9B8C-BE6CB0048C13}"/>
+              </a:ext>
+            </a:extLst>
+          </p:cNvPr>
+          <p:cNvSpPr/>
+          <p:nvPr/>
+        </p:nvSpPr>
+        <p:spPr>
+          <a:xfrm>
+            <a:off x="9103179" y="4033157"/>
+            <a:ext cx="367392" cy="40822"/>
+          </a:xfrm>
+          <a:custGeom>
+            <a:avLst/>
+            <a:gdLst>
+              <a:gd name="connsiteX0" fmla="*/ 0 w 367392"/>
+              <a:gd name="connsiteY0" fmla="*/ 40822 h 40822"/>
+              <a:gd name="connsiteX1" fmla="*/ 57150 w 367392"/>
+              <a:gd name="connsiteY1" fmla="*/ 32657 h 40822"/>
+              <a:gd name="connsiteX2" fmla="*/ 138792 w 367392"/>
+              <a:gd name="connsiteY2" fmla="*/ 16329 h 40822"/>
+              <a:gd name="connsiteX3" fmla="*/ 187778 w 367392"/>
+              <a:gd name="connsiteY3" fmla="*/ 0 h 40822"/>
+              <a:gd name="connsiteX4" fmla="*/ 367392 w 367392"/>
+              <a:gd name="connsiteY4" fmla="*/ 8164 h 40822"/>
+            </a:gdLst>
+            <a:ahLst/>
+            <a:cxnLst>
+              <a:cxn ang="0">
+                <a:pos x="connsiteX0" y="connsiteY0"/>
+              </a:cxn>
+              <a:cxn ang="0">
+                <a:pos x="connsiteX1" y="connsiteY1"/>
+              </a:cxn>
+              <a:cxn ang="0">
+                <a:pos x="connsiteX2" y="connsiteY2"/>
+              </a:cxn>
+              <a:cxn ang="0">
+                <a:pos x="connsiteX3" y="connsiteY3"/>
+              </a:cxn>
+              <a:cxn ang="0">
+                <a:pos x="connsiteX4" y="connsiteY4"/>
+              </a:cxn>
+            </a:cxnLst>
+            <a:rect l="l" t="t" r="r" b="b"/>
+            <a:pathLst>
+              <a:path w="367392" h="40822" extrusionOk="0">
+                <a:moveTo>
+                  <a:pt x="0" y="40822"/>
+                </a:moveTo>
+                <a:cubicBezTo>
+                  <a:pt x="13859" y="39651"/>
+                  <a:pt x="31487" y="34292"/>
+                  <a:pt x="57150" y="32657"/>
+                </a:cubicBezTo>
+                <a:cubicBezTo>
+                  <a:pt x="88850" y="29418"/>
+                  <a:pt x="108878" y="22717"/>
+                  <a:pt x="138792" y="16329"/>
+                </a:cubicBezTo>
+                <a:cubicBezTo>
+                  <a:pt x="155278" y="11383"/>
+                  <a:pt x="187778" y="-1"/>
+                  <a:pt x="187778" y="0"/>
+                </a:cubicBezTo>
+                <a:cubicBezTo>
+                  <a:pt x="236408" y="-6625"/>
+                  <a:pt x="294129" y="5334"/>
+                  <a:pt x="367392" y="8164"/>
+                </a:cubicBezTo>
+              </a:path>
+            </a:pathLst>
+          </a:custGeom>
+          <a:noFill/>
+          <a:ln>
+            <a:prstDash val="dash"/>
+            <a:tailEnd type="triangle" w="med" len="lg"/>
+            <a:extLst>
+              <a:ext uri="{C807C97D-BFC1-408E-A445-0C87EB9F89A2}">
+                <ask:lineSketchStyleProps xmlns:ask="http://schemas.microsoft.com/office/drawing/2018/sketchyshapes" sd="609075395">
+                  <a:custGeom>
+                    <a:avLst/>
+                    <a:gdLst>
+                      <a:gd name="connsiteX0" fmla="*/ 0 w 367392"/>
+                      <a:gd name="connsiteY0" fmla="*/ 40822 h 40822"/>
+                      <a:gd name="connsiteX1" fmla="*/ 57150 w 367392"/>
+                      <a:gd name="connsiteY1" fmla="*/ 32657 h 40822"/>
+                      <a:gd name="connsiteX2" fmla="*/ 138792 w 367392"/>
+                      <a:gd name="connsiteY2" fmla="*/ 16329 h 40822"/>
+                      <a:gd name="connsiteX3" fmla="*/ 187778 w 367392"/>
+                      <a:gd name="connsiteY3" fmla="*/ 0 h 40822"/>
+                      <a:gd name="connsiteX4" fmla="*/ 367392 w 367392"/>
+                      <a:gd name="connsiteY4" fmla="*/ 8164 h 40822"/>
+                    </a:gdLst>
+                    <a:ahLst/>
+                    <a:cxnLst>
+                      <a:cxn ang="0">
+                        <a:pos x="connsiteX0" y="connsiteY0"/>
+                      </a:cxn>
+                      <a:cxn ang="0">
+                        <a:pos x="connsiteX1" y="connsiteY1"/>
+                      </a:cxn>
+                      <a:cxn ang="0">
+                        <a:pos x="connsiteX2" y="connsiteY2"/>
+                      </a:cxn>
+                      <a:cxn ang="0">
+                        <a:pos x="connsiteX3" y="connsiteY3"/>
+                      </a:cxn>
+                      <a:cxn ang="0">
+                        <a:pos x="connsiteX4" y="connsiteY4"/>
+                      </a:cxn>
+                    </a:cxnLst>
+                    <a:rect l="l" t="t" r="r" b="b"/>
+                    <a:pathLst>
+                      <a:path w="367392" h="40822">
+                        <a:moveTo>
+                          <a:pt x="0" y="40822"/>
+                        </a:moveTo>
+                        <a:lnTo>
+                          <a:pt x="57150" y="32657"/>
+                        </a:lnTo>
+                        <a:cubicBezTo>
+                          <a:pt x="87346" y="28011"/>
+                          <a:pt x="110314" y="24873"/>
+                          <a:pt x="138792" y="16329"/>
+                        </a:cubicBezTo>
+                        <a:cubicBezTo>
+                          <a:pt x="155278" y="11383"/>
+                          <a:pt x="187778" y="0"/>
+                          <a:pt x="187778" y="0"/>
+                        </a:cubicBezTo>
+                        <a:lnTo>
+                          <a:pt x="367392" y="8164"/>
+                        </a:lnTo>
+                      </a:path>
+                    </a:pathLst>
+                  </a:custGeom>
+                  <ask:type>
+                    <ask:lineSketchFreehand/>
+                  </ask:type>
+                </ask:lineSketchStyleProps>
+              </a:ext>
+            </a:extLst>
+          </a:ln>
+        </p:spPr>
+        <p:style>
+          <a:lnRef idx="2">
+            <a:schemeClr val="accent1">
+              <a:shade val="50000"/>
+            </a:schemeClr>
+          </a:lnRef>
+          <a:fillRef idx="1">
+            <a:schemeClr val="accent1"/>
+          </a:fillRef>
+          <a:effectRef idx="0">
+            <a:schemeClr val="accent1"/>
+          </a:effectRef>
+          <a:fontRef idx="minor">
+            <a:schemeClr val="lt1"/>
+          </a:fontRef>
+        </p:style>
+        <p:txBody>
+          <a:bodyPr rtlCol="0" anchor="ctr"/>
+          <a:lstStyle/>
+          <a:p>
+            <a:pPr algn="ctr"/>
+            <a:endParaRPr lang="en-US"/>
+          </a:p>
+        </p:txBody>
+      </p:sp>
+      <p:sp>
+        <p:nvSpPr>
+          <p:cNvPr id="312" name="TextBox 311">
+            <a:extLst>
+              <a:ext uri="{FF2B5EF4-FFF2-40B4-BE49-F238E27FC236}">
+                <a16:creationId xmlns:a16="http://schemas.microsoft.com/office/drawing/2014/main" id="{DF91EB96-4E37-4BAD-AE0C-B421AB9B6A31}"/>
+              </a:ext>
+            </a:extLst>
+          </p:cNvPr>
+          <p:cNvSpPr txBox="1"/>
+          <p:nvPr/>
+        </p:nvSpPr>
+        <p:spPr>
+          <a:xfrm>
+            <a:off x="7376072" y="1667927"/>
+            <a:ext cx="1103873" cy="523220"/>
+          </a:xfrm>
+          <a:prstGeom prst="rect">
+            <a:avLst/>
+          </a:prstGeom>
+          <a:noFill/>
+        </p:spPr>
+        <p:txBody>
+          <a:bodyPr wrap="square" rtlCol="0">
+            <a:spAutoFit/>
+          </a:bodyPr>
+          <a:lstStyle/>
+          <a:p>
+            <a:r>
+              <a:rPr lang="en-US" sz="1400" dirty="0"/>
+              <a:t>Net-to-host recirculate</a:t>
+            </a:r>
+          </a:p>
+        </p:txBody>
+      </p:sp>
+      <p:sp>
+        <p:nvSpPr>
+          <p:cNvPr id="4" name="Freeform: Shape 3">
+            <a:extLst>
+              <a:ext uri="{FF2B5EF4-FFF2-40B4-BE49-F238E27FC236}">
+                <a16:creationId xmlns:a16="http://schemas.microsoft.com/office/drawing/2014/main" id="{4F2B0426-4DBD-4DCA-8121-6447B8554B64}"/>
+              </a:ext>
+            </a:extLst>
+          </p:cNvPr>
+          <p:cNvSpPr/>
+          <p:nvPr/>
+        </p:nvSpPr>
+        <p:spPr>
+          <a:xfrm>
+            <a:off x="7666264" y="2188029"/>
+            <a:ext cx="91956" cy="326571"/>
+          </a:xfrm>
+          <a:custGeom>
+            <a:avLst/>
+            <a:gdLst>
+              <a:gd name="connsiteX0" fmla="*/ 81643 w 91956"/>
+              <a:gd name="connsiteY0" fmla="*/ 0 h 326571"/>
+              <a:gd name="connsiteX1" fmla="*/ 81643 w 91956"/>
+              <a:gd name="connsiteY1" fmla="*/ 187778 h 326571"/>
+              <a:gd name="connsiteX2" fmla="*/ 73479 w 91956"/>
+              <a:gd name="connsiteY2" fmla="*/ 212271 h 326571"/>
+              <a:gd name="connsiteX3" fmla="*/ 57150 w 91956"/>
+              <a:gd name="connsiteY3" fmla="*/ 236764 h 326571"/>
+              <a:gd name="connsiteX4" fmla="*/ 24493 w 91956"/>
+              <a:gd name="connsiteY4" fmla="*/ 277585 h 326571"/>
+              <a:gd name="connsiteX5" fmla="*/ 16329 w 91956"/>
+              <a:gd name="connsiteY5" fmla="*/ 302078 h 326571"/>
+              <a:gd name="connsiteX6" fmla="*/ 0 w 91956"/>
+              <a:gd name="connsiteY6" fmla="*/ 326571 h 326571"/>
+            </a:gdLst>
+            <a:ahLst/>
+            <a:cxnLst>
+              <a:cxn ang="0">
+                <a:pos x="connsiteX0" y="connsiteY0"/>
+              </a:cxn>
+              <a:cxn ang="0">
+                <a:pos x="connsiteX1" y="connsiteY1"/>
+              </a:cxn>
+              <a:cxn ang="0">
+                <a:pos x="connsiteX2" y="connsiteY2"/>
+              </a:cxn>
+              <a:cxn ang="0">
+                <a:pos x="connsiteX3" y="connsiteY3"/>
+              </a:cxn>
+              <a:cxn ang="0">
+                <a:pos x="connsiteX4" y="connsiteY4"/>
+              </a:cxn>
+              <a:cxn ang="0">
+                <a:pos x="connsiteX5" y="connsiteY5"/>
+              </a:cxn>
+              <a:cxn ang="0">
+                <a:pos x="connsiteX6" y="connsiteY6"/>
+              </a:cxn>
+            </a:cxnLst>
+            <a:rect l="l" t="t" r="r" b="b"/>
+            <a:pathLst>
+              <a:path w="91956" h="326571" extrusionOk="0">
+                <a:moveTo>
+                  <a:pt x="81643" y="0"/>
+                </a:moveTo>
+                <a:cubicBezTo>
+                  <a:pt x="95695" y="86853"/>
+                  <a:pt x="94190" y="61414"/>
+                  <a:pt x="81643" y="187778"/>
+                </a:cubicBezTo>
+                <a:cubicBezTo>
+                  <a:pt x="80613" y="196469"/>
+                  <a:pt x="78193" y="206108"/>
+                  <a:pt x="73479" y="212271"/>
+                </a:cubicBezTo>
+                <a:cubicBezTo>
+                  <a:pt x="68708" y="219161"/>
+                  <a:pt x="63883" y="230571"/>
+                  <a:pt x="57150" y="236764"/>
+                </a:cubicBezTo>
+                <a:cubicBezTo>
+                  <a:pt x="39805" y="296060"/>
+                  <a:pt x="64237" y="230292"/>
+                  <a:pt x="24493" y="277585"/>
+                </a:cubicBezTo>
+                <a:cubicBezTo>
+                  <a:pt x="18868" y="283452"/>
+                  <a:pt x="19507" y="293072"/>
+                  <a:pt x="16329" y="302078"/>
+                </a:cubicBezTo>
+                <a:cubicBezTo>
+                  <a:pt x="11941" y="310854"/>
+                  <a:pt x="0" y="326571"/>
+                  <a:pt x="0" y="326571"/>
+                </a:cubicBezTo>
+              </a:path>
+            </a:pathLst>
+          </a:custGeom>
+          <a:noFill/>
+          <a:ln>
+            <a:prstDash val="dash"/>
+            <a:tailEnd type="triangle" w="med" len="lg"/>
+            <a:extLst>
+              <a:ext uri="{C807C97D-BFC1-408E-A445-0C87EB9F89A2}">
+                <ask:lineSketchStyleProps xmlns:ask="http://schemas.microsoft.com/office/drawing/2018/sketchyshapes" sd="2547828713">
+                  <a:custGeom>
+                    <a:avLst/>
+                    <a:gdLst>
+                      <a:gd name="connsiteX0" fmla="*/ 81643 w 91956"/>
+                      <a:gd name="connsiteY0" fmla="*/ 0 h 326571"/>
+                      <a:gd name="connsiteX1" fmla="*/ 81643 w 91956"/>
+                      <a:gd name="connsiteY1" fmla="*/ 187778 h 326571"/>
+                      <a:gd name="connsiteX2" fmla="*/ 73479 w 91956"/>
+                      <a:gd name="connsiteY2" fmla="*/ 212271 h 326571"/>
+                      <a:gd name="connsiteX3" fmla="*/ 57150 w 91956"/>
+                      <a:gd name="connsiteY3" fmla="*/ 236764 h 326571"/>
+                      <a:gd name="connsiteX4" fmla="*/ 24493 w 91956"/>
+                      <a:gd name="connsiteY4" fmla="*/ 277585 h 326571"/>
+                      <a:gd name="connsiteX5" fmla="*/ 16329 w 91956"/>
+                      <a:gd name="connsiteY5" fmla="*/ 302078 h 326571"/>
+                      <a:gd name="connsiteX6" fmla="*/ 0 w 91956"/>
+                      <a:gd name="connsiteY6" fmla="*/ 326571 h 326571"/>
+                    </a:gdLst>
+                    <a:ahLst/>
+                    <a:cxnLst>
+                      <a:cxn ang="0">
+                        <a:pos x="connsiteX0" y="connsiteY0"/>
+                      </a:cxn>
+                      <a:cxn ang="0">
+                        <a:pos x="connsiteX1" y="connsiteY1"/>
+                      </a:cxn>
+                      <a:cxn ang="0">
+                        <a:pos x="connsiteX2" y="connsiteY2"/>
+                      </a:cxn>
+                      <a:cxn ang="0">
+                        <a:pos x="connsiteX3" y="connsiteY3"/>
+                      </a:cxn>
+                      <a:cxn ang="0">
+                        <a:pos x="connsiteX4" y="connsiteY4"/>
+                      </a:cxn>
+                      <a:cxn ang="0">
+                        <a:pos x="connsiteX5" y="connsiteY5"/>
+                      </a:cxn>
+                      <a:cxn ang="0">
+                        <a:pos x="connsiteX6" y="connsiteY6"/>
+                      </a:cxn>
+                    </a:cxnLst>
+                    <a:rect l="l" t="t" r="r" b="b"/>
+                    <a:pathLst>
+                      <a:path w="91956" h="326571">
+                        <a:moveTo>
+                          <a:pt x="81643" y="0"/>
+                        </a:moveTo>
+                        <a:cubicBezTo>
+                          <a:pt x="95998" y="86132"/>
+                          <a:pt x="94776" y="56443"/>
+                          <a:pt x="81643" y="187778"/>
+                        </a:cubicBezTo>
+                        <a:cubicBezTo>
+                          <a:pt x="80787" y="196341"/>
+                          <a:pt x="77328" y="204574"/>
+                          <a:pt x="73479" y="212271"/>
+                        </a:cubicBezTo>
+                        <a:cubicBezTo>
+                          <a:pt x="69091" y="221047"/>
+                          <a:pt x="62593" y="228600"/>
+                          <a:pt x="57150" y="236764"/>
+                        </a:cubicBezTo>
+                        <a:cubicBezTo>
+                          <a:pt x="36629" y="298328"/>
+                          <a:pt x="66697" y="224830"/>
+                          <a:pt x="24493" y="277585"/>
+                        </a:cubicBezTo>
+                        <a:cubicBezTo>
+                          <a:pt x="19117" y="284305"/>
+                          <a:pt x="20178" y="294381"/>
+                          <a:pt x="16329" y="302078"/>
+                        </a:cubicBezTo>
+                        <a:cubicBezTo>
+                          <a:pt x="11941" y="310854"/>
+                          <a:pt x="0" y="326571"/>
+                          <a:pt x="0" y="326571"/>
+                        </a:cubicBezTo>
+                      </a:path>
+                    </a:pathLst>
+                  </a:custGeom>
+                  <ask:type>
+                    <ask:lineSketchFreehand/>
+                  </ask:type>
+                </ask:lineSketchStyleProps>
+              </a:ext>
+            </a:extLst>
+          </a:ln>
+        </p:spPr>
+        <p:style>
+          <a:lnRef idx="2">
+            <a:schemeClr val="accent1">
+              <a:shade val="50000"/>
+            </a:schemeClr>
+          </a:lnRef>
+          <a:fillRef idx="1">
+            <a:schemeClr val="accent1"/>
+          </a:fillRef>
+          <a:effectRef idx="0">
+            <a:schemeClr val="accent1"/>
+          </a:effectRef>
+          <a:fontRef idx="minor">
+            <a:schemeClr val="lt1"/>
+          </a:fontRef>
+        </p:style>
+        <p:txBody>
+          <a:bodyPr rtlCol="0" anchor="ctr"/>
+          <a:lstStyle/>
+          <a:p>
+            <a:pPr algn="ctr"/>
+            <a:endParaRPr lang="en-US"/>
+          </a:p>
+        </p:txBody>
+      </p:sp>
+      <p:sp>
+        <p:nvSpPr>
+          <p:cNvPr id="313" name="TextBox 312">
+            <a:extLst>
+              <a:ext uri="{FF2B5EF4-FFF2-40B4-BE49-F238E27FC236}">
+                <a16:creationId xmlns:a16="http://schemas.microsoft.com/office/drawing/2014/main" id="{7AD35517-AAB9-439E-949C-2F8377393A25}"/>
+              </a:ext>
+            </a:extLst>
+          </p:cNvPr>
+          <p:cNvSpPr txBox="1"/>
+          <p:nvPr/>
+        </p:nvSpPr>
+        <p:spPr>
+          <a:xfrm>
+            <a:off x="6083864" y="5248705"/>
+            <a:ext cx="1103873" cy="523220"/>
+          </a:xfrm>
+          <a:prstGeom prst="rect">
+            <a:avLst/>
+          </a:prstGeom>
+          <a:noFill/>
+        </p:spPr>
+        <p:txBody>
+          <a:bodyPr wrap="square" rtlCol="0">
+            <a:spAutoFit/>
+          </a:bodyPr>
+          <a:lstStyle/>
+          <a:p>
+            <a:r>
+              <a:rPr lang="en-US" sz="1400" dirty="0"/>
+              <a:t>Host-to-net recirculate</a:t>
+            </a:r>
+          </a:p>
+        </p:txBody>
+      </p:sp>
+      <p:sp>
+        <p:nvSpPr>
+          <p:cNvPr id="5" name="Freeform: Shape 4">
+            <a:extLst>
+              <a:ext uri="{FF2B5EF4-FFF2-40B4-BE49-F238E27FC236}">
+                <a16:creationId xmlns:a16="http://schemas.microsoft.com/office/drawing/2014/main" id="{09605A1F-B696-46DC-AC49-F2C8B4EE6697}"/>
+              </a:ext>
+            </a:extLst>
+          </p:cNvPr>
+          <p:cNvSpPr/>
+          <p:nvPr/>
+        </p:nvSpPr>
+        <p:spPr>
+          <a:xfrm>
+            <a:off x="7053943" y="4784271"/>
+            <a:ext cx="417484" cy="636815"/>
+          </a:xfrm>
+          <a:custGeom>
+            <a:avLst/>
+            <a:gdLst>
+              <a:gd name="connsiteX0" fmla="*/ 0 w 417484"/>
+              <a:gd name="connsiteY0" fmla="*/ 636815 h 636815"/>
+              <a:gd name="connsiteX1" fmla="*/ 220436 w 417484"/>
+              <a:gd name="connsiteY1" fmla="*/ 628650 h 636815"/>
+              <a:gd name="connsiteX2" fmla="*/ 310243 w 417484"/>
+              <a:gd name="connsiteY2" fmla="*/ 612322 h 636815"/>
+              <a:gd name="connsiteX3" fmla="*/ 342900 w 417484"/>
+              <a:gd name="connsiteY3" fmla="*/ 555172 h 636815"/>
+              <a:gd name="connsiteX4" fmla="*/ 351064 w 417484"/>
+              <a:gd name="connsiteY4" fmla="*/ 522515 h 636815"/>
+              <a:gd name="connsiteX5" fmla="*/ 367393 w 417484"/>
+              <a:gd name="connsiteY5" fmla="*/ 498022 h 636815"/>
+              <a:gd name="connsiteX6" fmla="*/ 391886 w 417484"/>
+              <a:gd name="connsiteY6" fmla="*/ 440872 h 636815"/>
+              <a:gd name="connsiteX7" fmla="*/ 400050 w 417484"/>
+              <a:gd name="connsiteY7" fmla="*/ 408215 h 636815"/>
+              <a:gd name="connsiteX8" fmla="*/ 408214 w 417484"/>
+              <a:gd name="connsiteY8" fmla="*/ 383722 h 636815"/>
+              <a:gd name="connsiteX9" fmla="*/ 416378 w 417484"/>
+              <a:gd name="connsiteY9" fmla="*/ 351065 h 636815"/>
+              <a:gd name="connsiteX10" fmla="*/ 416378 w 417484"/>
+              <a:gd name="connsiteY10" fmla="*/ 0 h 636815"/>
+            </a:gdLst>
+            <a:ahLst/>
+            <a:cxnLst>
+              <a:cxn ang="0">
+                <a:pos x="connsiteX0" y="connsiteY0"/>
+              </a:cxn>
+              <a:cxn ang="0">
+                <a:pos x="connsiteX1" y="connsiteY1"/>
+              </a:cxn>
+              <a:cxn ang="0">
+                <a:pos x="connsiteX2" y="connsiteY2"/>
+              </a:cxn>
+              <a:cxn ang="0">
+                <a:pos x="connsiteX3" y="connsiteY3"/>
+              </a:cxn>
+              <a:cxn ang="0">
+                <a:pos x="connsiteX4" y="connsiteY4"/>
+              </a:cxn>
+              <a:cxn ang="0">
+                <a:pos x="connsiteX5" y="connsiteY5"/>
+              </a:cxn>
+              <a:cxn ang="0">
+                <a:pos x="connsiteX6" y="connsiteY6"/>
+              </a:cxn>
+              <a:cxn ang="0">
+                <a:pos x="connsiteX7" y="connsiteY7"/>
+              </a:cxn>
+              <a:cxn ang="0">
+                <a:pos x="connsiteX8" y="connsiteY8"/>
+              </a:cxn>
+              <a:cxn ang="0">
+                <a:pos x="connsiteX9" y="connsiteY9"/>
+              </a:cxn>
+              <a:cxn ang="0">
+                <a:pos x="connsiteX10" y="connsiteY10"/>
+              </a:cxn>
+            </a:cxnLst>
+            <a:rect l="l" t="t" r="r" b="b"/>
+            <a:pathLst>
+              <a:path w="417484" h="636815" extrusionOk="0">
+                <a:moveTo>
+                  <a:pt x="0" y="636815"/>
+                </a:moveTo>
+                <a:cubicBezTo>
+                  <a:pt x="69630" y="647485"/>
+                  <a:pt x="154426" y="629498"/>
+                  <a:pt x="220436" y="628650"/>
+                </a:cubicBezTo>
+                <a:cubicBezTo>
+                  <a:pt x="276634" y="624750"/>
+                  <a:pt x="272447" y="624921"/>
+                  <a:pt x="310243" y="612322"/>
+                </a:cubicBezTo>
+                <a:cubicBezTo>
+                  <a:pt x="332726" y="528404"/>
+                  <a:pt x="315460" y="626852"/>
+                  <a:pt x="342900" y="555172"/>
+                </a:cubicBezTo>
+                <a:cubicBezTo>
+                  <a:pt x="348291" y="544960"/>
+                  <a:pt x="346438" y="535191"/>
+                  <a:pt x="351064" y="522515"/>
+                </a:cubicBezTo>
+                <a:cubicBezTo>
+                  <a:pt x="355241" y="512440"/>
+                  <a:pt x="360018" y="507677"/>
+                  <a:pt x="367393" y="498022"/>
+                </a:cubicBezTo>
+                <a:cubicBezTo>
+                  <a:pt x="370901" y="400095"/>
+                  <a:pt x="362093" y="514812"/>
+                  <a:pt x="391886" y="440872"/>
+                </a:cubicBezTo>
+                <a:cubicBezTo>
+                  <a:pt x="394599" y="432112"/>
+                  <a:pt x="395368" y="419651"/>
+                  <a:pt x="400050" y="408215"/>
+                </a:cubicBezTo>
+                <a:cubicBezTo>
+                  <a:pt x="402105" y="400136"/>
+                  <a:pt x="406338" y="392063"/>
+                  <a:pt x="408214" y="383722"/>
+                </a:cubicBezTo>
+                <a:cubicBezTo>
+                  <a:pt x="413773" y="373142"/>
+                  <a:pt x="416807" y="362846"/>
+                  <a:pt x="416378" y="351065"/>
+                </a:cubicBezTo>
+                <a:cubicBezTo>
+                  <a:pt x="410771" y="233300"/>
+                  <a:pt x="413387" y="113899"/>
+                  <a:pt x="416378" y="0"/>
+                </a:cubicBezTo>
+              </a:path>
+            </a:pathLst>
+          </a:custGeom>
+          <a:noFill/>
+          <a:ln>
+            <a:prstDash val="dash"/>
+            <a:tailEnd type="triangle" w="med" len="lg"/>
+            <a:extLst>
+              <a:ext uri="{C807C97D-BFC1-408E-A445-0C87EB9F89A2}">
+                <ask:lineSketchStyleProps xmlns:ask="http://schemas.microsoft.com/office/drawing/2018/sketchyshapes" sd="1435683001">
+                  <a:custGeom>
+                    <a:avLst/>
+                    <a:gdLst>
+                      <a:gd name="connsiteX0" fmla="*/ 0 w 417484"/>
+                      <a:gd name="connsiteY0" fmla="*/ 636815 h 636815"/>
+                      <a:gd name="connsiteX1" fmla="*/ 220436 w 417484"/>
+                      <a:gd name="connsiteY1" fmla="*/ 628650 h 636815"/>
+                      <a:gd name="connsiteX2" fmla="*/ 310243 w 417484"/>
+                      <a:gd name="connsiteY2" fmla="*/ 612322 h 636815"/>
+                      <a:gd name="connsiteX3" fmla="*/ 342900 w 417484"/>
+                      <a:gd name="connsiteY3" fmla="*/ 555172 h 636815"/>
+                      <a:gd name="connsiteX4" fmla="*/ 351064 w 417484"/>
+                      <a:gd name="connsiteY4" fmla="*/ 522515 h 636815"/>
+                      <a:gd name="connsiteX5" fmla="*/ 367393 w 417484"/>
+                      <a:gd name="connsiteY5" fmla="*/ 498022 h 636815"/>
+                      <a:gd name="connsiteX6" fmla="*/ 391886 w 417484"/>
+                      <a:gd name="connsiteY6" fmla="*/ 440872 h 636815"/>
+                      <a:gd name="connsiteX7" fmla="*/ 400050 w 417484"/>
+                      <a:gd name="connsiteY7" fmla="*/ 408215 h 636815"/>
+                      <a:gd name="connsiteX8" fmla="*/ 408214 w 417484"/>
+                      <a:gd name="connsiteY8" fmla="*/ 383722 h 636815"/>
+                      <a:gd name="connsiteX9" fmla="*/ 416378 w 417484"/>
+                      <a:gd name="connsiteY9" fmla="*/ 351065 h 636815"/>
+                      <a:gd name="connsiteX10" fmla="*/ 416378 w 417484"/>
+                      <a:gd name="connsiteY10" fmla="*/ 0 h 636815"/>
+                    </a:gdLst>
+                    <a:ahLst/>
+                    <a:cxnLst>
+                      <a:cxn ang="0">
+                        <a:pos x="connsiteX0" y="connsiteY0"/>
+                      </a:cxn>
+                      <a:cxn ang="0">
+                        <a:pos x="connsiteX1" y="connsiteY1"/>
+                      </a:cxn>
+                      <a:cxn ang="0">
+                        <a:pos x="connsiteX2" y="connsiteY2"/>
+                      </a:cxn>
+                      <a:cxn ang="0">
+                        <a:pos x="connsiteX3" y="connsiteY3"/>
+                      </a:cxn>
+                      <a:cxn ang="0">
+                        <a:pos x="connsiteX4" y="connsiteY4"/>
+                      </a:cxn>
+                      <a:cxn ang="0">
+                        <a:pos x="connsiteX5" y="connsiteY5"/>
+                      </a:cxn>
+                      <a:cxn ang="0">
+                        <a:pos x="connsiteX6" y="connsiteY6"/>
+                      </a:cxn>
+                      <a:cxn ang="0">
+                        <a:pos x="connsiteX7" y="connsiteY7"/>
+                      </a:cxn>
+                      <a:cxn ang="0">
+                        <a:pos x="connsiteX8" y="connsiteY8"/>
+                      </a:cxn>
+                      <a:cxn ang="0">
+                        <a:pos x="connsiteX9" y="connsiteY9"/>
+                      </a:cxn>
+                      <a:cxn ang="0">
+                        <a:pos x="connsiteX10" y="connsiteY10"/>
+                      </a:cxn>
+                    </a:cxnLst>
+                    <a:rect l="l" t="t" r="r" b="b"/>
+                    <a:pathLst>
+                      <a:path w="417484" h="636815">
+                        <a:moveTo>
+                          <a:pt x="0" y="636815"/>
+                        </a:moveTo>
+                        <a:cubicBezTo>
+                          <a:pt x="73479" y="634093"/>
+                          <a:pt x="147027" y="632845"/>
+                          <a:pt x="220436" y="628650"/>
+                        </a:cubicBezTo>
+                        <a:cubicBezTo>
+                          <a:pt x="276145" y="625467"/>
+                          <a:pt x="272052" y="625052"/>
+                          <a:pt x="310243" y="612322"/>
+                        </a:cubicBezTo>
+                        <a:cubicBezTo>
+                          <a:pt x="331711" y="526446"/>
+                          <a:pt x="299664" y="630835"/>
+                          <a:pt x="342900" y="555172"/>
+                        </a:cubicBezTo>
+                        <a:cubicBezTo>
+                          <a:pt x="348467" y="545430"/>
+                          <a:pt x="346644" y="532828"/>
+                          <a:pt x="351064" y="522515"/>
+                        </a:cubicBezTo>
+                        <a:cubicBezTo>
+                          <a:pt x="354929" y="513496"/>
+                          <a:pt x="361950" y="506186"/>
+                          <a:pt x="367393" y="498022"/>
+                        </a:cubicBezTo>
+                        <a:cubicBezTo>
+                          <a:pt x="390831" y="404267"/>
+                          <a:pt x="358057" y="519806"/>
+                          <a:pt x="391886" y="440872"/>
+                        </a:cubicBezTo>
+                        <a:cubicBezTo>
+                          <a:pt x="396306" y="430559"/>
+                          <a:pt x="396968" y="419004"/>
+                          <a:pt x="400050" y="408215"/>
+                        </a:cubicBezTo>
+                        <a:cubicBezTo>
+                          <a:pt x="402414" y="399940"/>
+                          <a:pt x="405850" y="391997"/>
+                          <a:pt x="408214" y="383722"/>
+                        </a:cubicBezTo>
+                        <a:cubicBezTo>
+                          <a:pt x="411296" y="372933"/>
+                          <a:pt x="416139" y="362283"/>
+                          <a:pt x="416378" y="351065"/>
+                        </a:cubicBezTo>
+                        <a:cubicBezTo>
+                          <a:pt x="418867" y="234070"/>
+                          <a:pt x="416378" y="117022"/>
+                          <a:pt x="416378" y="0"/>
+                        </a:cubicBezTo>
+                      </a:path>
+                    </a:pathLst>
+                  </a:custGeom>
+                  <ask:type>
+                    <ask:lineSketchFreehand/>
+                  </ask:type>
+                </ask:lineSketchStyleProps>
+              </a:ext>
+            </a:extLst>
+          </a:ln>
+        </p:spPr>
+        <p:style>
+          <a:lnRef idx="2">
+            <a:schemeClr val="accent1">
+              <a:shade val="50000"/>
+            </a:schemeClr>
+          </a:lnRef>
+          <a:fillRef idx="1">
+            <a:schemeClr val="accent1"/>
+          </a:fillRef>
+          <a:effectRef idx="0">
+            <a:schemeClr val="accent1"/>
+          </a:effectRef>
+          <a:fontRef idx="minor">
+            <a:schemeClr val="lt1"/>
+          </a:fontRef>
+        </p:style>
+        <p:txBody>
+          <a:bodyPr rtlCol="0" anchor="ctr"/>
+          <a:lstStyle/>
+          <a:p>
+            <a:pPr algn="ctr"/>
+            <a:endParaRPr lang="en-US"/>
+          </a:p>
+        </p:txBody>
+      </p:sp>
     </p:spTree>
     <p:extLst>
       <p:ext uri="{BB962C8B-B14F-4D97-AF65-F5344CB8AC3E}">
@@ -8178,21 +10883,6 @@
 </file>
 
 <file path=customXml/item1.xml><?xml version="1.0" encoding="utf-8"?>
-<p:properties xmlns:p="http://schemas.microsoft.com/office/2006/metadata/properties" xmlns:xsi="http://www.w3.org/2001/XMLSchema-instance" xmlns:pc="http://schemas.microsoft.com/office/infopath/2007/PartnerControls">
-  <documentManagement/>
-</p:properties>
-</file>
-
-<file path=customXml/item2.xml><?xml version="1.0" encoding="utf-8"?>
-<?mso-contentType ?>
-<FormTemplates xmlns="http://schemas.microsoft.com/sharepoint/v3/contenttype/forms">
-  <Display>DocumentLibraryForm</Display>
-  <Edit>DocumentLibraryForm</Edit>
-  <New>DocumentLibraryForm</New>
-</FormTemplates>
-</file>
-
-<file path=customXml/item3.xml><?xml version="1.0" encoding="utf-8"?>
 <ct:contentTypeSchema xmlns:ct="http://schemas.microsoft.com/office/2006/metadata/contentType" xmlns:ma="http://schemas.microsoft.com/office/2006/metadata/properties/metaAttributes" ct:_="" ma:_="" ma:contentTypeName="Document" ma:contentTypeID="0x01010074D2001F796B5842ACB4675D256F8FDC" ma:contentTypeVersion="12" ma:contentTypeDescription="Create a new document." ma:contentTypeScope="" ma:versionID="c85e048fa781f40110e66b592c02dbca">
   <xsd:schema xmlns:xsd="http://www.w3.org/2001/XMLSchema" xmlns:xs="http://www.w3.org/2001/XMLSchema" xmlns:p="http://schemas.microsoft.com/office/2006/metadata/properties" xmlns:ns3="88a3e169-3f2e-4cb2-84e3-0f816f3920de" xmlns:ns4="6d44ab1e-4f7a-423e-9215-d8d8e61f56e6" targetNamespace="http://schemas.microsoft.com/office/2006/metadata/properties" ma:root="true" ma:fieldsID="6538c91a1e992d8cfb9fb30155d82126" ns3:_="" ns4:_="">
     <xsd:import namespace="88a3e169-3f2e-4cb2-84e3-0f816f3920de"/>
@@ -8409,24 +11099,22 @@
 </ct:contentTypeSchema>
 </file>
 
-<file path=customXml/itemProps1.xml><?xml version="1.0" encoding="utf-8"?>
-<ds:datastoreItem xmlns:ds="http://schemas.openxmlformats.org/officeDocument/2006/customXml" ds:itemID="{05F4B324-A6F8-4FC0-BBBB-05E2337781BA}">
-  <ds:schemaRefs>
-    <ds:schemaRef ds:uri="http://schemas.microsoft.com/office/2006/metadata/properties"/>
-    <ds:schemaRef ds:uri="http://schemas.microsoft.com/office/infopath/2007/PartnerControls"/>
-  </ds:schemaRefs>
-</ds:datastoreItem>
+<file path=customXml/item2.xml><?xml version="1.0" encoding="utf-8"?>
+<?mso-contentType ?>
+<FormTemplates xmlns="http://schemas.microsoft.com/sharepoint/v3/contenttype/forms">
+  <Display>DocumentLibraryForm</Display>
+  <Edit>DocumentLibraryForm</Edit>
+  <New>DocumentLibraryForm</New>
+</FormTemplates>
 </file>
 
-<file path=customXml/itemProps2.xml><?xml version="1.0" encoding="utf-8"?>
-<ds:datastoreItem xmlns:ds="http://schemas.openxmlformats.org/officeDocument/2006/customXml" ds:itemID="{7F29137C-F1C0-4930-80A0-A7C0C38F3D82}">
-  <ds:schemaRefs>
-    <ds:schemaRef ds:uri="http://schemas.microsoft.com/sharepoint/v3/contenttype/forms"/>
-  </ds:schemaRefs>
-</ds:datastoreItem>
+<file path=customXml/item3.xml><?xml version="1.0" encoding="utf-8"?>
+<p:properties xmlns:p="http://schemas.microsoft.com/office/2006/metadata/properties" xmlns:xsi="http://www.w3.org/2001/XMLSchema-instance" xmlns:pc="http://schemas.microsoft.com/office/infopath/2007/PartnerControls">
+  <documentManagement/>
+</p:properties>
 </file>
 
-<file path=customXml/itemProps3.xml><?xml version="1.0" encoding="utf-8"?>
+<file path=customXml/itemProps1.xml><?xml version="1.0" encoding="utf-8"?>
 <ds:datastoreItem xmlns:ds="http://schemas.openxmlformats.org/officeDocument/2006/customXml" ds:itemID="{BE4DBC62-83C7-4C26-A85C-6023E4D35A02}">
   <ds:schemaRefs>
     <ds:schemaRef ds:uri="http://schemas.microsoft.com/office/2006/metadata/contentType"/>
@@ -8443,4 +11131,21 @@
     <ds:schemaRef ds:uri="http://schemas.microsoft.com/internal/obd"/>
   </ds:schemaRefs>
 </ds:datastoreItem>
+</file>
+
+<file path=customXml/itemProps2.xml><?xml version="1.0" encoding="utf-8"?>
+<ds:datastoreItem xmlns:ds="http://schemas.openxmlformats.org/officeDocument/2006/customXml" ds:itemID="{7F29137C-F1C0-4930-80A0-A7C0C38F3D82}">
+  <ds:schemaRefs>
+    <ds:schemaRef ds:uri="http://schemas.microsoft.com/sharepoint/v3/contenttype/forms"/>
+  </ds:schemaRefs>
+</ds:datastoreItem>
+</file>
+
+<file path=customXml/itemProps3.xml><?xml version="1.0" encoding="utf-8"?>
+<ds:datastoreItem xmlns:ds="http://schemas.openxmlformats.org/officeDocument/2006/customXml" ds:itemID="{05F4B324-A6F8-4FC0-BBBB-05E2337781BA}">
+  <ds:schemaRefs>
+    <ds:schemaRef ds:uri="http://schemas.microsoft.com/office/2006/metadata/properties"/>
+    <ds:schemaRef ds:uri="http://schemas.microsoft.com/office/infopath/2007/PartnerControls"/>
+  </ds:schemaRefs>
+</ds:datastoreItem>
 </file>
--- a/figs/pna-packet-paths-figure.pptx
+++ b/figs/pna-packet-paths-figure.pptx
@@ -5,7 +5,7 @@
     <p:sldMasterId id="2147483648" r:id="rId4"/>
   </p:sldMasterIdLst>
   <p:sldIdLst>
-    <p:sldId id="273" r:id="rId5"/>
+    <p:sldId id="282" r:id="rId5"/>
   </p:sldIdLst>
   <p:sldSz cx="12192000" cy="6858000"/>
   <p:notesSz cx="6858000" cy="9144000"/>
@@ -115,2390 +115,9 @@
 <file path=ppt/revisionInfo.xml><?xml version="1.0" encoding="utf-8"?>
 <p1510:revInfo xmlns:a="http://schemas.openxmlformats.org/drawingml/2006/main" xmlns:r="http://schemas.openxmlformats.org/officeDocument/2006/relationships" xmlns:p1510="http://schemas.microsoft.com/office/powerpoint/2015/10/main">
   <p1510:revLst>
-    <p1510:client id="{AB46A06D-E856-40B7-957C-0F50F3800040}" v="9" dt="2021-04-12T15:35:58.690"/>
+    <p1510:client id="{84103F09-6EF7-4C2A-803F-06A65022753F}" v="1" dt="2021-05-15T03:59:42.893"/>
   </p1510:revLst>
 </p1510:revInfo>
-</file>
-
-<file path=ppt/changesInfos/changesInfo1.xml><?xml version="1.0" encoding="utf-8"?>
-<pc:chgInfo xmlns:a="http://schemas.openxmlformats.org/drawingml/2006/main" xmlns:r="http://schemas.openxmlformats.org/officeDocument/2006/relationships" xmlns:ac="http://schemas.microsoft.com/office/drawing/2013/main/command" xmlns:pc="http://schemas.microsoft.com/office/powerpoint/2013/main/command">
-  <pc:docChgLst>
-    <pc:chgData name="Fingerhut, John Andy" userId="6ad675d3-541e-4813-9336-4804cd571dc7" providerId="ADAL" clId="{AB275EFB-7DC9-4E6C-884D-530FD05132B0}"/>
-    <pc:docChg chg="undo custSel modSld">
-      <pc:chgData name="Fingerhut, John Andy" userId="6ad675d3-541e-4813-9336-4804cd571dc7" providerId="ADAL" clId="{AB275EFB-7DC9-4E6C-884D-530FD05132B0}" dt="2020-11-13T02:43:14.555" v="143" actId="1076"/>
-      <pc:docMkLst>
-        <pc:docMk/>
-      </pc:docMkLst>
-      <pc:sldChg chg="addSp delSp modSp">
-        <pc:chgData name="Fingerhut, John Andy" userId="6ad675d3-541e-4813-9336-4804cd571dc7" providerId="ADAL" clId="{AB275EFB-7DC9-4E6C-884D-530FD05132B0}" dt="2020-11-13T02:43:14.555" v="143" actId="1076"/>
-        <pc:sldMkLst>
-          <pc:docMk/>
-          <pc:sldMk cId="1091789387" sldId="273"/>
-        </pc:sldMkLst>
-        <pc:spChg chg="del">
-          <ac:chgData name="Fingerhut, John Andy" userId="6ad675d3-541e-4813-9336-4804cd571dc7" providerId="ADAL" clId="{AB275EFB-7DC9-4E6C-884D-530FD05132B0}" dt="2020-11-12T20:44:50.112" v="0" actId="478"/>
-          <ac:spMkLst>
-            <pc:docMk/>
-            <pc:sldMk cId="1091789387" sldId="273"/>
-            <ac:spMk id="2" creationId="{2AEA91F8-E15F-47F9-A642-B540FBB86354}"/>
-          </ac:spMkLst>
-        </pc:spChg>
-        <pc:spChg chg="add del mod">
-          <ac:chgData name="Fingerhut, John Andy" userId="6ad675d3-541e-4813-9336-4804cd571dc7" providerId="ADAL" clId="{AB275EFB-7DC9-4E6C-884D-530FD05132B0}" dt="2020-11-12T20:44:52.494" v="1" actId="478"/>
-          <ac:spMkLst>
-            <pc:docMk/>
-            <pc:sldMk cId="1091789387" sldId="273"/>
-            <ac:spMk id="5" creationId="{9D40767B-136D-49AC-BC6B-F8B4B25D3336}"/>
-          </ac:spMkLst>
-        </pc:spChg>
-        <pc:spChg chg="mod topLvl">
-          <ac:chgData name="Fingerhut, John Andy" userId="6ad675d3-541e-4813-9336-4804cd571dc7" providerId="ADAL" clId="{AB275EFB-7DC9-4E6C-884D-530FD05132B0}" dt="2020-11-13T02:33:45.728" v="78" actId="165"/>
-          <ac:spMkLst>
-            <pc:docMk/>
-            <pc:sldMk cId="1091789387" sldId="273"/>
-            <ac:spMk id="35" creationId="{8EB9B0E0-C169-48B3-BCE6-385310287F99}"/>
-          </ac:spMkLst>
-        </pc:spChg>
-        <pc:spChg chg="mod topLvl">
-          <ac:chgData name="Fingerhut, John Andy" userId="6ad675d3-541e-4813-9336-4804cd571dc7" providerId="ADAL" clId="{AB275EFB-7DC9-4E6C-884D-530FD05132B0}" dt="2020-11-13T02:33:45.728" v="78" actId="165"/>
-          <ac:spMkLst>
-            <pc:docMk/>
-            <pc:sldMk cId="1091789387" sldId="273"/>
-            <ac:spMk id="36" creationId="{3ED9F1BC-576A-4EF3-9876-126695A64636}"/>
-          </ac:spMkLst>
-        </pc:spChg>
-        <pc:spChg chg="mod topLvl">
-          <ac:chgData name="Fingerhut, John Andy" userId="6ad675d3-541e-4813-9336-4804cd571dc7" providerId="ADAL" clId="{AB275EFB-7DC9-4E6C-884D-530FD05132B0}" dt="2020-11-13T02:33:45.728" v="78" actId="165"/>
-          <ac:spMkLst>
-            <pc:docMk/>
-            <pc:sldMk cId="1091789387" sldId="273"/>
-            <ac:spMk id="37" creationId="{FEF6D1E8-CAD9-4D86-8016-9DF9D3A426B1}"/>
-          </ac:spMkLst>
-        </pc:spChg>
-        <pc:spChg chg="mod topLvl">
-          <ac:chgData name="Fingerhut, John Andy" userId="6ad675d3-541e-4813-9336-4804cd571dc7" providerId="ADAL" clId="{AB275EFB-7DC9-4E6C-884D-530FD05132B0}" dt="2020-11-13T02:33:45.728" v="78" actId="165"/>
-          <ac:spMkLst>
-            <pc:docMk/>
-            <pc:sldMk cId="1091789387" sldId="273"/>
-            <ac:spMk id="40" creationId="{A99932A6-6BD7-4FD1-93C8-8E131159E42A}"/>
-          </ac:spMkLst>
-        </pc:spChg>
-        <pc:spChg chg="mod topLvl">
-          <ac:chgData name="Fingerhut, John Andy" userId="6ad675d3-541e-4813-9336-4804cd571dc7" providerId="ADAL" clId="{AB275EFB-7DC9-4E6C-884D-530FD05132B0}" dt="2020-11-13T02:33:45.728" v="78" actId="165"/>
-          <ac:spMkLst>
-            <pc:docMk/>
-            <pc:sldMk cId="1091789387" sldId="273"/>
-            <ac:spMk id="41" creationId="{92344D8E-30F6-4766-B972-809C391435CC}"/>
-          </ac:spMkLst>
-        </pc:spChg>
-        <pc:spChg chg="add del mod">
-          <ac:chgData name="Fingerhut, John Andy" userId="6ad675d3-541e-4813-9336-4804cd571dc7" providerId="ADAL" clId="{AB275EFB-7DC9-4E6C-884D-530FD05132B0}" dt="2020-11-13T02:31:29.523" v="49" actId="478"/>
-          <ac:spMkLst>
-            <pc:docMk/>
-            <pc:sldMk cId="1091789387" sldId="273"/>
-            <ac:spMk id="108" creationId="{F7594EFE-CC19-4890-A71C-A356D27742F2}"/>
-          </ac:spMkLst>
-        </pc:spChg>
-        <pc:spChg chg="add del mod">
-          <ac:chgData name="Fingerhut, John Andy" userId="6ad675d3-541e-4813-9336-4804cd571dc7" providerId="ADAL" clId="{AB275EFB-7DC9-4E6C-884D-530FD05132B0}" dt="2020-11-13T02:31:10.509" v="45" actId="478"/>
-          <ac:spMkLst>
-            <pc:docMk/>
-            <pc:sldMk cId="1091789387" sldId="273"/>
-            <ac:spMk id="109" creationId="{8929AB5C-7DBF-4B17-9E8A-36D99FF27FCB}"/>
-          </ac:spMkLst>
-        </pc:spChg>
-        <pc:spChg chg="add mod topLvl">
-          <ac:chgData name="Fingerhut, John Andy" userId="6ad675d3-541e-4813-9336-4804cd571dc7" providerId="ADAL" clId="{AB275EFB-7DC9-4E6C-884D-530FD05132B0}" dt="2020-11-13T02:36:24.018" v="114" actId="1076"/>
-          <ac:spMkLst>
-            <pc:docMk/>
-            <pc:sldMk cId="1091789387" sldId="273"/>
-            <ac:spMk id="110" creationId="{CBF41200-6B39-49A7-85D4-64606C55105F}"/>
-          </ac:spMkLst>
-        </pc:spChg>
-        <pc:spChg chg="add mod topLvl">
-          <ac:chgData name="Fingerhut, John Andy" userId="6ad675d3-541e-4813-9336-4804cd571dc7" providerId="ADAL" clId="{AB275EFB-7DC9-4E6C-884D-530FD05132B0}" dt="2020-11-13T02:36:24.018" v="114" actId="1076"/>
-          <ac:spMkLst>
-            <pc:docMk/>
-            <pc:sldMk cId="1091789387" sldId="273"/>
-            <ac:spMk id="111" creationId="{8EF40A48-3C9D-4A24-A40E-E4870584BA66}"/>
-          </ac:spMkLst>
-        </pc:spChg>
-        <pc:spChg chg="mod">
-          <ac:chgData name="Fingerhut, John Andy" userId="6ad675d3-541e-4813-9336-4804cd571dc7" providerId="ADAL" clId="{AB275EFB-7DC9-4E6C-884D-530FD05132B0}" dt="2020-11-13T02:43:14.555" v="143" actId="1076"/>
-          <ac:spMkLst>
-            <pc:docMk/>
-            <pc:sldMk cId="1091789387" sldId="273"/>
-            <ac:spMk id="113" creationId="{58FA7448-7B0F-43F4-A246-03BDB307CBC0}"/>
-          </ac:spMkLst>
-        </pc:spChg>
-        <pc:spChg chg="mod">
-          <ac:chgData name="Fingerhut, John Andy" userId="6ad675d3-541e-4813-9336-4804cd571dc7" providerId="ADAL" clId="{AB275EFB-7DC9-4E6C-884D-530FD05132B0}" dt="2020-11-13T02:43:14.555" v="143" actId="1076"/>
-          <ac:spMkLst>
-            <pc:docMk/>
-            <pc:sldMk cId="1091789387" sldId="273"/>
-            <ac:spMk id="114" creationId="{8981AA32-2977-41CF-9174-51C16EB7A3C1}"/>
-          </ac:spMkLst>
-        </pc:spChg>
-        <pc:spChg chg="add del mod topLvl">
-          <ac:chgData name="Fingerhut, John Andy" userId="6ad675d3-541e-4813-9336-4804cd571dc7" providerId="ADAL" clId="{AB275EFB-7DC9-4E6C-884D-530FD05132B0}" dt="2020-11-13T02:34:43.356" v="103" actId="478"/>
-          <ac:spMkLst>
-            <pc:docMk/>
-            <pc:sldMk cId="1091789387" sldId="273"/>
-            <ac:spMk id="119" creationId="{231B9BC7-9EDF-4A13-BE99-93FD10BE7392}"/>
-          </ac:spMkLst>
-        </pc:spChg>
-        <pc:spChg chg="mod">
-          <ac:chgData name="Fingerhut, John Andy" userId="6ad675d3-541e-4813-9336-4804cd571dc7" providerId="ADAL" clId="{AB275EFB-7DC9-4E6C-884D-530FD05132B0}" dt="2020-11-13T02:27:10.361" v="24" actId="1076"/>
-          <ac:spMkLst>
-            <pc:docMk/>
-            <pc:sldMk cId="1091789387" sldId="273"/>
-            <ac:spMk id="120" creationId="{27878CF7-E469-4A06-9E5C-918E6DCCBE40}"/>
-          </ac:spMkLst>
-        </pc:spChg>
-        <pc:spChg chg="mod">
-          <ac:chgData name="Fingerhut, John Andy" userId="6ad675d3-541e-4813-9336-4804cd571dc7" providerId="ADAL" clId="{AB275EFB-7DC9-4E6C-884D-530FD05132B0}" dt="2020-11-13T02:26:12.034" v="17" actId="1076"/>
-          <ac:spMkLst>
-            <pc:docMk/>
-            <pc:sldMk cId="1091789387" sldId="273"/>
-            <ac:spMk id="121" creationId="{C5B57169-1275-4E2F-A03B-8F7108AA0A55}"/>
-          </ac:spMkLst>
-        </pc:spChg>
-        <pc:spChg chg="add mod ord">
-          <ac:chgData name="Fingerhut, John Andy" userId="6ad675d3-541e-4813-9336-4804cd571dc7" providerId="ADAL" clId="{AB275EFB-7DC9-4E6C-884D-530FD05132B0}" dt="2020-11-13T02:36:24.018" v="114" actId="1076"/>
-          <ac:spMkLst>
-            <pc:docMk/>
-            <pc:sldMk cId="1091789387" sldId="273"/>
-            <ac:spMk id="148" creationId="{0E3FF64B-C6A6-4736-9847-96B6371F20AE}"/>
-          </ac:spMkLst>
-        </pc:spChg>
-        <pc:spChg chg="del mod">
-          <ac:chgData name="Fingerhut, John Andy" userId="6ad675d3-541e-4813-9336-4804cd571dc7" providerId="ADAL" clId="{AB275EFB-7DC9-4E6C-884D-530FD05132B0}" dt="2020-11-13T02:29:05.373" v="30" actId="478"/>
-          <ac:spMkLst>
-            <pc:docMk/>
-            <pc:sldMk cId="1091789387" sldId="273"/>
-            <ac:spMk id="185" creationId="{0D2D3C60-4A1A-4E38-8845-024DF1FE79E8}"/>
-          </ac:spMkLst>
-        </pc:spChg>
-        <pc:spChg chg="del mod">
-          <ac:chgData name="Fingerhut, John Andy" userId="6ad675d3-541e-4813-9336-4804cd571dc7" providerId="ADAL" clId="{AB275EFB-7DC9-4E6C-884D-530FD05132B0}" dt="2020-11-13T02:35:24.251" v="106" actId="478"/>
-          <ac:spMkLst>
-            <pc:docMk/>
-            <pc:sldMk cId="1091789387" sldId="273"/>
-            <ac:spMk id="186" creationId="{ECB7CF33-FC02-4C32-970C-EB52B3F817E6}"/>
-          </ac:spMkLst>
-        </pc:spChg>
-        <pc:spChg chg="mod">
-          <ac:chgData name="Fingerhut, John Andy" userId="6ad675d3-541e-4813-9336-4804cd571dc7" providerId="ADAL" clId="{AB275EFB-7DC9-4E6C-884D-530FD05132B0}" dt="2020-11-13T02:36:24.018" v="114" actId="1076"/>
-          <ac:spMkLst>
-            <pc:docMk/>
-            <pc:sldMk cId="1091789387" sldId="273"/>
-            <ac:spMk id="200" creationId="{6143778A-3CAF-4C20-AA59-3CC193DB8BCB}"/>
-          </ac:spMkLst>
-        </pc:spChg>
-        <pc:grpChg chg="del mod">
-          <ac:chgData name="Fingerhut, John Andy" userId="6ad675d3-541e-4813-9336-4804cd571dc7" providerId="ADAL" clId="{AB275EFB-7DC9-4E6C-884D-530FD05132B0}" dt="2020-11-13T02:33:45.728" v="78" actId="165"/>
-          <ac:grpSpMkLst>
-            <pc:docMk/>
-            <pc:sldMk cId="1091789387" sldId="273"/>
-            <ac:grpSpMk id="4" creationId="{8C98B034-85E6-458B-A9FF-1528198EAA1A}"/>
-          </ac:grpSpMkLst>
-        </pc:grpChg>
-        <pc:grpChg chg="mod">
-          <ac:chgData name="Fingerhut, John Andy" userId="6ad675d3-541e-4813-9336-4804cd571dc7" providerId="ADAL" clId="{AB275EFB-7DC9-4E6C-884D-530FD05132B0}" dt="2020-11-13T02:26:52.046" v="22" actId="1076"/>
-          <ac:grpSpMkLst>
-            <pc:docMk/>
-            <pc:sldMk cId="1091789387" sldId="273"/>
-            <ac:grpSpMk id="25" creationId="{D3A54630-E9F6-45DD-998F-E5DC0F14A399}"/>
-          </ac:grpSpMkLst>
-        </pc:grpChg>
-        <pc:grpChg chg="add del mod">
-          <ac:chgData name="Fingerhut, John Andy" userId="6ad675d3-541e-4813-9336-4804cd571dc7" providerId="ADAL" clId="{AB275EFB-7DC9-4E6C-884D-530FD05132B0}" dt="2020-11-13T02:32:10.041" v="51" actId="165"/>
-          <ac:grpSpMkLst>
-            <pc:docMk/>
-            <pc:sldMk cId="1091789387" sldId="273"/>
-            <ac:grpSpMk id="54" creationId="{4C313AC5-98CA-442B-99E2-5839162276A8}"/>
-          </ac:grpSpMkLst>
-        </pc:grpChg>
-        <pc:grpChg chg="mod">
-          <ac:chgData name="Fingerhut, John Andy" userId="6ad675d3-541e-4813-9336-4804cd571dc7" providerId="ADAL" clId="{AB275EFB-7DC9-4E6C-884D-530FD05132B0}" dt="2020-11-13T02:26:22.005" v="18" actId="1076"/>
-          <ac:grpSpMkLst>
-            <pc:docMk/>
-            <pc:sldMk cId="1091789387" sldId="273"/>
-            <ac:grpSpMk id="78" creationId="{45FA8724-A465-47A6-9A0E-9F107AF39809}"/>
-          </ac:grpSpMkLst>
-        </pc:grpChg>
-        <pc:grpChg chg="mod">
-          <ac:chgData name="Fingerhut, John Andy" userId="6ad675d3-541e-4813-9336-4804cd571dc7" providerId="ADAL" clId="{AB275EFB-7DC9-4E6C-884D-530FD05132B0}" dt="2020-11-13T02:36:24.018" v="114" actId="1076"/>
-          <ac:grpSpMkLst>
-            <pc:docMk/>
-            <pc:sldMk cId="1091789387" sldId="273"/>
-            <ac:grpSpMk id="83" creationId="{1C834900-1FBA-4F79-9BAA-4729CB027B15}"/>
-          </ac:grpSpMkLst>
-        </pc:grpChg>
-        <pc:grpChg chg="add del mod">
-          <ac:chgData name="Fingerhut, John Andy" userId="6ad675d3-541e-4813-9336-4804cd571dc7" providerId="ADAL" clId="{AB275EFB-7DC9-4E6C-884D-530FD05132B0}" dt="2020-11-13T02:33:22.076" v="59" actId="478"/>
-          <ac:grpSpMkLst>
-            <pc:docMk/>
-            <pc:sldMk cId="1091789387" sldId="273"/>
-            <ac:grpSpMk id="129" creationId="{98392EC4-FA1F-4A23-88AF-294263B04611}"/>
-          </ac:grpSpMkLst>
-        </pc:grpChg>
-        <pc:grpChg chg="add mod">
-          <ac:chgData name="Fingerhut, John Andy" userId="6ad675d3-541e-4813-9336-4804cd571dc7" providerId="ADAL" clId="{AB275EFB-7DC9-4E6C-884D-530FD05132B0}" dt="2020-11-13T02:40:36.673" v="137" actId="164"/>
-          <ac:grpSpMkLst>
-            <pc:docMk/>
-            <pc:sldMk cId="1091789387" sldId="273"/>
-            <ac:grpSpMk id="163" creationId="{8608615B-EB0D-4D19-94C6-BA8F0B161E4B}"/>
-          </ac:grpSpMkLst>
-        </pc:grpChg>
-        <pc:grpChg chg="add mod">
-          <ac:chgData name="Fingerhut, John Andy" userId="6ad675d3-541e-4813-9336-4804cd571dc7" providerId="ADAL" clId="{AB275EFB-7DC9-4E6C-884D-530FD05132B0}" dt="2020-11-13T02:41:10.275" v="142" actId="1076"/>
-          <ac:grpSpMkLst>
-            <pc:docMk/>
-            <pc:sldMk cId="1091789387" sldId="273"/>
-            <ac:grpSpMk id="177" creationId="{AAC1F68D-05B8-4B51-8587-059500FE3478}"/>
-          </ac:grpSpMkLst>
-        </pc:grpChg>
-        <pc:cxnChg chg="add mod">
-          <ac:chgData name="Fingerhut, John Andy" userId="6ad675d3-541e-4813-9336-4804cd571dc7" providerId="ADAL" clId="{AB275EFB-7DC9-4E6C-884D-530FD05132B0}" dt="2020-11-13T02:25:45.321" v="14" actId="1076"/>
-          <ac:cxnSpMkLst>
-            <pc:docMk/>
-            <pc:sldMk cId="1091789387" sldId="273"/>
-            <ac:cxnSpMk id="17" creationId="{415C7822-4030-42AD-AB86-5852B4DD265D}"/>
-          </ac:cxnSpMkLst>
-        </pc:cxnChg>
-        <pc:cxnChg chg="mod topLvl">
-          <ac:chgData name="Fingerhut, John Andy" userId="6ad675d3-541e-4813-9336-4804cd571dc7" providerId="ADAL" clId="{AB275EFB-7DC9-4E6C-884D-530FD05132B0}" dt="2020-11-13T02:33:45.728" v="78" actId="165"/>
-          <ac:cxnSpMkLst>
-            <pc:docMk/>
-            <pc:sldMk cId="1091789387" sldId="273"/>
-            <ac:cxnSpMk id="43" creationId="{9FEFDBCA-8D42-4559-B5B7-7B17A99615BD}"/>
-          </ac:cxnSpMkLst>
-        </pc:cxnChg>
-        <pc:cxnChg chg="mod topLvl">
-          <ac:chgData name="Fingerhut, John Andy" userId="6ad675d3-541e-4813-9336-4804cd571dc7" providerId="ADAL" clId="{AB275EFB-7DC9-4E6C-884D-530FD05132B0}" dt="2020-11-13T02:33:45.728" v="78" actId="165"/>
-          <ac:cxnSpMkLst>
-            <pc:docMk/>
-            <pc:sldMk cId="1091789387" sldId="273"/>
-            <ac:cxnSpMk id="49" creationId="{265B6322-C564-4122-876E-0B2152445370}"/>
-          </ac:cxnSpMkLst>
-        </pc:cxnChg>
-        <pc:cxnChg chg="mod topLvl">
-          <ac:chgData name="Fingerhut, John Andy" userId="6ad675d3-541e-4813-9336-4804cd571dc7" providerId="ADAL" clId="{AB275EFB-7DC9-4E6C-884D-530FD05132B0}" dt="2020-11-13T02:33:45.728" v="78" actId="165"/>
-          <ac:cxnSpMkLst>
-            <pc:docMk/>
-            <pc:sldMk cId="1091789387" sldId="273"/>
-            <ac:cxnSpMk id="50" creationId="{516664ED-D0D4-46ED-91FF-5BDE567A773D}"/>
-          </ac:cxnSpMkLst>
-        </pc:cxnChg>
-        <pc:cxnChg chg="mod">
-          <ac:chgData name="Fingerhut, John Andy" userId="6ad675d3-541e-4813-9336-4804cd571dc7" providerId="ADAL" clId="{AB275EFB-7DC9-4E6C-884D-530FD05132B0}" dt="2020-11-13T02:32:40.016" v="55" actId="14100"/>
-          <ac:cxnSpMkLst>
-            <pc:docMk/>
-            <pc:sldMk cId="1091789387" sldId="273"/>
-            <ac:cxnSpMk id="80" creationId="{236BE345-2EA6-45DD-85B2-ACD4C19A91F5}"/>
-          </ac:cxnSpMkLst>
-        </pc:cxnChg>
-        <pc:cxnChg chg="del mod">
-          <ac:chgData name="Fingerhut, John Andy" userId="6ad675d3-541e-4813-9336-4804cd571dc7" providerId="ADAL" clId="{AB275EFB-7DC9-4E6C-884D-530FD05132B0}" dt="2020-11-13T02:30:07.584" v="37" actId="478"/>
-          <ac:cxnSpMkLst>
-            <pc:docMk/>
-            <pc:sldMk cId="1091789387" sldId="273"/>
-            <ac:cxnSpMk id="99" creationId="{4E52AAC9-DA09-4876-83F9-7D79F7233425}"/>
-          </ac:cxnSpMkLst>
-        </pc:cxnChg>
-        <pc:cxnChg chg="mod">
-          <ac:chgData name="Fingerhut, John Andy" userId="6ad675d3-541e-4813-9336-4804cd571dc7" providerId="ADAL" clId="{AB275EFB-7DC9-4E6C-884D-530FD05132B0}" dt="2020-11-13T02:36:44.586" v="116" actId="14100"/>
-          <ac:cxnSpMkLst>
-            <pc:docMk/>
-            <pc:sldMk cId="1091789387" sldId="273"/>
-            <ac:cxnSpMk id="100" creationId="{F4860C18-D645-4EE6-BCDB-79FE3B828918}"/>
-          </ac:cxnSpMkLst>
-        </pc:cxnChg>
-        <pc:cxnChg chg="del mod">
-          <ac:chgData name="Fingerhut, John Andy" userId="6ad675d3-541e-4813-9336-4804cd571dc7" providerId="ADAL" clId="{AB275EFB-7DC9-4E6C-884D-530FD05132B0}" dt="2020-11-13T02:30:11.015" v="38" actId="478"/>
-          <ac:cxnSpMkLst>
-            <pc:docMk/>
-            <pc:sldMk cId="1091789387" sldId="273"/>
-            <ac:cxnSpMk id="101" creationId="{372B96BA-804B-4311-BE3B-F167BF926D92}"/>
-          </ac:cxnSpMkLst>
-        </pc:cxnChg>
-        <pc:cxnChg chg="add del mod">
-          <ac:chgData name="Fingerhut, John Andy" userId="6ad675d3-541e-4813-9336-4804cd571dc7" providerId="ADAL" clId="{AB275EFB-7DC9-4E6C-884D-530FD05132B0}" dt="2020-11-13T02:25:06.734" v="9" actId="478"/>
-          <ac:cxnSpMkLst>
-            <pc:docMk/>
-            <pc:sldMk cId="1091789387" sldId="273"/>
-            <ac:cxnSpMk id="102" creationId="{E0BDF171-929B-4438-8B10-352CE8D0C7DE}"/>
-          </ac:cxnSpMkLst>
-        </pc:cxnChg>
-        <pc:cxnChg chg="add del mod">
-          <ac:chgData name="Fingerhut, John Andy" userId="6ad675d3-541e-4813-9336-4804cd571dc7" providerId="ADAL" clId="{AB275EFB-7DC9-4E6C-884D-530FD05132B0}" dt="2020-11-13T02:37:19.367" v="118" actId="478"/>
-          <ac:cxnSpMkLst>
-            <pc:docMk/>
-            <pc:sldMk cId="1091789387" sldId="273"/>
-            <ac:cxnSpMk id="103" creationId="{5EDE3D83-7DA1-468B-9B2D-6BC31D94DBA2}"/>
-          </ac:cxnSpMkLst>
-        </pc:cxnChg>
-        <pc:cxnChg chg="add mod">
-          <ac:chgData name="Fingerhut, John Andy" userId="6ad675d3-541e-4813-9336-4804cd571dc7" providerId="ADAL" clId="{AB275EFB-7DC9-4E6C-884D-530FD05132B0}" dt="2020-11-13T02:40:36.673" v="137" actId="164"/>
-          <ac:cxnSpMkLst>
-            <pc:docMk/>
-            <pc:sldMk cId="1091789387" sldId="273"/>
-            <ac:cxnSpMk id="105" creationId="{AAD870DC-10F4-46EA-8DD1-22D68B525CA7}"/>
-          </ac:cxnSpMkLst>
-        </pc:cxnChg>
-        <pc:cxnChg chg="add mod topLvl">
-          <ac:chgData name="Fingerhut, John Andy" userId="6ad675d3-541e-4813-9336-4804cd571dc7" providerId="ADAL" clId="{AB275EFB-7DC9-4E6C-884D-530FD05132B0}" dt="2020-11-13T02:36:24.018" v="114" actId="1076"/>
-          <ac:cxnSpMkLst>
-            <pc:docMk/>
-            <pc:sldMk cId="1091789387" sldId="273"/>
-            <ac:cxnSpMk id="112" creationId="{C64DEB71-3093-431E-88AF-4C2BE81668EF}"/>
-          </ac:cxnSpMkLst>
-        </pc:cxnChg>
-        <pc:cxnChg chg="add mod topLvl">
-          <ac:chgData name="Fingerhut, John Andy" userId="6ad675d3-541e-4813-9336-4804cd571dc7" providerId="ADAL" clId="{AB275EFB-7DC9-4E6C-884D-530FD05132B0}" dt="2020-11-13T02:36:24.018" v="114" actId="1076"/>
-          <ac:cxnSpMkLst>
-            <pc:docMk/>
-            <pc:sldMk cId="1091789387" sldId="273"/>
-            <ac:cxnSpMk id="115" creationId="{368C70F1-7509-412A-8F1A-A518E73EEB07}"/>
-          </ac:cxnSpMkLst>
-        </pc:cxnChg>
-        <pc:cxnChg chg="add mod topLvl">
-          <ac:chgData name="Fingerhut, John Andy" userId="6ad675d3-541e-4813-9336-4804cd571dc7" providerId="ADAL" clId="{AB275EFB-7DC9-4E6C-884D-530FD05132B0}" dt="2020-11-13T02:36:24.018" v="114" actId="1076"/>
-          <ac:cxnSpMkLst>
-            <pc:docMk/>
-            <pc:sldMk cId="1091789387" sldId="273"/>
-            <ac:cxnSpMk id="116" creationId="{D6EAE7FF-ED18-4376-A74D-07B093B5896D}"/>
-          </ac:cxnSpMkLst>
-        </pc:cxnChg>
-        <pc:cxnChg chg="add mod topLvl">
-          <ac:chgData name="Fingerhut, John Andy" userId="6ad675d3-541e-4813-9336-4804cd571dc7" providerId="ADAL" clId="{AB275EFB-7DC9-4E6C-884D-530FD05132B0}" dt="2020-11-13T02:36:24.018" v="114" actId="1076"/>
-          <ac:cxnSpMkLst>
-            <pc:docMk/>
-            <pc:sldMk cId="1091789387" sldId="273"/>
-            <ac:cxnSpMk id="117" creationId="{2B8B9C9F-8E4C-4C30-AB47-9A5A956DF566}"/>
-          </ac:cxnSpMkLst>
-        </pc:cxnChg>
-        <pc:cxnChg chg="add mod topLvl">
-          <ac:chgData name="Fingerhut, John Andy" userId="6ad675d3-541e-4813-9336-4804cd571dc7" providerId="ADAL" clId="{AB275EFB-7DC9-4E6C-884D-530FD05132B0}" dt="2020-11-13T02:36:24.018" v="114" actId="1076"/>
-          <ac:cxnSpMkLst>
-            <pc:docMk/>
-            <pc:sldMk cId="1091789387" sldId="273"/>
-            <ac:cxnSpMk id="118" creationId="{40462665-FCF8-4E8C-943A-0EF224BA3563}"/>
-          </ac:cxnSpMkLst>
-        </pc:cxnChg>
-        <pc:cxnChg chg="add del mod topLvl">
-          <ac:chgData name="Fingerhut, John Andy" userId="6ad675d3-541e-4813-9336-4804cd571dc7" providerId="ADAL" clId="{AB275EFB-7DC9-4E6C-884D-530FD05132B0}" dt="2020-11-13T02:32:18.911" v="53" actId="478"/>
-          <ac:cxnSpMkLst>
-            <pc:docMk/>
-            <pc:sldMk cId="1091789387" sldId="273"/>
-            <ac:cxnSpMk id="122" creationId="{343BA56B-7295-492E-94C2-9EA9D40F5D2A}"/>
-          </ac:cxnSpMkLst>
-        </pc:cxnChg>
-        <pc:cxnChg chg="mod">
-          <ac:chgData name="Fingerhut, John Andy" userId="6ad675d3-541e-4813-9336-4804cd571dc7" providerId="ADAL" clId="{AB275EFB-7DC9-4E6C-884D-530FD05132B0}" dt="2020-11-13T02:27:10.361" v="24" actId="1076"/>
-          <ac:cxnSpMkLst>
-            <pc:docMk/>
-            <pc:sldMk cId="1091789387" sldId="273"/>
-            <ac:cxnSpMk id="123" creationId="{64C4D15B-D90A-42A1-857E-79AACC8E1ED6}"/>
-          </ac:cxnSpMkLst>
-        </pc:cxnChg>
-        <pc:cxnChg chg="add mod">
-          <ac:chgData name="Fingerhut, John Andy" userId="6ad675d3-541e-4813-9336-4804cd571dc7" providerId="ADAL" clId="{AB275EFB-7DC9-4E6C-884D-530FD05132B0}" dt="2020-11-13T02:40:36.673" v="137" actId="164"/>
-          <ac:cxnSpMkLst>
-            <pc:docMk/>
-            <pc:sldMk cId="1091789387" sldId="273"/>
-            <ac:cxnSpMk id="126" creationId="{6D1D99B2-0E86-47B6-9123-9267435A5C00}"/>
-          </ac:cxnSpMkLst>
-        </pc:cxnChg>
-        <pc:cxnChg chg="mod">
-          <ac:chgData name="Fingerhut, John Andy" userId="6ad675d3-541e-4813-9336-4804cd571dc7" providerId="ADAL" clId="{AB275EFB-7DC9-4E6C-884D-530FD05132B0}" dt="2020-11-13T02:27:10.361" v="24" actId="1076"/>
-          <ac:cxnSpMkLst>
-            <pc:docMk/>
-            <pc:sldMk cId="1091789387" sldId="273"/>
-            <ac:cxnSpMk id="127" creationId="{06F7C2A5-01AD-4181-B101-3CF0F11BE2B8}"/>
-          </ac:cxnSpMkLst>
-        </pc:cxnChg>
-        <pc:cxnChg chg="mod">
-          <ac:chgData name="Fingerhut, John Andy" userId="6ad675d3-541e-4813-9336-4804cd571dc7" providerId="ADAL" clId="{AB275EFB-7DC9-4E6C-884D-530FD05132B0}" dt="2020-11-13T02:26:22.005" v="18" actId="1076"/>
-          <ac:cxnSpMkLst>
-            <pc:docMk/>
-            <pc:sldMk cId="1091789387" sldId="273"/>
-            <ac:cxnSpMk id="134" creationId="{6C8D7A4A-4E00-4E2B-A752-9407B9B8DC70}"/>
-          </ac:cxnSpMkLst>
-        </pc:cxnChg>
-        <pc:cxnChg chg="add mod">
-          <ac:chgData name="Fingerhut, John Andy" userId="6ad675d3-541e-4813-9336-4804cd571dc7" providerId="ADAL" clId="{AB275EFB-7DC9-4E6C-884D-530FD05132B0}" dt="2020-11-13T02:40:36.673" v="137" actId="164"/>
-          <ac:cxnSpMkLst>
-            <pc:docMk/>
-            <pc:sldMk cId="1091789387" sldId="273"/>
-            <ac:cxnSpMk id="150" creationId="{A5C1AA9D-F6C3-45F8-8EF2-65A29333F671}"/>
-          </ac:cxnSpMkLst>
-        </pc:cxnChg>
-        <pc:cxnChg chg="del mod">
-          <ac:chgData name="Fingerhut, John Andy" userId="6ad675d3-541e-4813-9336-4804cd571dc7" providerId="ADAL" clId="{AB275EFB-7DC9-4E6C-884D-530FD05132B0}" dt="2020-11-13T02:24:39.312" v="3" actId="478"/>
-          <ac:cxnSpMkLst>
-            <pc:docMk/>
-            <pc:sldMk cId="1091789387" sldId="273"/>
-            <ac:cxnSpMk id="152" creationId="{B78C3C32-E93B-4B8E-B3FB-91631530F501}"/>
-          </ac:cxnSpMkLst>
-        </pc:cxnChg>
-        <pc:cxnChg chg="add del mod">
-          <ac:chgData name="Fingerhut, John Andy" userId="6ad675d3-541e-4813-9336-4804cd571dc7" providerId="ADAL" clId="{AB275EFB-7DC9-4E6C-884D-530FD05132B0}" dt="2020-11-13T02:40:39.551" v="138" actId="478"/>
-          <ac:cxnSpMkLst>
-            <pc:docMk/>
-            <pc:sldMk cId="1091789387" sldId="273"/>
-            <ac:cxnSpMk id="158" creationId="{057CCE7E-0FB4-4C48-A5A0-75865AAA0293}"/>
-          </ac:cxnSpMkLst>
-        </pc:cxnChg>
-        <pc:cxnChg chg="mod">
-          <ac:chgData name="Fingerhut, John Andy" userId="6ad675d3-541e-4813-9336-4804cd571dc7" providerId="ADAL" clId="{AB275EFB-7DC9-4E6C-884D-530FD05132B0}" dt="2020-11-13T02:26:12.034" v="17" actId="1076"/>
-          <ac:cxnSpMkLst>
-            <pc:docMk/>
-            <pc:sldMk cId="1091789387" sldId="273"/>
-            <ac:cxnSpMk id="181" creationId="{90B81CF6-C291-4A3A-8CFF-4322DFD54B64}"/>
-          </ac:cxnSpMkLst>
-        </pc:cxnChg>
-        <pc:cxnChg chg="del mod">
-          <ac:chgData name="Fingerhut, John Andy" userId="6ad675d3-541e-4813-9336-4804cd571dc7" providerId="ADAL" clId="{AB275EFB-7DC9-4E6C-884D-530FD05132B0}" dt="2020-11-13T02:35:24.251" v="106" actId="478"/>
-          <ac:cxnSpMkLst>
-            <pc:docMk/>
-            <pc:sldMk cId="1091789387" sldId="273"/>
-            <ac:cxnSpMk id="188" creationId="{F0E47CE2-D6D5-43FB-9807-E7C9B02BC145}"/>
-          </ac:cxnSpMkLst>
-        </pc:cxnChg>
-        <pc:cxnChg chg="del mod">
-          <ac:chgData name="Fingerhut, John Andy" userId="6ad675d3-541e-4813-9336-4804cd571dc7" providerId="ADAL" clId="{AB275EFB-7DC9-4E6C-884D-530FD05132B0}" dt="2020-11-13T02:31:27.379" v="48" actId="478"/>
-          <ac:cxnSpMkLst>
-            <pc:docMk/>
-            <pc:sldMk cId="1091789387" sldId="273"/>
-            <ac:cxnSpMk id="190" creationId="{7F571AFD-BF02-4176-A6A5-D77F4EF8C405}"/>
-          </ac:cxnSpMkLst>
-        </pc:cxnChg>
-        <pc:cxnChg chg="mod">
-          <ac:chgData name="Fingerhut, John Andy" userId="6ad675d3-541e-4813-9336-4804cd571dc7" providerId="ADAL" clId="{AB275EFB-7DC9-4E6C-884D-530FD05132B0}" dt="2020-11-13T02:36:24.018" v="114" actId="1076"/>
-          <ac:cxnSpMkLst>
-            <pc:docMk/>
-            <pc:sldMk cId="1091789387" sldId="273"/>
-            <ac:cxnSpMk id="196" creationId="{C4648FD0-BE39-49B2-A297-6987E7ED42BA}"/>
-          </ac:cxnSpMkLst>
-        </pc:cxnChg>
-        <pc:cxnChg chg="mod">
-          <ac:chgData name="Fingerhut, John Andy" userId="6ad675d3-541e-4813-9336-4804cd571dc7" providerId="ADAL" clId="{AB275EFB-7DC9-4E6C-884D-530FD05132B0}" dt="2020-11-13T02:36:24.018" v="114" actId="1076"/>
-          <ac:cxnSpMkLst>
-            <pc:docMk/>
-            <pc:sldMk cId="1091789387" sldId="273"/>
-            <ac:cxnSpMk id="199" creationId="{9B56D066-03B7-4AA5-AE48-439E5D95D240}"/>
-          </ac:cxnSpMkLst>
-        </pc:cxnChg>
-      </pc:sldChg>
-    </pc:docChg>
-  </pc:docChgLst>
-  <pc:docChgLst>
-    <pc:chgData name="Fingerhut, John Andy" userId="6ad675d3-541e-4813-9336-4804cd571dc7" providerId="ADAL" clId="{AB46A06D-E856-40B7-957C-0F50F3800040}"/>
-    <pc:docChg chg="custSel modSld">
-      <pc:chgData name="Fingerhut, John Andy" userId="6ad675d3-541e-4813-9336-4804cd571dc7" providerId="ADAL" clId="{AB46A06D-E856-40B7-957C-0F50F3800040}" dt="2021-04-12T15:36:39.876" v="106" actId="692"/>
-      <pc:docMkLst>
-        <pc:docMk/>
-      </pc:docMkLst>
-      <pc:sldChg chg="addSp delSp modSp mod">
-        <pc:chgData name="Fingerhut, John Andy" userId="6ad675d3-541e-4813-9336-4804cd571dc7" providerId="ADAL" clId="{AB46A06D-E856-40B7-957C-0F50F3800040}" dt="2021-04-12T15:36:39.876" v="106" actId="692"/>
-        <pc:sldMkLst>
-          <pc:docMk/>
-          <pc:sldMk cId="1091789387" sldId="273"/>
-        </pc:sldMkLst>
-        <pc:spChg chg="add mod">
-          <ac:chgData name="Fingerhut, John Andy" userId="6ad675d3-541e-4813-9336-4804cd571dc7" providerId="ADAL" clId="{AB46A06D-E856-40B7-957C-0F50F3800040}" dt="2021-04-12T15:36:39.876" v="106" actId="692"/>
-          <ac:spMkLst>
-            <pc:docMk/>
-            <pc:sldMk cId="1091789387" sldId="273"/>
-            <ac:spMk id="2" creationId="{9847D30F-9ADA-4810-B8C8-D6A7B44A60A8}"/>
-          </ac:spMkLst>
-        </pc:spChg>
-        <pc:spChg chg="add mod">
-          <ac:chgData name="Fingerhut, John Andy" userId="6ad675d3-541e-4813-9336-4804cd571dc7" providerId="ADAL" clId="{AB46A06D-E856-40B7-957C-0F50F3800040}" dt="2021-04-12T15:36:39.876" v="106" actId="692"/>
-          <ac:spMkLst>
-            <pc:docMk/>
-            <pc:sldMk cId="1091789387" sldId="273"/>
-            <ac:spMk id="3" creationId="{77EB1111-14C9-4FDE-9B8C-BE6CB0048C13}"/>
-          </ac:spMkLst>
-        </pc:spChg>
-        <pc:spChg chg="add mod">
-          <ac:chgData name="Fingerhut, John Andy" userId="6ad675d3-541e-4813-9336-4804cd571dc7" providerId="ADAL" clId="{AB46A06D-E856-40B7-957C-0F50F3800040}" dt="2021-04-12T15:36:39.876" v="106" actId="692"/>
-          <ac:spMkLst>
-            <pc:docMk/>
-            <pc:sldMk cId="1091789387" sldId="273"/>
-            <ac:spMk id="4" creationId="{4F2B0426-4DBD-4DCA-8121-6447B8554B64}"/>
-          </ac:spMkLst>
-        </pc:spChg>
-        <pc:spChg chg="add mod">
-          <ac:chgData name="Fingerhut, John Andy" userId="6ad675d3-541e-4813-9336-4804cd571dc7" providerId="ADAL" clId="{AB46A06D-E856-40B7-957C-0F50F3800040}" dt="2021-04-12T15:36:39.876" v="106" actId="692"/>
-          <ac:spMkLst>
-            <pc:docMk/>
-            <pc:sldMk cId="1091789387" sldId="273"/>
-            <ac:spMk id="5" creationId="{09605A1F-B696-46DC-AC49-F2C8B4EE6697}"/>
-          </ac:spMkLst>
-        </pc:spChg>
-        <pc:spChg chg="del">
-          <ac:chgData name="Fingerhut, John Andy" userId="6ad675d3-541e-4813-9336-4804cd571dc7" providerId="ADAL" clId="{AB46A06D-E856-40B7-957C-0F50F3800040}" dt="2021-04-12T15:32:47.355" v="2" actId="478"/>
-          <ac:spMkLst>
-            <pc:docMk/>
-            <pc:sldMk cId="1091789387" sldId="273"/>
-            <ac:spMk id="35" creationId="{8EB9B0E0-C169-48B3-BCE6-385310287F99}"/>
-          </ac:spMkLst>
-        </pc:spChg>
-        <pc:spChg chg="del">
-          <ac:chgData name="Fingerhut, John Andy" userId="6ad675d3-541e-4813-9336-4804cd571dc7" providerId="ADAL" clId="{AB46A06D-E856-40B7-957C-0F50F3800040}" dt="2021-04-12T15:32:47.355" v="2" actId="478"/>
-          <ac:spMkLst>
-            <pc:docMk/>
-            <pc:sldMk cId="1091789387" sldId="273"/>
-            <ac:spMk id="36" creationId="{3ED9F1BC-576A-4EF3-9876-126695A64636}"/>
-          </ac:spMkLst>
-        </pc:spChg>
-        <pc:spChg chg="del">
-          <ac:chgData name="Fingerhut, John Andy" userId="6ad675d3-541e-4813-9336-4804cd571dc7" providerId="ADAL" clId="{AB46A06D-E856-40B7-957C-0F50F3800040}" dt="2021-04-12T15:32:47.355" v="2" actId="478"/>
-          <ac:spMkLst>
-            <pc:docMk/>
-            <pc:sldMk cId="1091789387" sldId="273"/>
-            <ac:spMk id="37" creationId="{FEF6D1E8-CAD9-4D86-8016-9DF9D3A426B1}"/>
-          </ac:spMkLst>
-        </pc:spChg>
-        <pc:spChg chg="del">
-          <ac:chgData name="Fingerhut, John Andy" userId="6ad675d3-541e-4813-9336-4804cd571dc7" providerId="ADAL" clId="{AB46A06D-E856-40B7-957C-0F50F3800040}" dt="2021-04-12T15:32:47.355" v="2" actId="478"/>
-          <ac:spMkLst>
-            <pc:docMk/>
-            <pc:sldMk cId="1091789387" sldId="273"/>
-            <ac:spMk id="40" creationId="{A99932A6-6BD7-4FD1-93C8-8E131159E42A}"/>
-          </ac:spMkLst>
-        </pc:spChg>
-        <pc:spChg chg="del">
-          <ac:chgData name="Fingerhut, John Andy" userId="6ad675d3-541e-4813-9336-4804cd571dc7" providerId="ADAL" clId="{AB46A06D-E856-40B7-957C-0F50F3800040}" dt="2021-04-12T15:32:47.355" v="2" actId="478"/>
-          <ac:spMkLst>
-            <pc:docMk/>
-            <pc:sldMk cId="1091789387" sldId="273"/>
-            <ac:spMk id="41" creationId="{92344D8E-30F6-4766-B972-809C391435CC}"/>
-          </ac:spMkLst>
-        </pc:spChg>
-        <pc:spChg chg="add del mod">
-          <ac:chgData name="Fingerhut, John Andy" userId="6ad675d3-541e-4813-9336-4804cd571dc7" providerId="ADAL" clId="{AB46A06D-E856-40B7-957C-0F50F3800040}" dt="2021-04-12T15:32:44.138" v="1"/>
-          <ac:spMkLst>
-            <pc:docMk/>
-            <pc:sldMk cId="1091789387" sldId="273"/>
-            <ac:spMk id="99" creationId="{DF154993-B5D2-467D-9DB2-E5E2933F6E0F}"/>
-          </ac:spMkLst>
-        </pc:spChg>
-        <pc:spChg chg="add del mod">
-          <ac:chgData name="Fingerhut, John Andy" userId="6ad675d3-541e-4813-9336-4804cd571dc7" providerId="ADAL" clId="{AB46A06D-E856-40B7-957C-0F50F3800040}" dt="2021-04-12T15:32:44.138" v="1"/>
-          <ac:spMkLst>
-            <pc:docMk/>
-            <pc:sldMk cId="1091789387" sldId="273"/>
-            <ac:spMk id="101" creationId="{30EECFD2-3AE2-4F67-9DB2-3C4C7D08A595}"/>
-          </ac:spMkLst>
-        </pc:spChg>
-        <pc:spChg chg="add del mod">
-          <ac:chgData name="Fingerhut, John Andy" userId="6ad675d3-541e-4813-9336-4804cd571dc7" providerId="ADAL" clId="{AB46A06D-E856-40B7-957C-0F50F3800040}" dt="2021-04-12T15:32:44.138" v="1"/>
-          <ac:spMkLst>
-            <pc:docMk/>
-            <pc:sldMk cId="1091789387" sldId="273"/>
-            <ac:spMk id="102" creationId="{0D2E6344-D307-448C-AF03-415E586FFFD5}"/>
-          </ac:spMkLst>
-        </pc:spChg>
-        <pc:spChg chg="add del mod">
-          <ac:chgData name="Fingerhut, John Andy" userId="6ad675d3-541e-4813-9336-4804cd571dc7" providerId="ADAL" clId="{AB46A06D-E856-40B7-957C-0F50F3800040}" dt="2021-04-12T15:32:44.138" v="1"/>
-          <ac:spMkLst>
-            <pc:docMk/>
-            <pc:sldMk cId="1091789387" sldId="273"/>
-            <ac:spMk id="103" creationId="{693B84CA-4704-4EEE-AF80-7762AD00C5F0}"/>
-          </ac:spMkLst>
-        </pc:spChg>
-        <pc:spChg chg="add del mod">
-          <ac:chgData name="Fingerhut, John Andy" userId="6ad675d3-541e-4813-9336-4804cd571dc7" providerId="ADAL" clId="{AB46A06D-E856-40B7-957C-0F50F3800040}" dt="2021-04-12T15:32:44.138" v="1"/>
-          <ac:spMkLst>
-            <pc:docMk/>
-            <pc:sldMk cId="1091789387" sldId="273"/>
-            <ac:spMk id="104" creationId="{875D7F5B-4EA5-443A-B8DC-CCEBD3679FA2}"/>
-          </ac:spMkLst>
-        </pc:spChg>
-        <pc:spChg chg="add del mod">
-          <ac:chgData name="Fingerhut, John Andy" userId="6ad675d3-541e-4813-9336-4804cd571dc7" providerId="ADAL" clId="{AB46A06D-E856-40B7-957C-0F50F3800040}" dt="2021-04-12T15:32:44.138" v="1"/>
-          <ac:spMkLst>
-            <pc:docMk/>
-            <pc:sldMk cId="1091789387" sldId="273"/>
-            <ac:spMk id="106" creationId="{6307626B-D62B-4FE0-9F83-3FCFD39F5804}"/>
-          </ac:spMkLst>
-        </pc:spChg>
-        <pc:spChg chg="add del mod">
-          <ac:chgData name="Fingerhut, John Andy" userId="6ad675d3-541e-4813-9336-4804cd571dc7" providerId="ADAL" clId="{AB46A06D-E856-40B7-957C-0F50F3800040}" dt="2021-04-12T15:32:44.138" v="1"/>
-          <ac:spMkLst>
-            <pc:docMk/>
-            <pc:sldMk cId="1091789387" sldId="273"/>
-            <ac:spMk id="107" creationId="{C20C6513-F229-4E3B-A4F7-0243576D959F}"/>
-          </ac:spMkLst>
-        </pc:spChg>
-        <pc:spChg chg="add del mod">
-          <ac:chgData name="Fingerhut, John Andy" userId="6ad675d3-541e-4813-9336-4804cd571dc7" providerId="ADAL" clId="{AB46A06D-E856-40B7-957C-0F50F3800040}" dt="2021-04-12T15:32:44.138" v="1"/>
-          <ac:spMkLst>
-            <pc:docMk/>
-            <pc:sldMk cId="1091789387" sldId="273"/>
-            <ac:spMk id="108" creationId="{4BACC077-B34D-4B9F-9E51-1615A14B9B38}"/>
-          </ac:spMkLst>
-        </pc:spChg>
-        <pc:spChg chg="add del mod">
-          <ac:chgData name="Fingerhut, John Andy" userId="6ad675d3-541e-4813-9336-4804cd571dc7" providerId="ADAL" clId="{AB46A06D-E856-40B7-957C-0F50F3800040}" dt="2021-04-12T15:32:44.138" v="1"/>
-          <ac:spMkLst>
-            <pc:docMk/>
-            <pc:sldMk cId="1091789387" sldId="273"/>
-            <ac:spMk id="109" creationId="{E42FE87D-EDA4-444C-921E-A0362F0804C6}"/>
-          </ac:spMkLst>
-        </pc:spChg>
-        <pc:spChg chg="del">
-          <ac:chgData name="Fingerhut, John Andy" userId="6ad675d3-541e-4813-9336-4804cd571dc7" providerId="ADAL" clId="{AB46A06D-E856-40B7-957C-0F50F3800040}" dt="2021-04-12T15:32:47.355" v="2" actId="478"/>
-          <ac:spMkLst>
-            <pc:docMk/>
-            <pc:sldMk cId="1091789387" sldId="273"/>
-            <ac:spMk id="110" creationId="{CBF41200-6B39-49A7-85D4-64606C55105F}"/>
-          </ac:spMkLst>
-        </pc:spChg>
-        <pc:spChg chg="del">
-          <ac:chgData name="Fingerhut, John Andy" userId="6ad675d3-541e-4813-9336-4804cd571dc7" providerId="ADAL" clId="{AB46A06D-E856-40B7-957C-0F50F3800040}" dt="2021-04-12T15:32:47.355" v="2" actId="478"/>
-          <ac:spMkLst>
-            <pc:docMk/>
-            <pc:sldMk cId="1091789387" sldId="273"/>
-            <ac:spMk id="111" creationId="{8EF40A48-3C9D-4A24-A40E-E4870584BA66}"/>
-          </ac:spMkLst>
-        </pc:spChg>
-        <pc:spChg chg="del">
-          <ac:chgData name="Fingerhut, John Andy" userId="6ad675d3-541e-4813-9336-4804cd571dc7" providerId="ADAL" clId="{AB46A06D-E856-40B7-957C-0F50F3800040}" dt="2021-04-12T15:32:47.355" v="2" actId="478"/>
-          <ac:spMkLst>
-            <pc:docMk/>
-            <pc:sldMk cId="1091789387" sldId="273"/>
-            <ac:spMk id="113" creationId="{58FA7448-7B0F-43F4-A246-03BDB307CBC0}"/>
-          </ac:spMkLst>
-        </pc:spChg>
-        <pc:spChg chg="del">
-          <ac:chgData name="Fingerhut, John Andy" userId="6ad675d3-541e-4813-9336-4804cd571dc7" providerId="ADAL" clId="{AB46A06D-E856-40B7-957C-0F50F3800040}" dt="2021-04-12T15:32:47.355" v="2" actId="478"/>
-          <ac:spMkLst>
-            <pc:docMk/>
-            <pc:sldMk cId="1091789387" sldId="273"/>
-            <ac:spMk id="114" creationId="{8981AA32-2977-41CF-9174-51C16EB7A3C1}"/>
-          </ac:spMkLst>
-        </pc:spChg>
-        <pc:spChg chg="del">
-          <ac:chgData name="Fingerhut, John Andy" userId="6ad675d3-541e-4813-9336-4804cd571dc7" providerId="ADAL" clId="{AB46A06D-E856-40B7-957C-0F50F3800040}" dt="2021-04-12T15:32:47.355" v="2" actId="478"/>
-          <ac:spMkLst>
-            <pc:docMk/>
-            <pc:sldMk cId="1091789387" sldId="273"/>
-            <ac:spMk id="120" creationId="{27878CF7-E469-4A06-9E5C-918E6DCCBE40}"/>
-          </ac:spMkLst>
-        </pc:spChg>
-        <pc:spChg chg="del">
-          <ac:chgData name="Fingerhut, John Andy" userId="6ad675d3-541e-4813-9336-4804cd571dc7" providerId="ADAL" clId="{AB46A06D-E856-40B7-957C-0F50F3800040}" dt="2021-04-12T15:32:47.355" v="2" actId="478"/>
-          <ac:spMkLst>
-            <pc:docMk/>
-            <pc:sldMk cId="1091789387" sldId="273"/>
-            <ac:spMk id="121" creationId="{C5B57169-1275-4E2F-A03B-8F7108AA0A55}"/>
-          </ac:spMkLst>
-        </pc:spChg>
-        <pc:spChg chg="mod">
-          <ac:chgData name="Fingerhut, John Andy" userId="6ad675d3-541e-4813-9336-4804cd571dc7" providerId="ADAL" clId="{AB46A06D-E856-40B7-957C-0F50F3800040}" dt="2021-04-12T15:32:41.886" v="0"/>
-          <ac:spMkLst>
-            <pc:docMk/>
-            <pc:sldMk cId="1091789387" sldId="273"/>
-            <ac:spMk id="136" creationId="{202CF88F-43F8-4779-B80F-6FC6808A6E02}"/>
-          </ac:spMkLst>
-        </pc:spChg>
-        <pc:spChg chg="del">
-          <ac:chgData name="Fingerhut, John Andy" userId="6ad675d3-541e-4813-9336-4804cd571dc7" providerId="ADAL" clId="{AB46A06D-E856-40B7-957C-0F50F3800040}" dt="2021-04-12T15:32:47.355" v="2" actId="478"/>
-          <ac:spMkLst>
-            <pc:docMk/>
-            <pc:sldMk cId="1091789387" sldId="273"/>
-            <ac:spMk id="138" creationId="{69446477-9F3C-4C1B-897E-FE05C5B55386}"/>
-          </ac:spMkLst>
-        </pc:spChg>
-        <pc:spChg chg="mod">
-          <ac:chgData name="Fingerhut, John Andy" userId="6ad675d3-541e-4813-9336-4804cd571dc7" providerId="ADAL" clId="{AB46A06D-E856-40B7-957C-0F50F3800040}" dt="2021-04-12T15:32:41.886" v="0"/>
-          <ac:spMkLst>
-            <pc:docMk/>
-            <pc:sldMk cId="1091789387" sldId="273"/>
-            <ac:spMk id="140" creationId="{8966223C-2CE9-4C4E-BB97-038394940500}"/>
-          </ac:spMkLst>
-        </pc:spChg>
-        <pc:spChg chg="mod">
-          <ac:chgData name="Fingerhut, John Andy" userId="6ad675d3-541e-4813-9336-4804cd571dc7" providerId="ADAL" clId="{AB46A06D-E856-40B7-957C-0F50F3800040}" dt="2021-04-12T15:32:41.886" v="0"/>
-          <ac:spMkLst>
-            <pc:docMk/>
-            <pc:sldMk cId="1091789387" sldId="273"/>
-            <ac:spMk id="141" creationId="{840E7056-8A5F-47BE-86C4-26EE02D025DC}"/>
-          </ac:spMkLst>
-        </pc:spChg>
-        <pc:spChg chg="mod">
-          <ac:chgData name="Fingerhut, John Andy" userId="6ad675d3-541e-4813-9336-4804cd571dc7" providerId="ADAL" clId="{AB46A06D-E856-40B7-957C-0F50F3800040}" dt="2021-04-12T15:32:41.886" v="0"/>
-          <ac:spMkLst>
-            <pc:docMk/>
-            <pc:sldMk cId="1091789387" sldId="273"/>
-            <ac:spMk id="142" creationId="{0F5C23FC-BE8B-4E89-93FA-2B3261B9C3A6}"/>
-          </ac:spMkLst>
-        </pc:spChg>
-        <pc:spChg chg="mod">
-          <ac:chgData name="Fingerhut, John Andy" userId="6ad675d3-541e-4813-9336-4804cd571dc7" providerId="ADAL" clId="{AB46A06D-E856-40B7-957C-0F50F3800040}" dt="2021-04-12T15:32:41.886" v="0"/>
-          <ac:spMkLst>
-            <pc:docMk/>
-            <pc:sldMk cId="1091789387" sldId="273"/>
-            <ac:spMk id="145" creationId="{CE5DFBF1-1A0A-4FDA-BD99-9C4FFEDDEF7F}"/>
-          </ac:spMkLst>
-        </pc:spChg>
-        <pc:spChg chg="mod">
-          <ac:chgData name="Fingerhut, John Andy" userId="6ad675d3-541e-4813-9336-4804cd571dc7" providerId="ADAL" clId="{AB46A06D-E856-40B7-957C-0F50F3800040}" dt="2021-04-12T15:32:41.886" v="0"/>
-          <ac:spMkLst>
-            <pc:docMk/>
-            <pc:sldMk cId="1091789387" sldId="273"/>
-            <ac:spMk id="146" creationId="{94CE705A-03BB-464D-89B9-F67C6B12FD43}"/>
-          </ac:spMkLst>
-        </pc:spChg>
-        <pc:spChg chg="mod">
-          <ac:chgData name="Fingerhut, John Andy" userId="6ad675d3-541e-4813-9336-4804cd571dc7" providerId="ADAL" clId="{AB46A06D-E856-40B7-957C-0F50F3800040}" dt="2021-04-12T15:32:41.886" v="0"/>
-          <ac:spMkLst>
-            <pc:docMk/>
-            <pc:sldMk cId="1091789387" sldId="273"/>
-            <ac:spMk id="147" creationId="{5C1CE12D-7A9A-4CDF-89A4-8BEFE916ABA5}"/>
-          </ac:spMkLst>
-        </pc:spChg>
-        <pc:spChg chg="del">
-          <ac:chgData name="Fingerhut, John Andy" userId="6ad675d3-541e-4813-9336-4804cd571dc7" providerId="ADAL" clId="{AB46A06D-E856-40B7-957C-0F50F3800040}" dt="2021-04-12T15:32:47.355" v="2" actId="478"/>
-          <ac:spMkLst>
-            <pc:docMk/>
-            <pc:sldMk cId="1091789387" sldId="273"/>
-            <ac:spMk id="148" creationId="{0E3FF64B-C6A6-4736-9847-96B6371F20AE}"/>
-          </ac:spMkLst>
-        </pc:spChg>
-        <pc:spChg chg="del">
-          <ac:chgData name="Fingerhut, John Andy" userId="6ad675d3-541e-4813-9336-4804cd571dc7" providerId="ADAL" clId="{AB46A06D-E856-40B7-957C-0F50F3800040}" dt="2021-04-12T15:32:47.355" v="2" actId="478"/>
-          <ac:spMkLst>
-            <pc:docMk/>
-            <pc:sldMk cId="1091789387" sldId="273"/>
-            <ac:spMk id="155" creationId="{9A9B0175-8F65-42F2-977C-C24007A56A08}"/>
-          </ac:spMkLst>
-        </pc:spChg>
-        <pc:spChg chg="mod">
-          <ac:chgData name="Fingerhut, John Andy" userId="6ad675d3-541e-4813-9336-4804cd571dc7" providerId="ADAL" clId="{AB46A06D-E856-40B7-957C-0F50F3800040}" dt="2021-04-12T15:32:41.886" v="0"/>
-          <ac:spMkLst>
-            <pc:docMk/>
-            <pc:sldMk cId="1091789387" sldId="273"/>
-            <ac:spMk id="157" creationId="{8E9174FD-EB3D-4CA2-A9C1-EE9473A34FBC}"/>
-          </ac:spMkLst>
-        </pc:spChg>
-        <pc:spChg chg="mod">
-          <ac:chgData name="Fingerhut, John Andy" userId="6ad675d3-541e-4813-9336-4804cd571dc7" providerId="ADAL" clId="{AB46A06D-E856-40B7-957C-0F50F3800040}" dt="2021-04-12T15:32:41.886" v="0"/>
-          <ac:spMkLst>
-            <pc:docMk/>
-            <pc:sldMk cId="1091789387" sldId="273"/>
-            <ac:spMk id="160" creationId="{0B19CC28-9982-4C29-B275-38282C25DD5D}"/>
-          </ac:spMkLst>
-        </pc:spChg>
-        <pc:spChg chg="mod">
-          <ac:chgData name="Fingerhut, John Andy" userId="6ad675d3-541e-4813-9336-4804cd571dc7" providerId="ADAL" clId="{AB46A06D-E856-40B7-957C-0F50F3800040}" dt="2021-04-12T15:32:41.886" v="0"/>
-          <ac:spMkLst>
-            <pc:docMk/>
-            <pc:sldMk cId="1091789387" sldId="273"/>
-            <ac:spMk id="161" creationId="{B3952A62-11B9-4A79-B702-195F54F1D5D3}"/>
-          </ac:spMkLst>
-        </pc:spChg>
-        <pc:spChg chg="mod">
-          <ac:chgData name="Fingerhut, John Andy" userId="6ad675d3-541e-4813-9336-4804cd571dc7" providerId="ADAL" clId="{AB46A06D-E856-40B7-957C-0F50F3800040}" dt="2021-04-12T15:32:41.886" v="0"/>
-          <ac:spMkLst>
-            <pc:docMk/>
-            <pc:sldMk cId="1091789387" sldId="273"/>
-            <ac:spMk id="162" creationId="{3E014191-E832-43CD-BADA-B085324ECEF5}"/>
-          </ac:spMkLst>
-        </pc:spChg>
-        <pc:spChg chg="mod">
-          <ac:chgData name="Fingerhut, John Andy" userId="6ad675d3-541e-4813-9336-4804cd571dc7" providerId="ADAL" clId="{AB46A06D-E856-40B7-957C-0F50F3800040}" dt="2021-04-12T15:32:41.886" v="0"/>
-          <ac:spMkLst>
-            <pc:docMk/>
-            <pc:sldMk cId="1091789387" sldId="273"/>
-            <ac:spMk id="167" creationId="{9682E46A-4344-4181-AADE-D7D76FC86893}"/>
-          </ac:spMkLst>
-        </pc:spChg>
-        <pc:spChg chg="mod">
-          <ac:chgData name="Fingerhut, John Andy" userId="6ad675d3-541e-4813-9336-4804cd571dc7" providerId="ADAL" clId="{AB46A06D-E856-40B7-957C-0F50F3800040}" dt="2021-04-12T15:32:41.886" v="0"/>
-          <ac:spMkLst>
-            <pc:docMk/>
-            <pc:sldMk cId="1091789387" sldId="273"/>
-            <ac:spMk id="168" creationId="{EB1B70C0-A9F3-4D12-A9E9-E99BCA1ADB0B}"/>
-          </ac:spMkLst>
-        </pc:spChg>
-        <pc:spChg chg="mod">
-          <ac:chgData name="Fingerhut, John Andy" userId="6ad675d3-541e-4813-9336-4804cd571dc7" providerId="ADAL" clId="{AB46A06D-E856-40B7-957C-0F50F3800040}" dt="2021-04-12T15:32:41.886" v="0"/>
-          <ac:spMkLst>
-            <pc:docMk/>
-            <pc:sldMk cId="1091789387" sldId="273"/>
-            <ac:spMk id="169" creationId="{73136E89-D2B2-4847-87BF-8C0FE24226A9}"/>
-          </ac:spMkLst>
-        </pc:spChg>
-        <pc:spChg chg="add del mod">
-          <ac:chgData name="Fingerhut, John Andy" userId="6ad675d3-541e-4813-9336-4804cd571dc7" providerId="ADAL" clId="{AB46A06D-E856-40B7-957C-0F50F3800040}" dt="2021-04-12T15:32:44.138" v="1"/>
-          <ac:spMkLst>
-            <pc:docMk/>
-            <pc:sldMk cId="1091789387" sldId="273"/>
-            <ac:spMk id="174" creationId="{7C00C76F-E46B-4221-9DB9-152412D8BB7C}"/>
-          </ac:spMkLst>
-        </pc:spChg>
-        <pc:spChg chg="add del mod">
-          <ac:chgData name="Fingerhut, John Andy" userId="6ad675d3-541e-4813-9336-4804cd571dc7" providerId="ADAL" clId="{AB46A06D-E856-40B7-957C-0F50F3800040}" dt="2021-04-12T15:32:44.138" v="1"/>
-          <ac:spMkLst>
-            <pc:docMk/>
-            <pc:sldMk cId="1091789387" sldId="273"/>
-            <ac:spMk id="176" creationId="{F7A3B001-50F2-4DEE-869D-94A0257C0B95}"/>
-          </ac:spMkLst>
-        </pc:spChg>
-        <pc:spChg chg="del">
-          <ac:chgData name="Fingerhut, John Andy" userId="6ad675d3-541e-4813-9336-4804cd571dc7" providerId="ADAL" clId="{AB46A06D-E856-40B7-957C-0F50F3800040}" dt="2021-04-12T15:32:47.355" v="2" actId="478"/>
-          <ac:spMkLst>
-            <pc:docMk/>
-            <pc:sldMk cId="1091789387" sldId="273"/>
-            <ac:spMk id="184" creationId="{68FB0182-B326-448A-83DA-468E49772E39}"/>
-          </ac:spMkLst>
-        </pc:spChg>
-        <pc:spChg chg="add del mod">
-          <ac:chgData name="Fingerhut, John Andy" userId="6ad675d3-541e-4813-9336-4804cd571dc7" providerId="ADAL" clId="{AB46A06D-E856-40B7-957C-0F50F3800040}" dt="2021-04-12T15:32:44.138" v="1"/>
-          <ac:spMkLst>
-            <pc:docMk/>
-            <pc:sldMk cId="1091789387" sldId="273"/>
-            <ac:spMk id="185" creationId="{5118D163-FBF8-4267-89A8-8F502C348B73}"/>
-          </ac:spMkLst>
-        </pc:spChg>
-        <pc:spChg chg="add del mod">
-          <ac:chgData name="Fingerhut, John Andy" userId="6ad675d3-541e-4813-9336-4804cd571dc7" providerId="ADAL" clId="{AB46A06D-E856-40B7-957C-0F50F3800040}" dt="2021-04-12T15:32:44.138" v="1"/>
-          <ac:spMkLst>
-            <pc:docMk/>
-            <pc:sldMk cId="1091789387" sldId="273"/>
-            <ac:spMk id="186" creationId="{F72D7E2A-3DAB-4415-899B-41AFA1E63A0C}"/>
-          </ac:spMkLst>
-        </pc:spChg>
-        <pc:spChg chg="add del mod">
-          <ac:chgData name="Fingerhut, John Andy" userId="6ad675d3-541e-4813-9336-4804cd571dc7" providerId="ADAL" clId="{AB46A06D-E856-40B7-957C-0F50F3800040}" dt="2021-04-12T15:32:44.138" v="1"/>
-          <ac:spMkLst>
-            <pc:docMk/>
-            <pc:sldMk cId="1091789387" sldId="273"/>
-            <ac:spMk id="192" creationId="{F9780C7E-9AA2-44F3-83EE-0EFE04B3A646}"/>
-          </ac:spMkLst>
-        </pc:spChg>
-        <pc:spChg chg="add del mod">
-          <ac:chgData name="Fingerhut, John Andy" userId="6ad675d3-541e-4813-9336-4804cd571dc7" providerId="ADAL" clId="{AB46A06D-E856-40B7-957C-0F50F3800040}" dt="2021-04-12T15:32:44.138" v="1"/>
-          <ac:spMkLst>
-            <pc:docMk/>
-            <pc:sldMk cId="1091789387" sldId="273"/>
-            <ac:spMk id="195" creationId="{70DE2081-21DB-4A97-B181-28F801144DC5}"/>
-          </ac:spMkLst>
-        </pc:spChg>
-        <pc:spChg chg="add del mod">
-          <ac:chgData name="Fingerhut, John Andy" userId="6ad675d3-541e-4813-9336-4804cd571dc7" providerId="ADAL" clId="{AB46A06D-E856-40B7-957C-0F50F3800040}" dt="2021-04-12T15:32:44.138" v="1"/>
-          <ac:spMkLst>
-            <pc:docMk/>
-            <pc:sldMk cId="1091789387" sldId="273"/>
-            <ac:spMk id="197" creationId="{07AE5C22-7644-4CCA-B07E-0111A2C28AEE}"/>
-          </ac:spMkLst>
-        </pc:spChg>
-        <pc:spChg chg="add del mod">
-          <ac:chgData name="Fingerhut, John Andy" userId="6ad675d3-541e-4813-9336-4804cd571dc7" providerId="ADAL" clId="{AB46A06D-E856-40B7-957C-0F50F3800040}" dt="2021-04-12T15:32:44.138" v="1"/>
-          <ac:spMkLst>
-            <pc:docMk/>
-            <pc:sldMk cId="1091789387" sldId="273"/>
-            <ac:spMk id="198" creationId="{3CB371CB-06FA-42F7-984E-5706AC716344}"/>
-          </ac:spMkLst>
-        </pc:spChg>
-        <pc:spChg chg="del">
-          <ac:chgData name="Fingerhut, John Andy" userId="6ad675d3-541e-4813-9336-4804cd571dc7" providerId="ADAL" clId="{AB46A06D-E856-40B7-957C-0F50F3800040}" dt="2021-04-12T15:32:47.355" v="2" actId="478"/>
-          <ac:spMkLst>
-            <pc:docMk/>
-            <pc:sldMk cId="1091789387" sldId="273"/>
-            <ac:spMk id="200" creationId="{6143778A-3CAF-4C20-AA59-3CC193DB8BCB}"/>
-          </ac:spMkLst>
-        </pc:spChg>
-        <pc:spChg chg="add del mod">
-          <ac:chgData name="Fingerhut, John Andy" userId="6ad675d3-541e-4813-9336-4804cd571dc7" providerId="ADAL" clId="{AB46A06D-E856-40B7-957C-0F50F3800040}" dt="2021-04-12T15:32:44.138" v="1"/>
-          <ac:spMkLst>
-            <pc:docMk/>
-            <pc:sldMk cId="1091789387" sldId="273"/>
-            <ac:spMk id="201" creationId="{29D6930D-B1DC-4DAA-8DB0-62C3771250B0}"/>
-          </ac:spMkLst>
-        </pc:spChg>
-        <pc:spChg chg="add del mod">
-          <ac:chgData name="Fingerhut, John Andy" userId="6ad675d3-541e-4813-9336-4804cd571dc7" providerId="ADAL" clId="{AB46A06D-E856-40B7-957C-0F50F3800040}" dt="2021-04-12T15:32:44.138" v="1"/>
-          <ac:spMkLst>
-            <pc:docMk/>
-            <pc:sldMk cId="1091789387" sldId="273"/>
-            <ac:spMk id="202" creationId="{104AC59B-361A-4E95-8913-B0823B8C22DD}"/>
-          </ac:spMkLst>
-        </pc:spChg>
-        <pc:spChg chg="add del mod">
-          <ac:chgData name="Fingerhut, John Andy" userId="6ad675d3-541e-4813-9336-4804cd571dc7" providerId="ADAL" clId="{AB46A06D-E856-40B7-957C-0F50F3800040}" dt="2021-04-12T15:32:44.138" v="1"/>
-          <ac:spMkLst>
-            <pc:docMk/>
-            <pc:sldMk cId="1091789387" sldId="273"/>
-            <ac:spMk id="214" creationId="{1ADD1B90-AEF5-4B9B-80E5-56712156B296}"/>
-          </ac:spMkLst>
-        </pc:spChg>
-        <pc:spChg chg="add del mod">
-          <ac:chgData name="Fingerhut, John Andy" userId="6ad675d3-541e-4813-9336-4804cd571dc7" providerId="ADAL" clId="{AB46A06D-E856-40B7-957C-0F50F3800040}" dt="2021-04-12T15:32:44.138" v="1"/>
-          <ac:spMkLst>
-            <pc:docMk/>
-            <pc:sldMk cId="1091789387" sldId="273"/>
-            <ac:spMk id="216" creationId="{FB5D1D01-A715-4911-B0C3-290CBC8DE702}"/>
-          </ac:spMkLst>
-        </pc:spChg>
-        <pc:spChg chg="add del mod">
-          <ac:chgData name="Fingerhut, John Andy" userId="6ad675d3-541e-4813-9336-4804cd571dc7" providerId="ADAL" clId="{AB46A06D-E856-40B7-957C-0F50F3800040}" dt="2021-04-12T15:32:44.138" v="1"/>
-          <ac:spMkLst>
-            <pc:docMk/>
-            <pc:sldMk cId="1091789387" sldId="273"/>
-            <ac:spMk id="219" creationId="{752CE54C-9E9C-4E0D-A4A7-CE2F12DF3FFE}"/>
-          </ac:spMkLst>
-        </pc:spChg>
-        <pc:spChg chg="add mod">
-          <ac:chgData name="Fingerhut, John Andy" userId="6ad675d3-541e-4813-9336-4804cd571dc7" providerId="ADAL" clId="{AB46A06D-E856-40B7-957C-0F50F3800040}" dt="2021-04-12T15:32:47.971" v="3"/>
-          <ac:spMkLst>
-            <pc:docMk/>
-            <pc:sldMk cId="1091789387" sldId="273"/>
-            <ac:spMk id="222" creationId="{266099EA-ACC6-4078-B069-B852B2050CE6}"/>
-          </ac:spMkLst>
-        </pc:spChg>
-        <pc:spChg chg="add mod">
-          <ac:chgData name="Fingerhut, John Andy" userId="6ad675d3-541e-4813-9336-4804cd571dc7" providerId="ADAL" clId="{AB46A06D-E856-40B7-957C-0F50F3800040}" dt="2021-04-12T15:32:47.971" v="3"/>
-          <ac:spMkLst>
-            <pc:docMk/>
-            <pc:sldMk cId="1091789387" sldId="273"/>
-            <ac:spMk id="223" creationId="{A028C3F0-E2D9-48A3-A1EC-A86001815691}"/>
-          </ac:spMkLst>
-        </pc:spChg>
-        <pc:spChg chg="add mod">
-          <ac:chgData name="Fingerhut, John Andy" userId="6ad675d3-541e-4813-9336-4804cd571dc7" providerId="ADAL" clId="{AB46A06D-E856-40B7-957C-0F50F3800040}" dt="2021-04-12T15:32:47.971" v="3"/>
-          <ac:spMkLst>
-            <pc:docMk/>
-            <pc:sldMk cId="1091789387" sldId="273"/>
-            <ac:spMk id="224" creationId="{319FE9D4-53FF-4EC3-8286-AC455816A8D2}"/>
-          </ac:spMkLst>
-        </pc:spChg>
-        <pc:spChg chg="add mod">
-          <ac:chgData name="Fingerhut, John Andy" userId="6ad675d3-541e-4813-9336-4804cd571dc7" providerId="ADAL" clId="{AB46A06D-E856-40B7-957C-0F50F3800040}" dt="2021-04-12T15:32:47.971" v="3"/>
-          <ac:spMkLst>
-            <pc:docMk/>
-            <pc:sldMk cId="1091789387" sldId="273"/>
-            <ac:spMk id="225" creationId="{D77F621A-AF1F-4682-9574-F1162A46B3CF}"/>
-          </ac:spMkLst>
-        </pc:spChg>
-        <pc:spChg chg="add mod">
-          <ac:chgData name="Fingerhut, John Andy" userId="6ad675d3-541e-4813-9336-4804cd571dc7" providerId="ADAL" clId="{AB46A06D-E856-40B7-957C-0F50F3800040}" dt="2021-04-12T15:32:47.971" v="3"/>
-          <ac:spMkLst>
-            <pc:docMk/>
-            <pc:sldMk cId="1091789387" sldId="273"/>
-            <ac:spMk id="226" creationId="{EDE8BA1F-87A2-490D-B7E5-0F00B58003A6}"/>
-          </ac:spMkLst>
-        </pc:spChg>
-        <pc:spChg chg="add mod">
-          <ac:chgData name="Fingerhut, John Andy" userId="6ad675d3-541e-4813-9336-4804cd571dc7" providerId="ADAL" clId="{AB46A06D-E856-40B7-957C-0F50F3800040}" dt="2021-04-12T15:32:47.971" v="3"/>
-          <ac:spMkLst>
-            <pc:docMk/>
-            <pc:sldMk cId="1091789387" sldId="273"/>
-            <ac:spMk id="227" creationId="{CA4323CB-ADAC-4ED5-AD4C-9DEC465AC37E}"/>
-          </ac:spMkLst>
-        </pc:spChg>
-        <pc:spChg chg="add mod">
-          <ac:chgData name="Fingerhut, John Andy" userId="6ad675d3-541e-4813-9336-4804cd571dc7" providerId="ADAL" clId="{AB46A06D-E856-40B7-957C-0F50F3800040}" dt="2021-04-12T15:32:47.971" v="3"/>
-          <ac:spMkLst>
-            <pc:docMk/>
-            <pc:sldMk cId="1091789387" sldId="273"/>
-            <ac:spMk id="228" creationId="{BF72167F-9D28-44BD-8402-6E8E588D1E32}"/>
-          </ac:spMkLst>
-        </pc:spChg>
-        <pc:spChg chg="add mod">
-          <ac:chgData name="Fingerhut, John Andy" userId="6ad675d3-541e-4813-9336-4804cd571dc7" providerId="ADAL" clId="{AB46A06D-E856-40B7-957C-0F50F3800040}" dt="2021-04-12T15:32:47.971" v="3"/>
-          <ac:spMkLst>
-            <pc:docMk/>
-            <pc:sldMk cId="1091789387" sldId="273"/>
-            <ac:spMk id="229" creationId="{EC47DCBD-93C9-4B30-A048-58347E5CCC5C}"/>
-          </ac:spMkLst>
-        </pc:spChg>
-        <pc:spChg chg="add mod">
-          <ac:chgData name="Fingerhut, John Andy" userId="6ad675d3-541e-4813-9336-4804cd571dc7" providerId="ADAL" clId="{AB46A06D-E856-40B7-957C-0F50F3800040}" dt="2021-04-12T15:32:47.971" v="3"/>
-          <ac:spMkLst>
-            <pc:docMk/>
-            <pc:sldMk cId="1091789387" sldId="273"/>
-            <ac:spMk id="230" creationId="{A984E7E2-CBFA-4994-AA26-E806CCB6F70E}"/>
-          </ac:spMkLst>
-        </pc:spChg>
-        <pc:spChg chg="mod">
-          <ac:chgData name="Fingerhut, John Andy" userId="6ad675d3-541e-4813-9336-4804cd571dc7" providerId="ADAL" clId="{AB46A06D-E856-40B7-957C-0F50F3800040}" dt="2021-04-12T15:32:47.971" v="3"/>
-          <ac:spMkLst>
-            <pc:docMk/>
-            <pc:sldMk cId="1091789387" sldId="273"/>
-            <ac:spMk id="242" creationId="{CC6D63A5-9D88-4DDA-A7E2-79047D65455A}"/>
-          </ac:spMkLst>
-        </pc:spChg>
-        <pc:spChg chg="mod">
-          <ac:chgData name="Fingerhut, John Andy" userId="6ad675d3-541e-4813-9336-4804cd571dc7" providerId="ADAL" clId="{AB46A06D-E856-40B7-957C-0F50F3800040}" dt="2021-04-12T15:32:47.971" v="3"/>
-          <ac:spMkLst>
-            <pc:docMk/>
-            <pc:sldMk cId="1091789387" sldId="273"/>
-            <ac:spMk id="245" creationId="{C2C6849C-5149-4135-9B52-DF9C58854811}"/>
-          </ac:spMkLst>
-        </pc:spChg>
-        <pc:spChg chg="mod">
-          <ac:chgData name="Fingerhut, John Andy" userId="6ad675d3-541e-4813-9336-4804cd571dc7" providerId="ADAL" clId="{AB46A06D-E856-40B7-957C-0F50F3800040}" dt="2021-04-12T15:32:47.971" v="3"/>
-          <ac:spMkLst>
-            <pc:docMk/>
-            <pc:sldMk cId="1091789387" sldId="273"/>
-            <ac:spMk id="246" creationId="{0BA30467-5A2B-4F23-BC71-D82E690613AB}"/>
-          </ac:spMkLst>
-        </pc:spChg>
-        <pc:spChg chg="mod">
-          <ac:chgData name="Fingerhut, John Andy" userId="6ad675d3-541e-4813-9336-4804cd571dc7" providerId="ADAL" clId="{AB46A06D-E856-40B7-957C-0F50F3800040}" dt="2021-04-12T15:32:47.971" v="3"/>
-          <ac:spMkLst>
-            <pc:docMk/>
-            <pc:sldMk cId="1091789387" sldId="273"/>
-            <ac:spMk id="247" creationId="{8F9EB285-79CF-4156-A067-E0D9B954F9FB}"/>
-          </ac:spMkLst>
-        </pc:spChg>
-        <pc:spChg chg="mod">
-          <ac:chgData name="Fingerhut, John Andy" userId="6ad675d3-541e-4813-9336-4804cd571dc7" providerId="ADAL" clId="{AB46A06D-E856-40B7-957C-0F50F3800040}" dt="2021-04-12T15:32:47.971" v="3"/>
-          <ac:spMkLst>
-            <pc:docMk/>
-            <pc:sldMk cId="1091789387" sldId="273"/>
-            <ac:spMk id="250" creationId="{DE6F5B0E-AD8C-497A-AD7E-59F4EA9CF3A7}"/>
-          </ac:spMkLst>
-        </pc:spChg>
-        <pc:spChg chg="mod">
-          <ac:chgData name="Fingerhut, John Andy" userId="6ad675d3-541e-4813-9336-4804cd571dc7" providerId="ADAL" clId="{AB46A06D-E856-40B7-957C-0F50F3800040}" dt="2021-04-12T15:32:47.971" v="3"/>
-          <ac:spMkLst>
-            <pc:docMk/>
-            <pc:sldMk cId="1091789387" sldId="273"/>
-            <ac:spMk id="251" creationId="{F87431F3-DBD6-48C5-9D50-412E6199F245}"/>
-          </ac:spMkLst>
-        </pc:spChg>
-        <pc:spChg chg="mod">
-          <ac:chgData name="Fingerhut, John Andy" userId="6ad675d3-541e-4813-9336-4804cd571dc7" providerId="ADAL" clId="{AB46A06D-E856-40B7-957C-0F50F3800040}" dt="2021-04-12T15:32:47.971" v="3"/>
-          <ac:spMkLst>
-            <pc:docMk/>
-            <pc:sldMk cId="1091789387" sldId="273"/>
-            <ac:spMk id="252" creationId="{B849BBD3-A5B9-4E17-813E-D69D581EE6DC}"/>
-          </ac:spMkLst>
-        </pc:spChg>
-        <pc:spChg chg="mod">
-          <ac:chgData name="Fingerhut, John Andy" userId="6ad675d3-541e-4813-9336-4804cd571dc7" providerId="ADAL" clId="{AB46A06D-E856-40B7-957C-0F50F3800040}" dt="2021-04-12T15:32:47.971" v="3"/>
-          <ac:spMkLst>
-            <pc:docMk/>
-            <pc:sldMk cId="1091789387" sldId="273"/>
-            <ac:spMk id="259" creationId="{E382B92E-664A-4573-B636-0157070B835C}"/>
-          </ac:spMkLst>
-        </pc:spChg>
-        <pc:spChg chg="mod">
-          <ac:chgData name="Fingerhut, John Andy" userId="6ad675d3-541e-4813-9336-4804cd571dc7" providerId="ADAL" clId="{AB46A06D-E856-40B7-957C-0F50F3800040}" dt="2021-04-12T15:32:47.971" v="3"/>
-          <ac:spMkLst>
-            <pc:docMk/>
-            <pc:sldMk cId="1091789387" sldId="273"/>
-            <ac:spMk id="262" creationId="{E739ED30-7A02-425A-92E3-566A3D7D624A}"/>
-          </ac:spMkLst>
-        </pc:spChg>
-        <pc:spChg chg="mod">
-          <ac:chgData name="Fingerhut, John Andy" userId="6ad675d3-541e-4813-9336-4804cd571dc7" providerId="ADAL" clId="{AB46A06D-E856-40B7-957C-0F50F3800040}" dt="2021-04-12T15:32:47.971" v="3"/>
-          <ac:spMkLst>
-            <pc:docMk/>
-            <pc:sldMk cId="1091789387" sldId="273"/>
-            <ac:spMk id="263" creationId="{9CD43880-5503-49E1-95C6-808A00B687F7}"/>
-          </ac:spMkLst>
-        </pc:spChg>
-        <pc:spChg chg="mod">
-          <ac:chgData name="Fingerhut, John Andy" userId="6ad675d3-541e-4813-9336-4804cd571dc7" providerId="ADAL" clId="{AB46A06D-E856-40B7-957C-0F50F3800040}" dt="2021-04-12T15:32:47.971" v="3"/>
-          <ac:spMkLst>
-            <pc:docMk/>
-            <pc:sldMk cId="1091789387" sldId="273"/>
-            <ac:spMk id="264" creationId="{B8558D66-F563-4619-BBDC-4F3FF8118DE8}"/>
-          </ac:spMkLst>
-        </pc:spChg>
-        <pc:spChg chg="mod">
-          <ac:chgData name="Fingerhut, John Andy" userId="6ad675d3-541e-4813-9336-4804cd571dc7" providerId="ADAL" clId="{AB46A06D-E856-40B7-957C-0F50F3800040}" dt="2021-04-12T15:32:47.971" v="3"/>
-          <ac:spMkLst>
-            <pc:docMk/>
-            <pc:sldMk cId="1091789387" sldId="273"/>
-            <ac:spMk id="267" creationId="{BCF9FCC9-5798-40FD-ABAC-34BB060F0EBB}"/>
-          </ac:spMkLst>
-        </pc:spChg>
-        <pc:spChg chg="mod">
-          <ac:chgData name="Fingerhut, John Andy" userId="6ad675d3-541e-4813-9336-4804cd571dc7" providerId="ADAL" clId="{AB46A06D-E856-40B7-957C-0F50F3800040}" dt="2021-04-12T15:32:47.971" v="3"/>
-          <ac:spMkLst>
-            <pc:docMk/>
-            <pc:sldMk cId="1091789387" sldId="273"/>
-            <ac:spMk id="268" creationId="{99CF885C-AA89-4F44-AEEF-0292B6575942}"/>
-          </ac:spMkLst>
-        </pc:spChg>
-        <pc:spChg chg="mod">
-          <ac:chgData name="Fingerhut, John Andy" userId="6ad675d3-541e-4813-9336-4804cd571dc7" providerId="ADAL" clId="{AB46A06D-E856-40B7-957C-0F50F3800040}" dt="2021-04-12T15:32:47.971" v="3"/>
-          <ac:spMkLst>
-            <pc:docMk/>
-            <pc:sldMk cId="1091789387" sldId="273"/>
-            <ac:spMk id="269" creationId="{87FED087-287F-4559-A3A8-206139F371EB}"/>
-          </ac:spMkLst>
-        </pc:spChg>
-        <pc:spChg chg="add mod">
-          <ac:chgData name="Fingerhut, John Andy" userId="6ad675d3-541e-4813-9336-4804cd571dc7" providerId="ADAL" clId="{AB46A06D-E856-40B7-957C-0F50F3800040}" dt="2021-04-12T15:32:47.971" v="3"/>
-          <ac:spMkLst>
-            <pc:docMk/>
-            <pc:sldMk cId="1091789387" sldId="273"/>
-            <ac:spMk id="273" creationId="{A944B993-D7E2-4EBE-8E83-C3708249E589}"/>
-          </ac:spMkLst>
-        </pc:spChg>
-        <pc:spChg chg="add mod">
-          <ac:chgData name="Fingerhut, John Andy" userId="6ad675d3-541e-4813-9336-4804cd571dc7" providerId="ADAL" clId="{AB46A06D-E856-40B7-957C-0F50F3800040}" dt="2021-04-12T15:32:47.971" v="3"/>
-          <ac:spMkLst>
-            <pc:docMk/>
-            <pc:sldMk cId="1091789387" sldId="273"/>
-            <ac:spMk id="274" creationId="{FA122D6D-249C-4715-B438-29650AAC2F6B}"/>
-          </ac:spMkLst>
-        </pc:spChg>
-        <pc:spChg chg="add mod">
-          <ac:chgData name="Fingerhut, John Andy" userId="6ad675d3-541e-4813-9336-4804cd571dc7" providerId="ADAL" clId="{AB46A06D-E856-40B7-957C-0F50F3800040}" dt="2021-04-12T15:32:47.971" v="3"/>
-          <ac:spMkLst>
-            <pc:docMk/>
-            <pc:sldMk cId="1091789387" sldId="273"/>
-            <ac:spMk id="276" creationId="{B6A9F9C8-0B3A-408C-BF6E-3F54FE02E4D0}"/>
-          </ac:spMkLst>
-        </pc:spChg>
-        <pc:spChg chg="add mod">
-          <ac:chgData name="Fingerhut, John Andy" userId="6ad675d3-541e-4813-9336-4804cd571dc7" providerId="ADAL" clId="{AB46A06D-E856-40B7-957C-0F50F3800040}" dt="2021-04-12T15:32:47.971" v="3"/>
-          <ac:spMkLst>
-            <pc:docMk/>
-            <pc:sldMk cId="1091789387" sldId="273"/>
-            <ac:spMk id="277" creationId="{A550955F-E587-4E41-9780-79D794CCDF68}"/>
-          </ac:spMkLst>
-        </pc:spChg>
-        <pc:spChg chg="add mod">
-          <ac:chgData name="Fingerhut, John Andy" userId="6ad675d3-541e-4813-9336-4804cd571dc7" providerId="ADAL" clId="{AB46A06D-E856-40B7-957C-0F50F3800040}" dt="2021-04-12T15:32:47.971" v="3"/>
-          <ac:spMkLst>
-            <pc:docMk/>
-            <pc:sldMk cId="1091789387" sldId="273"/>
-            <ac:spMk id="283" creationId="{5D6A279C-2804-4242-AD41-B5BFE673A44A}"/>
-          </ac:spMkLst>
-        </pc:spChg>
-        <pc:spChg chg="add mod">
-          <ac:chgData name="Fingerhut, John Andy" userId="6ad675d3-541e-4813-9336-4804cd571dc7" providerId="ADAL" clId="{AB46A06D-E856-40B7-957C-0F50F3800040}" dt="2021-04-12T15:32:47.971" v="3"/>
-          <ac:spMkLst>
-            <pc:docMk/>
-            <pc:sldMk cId="1091789387" sldId="273"/>
-            <ac:spMk id="286" creationId="{C2862EDF-6CB8-473B-96F0-7B08BA4372DC}"/>
-          </ac:spMkLst>
-        </pc:spChg>
-        <pc:spChg chg="add mod">
-          <ac:chgData name="Fingerhut, John Andy" userId="6ad675d3-541e-4813-9336-4804cd571dc7" providerId="ADAL" clId="{AB46A06D-E856-40B7-957C-0F50F3800040}" dt="2021-04-12T15:32:47.971" v="3"/>
-          <ac:spMkLst>
-            <pc:docMk/>
-            <pc:sldMk cId="1091789387" sldId="273"/>
-            <ac:spMk id="287" creationId="{BC313380-86A5-40BC-857A-1E9599CB7604}"/>
-          </ac:spMkLst>
-        </pc:spChg>
-        <pc:spChg chg="add mod">
-          <ac:chgData name="Fingerhut, John Andy" userId="6ad675d3-541e-4813-9336-4804cd571dc7" providerId="ADAL" clId="{AB46A06D-E856-40B7-957C-0F50F3800040}" dt="2021-04-12T15:32:47.971" v="3"/>
-          <ac:spMkLst>
-            <pc:docMk/>
-            <pc:sldMk cId="1091789387" sldId="273"/>
-            <ac:spMk id="288" creationId="{AD45C259-3BDF-4D24-A628-AFA2804DB86A}"/>
-          </ac:spMkLst>
-        </pc:spChg>
-        <pc:spChg chg="add mod">
-          <ac:chgData name="Fingerhut, John Andy" userId="6ad675d3-541e-4813-9336-4804cd571dc7" providerId="ADAL" clId="{AB46A06D-E856-40B7-957C-0F50F3800040}" dt="2021-04-12T15:32:47.971" v="3"/>
-          <ac:spMkLst>
-            <pc:docMk/>
-            <pc:sldMk cId="1091789387" sldId="273"/>
-            <ac:spMk id="289" creationId="{009FF2E6-3B45-4B42-B075-BA4BF1C645DD}"/>
-          </ac:spMkLst>
-        </pc:spChg>
-        <pc:spChg chg="add mod">
-          <ac:chgData name="Fingerhut, John Andy" userId="6ad675d3-541e-4813-9336-4804cd571dc7" providerId="ADAL" clId="{AB46A06D-E856-40B7-957C-0F50F3800040}" dt="2021-04-12T15:32:47.971" v="3"/>
-          <ac:spMkLst>
-            <pc:docMk/>
-            <pc:sldMk cId="1091789387" sldId="273"/>
-            <ac:spMk id="290" creationId="{6C428765-A7D7-4AD9-9009-6BA2D842DE3E}"/>
-          </ac:spMkLst>
-        </pc:spChg>
-        <pc:spChg chg="add mod">
-          <ac:chgData name="Fingerhut, John Andy" userId="6ad675d3-541e-4813-9336-4804cd571dc7" providerId="ADAL" clId="{AB46A06D-E856-40B7-957C-0F50F3800040}" dt="2021-04-12T15:32:47.971" v="3"/>
-          <ac:spMkLst>
-            <pc:docMk/>
-            <pc:sldMk cId="1091789387" sldId="273"/>
-            <ac:spMk id="302" creationId="{B792A41C-06A7-4FAC-A54E-95C77477E0E5}"/>
-          </ac:spMkLst>
-        </pc:spChg>
-        <pc:spChg chg="add mod">
-          <ac:chgData name="Fingerhut, John Andy" userId="6ad675d3-541e-4813-9336-4804cd571dc7" providerId="ADAL" clId="{AB46A06D-E856-40B7-957C-0F50F3800040}" dt="2021-04-12T15:32:47.971" v="3"/>
-          <ac:spMkLst>
-            <pc:docMk/>
-            <pc:sldMk cId="1091789387" sldId="273"/>
-            <ac:spMk id="304" creationId="{2238240A-BE3B-4E7C-800D-27309503901B}"/>
-          </ac:spMkLst>
-        </pc:spChg>
-        <pc:spChg chg="add mod">
-          <ac:chgData name="Fingerhut, John Andy" userId="6ad675d3-541e-4813-9336-4804cd571dc7" providerId="ADAL" clId="{AB46A06D-E856-40B7-957C-0F50F3800040}" dt="2021-04-12T15:32:47.971" v="3"/>
-          <ac:spMkLst>
-            <pc:docMk/>
-            <pc:sldMk cId="1091789387" sldId="273"/>
-            <ac:spMk id="307" creationId="{713EFF7B-52ED-43B8-BB1A-73445955696C}"/>
-          </ac:spMkLst>
-        </pc:spChg>
-        <pc:spChg chg="add mod">
-          <ac:chgData name="Fingerhut, John Andy" userId="6ad675d3-541e-4813-9336-4804cd571dc7" providerId="ADAL" clId="{AB46A06D-E856-40B7-957C-0F50F3800040}" dt="2021-04-12T15:33:36.820" v="20" actId="1076"/>
-          <ac:spMkLst>
-            <pc:docMk/>
-            <pc:sldMk cId="1091789387" sldId="273"/>
-            <ac:spMk id="310" creationId="{981107E8-DE2D-4888-BCFC-33D69FEF332E}"/>
-          </ac:spMkLst>
-        </pc:spChg>
-        <pc:spChg chg="add mod">
-          <ac:chgData name="Fingerhut, John Andy" userId="6ad675d3-541e-4813-9336-4804cd571dc7" providerId="ADAL" clId="{AB46A06D-E856-40B7-957C-0F50F3800040}" dt="2021-04-12T15:34:15.500" v="43" actId="1076"/>
-          <ac:spMkLst>
-            <pc:docMk/>
-            <pc:sldMk cId="1091789387" sldId="273"/>
-            <ac:spMk id="311" creationId="{817919C8-F833-43A3-8A44-4D58815D9EAD}"/>
-          </ac:spMkLst>
-        </pc:spChg>
-        <pc:spChg chg="add mod">
-          <ac:chgData name="Fingerhut, John Andy" userId="6ad675d3-541e-4813-9336-4804cd571dc7" providerId="ADAL" clId="{AB46A06D-E856-40B7-957C-0F50F3800040}" dt="2021-04-12T15:34:56.842" v="70" actId="1076"/>
-          <ac:spMkLst>
-            <pc:docMk/>
-            <pc:sldMk cId="1091789387" sldId="273"/>
-            <ac:spMk id="312" creationId="{DF91EB96-4E37-4BAD-AE0C-B421AB9B6A31}"/>
-          </ac:spMkLst>
-        </pc:spChg>
-        <pc:spChg chg="add mod">
-          <ac:chgData name="Fingerhut, John Andy" userId="6ad675d3-541e-4813-9336-4804cd571dc7" providerId="ADAL" clId="{AB46A06D-E856-40B7-957C-0F50F3800040}" dt="2021-04-12T15:35:19.474" v="87" actId="20577"/>
-          <ac:spMkLst>
-            <pc:docMk/>
-            <pc:sldMk cId="1091789387" sldId="273"/>
-            <ac:spMk id="313" creationId="{7AD35517-AAB9-439E-949C-2F8377393A25}"/>
-          </ac:spMkLst>
-        </pc:spChg>
-        <pc:spChg chg="add del mod">
-          <ac:chgData name="Fingerhut, John Andy" userId="6ad675d3-541e-4813-9336-4804cd571dc7" providerId="ADAL" clId="{AB46A06D-E856-40B7-957C-0F50F3800040}" dt="2021-04-12T15:36:08.045" v="102" actId="478"/>
-          <ac:spMkLst>
-            <pc:docMk/>
-            <pc:sldMk cId="1091789387" sldId="273"/>
-            <ac:spMk id="314" creationId="{1580A13D-89C2-4C2D-A109-2CD02CC6712F}"/>
-          </ac:spMkLst>
-        </pc:spChg>
-        <pc:spChg chg="add del mod">
-          <ac:chgData name="Fingerhut, John Andy" userId="6ad675d3-541e-4813-9336-4804cd571dc7" providerId="ADAL" clId="{AB46A06D-E856-40B7-957C-0F50F3800040}" dt="2021-04-12T15:36:05.567" v="101" actId="478"/>
-          <ac:spMkLst>
-            <pc:docMk/>
-            <pc:sldMk cId="1091789387" sldId="273"/>
-            <ac:spMk id="315" creationId="{8F0D46E5-8CD8-4CB3-866A-C3187460B975}"/>
-          </ac:spMkLst>
-        </pc:spChg>
-        <pc:grpChg chg="del">
-          <ac:chgData name="Fingerhut, John Andy" userId="6ad675d3-541e-4813-9336-4804cd571dc7" providerId="ADAL" clId="{AB46A06D-E856-40B7-957C-0F50F3800040}" dt="2021-04-12T15:32:47.355" v="2" actId="478"/>
-          <ac:grpSpMkLst>
-            <pc:docMk/>
-            <pc:sldMk cId="1091789387" sldId="273"/>
-            <ac:grpSpMk id="25" creationId="{D3A54630-E9F6-45DD-998F-E5DC0F14A399}"/>
-          </ac:grpSpMkLst>
-        </pc:grpChg>
-        <pc:grpChg chg="del">
-          <ac:chgData name="Fingerhut, John Andy" userId="6ad675d3-541e-4813-9336-4804cd571dc7" providerId="ADAL" clId="{AB46A06D-E856-40B7-957C-0F50F3800040}" dt="2021-04-12T15:32:47.355" v="2" actId="478"/>
-          <ac:grpSpMkLst>
-            <pc:docMk/>
-            <pc:sldMk cId="1091789387" sldId="273"/>
-            <ac:grpSpMk id="78" creationId="{45FA8724-A465-47A6-9A0E-9F107AF39809}"/>
-          </ac:grpSpMkLst>
-        </pc:grpChg>
-        <pc:grpChg chg="del">
-          <ac:chgData name="Fingerhut, John Andy" userId="6ad675d3-541e-4813-9336-4804cd571dc7" providerId="ADAL" clId="{AB46A06D-E856-40B7-957C-0F50F3800040}" dt="2021-04-12T15:32:47.355" v="2" actId="478"/>
-          <ac:grpSpMkLst>
-            <pc:docMk/>
-            <pc:sldMk cId="1091789387" sldId="273"/>
-            <ac:grpSpMk id="83" creationId="{1C834900-1FBA-4F79-9BAA-4729CB027B15}"/>
-          </ac:grpSpMkLst>
-        </pc:grpChg>
-        <pc:grpChg chg="add del mod">
-          <ac:chgData name="Fingerhut, John Andy" userId="6ad675d3-541e-4813-9336-4804cd571dc7" providerId="ADAL" clId="{AB46A06D-E856-40B7-957C-0F50F3800040}" dt="2021-04-12T15:32:44.138" v="1"/>
-          <ac:grpSpMkLst>
-            <pc:docMk/>
-            <pc:sldMk cId="1091789387" sldId="273"/>
-            <ac:grpSpMk id="132" creationId="{01D9807C-9514-4F84-8ACF-1D830081C68A}"/>
-          </ac:grpSpMkLst>
-        </pc:grpChg>
-        <pc:grpChg chg="mod">
-          <ac:chgData name="Fingerhut, John Andy" userId="6ad675d3-541e-4813-9336-4804cd571dc7" providerId="ADAL" clId="{AB46A06D-E856-40B7-957C-0F50F3800040}" dt="2021-04-12T15:32:41.886" v="0"/>
-          <ac:grpSpMkLst>
-            <pc:docMk/>
-            <pc:sldMk cId="1091789387" sldId="273"/>
-            <ac:grpSpMk id="133" creationId="{7713AE68-4734-4127-81B1-03672D287B7D}"/>
-          </ac:grpSpMkLst>
-        </pc:grpChg>
-        <pc:grpChg chg="mod">
-          <ac:chgData name="Fingerhut, John Andy" userId="6ad675d3-541e-4813-9336-4804cd571dc7" providerId="ADAL" clId="{AB46A06D-E856-40B7-957C-0F50F3800040}" dt="2021-04-12T15:32:41.886" v="0"/>
-          <ac:grpSpMkLst>
-            <pc:docMk/>
-            <pc:sldMk cId="1091789387" sldId="273"/>
-            <ac:grpSpMk id="135" creationId="{168107C3-ED2F-4A15-8AF1-2598C3D4BA8E}"/>
-          </ac:grpSpMkLst>
-        </pc:grpChg>
-        <pc:grpChg chg="add del mod">
-          <ac:chgData name="Fingerhut, John Andy" userId="6ad675d3-541e-4813-9336-4804cd571dc7" providerId="ADAL" clId="{AB46A06D-E856-40B7-957C-0F50F3800040}" dt="2021-04-12T15:32:44.138" v="1"/>
-          <ac:grpSpMkLst>
-            <pc:docMk/>
-            <pc:sldMk cId="1091789387" sldId="273"/>
-            <ac:grpSpMk id="153" creationId="{1D01A4BC-C03E-405C-98CA-D743FFA577FB}"/>
-          </ac:grpSpMkLst>
-        </pc:grpChg>
-        <pc:grpChg chg="mod">
-          <ac:chgData name="Fingerhut, John Andy" userId="6ad675d3-541e-4813-9336-4804cd571dc7" providerId="ADAL" clId="{AB46A06D-E856-40B7-957C-0F50F3800040}" dt="2021-04-12T15:32:41.886" v="0"/>
-          <ac:grpSpMkLst>
-            <pc:docMk/>
-            <pc:sldMk cId="1091789387" sldId="273"/>
-            <ac:grpSpMk id="154" creationId="{963FCCD3-6620-47B6-A5AF-19B1B8586448}"/>
-          </ac:grpSpMkLst>
-        </pc:grpChg>
-        <pc:grpChg chg="mod">
-          <ac:chgData name="Fingerhut, John Andy" userId="6ad675d3-541e-4813-9336-4804cd571dc7" providerId="ADAL" clId="{AB46A06D-E856-40B7-957C-0F50F3800040}" dt="2021-04-12T15:32:41.886" v="0"/>
-          <ac:grpSpMkLst>
-            <pc:docMk/>
-            <pc:sldMk cId="1091789387" sldId="273"/>
-            <ac:grpSpMk id="156" creationId="{CEC5D023-BD3D-4178-BDC4-A835307FDC1D}"/>
-          </ac:grpSpMkLst>
-        </pc:grpChg>
-        <pc:grpChg chg="del">
-          <ac:chgData name="Fingerhut, John Andy" userId="6ad675d3-541e-4813-9336-4804cd571dc7" providerId="ADAL" clId="{AB46A06D-E856-40B7-957C-0F50F3800040}" dt="2021-04-12T15:32:47.355" v="2" actId="478"/>
-          <ac:grpSpMkLst>
-            <pc:docMk/>
-            <pc:sldMk cId="1091789387" sldId="273"/>
-            <ac:grpSpMk id="163" creationId="{8608615B-EB0D-4D19-94C6-BA8F0B161E4B}"/>
-          </ac:grpSpMkLst>
-        </pc:grpChg>
-        <pc:grpChg chg="del">
-          <ac:chgData name="Fingerhut, John Andy" userId="6ad675d3-541e-4813-9336-4804cd571dc7" providerId="ADAL" clId="{AB46A06D-E856-40B7-957C-0F50F3800040}" dt="2021-04-12T15:32:47.355" v="2" actId="478"/>
-          <ac:grpSpMkLst>
-            <pc:docMk/>
-            <pc:sldMk cId="1091789387" sldId="273"/>
-            <ac:grpSpMk id="177" creationId="{AAC1F68D-05B8-4B51-8587-059500FE3478}"/>
-          </ac:grpSpMkLst>
-        </pc:grpChg>
-        <pc:grpChg chg="add mod">
-          <ac:chgData name="Fingerhut, John Andy" userId="6ad675d3-541e-4813-9336-4804cd571dc7" providerId="ADAL" clId="{AB46A06D-E856-40B7-957C-0F50F3800040}" dt="2021-04-12T15:32:47.971" v="3"/>
-          <ac:grpSpMkLst>
-            <pc:docMk/>
-            <pc:sldMk cId="1091789387" sldId="273"/>
-            <ac:grpSpMk id="239" creationId="{7AB11CB4-1483-4384-BFD8-CB28863FBB6A}"/>
-          </ac:grpSpMkLst>
-        </pc:grpChg>
-        <pc:grpChg chg="mod">
-          <ac:chgData name="Fingerhut, John Andy" userId="6ad675d3-541e-4813-9336-4804cd571dc7" providerId="ADAL" clId="{AB46A06D-E856-40B7-957C-0F50F3800040}" dt="2021-04-12T15:32:47.971" v="3"/>
-          <ac:grpSpMkLst>
-            <pc:docMk/>
-            <pc:sldMk cId="1091789387" sldId="273"/>
-            <ac:grpSpMk id="240" creationId="{473D80A0-7581-4A88-9511-55AFCF94F3C2}"/>
-          </ac:grpSpMkLst>
-        </pc:grpChg>
-        <pc:grpChg chg="mod">
-          <ac:chgData name="Fingerhut, John Andy" userId="6ad675d3-541e-4813-9336-4804cd571dc7" providerId="ADAL" clId="{AB46A06D-E856-40B7-957C-0F50F3800040}" dt="2021-04-12T15:32:47.971" v="3"/>
-          <ac:grpSpMkLst>
-            <pc:docMk/>
-            <pc:sldMk cId="1091789387" sldId="273"/>
-            <ac:grpSpMk id="241" creationId="{2B66C1FB-22FC-4731-98C9-928FB454CA77}"/>
-          </ac:grpSpMkLst>
-        </pc:grpChg>
-        <pc:grpChg chg="add mod">
-          <ac:chgData name="Fingerhut, John Andy" userId="6ad675d3-541e-4813-9336-4804cd571dc7" providerId="ADAL" clId="{AB46A06D-E856-40B7-957C-0F50F3800040}" dt="2021-04-12T15:32:47.971" v="3"/>
-          <ac:grpSpMkLst>
-            <pc:docMk/>
-            <pc:sldMk cId="1091789387" sldId="273"/>
-            <ac:grpSpMk id="256" creationId="{411D4FB8-0363-49AC-8F8A-8727B1637CD2}"/>
-          </ac:grpSpMkLst>
-        </pc:grpChg>
-        <pc:grpChg chg="mod">
-          <ac:chgData name="Fingerhut, John Andy" userId="6ad675d3-541e-4813-9336-4804cd571dc7" providerId="ADAL" clId="{AB46A06D-E856-40B7-957C-0F50F3800040}" dt="2021-04-12T15:32:47.971" v="3"/>
-          <ac:grpSpMkLst>
-            <pc:docMk/>
-            <pc:sldMk cId="1091789387" sldId="273"/>
-            <ac:grpSpMk id="257" creationId="{B6A68A3E-EE6C-439A-A4EA-AAB7DE163770}"/>
-          </ac:grpSpMkLst>
-        </pc:grpChg>
-        <pc:grpChg chg="mod">
-          <ac:chgData name="Fingerhut, John Andy" userId="6ad675d3-541e-4813-9336-4804cd571dc7" providerId="ADAL" clId="{AB46A06D-E856-40B7-957C-0F50F3800040}" dt="2021-04-12T15:32:47.971" v="3"/>
-          <ac:grpSpMkLst>
-            <pc:docMk/>
-            <pc:sldMk cId="1091789387" sldId="273"/>
-            <ac:grpSpMk id="258" creationId="{2EC64FAF-9E49-45E6-9EF9-9945277230B8}"/>
-          </ac:grpSpMkLst>
-        </pc:grpChg>
-        <pc:cxnChg chg="del mod">
-          <ac:chgData name="Fingerhut, John Andy" userId="6ad675d3-541e-4813-9336-4804cd571dc7" providerId="ADAL" clId="{AB46A06D-E856-40B7-957C-0F50F3800040}" dt="2021-04-12T15:32:47.355" v="2" actId="478"/>
-          <ac:cxnSpMkLst>
-            <pc:docMk/>
-            <pc:sldMk cId="1091789387" sldId="273"/>
-            <ac:cxnSpMk id="17" creationId="{415C7822-4030-42AD-AB86-5852B4DD265D}"/>
-          </ac:cxnSpMkLst>
-        </pc:cxnChg>
-        <pc:cxnChg chg="del">
-          <ac:chgData name="Fingerhut, John Andy" userId="6ad675d3-541e-4813-9336-4804cd571dc7" providerId="ADAL" clId="{AB46A06D-E856-40B7-957C-0F50F3800040}" dt="2021-04-12T15:32:47.355" v="2" actId="478"/>
-          <ac:cxnSpMkLst>
-            <pc:docMk/>
-            <pc:sldMk cId="1091789387" sldId="273"/>
-            <ac:cxnSpMk id="43" creationId="{9FEFDBCA-8D42-4559-B5B7-7B17A99615BD}"/>
-          </ac:cxnSpMkLst>
-        </pc:cxnChg>
-        <pc:cxnChg chg="del mod">
-          <ac:chgData name="Fingerhut, John Andy" userId="6ad675d3-541e-4813-9336-4804cd571dc7" providerId="ADAL" clId="{AB46A06D-E856-40B7-957C-0F50F3800040}" dt="2021-04-12T15:32:47.355" v="2" actId="478"/>
-          <ac:cxnSpMkLst>
-            <pc:docMk/>
-            <pc:sldMk cId="1091789387" sldId="273"/>
-            <ac:cxnSpMk id="49" creationId="{265B6322-C564-4122-876E-0B2152445370}"/>
-          </ac:cxnSpMkLst>
-        </pc:cxnChg>
-        <pc:cxnChg chg="del">
-          <ac:chgData name="Fingerhut, John Andy" userId="6ad675d3-541e-4813-9336-4804cd571dc7" providerId="ADAL" clId="{AB46A06D-E856-40B7-957C-0F50F3800040}" dt="2021-04-12T15:32:47.355" v="2" actId="478"/>
-          <ac:cxnSpMkLst>
-            <pc:docMk/>
-            <pc:sldMk cId="1091789387" sldId="273"/>
-            <ac:cxnSpMk id="50" creationId="{516664ED-D0D4-46ED-91FF-5BDE567A773D}"/>
-          </ac:cxnSpMkLst>
-        </pc:cxnChg>
-        <pc:cxnChg chg="mod">
-          <ac:chgData name="Fingerhut, John Andy" userId="6ad675d3-541e-4813-9336-4804cd571dc7" providerId="ADAL" clId="{AB46A06D-E856-40B7-957C-0F50F3800040}" dt="2021-04-12T15:32:47.355" v="2" actId="478"/>
-          <ac:cxnSpMkLst>
-            <pc:docMk/>
-            <pc:sldMk cId="1091789387" sldId="273"/>
-            <ac:cxnSpMk id="63" creationId="{06F1B34D-78E2-4CD7-A79E-D052F378D7AC}"/>
-          </ac:cxnSpMkLst>
-        </pc:cxnChg>
-        <pc:cxnChg chg="mod">
-          <ac:chgData name="Fingerhut, John Andy" userId="6ad675d3-541e-4813-9336-4804cd571dc7" providerId="ADAL" clId="{AB46A06D-E856-40B7-957C-0F50F3800040}" dt="2021-04-12T15:32:47.355" v="2" actId="478"/>
-          <ac:cxnSpMkLst>
-            <pc:docMk/>
-            <pc:sldMk cId="1091789387" sldId="273"/>
-            <ac:cxnSpMk id="70" creationId="{5AAC09B2-0041-43CD-ABEB-047275A88945}"/>
-          </ac:cxnSpMkLst>
-        </pc:cxnChg>
-        <pc:cxnChg chg="mod">
-          <ac:chgData name="Fingerhut, John Andy" userId="6ad675d3-541e-4813-9336-4804cd571dc7" providerId="ADAL" clId="{AB46A06D-E856-40B7-957C-0F50F3800040}" dt="2021-04-12T15:32:47.355" v="2" actId="478"/>
-          <ac:cxnSpMkLst>
-            <pc:docMk/>
-            <pc:sldMk cId="1091789387" sldId="273"/>
-            <ac:cxnSpMk id="74" creationId="{F9729964-2882-4AE9-AFD2-1FA623551E12}"/>
-          </ac:cxnSpMkLst>
-        </pc:cxnChg>
-        <pc:cxnChg chg="mod">
-          <ac:chgData name="Fingerhut, John Andy" userId="6ad675d3-541e-4813-9336-4804cd571dc7" providerId="ADAL" clId="{AB46A06D-E856-40B7-957C-0F50F3800040}" dt="2021-04-12T15:32:47.355" v="2" actId="478"/>
-          <ac:cxnSpMkLst>
-            <pc:docMk/>
-            <pc:sldMk cId="1091789387" sldId="273"/>
-            <ac:cxnSpMk id="75" creationId="{FF3752F6-B834-45F7-9B97-364258E51903}"/>
-          </ac:cxnSpMkLst>
-        </pc:cxnChg>
-        <pc:cxnChg chg="del mod">
-          <ac:chgData name="Fingerhut, John Andy" userId="6ad675d3-541e-4813-9336-4804cd571dc7" providerId="ADAL" clId="{AB46A06D-E856-40B7-957C-0F50F3800040}" dt="2021-04-12T15:32:47.355" v="2" actId="478"/>
-          <ac:cxnSpMkLst>
-            <pc:docMk/>
-            <pc:sldMk cId="1091789387" sldId="273"/>
-            <ac:cxnSpMk id="80" creationId="{236BE345-2EA6-45DD-85B2-ACD4C19A91F5}"/>
-          </ac:cxnSpMkLst>
-        </pc:cxnChg>
-        <pc:cxnChg chg="mod">
-          <ac:chgData name="Fingerhut, John Andy" userId="6ad675d3-541e-4813-9336-4804cd571dc7" providerId="ADAL" clId="{AB46A06D-E856-40B7-957C-0F50F3800040}" dt="2021-04-12T15:32:47.355" v="2" actId="478"/>
-          <ac:cxnSpMkLst>
-            <pc:docMk/>
-            <pc:sldMk cId="1091789387" sldId="273"/>
-            <ac:cxnSpMk id="87" creationId="{B4F37508-E32F-4F43-B165-1554A5AB679E}"/>
-          </ac:cxnSpMkLst>
-        </pc:cxnChg>
-        <pc:cxnChg chg="mod">
-          <ac:chgData name="Fingerhut, John Andy" userId="6ad675d3-541e-4813-9336-4804cd571dc7" providerId="ADAL" clId="{AB46A06D-E856-40B7-957C-0F50F3800040}" dt="2021-04-12T15:32:47.355" v="2" actId="478"/>
-          <ac:cxnSpMkLst>
-            <pc:docMk/>
-            <pc:sldMk cId="1091789387" sldId="273"/>
-            <ac:cxnSpMk id="88" creationId="{8EA0C0BF-71AF-491F-8D77-A19CCBAC8916}"/>
-          </ac:cxnSpMkLst>
-        </pc:cxnChg>
-        <pc:cxnChg chg="mod">
-          <ac:chgData name="Fingerhut, John Andy" userId="6ad675d3-541e-4813-9336-4804cd571dc7" providerId="ADAL" clId="{AB46A06D-E856-40B7-957C-0F50F3800040}" dt="2021-04-12T15:32:47.355" v="2" actId="478"/>
-          <ac:cxnSpMkLst>
-            <pc:docMk/>
-            <pc:sldMk cId="1091789387" sldId="273"/>
-            <ac:cxnSpMk id="92" creationId="{A0AC4723-CB26-4590-80A1-F7276F18C7C4}"/>
-          </ac:cxnSpMkLst>
-        </pc:cxnChg>
-        <pc:cxnChg chg="mod">
-          <ac:chgData name="Fingerhut, John Andy" userId="6ad675d3-541e-4813-9336-4804cd571dc7" providerId="ADAL" clId="{AB46A06D-E856-40B7-957C-0F50F3800040}" dt="2021-04-12T15:32:47.355" v="2" actId="478"/>
-          <ac:cxnSpMkLst>
-            <pc:docMk/>
-            <pc:sldMk cId="1091789387" sldId="273"/>
-            <ac:cxnSpMk id="97" creationId="{9A9CB8A9-645C-47BF-A98F-F493E5C3BF7C}"/>
-          </ac:cxnSpMkLst>
-        </pc:cxnChg>
-        <pc:cxnChg chg="del mod">
-          <ac:chgData name="Fingerhut, John Andy" userId="6ad675d3-541e-4813-9336-4804cd571dc7" providerId="ADAL" clId="{AB46A06D-E856-40B7-957C-0F50F3800040}" dt="2021-04-12T15:32:47.355" v="2" actId="478"/>
-          <ac:cxnSpMkLst>
-            <pc:docMk/>
-            <pc:sldMk cId="1091789387" sldId="273"/>
-            <ac:cxnSpMk id="100" creationId="{F4860C18-D645-4EE6-BCDB-79FE3B828918}"/>
-          </ac:cxnSpMkLst>
-        </pc:cxnChg>
-        <pc:cxnChg chg="del">
-          <ac:chgData name="Fingerhut, John Andy" userId="6ad675d3-541e-4813-9336-4804cd571dc7" providerId="ADAL" clId="{AB46A06D-E856-40B7-957C-0F50F3800040}" dt="2021-04-12T15:32:47.355" v="2" actId="478"/>
-          <ac:cxnSpMkLst>
-            <pc:docMk/>
-            <pc:sldMk cId="1091789387" sldId="273"/>
-            <ac:cxnSpMk id="112" creationId="{C64DEB71-3093-431E-88AF-4C2BE81668EF}"/>
-          </ac:cxnSpMkLst>
-        </pc:cxnChg>
-        <pc:cxnChg chg="del">
-          <ac:chgData name="Fingerhut, John Andy" userId="6ad675d3-541e-4813-9336-4804cd571dc7" providerId="ADAL" clId="{AB46A06D-E856-40B7-957C-0F50F3800040}" dt="2021-04-12T15:32:47.355" v="2" actId="478"/>
-          <ac:cxnSpMkLst>
-            <pc:docMk/>
-            <pc:sldMk cId="1091789387" sldId="273"/>
-            <ac:cxnSpMk id="115" creationId="{368C70F1-7509-412A-8F1A-A518E73EEB07}"/>
-          </ac:cxnSpMkLst>
-        </pc:cxnChg>
-        <pc:cxnChg chg="del">
-          <ac:chgData name="Fingerhut, John Andy" userId="6ad675d3-541e-4813-9336-4804cd571dc7" providerId="ADAL" clId="{AB46A06D-E856-40B7-957C-0F50F3800040}" dt="2021-04-12T15:32:47.355" v="2" actId="478"/>
-          <ac:cxnSpMkLst>
-            <pc:docMk/>
-            <pc:sldMk cId="1091789387" sldId="273"/>
-            <ac:cxnSpMk id="116" creationId="{D6EAE7FF-ED18-4376-A74D-07B093B5896D}"/>
-          </ac:cxnSpMkLst>
-        </pc:cxnChg>
-        <pc:cxnChg chg="del">
-          <ac:chgData name="Fingerhut, John Andy" userId="6ad675d3-541e-4813-9336-4804cd571dc7" providerId="ADAL" clId="{AB46A06D-E856-40B7-957C-0F50F3800040}" dt="2021-04-12T15:32:47.355" v="2" actId="478"/>
-          <ac:cxnSpMkLst>
-            <pc:docMk/>
-            <pc:sldMk cId="1091789387" sldId="273"/>
-            <ac:cxnSpMk id="117" creationId="{2B8B9C9F-8E4C-4C30-AB47-9A5A956DF566}"/>
-          </ac:cxnSpMkLst>
-        </pc:cxnChg>
-        <pc:cxnChg chg="del mod">
-          <ac:chgData name="Fingerhut, John Andy" userId="6ad675d3-541e-4813-9336-4804cd571dc7" providerId="ADAL" clId="{AB46A06D-E856-40B7-957C-0F50F3800040}" dt="2021-04-12T15:32:47.355" v="2" actId="478"/>
-          <ac:cxnSpMkLst>
-            <pc:docMk/>
-            <pc:sldMk cId="1091789387" sldId="273"/>
-            <ac:cxnSpMk id="118" creationId="{40462665-FCF8-4E8C-943A-0EF224BA3563}"/>
-          </ac:cxnSpMkLst>
-        </pc:cxnChg>
-        <pc:cxnChg chg="add del mod">
-          <ac:chgData name="Fingerhut, John Andy" userId="6ad675d3-541e-4813-9336-4804cd571dc7" providerId="ADAL" clId="{AB46A06D-E856-40B7-957C-0F50F3800040}" dt="2021-04-12T15:32:44.138" v="1"/>
-          <ac:cxnSpMkLst>
-            <pc:docMk/>
-            <pc:sldMk cId="1091789387" sldId="273"/>
-            <ac:cxnSpMk id="119" creationId="{9672BDF6-E014-4016-BBD0-FCE1EC811952}"/>
-          </ac:cxnSpMkLst>
-        </pc:cxnChg>
-        <pc:cxnChg chg="add del mod">
-          <ac:chgData name="Fingerhut, John Andy" userId="6ad675d3-541e-4813-9336-4804cd571dc7" providerId="ADAL" clId="{AB46A06D-E856-40B7-957C-0F50F3800040}" dt="2021-04-12T15:32:44.138" v="1"/>
-          <ac:cxnSpMkLst>
-            <pc:docMk/>
-            <pc:sldMk cId="1091789387" sldId="273"/>
-            <ac:cxnSpMk id="122" creationId="{582A97D1-A590-4CDB-A5CF-ABF476095044}"/>
-          </ac:cxnSpMkLst>
-        </pc:cxnChg>
-        <pc:cxnChg chg="del mod">
-          <ac:chgData name="Fingerhut, John Andy" userId="6ad675d3-541e-4813-9336-4804cd571dc7" providerId="ADAL" clId="{AB46A06D-E856-40B7-957C-0F50F3800040}" dt="2021-04-12T15:32:47.355" v="2" actId="478"/>
-          <ac:cxnSpMkLst>
-            <pc:docMk/>
-            <pc:sldMk cId="1091789387" sldId="273"/>
-            <ac:cxnSpMk id="123" creationId="{64C4D15B-D90A-42A1-857E-79AACC8E1ED6}"/>
-          </ac:cxnSpMkLst>
-        </pc:cxnChg>
-        <pc:cxnChg chg="add del mod">
-          <ac:chgData name="Fingerhut, John Andy" userId="6ad675d3-541e-4813-9336-4804cd571dc7" providerId="ADAL" clId="{AB46A06D-E856-40B7-957C-0F50F3800040}" dt="2021-04-12T15:32:44.138" v="1"/>
-          <ac:cxnSpMkLst>
-            <pc:docMk/>
-            <pc:sldMk cId="1091789387" sldId="273"/>
-            <ac:cxnSpMk id="124" creationId="{91E72D80-E74A-4575-9DEF-E80C5C8FF161}"/>
-          </ac:cxnSpMkLst>
-        </pc:cxnChg>
-        <pc:cxnChg chg="add del mod">
-          <ac:chgData name="Fingerhut, John Andy" userId="6ad675d3-541e-4813-9336-4804cd571dc7" providerId="ADAL" clId="{AB46A06D-E856-40B7-957C-0F50F3800040}" dt="2021-04-12T15:32:44.138" v="1"/>
-          <ac:cxnSpMkLst>
-            <pc:docMk/>
-            <pc:sldMk cId="1091789387" sldId="273"/>
-            <ac:cxnSpMk id="125" creationId="{F0A80A54-2DAC-4FAE-A5F8-274EA16173D1}"/>
-          </ac:cxnSpMkLst>
-        </pc:cxnChg>
-        <pc:cxnChg chg="del mod">
-          <ac:chgData name="Fingerhut, John Andy" userId="6ad675d3-541e-4813-9336-4804cd571dc7" providerId="ADAL" clId="{AB46A06D-E856-40B7-957C-0F50F3800040}" dt="2021-04-12T15:32:47.355" v="2" actId="478"/>
-          <ac:cxnSpMkLst>
-            <pc:docMk/>
-            <pc:sldMk cId="1091789387" sldId="273"/>
-            <ac:cxnSpMk id="127" creationId="{06F7C2A5-01AD-4181-B101-3CF0F11BE2B8}"/>
-          </ac:cxnSpMkLst>
-        </pc:cxnChg>
-        <pc:cxnChg chg="add del mod">
-          <ac:chgData name="Fingerhut, John Andy" userId="6ad675d3-541e-4813-9336-4804cd571dc7" providerId="ADAL" clId="{AB46A06D-E856-40B7-957C-0F50F3800040}" dt="2021-04-12T15:32:44.138" v="1"/>
-          <ac:cxnSpMkLst>
-            <pc:docMk/>
-            <pc:sldMk cId="1091789387" sldId="273"/>
-            <ac:cxnSpMk id="128" creationId="{A2B6D4A2-1E41-43CD-AD60-F900CCC47807}"/>
-          </ac:cxnSpMkLst>
-        </pc:cxnChg>
-        <pc:cxnChg chg="add del mod">
-          <ac:chgData name="Fingerhut, John Andy" userId="6ad675d3-541e-4813-9336-4804cd571dc7" providerId="ADAL" clId="{AB46A06D-E856-40B7-957C-0F50F3800040}" dt="2021-04-12T15:32:44.138" v="1"/>
-          <ac:cxnSpMkLst>
-            <pc:docMk/>
-            <pc:sldMk cId="1091789387" sldId="273"/>
-            <ac:cxnSpMk id="129" creationId="{7D080BBC-9530-4717-8B1B-D1DADE2A1519}"/>
-          </ac:cxnSpMkLst>
-        </pc:cxnChg>
-        <pc:cxnChg chg="add del mod">
-          <ac:chgData name="Fingerhut, John Andy" userId="6ad675d3-541e-4813-9336-4804cd571dc7" providerId="ADAL" clId="{AB46A06D-E856-40B7-957C-0F50F3800040}" dt="2021-04-12T15:32:44.138" v="1"/>
-          <ac:cxnSpMkLst>
-            <pc:docMk/>
-            <pc:sldMk cId="1091789387" sldId="273"/>
-            <ac:cxnSpMk id="130" creationId="{16598EE9-72D9-4166-AAF3-BEB6DFA146EF}"/>
-          </ac:cxnSpMkLst>
-        </pc:cxnChg>
-        <pc:cxnChg chg="add del mod">
-          <ac:chgData name="Fingerhut, John Andy" userId="6ad675d3-541e-4813-9336-4804cd571dc7" providerId="ADAL" clId="{AB46A06D-E856-40B7-957C-0F50F3800040}" dt="2021-04-12T15:32:44.138" v="1"/>
-          <ac:cxnSpMkLst>
-            <pc:docMk/>
-            <pc:sldMk cId="1091789387" sldId="273"/>
-            <ac:cxnSpMk id="131" creationId="{CFF65539-B5B8-4B88-83B7-D763B5405D89}"/>
-          </ac:cxnSpMkLst>
-        </pc:cxnChg>
-        <pc:cxnChg chg="del mod">
-          <ac:chgData name="Fingerhut, John Andy" userId="6ad675d3-541e-4813-9336-4804cd571dc7" providerId="ADAL" clId="{AB46A06D-E856-40B7-957C-0F50F3800040}" dt="2021-04-12T15:32:47.355" v="2" actId="478"/>
-          <ac:cxnSpMkLst>
-            <pc:docMk/>
-            <pc:sldMk cId="1091789387" sldId="273"/>
-            <ac:cxnSpMk id="134" creationId="{6C8D7A4A-4E00-4E2B-A752-9407B9B8DC70}"/>
-          </ac:cxnSpMkLst>
-        </pc:cxnChg>
-        <pc:cxnChg chg="mod">
-          <ac:chgData name="Fingerhut, John Andy" userId="6ad675d3-541e-4813-9336-4804cd571dc7" providerId="ADAL" clId="{AB46A06D-E856-40B7-957C-0F50F3800040}" dt="2021-04-12T15:32:41.886" v="0"/>
-          <ac:cxnSpMkLst>
-            <pc:docMk/>
-            <pc:sldMk cId="1091789387" sldId="273"/>
-            <ac:cxnSpMk id="137" creationId="{09A983CD-E347-4505-985E-03B863C4F0F3}"/>
-          </ac:cxnSpMkLst>
-        </pc:cxnChg>
-        <pc:cxnChg chg="mod">
-          <ac:chgData name="Fingerhut, John Andy" userId="6ad675d3-541e-4813-9336-4804cd571dc7" providerId="ADAL" clId="{AB46A06D-E856-40B7-957C-0F50F3800040}" dt="2021-04-12T15:32:41.886" v="0"/>
-          <ac:cxnSpMkLst>
-            <pc:docMk/>
-            <pc:sldMk cId="1091789387" sldId="273"/>
-            <ac:cxnSpMk id="139" creationId="{1349B16B-42DE-4C78-9123-548E28B51161}"/>
-          </ac:cxnSpMkLst>
-        </pc:cxnChg>
-        <pc:cxnChg chg="mod">
-          <ac:chgData name="Fingerhut, John Andy" userId="6ad675d3-541e-4813-9336-4804cd571dc7" providerId="ADAL" clId="{AB46A06D-E856-40B7-957C-0F50F3800040}" dt="2021-04-12T15:32:41.886" v="0"/>
-          <ac:cxnSpMkLst>
-            <pc:docMk/>
-            <pc:sldMk cId="1091789387" sldId="273"/>
-            <ac:cxnSpMk id="143" creationId="{BF99A01D-B597-460F-904E-411A35EA2EB5}"/>
-          </ac:cxnSpMkLst>
-        </pc:cxnChg>
-        <pc:cxnChg chg="mod">
-          <ac:chgData name="Fingerhut, John Andy" userId="6ad675d3-541e-4813-9336-4804cd571dc7" providerId="ADAL" clId="{AB46A06D-E856-40B7-957C-0F50F3800040}" dt="2021-04-12T15:32:41.886" v="0"/>
-          <ac:cxnSpMkLst>
-            <pc:docMk/>
-            <pc:sldMk cId="1091789387" sldId="273"/>
-            <ac:cxnSpMk id="144" creationId="{96389B92-E68B-4528-9913-789E51484AC6}"/>
-          </ac:cxnSpMkLst>
-        </pc:cxnChg>
-        <pc:cxnChg chg="mod">
-          <ac:chgData name="Fingerhut, John Andy" userId="6ad675d3-541e-4813-9336-4804cd571dc7" providerId="ADAL" clId="{AB46A06D-E856-40B7-957C-0F50F3800040}" dt="2021-04-12T15:32:41.886" v="0"/>
-          <ac:cxnSpMkLst>
-            <pc:docMk/>
-            <pc:sldMk cId="1091789387" sldId="273"/>
-            <ac:cxnSpMk id="149" creationId="{D1AA4C4A-AB00-40C6-AC3D-D0AB81CE13CC}"/>
-          </ac:cxnSpMkLst>
-        </pc:cxnChg>
-        <pc:cxnChg chg="mod">
-          <ac:chgData name="Fingerhut, John Andy" userId="6ad675d3-541e-4813-9336-4804cd571dc7" providerId="ADAL" clId="{AB46A06D-E856-40B7-957C-0F50F3800040}" dt="2021-04-12T15:32:41.886" v="0"/>
-          <ac:cxnSpMkLst>
-            <pc:docMk/>
-            <pc:sldMk cId="1091789387" sldId="273"/>
-            <ac:cxnSpMk id="151" creationId="{D852D17E-3641-4670-8F12-7D270A8484E5}"/>
-          </ac:cxnSpMkLst>
-        </pc:cxnChg>
-        <pc:cxnChg chg="add del mod">
-          <ac:chgData name="Fingerhut, John Andy" userId="6ad675d3-541e-4813-9336-4804cd571dc7" providerId="ADAL" clId="{AB46A06D-E856-40B7-957C-0F50F3800040}" dt="2021-04-12T15:32:44.138" v="1"/>
-          <ac:cxnSpMkLst>
-            <pc:docMk/>
-            <pc:sldMk cId="1091789387" sldId="273"/>
-            <ac:cxnSpMk id="152" creationId="{2DB4229B-3CB7-475F-9A37-A1022782A65C}"/>
-          </ac:cxnSpMkLst>
-        </pc:cxnChg>
-        <pc:cxnChg chg="mod">
-          <ac:chgData name="Fingerhut, John Andy" userId="6ad675d3-541e-4813-9336-4804cd571dc7" providerId="ADAL" clId="{AB46A06D-E856-40B7-957C-0F50F3800040}" dt="2021-04-12T15:32:41.886" v="0"/>
-          <ac:cxnSpMkLst>
-            <pc:docMk/>
-            <pc:sldMk cId="1091789387" sldId="273"/>
-            <ac:cxnSpMk id="158" creationId="{EE5EEB2B-7C97-40E7-9B5B-16BB78197363}"/>
-          </ac:cxnSpMkLst>
-        </pc:cxnChg>
-        <pc:cxnChg chg="mod">
-          <ac:chgData name="Fingerhut, John Andy" userId="6ad675d3-541e-4813-9336-4804cd571dc7" providerId="ADAL" clId="{AB46A06D-E856-40B7-957C-0F50F3800040}" dt="2021-04-12T15:32:41.886" v="0"/>
-          <ac:cxnSpMkLst>
-            <pc:docMk/>
-            <pc:sldMk cId="1091789387" sldId="273"/>
-            <ac:cxnSpMk id="159" creationId="{AF965F1D-EECF-4624-9464-11BB2D5E2491}"/>
-          </ac:cxnSpMkLst>
-        </pc:cxnChg>
-        <pc:cxnChg chg="mod">
-          <ac:chgData name="Fingerhut, John Andy" userId="6ad675d3-541e-4813-9336-4804cd571dc7" providerId="ADAL" clId="{AB46A06D-E856-40B7-957C-0F50F3800040}" dt="2021-04-12T15:32:41.886" v="0"/>
-          <ac:cxnSpMkLst>
-            <pc:docMk/>
-            <pc:sldMk cId="1091789387" sldId="273"/>
-            <ac:cxnSpMk id="164" creationId="{95685770-BB2C-4C1C-A358-8BA8AD84CAAE}"/>
-          </ac:cxnSpMkLst>
-        </pc:cxnChg>
-        <pc:cxnChg chg="mod">
-          <ac:chgData name="Fingerhut, John Andy" userId="6ad675d3-541e-4813-9336-4804cd571dc7" providerId="ADAL" clId="{AB46A06D-E856-40B7-957C-0F50F3800040}" dt="2021-04-12T15:32:41.886" v="0"/>
-          <ac:cxnSpMkLst>
-            <pc:docMk/>
-            <pc:sldMk cId="1091789387" sldId="273"/>
-            <ac:cxnSpMk id="165" creationId="{5BB7EE6A-40D7-4334-9C45-AE251692FCAF}"/>
-          </ac:cxnSpMkLst>
-        </pc:cxnChg>
-        <pc:cxnChg chg="del">
-          <ac:chgData name="Fingerhut, John Andy" userId="6ad675d3-541e-4813-9336-4804cd571dc7" providerId="ADAL" clId="{AB46A06D-E856-40B7-957C-0F50F3800040}" dt="2021-04-12T15:32:47.355" v="2" actId="478"/>
-          <ac:cxnSpMkLst>
-            <pc:docMk/>
-            <pc:sldMk cId="1091789387" sldId="273"/>
-            <ac:cxnSpMk id="166" creationId="{3C48504E-28A7-489B-8BDA-8A995ED1375D}"/>
-          </ac:cxnSpMkLst>
-        </pc:cxnChg>
-        <pc:cxnChg chg="del">
-          <ac:chgData name="Fingerhut, John Andy" userId="6ad675d3-541e-4813-9336-4804cd571dc7" providerId="ADAL" clId="{AB46A06D-E856-40B7-957C-0F50F3800040}" dt="2021-04-12T15:32:47.355" v="2" actId="478"/>
-          <ac:cxnSpMkLst>
-            <pc:docMk/>
-            <pc:sldMk cId="1091789387" sldId="273"/>
-            <ac:cxnSpMk id="170" creationId="{40A865F1-4DDF-4A37-936C-7E29C2D815D1}"/>
-          </ac:cxnSpMkLst>
-        </pc:cxnChg>
-        <pc:cxnChg chg="mod">
-          <ac:chgData name="Fingerhut, John Andy" userId="6ad675d3-541e-4813-9336-4804cd571dc7" providerId="ADAL" clId="{AB46A06D-E856-40B7-957C-0F50F3800040}" dt="2021-04-12T15:32:41.886" v="0"/>
-          <ac:cxnSpMkLst>
-            <pc:docMk/>
-            <pc:sldMk cId="1091789387" sldId="273"/>
-            <ac:cxnSpMk id="171" creationId="{DF790DEB-A770-4F2F-ADE5-AA283B9D3F8D}"/>
-          </ac:cxnSpMkLst>
-        </pc:cxnChg>
-        <pc:cxnChg chg="mod">
-          <ac:chgData name="Fingerhut, John Andy" userId="6ad675d3-541e-4813-9336-4804cd571dc7" providerId="ADAL" clId="{AB46A06D-E856-40B7-957C-0F50F3800040}" dt="2021-04-12T15:32:41.886" v="0"/>
-          <ac:cxnSpMkLst>
-            <pc:docMk/>
-            <pc:sldMk cId="1091789387" sldId="273"/>
-            <ac:cxnSpMk id="172" creationId="{80B1B5D4-A21E-4F63-B693-47089986F8AC}"/>
-          </ac:cxnSpMkLst>
-        </pc:cxnChg>
-        <pc:cxnChg chg="add del mod">
-          <ac:chgData name="Fingerhut, John Andy" userId="6ad675d3-541e-4813-9336-4804cd571dc7" providerId="ADAL" clId="{AB46A06D-E856-40B7-957C-0F50F3800040}" dt="2021-04-12T15:32:44.138" v="1"/>
-          <ac:cxnSpMkLst>
-            <pc:docMk/>
-            <pc:sldMk cId="1091789387" sldId="273"/>
-            <ac:cxnSpMk id="173" creationId="{26C40D5D-F676-468E-A490-B691489F7BA5}"/>
-          </ac:cxnSpMkLst>
-        </pc:cxnChg>
-        <pc:cxnChg chg="del">
-          <ac:chgData name="Fingerhut, John Andy" userId="6ad675d3-541e-4813-9336-4804cd571dc7" providerId="ADAL" clId="{AB46A06D-E856-40B7-957C-0F50F3800040}" dt="2021-04-12T15:32:47.355" v="2" actId="478"/>
-          <ac:cxnSpMkLst>
-            <pc:docMk/>
-            <pc:sldMk cId="1091789387" sldId="273"/>
-            <ac:cxnSpMk id="175" creationId="{0780DDE3-D616-4239-A66D-F2FEFC8DECC9}"/>
-          </ac:cxnSpMkLst>
-        </pc:cxnChg>
-        <pc:cxnChg chg="del">
-          <ac:chgData name="Fingerhut, John Andy" userId="6ad675d3-541e-4813-9336-4804cd571dc7" providerId="ADAL" clId="{AB46A06D-E856-40B7-957C-0F50F3800040}" dt="2021-04-12T15:32:47.355" v="2" actId="478"/>
-          <ac:cxnSpMkLst>
-            <pc:docMk/>
-            <pc:sldMk cId="1091789387" sldId="273"/>
-            <ac:cxnSpMk id="179" creationId="{675C8117-3AA7-4E36-88BA-920C6B3941AA}"/>
-          </ac:cxnSpMkLst>
-        </pc:cxnChg>
-        <pc:cxnChg chg="del mod">
-          <ac:chgData name="Fingerhut, John Andy" userId="6ad675d3-541e-4813-9336-4804cd571dc7" providerId="ADAL" clId="{AB46A06D-E856-40B7-957C-0F50F3800040}" dt="2021-04-12T15:32:47.355" v="2" actId="478"/>
-          <ac:cxnSpMkLst>
-            <pc:docMk/>
-            <pc:sldMk cId="1091789387" sldId="273"/>
-            <ac:cxnSpMk id="181" creationId="{90B81CF6-C291-4A3A-8CFF-4322DFD54B64}"/>
-          </ac:cxnSpMkLst>
-        </pc:cxnChg>
-        <pc:cxnChg chg="add del mod">
-          <ac:chgData name="Fingerhut, John Andy" userId="6ad675d3-541e-4813-9336-4804cd571dc7" providerId="ADAL" clId="{AB46A06D-E856-40B7-957C-0F50F3800040}" dt="2021-04-12T15:32:44.138" v="1"/>
-          <ac:cxnSpMkLst>
-            <pc:docMk/>
-            <pc:sldMk cId="1091789387" sldId="273"/>
-            <ac:cxnSpMk id="183" creationId="{1617CC72-24C7-43AB-AA8A-8FDC7AF91082}"/>
-          </ac:cxnSpMkLst>
-        </pc:cxnChg>
-        <pc:cxnChg chg="add del mod">
-          <ac:chgData name="Fingerhut, John Andy" userId="6ad675d3-541e-4813-9336-4804cd571dc7" providerId="ADAL" clId="{AB46A06D-E856-40B7-957C-0F50F3800040}" dt="2021-04-12T15:32:44.138" v="1"/>
-          <ac:cxnSpMkLst>
-            <pc:docMk/>
-            <pc:sldMk cId="1091789387" sldId="273"/>
-            <ac:cxnSpMk id="187" creationId="{D8C80BBC-C329-4AE4-9C3E-D012CC849114}"/>
-          </ac:cxnSpMkLst>
-        </pc:cxnChg>
-        <pc:cxnChg chg="add del mod">
-          <ac:chgData name="Fingerhut, John Andy" userId="6ad675d3-541e-4813-9336-4804cd571dc7" providerId="ADAL" clId="{AB46A06D-E856-40B7-957C-0F50F3800040}" dt="2021-04-12T15:32:44.138" v="1"/>
-          <ac:cxnSpMkLst>
-            <pc:docMk/>
-            <pc:sldMk cId="1091789387" sldId="273"/>
-            <ac:cxnSpMk id="188" creationId="{D6993D61-9223-4642-9B88-EA481D92A81A}"/>
-          </ac:cxnSpMkLst>
-        </pc:cxnChg>
-        <pc:cxnChg chg="add del mod">
-          <ac:chgData name="Fingerhut, John Andy" userId="6ad675d3-541e-4813-9336-4804cd571dc7" providerId="ADAL" clId="{AB46A06D-E856-40B7-957C-0F50F3800040}" dt="2021-04-12T15:32:44.138" v="1"/>
-          <ac:cxnSpMkLst>
-            <pc:docMk/>
-            <pc:sldMk cId="1091789387" sldId="273"/>
-            <ac:cxnSpMk id="189" creationId="{B071B098-5029-496D-AF94-12C704369927}"/>
-          </ac:cxnSpMkLst>
-        </pc:cxnChg>
-        <pc:cxnChg chg="add del mod">
-          <ac:chgData name="Fingerhut, John Andy" userId="6ad675d3-541e-4813-9336-4804cd571dc7" providerId="ADAL" clId="{AB46A06D-E856-40B7-957C-0F50F3800040}" dt="2021-04-12T15:32:44.138" v="1"/>
-          <ac:cxnSpMkLst>
-            <pc:docMk/>
-            <pc:sldMk cId="1091789387" sldId="273"/>
-            <ac:cxnSpMk id="190" creationId="{2AECC2FE-87F6-47F9-8060-7084D6BCAAD5}"/>
-          </ac:cxnSpMkLst>
-        </pc:cxnChg>
-        <pc:cxnChg chg="add del mod">
-          <ac:chgData name="Fingerhut, John Andy" userId="6ad675d3-541e-4813-9336-4804cd571dc7" providerId="ADAL" clId="{AB46A06D-E856-40B7-957C-0F50F3800040}" dt="2021-04-12T15:32:44.138" v="1"/>
-          <ac:cxnSpMkLst>
-            <pc:docMk/>
-            <pc:sldMk cId="1091789387" sldId="273"/>
-            <ac:cxnSpMk id="191" creationId="{EB2D5A3B-635D-4650-AD1A-8DBD267AF6E9}"/>
-          </ac:cxnSpMkLst>
-        </pc:cxnChg>
-        <pc:cxnChg chg="add del mod">
-          <ac:chgData name="Fingerhut, John Andy" userId="6ad675d3-541e-4813-9336-4804cd571dc7" providerId="ADAL" clId="{AB46A06D-E856-40B7-957C-0F50F3800040}" dt="2021-04-12T15:32:44.138" v="1"/>
-          <ac:cxnSpMkLst>
-            <pc:docMk/>
-            <pc:sldMk cId="1091789387" sldId="273"/>
-            <ac:cxnSpMk id="193" creationId="{55BA6B71-8A66-4B8C-8096-43921C5CA3A0}"/>
-          </ac:cxnSpMkLst>
-        </pc:cxnChg>
-        <pc:cxnChg chg="add del mod">
-          <ac:chgData name="Fingerhut, John Andy" userId="6ad675d3-541e-4813-9336-4804cd571dc7" providerId="ADAL" clId="{AB46A06D-E856-40B7-957C-0F50F3800040}" dt="2021-04-12T15:32:44.138" v="1"/>
-          <ac:cxnSpMkLst>
-            <pc:docMk/>
-            <pc:sldMk cId="1091789387" sldId="273"/>
-            <ac:cxnSpMk id="194" creationId="{9B8E60B4-E666-4FCE-9EE5-E3E622A06146}"/>
-          </ac:cxnSpMkLst>
-        </pc:cxnChg>
-        <pc:cxnChg chg="del mod">
-          <ac:chgData name="Fingerhut, John Andy" userId="6ad675d3-541e-4813-9336-4804cd571dc7" providerId="ADAL" clId="{AB46A06D-E856-40B7-957C-0F50F3800040}" dt="2021-04-12T15:32:47.355" v="2" actId="478"/>
-          <ac:cxnSpMkLst>
-            <pc:docMk/>
-            <pc:sldMk cId="1091789387" sldId="273"/>
-            <ac:cxnSpMk id="196" creationId="{C4648FD0-BE39-49B2-A297-6987E7ED42BA}"/>
-          </ac:cxnSpMkLst>
-        </pc:cxnChg>
-        <pc:cxnChg chg="del mod">
-          <ac:chgData name="Fingerhut, John Andy" userId="6ad675d3-541e-4813-9336-4804cd571dc7" providerId="ADAL" clId="{AB46A06D-E856-40B7-957C-0F50F3800040}" dt="2021-04-12T15:32:47.355" v="2" actId="478"/>
-          <ac:cxnSpMkLst>
-            <pc:docMk/>
-            <pc:sldMk cId="1091789387" sldId="273"/>
-            <ac:cxnSpMk id="199" creationId="{9B56D066-03B7-4AA5-AE48-439E5D95D240}"/>
-          </ac:cxnSpMkLst>
-        </pc:cxnChg>
-        <pc:cxnChg chg="add del mod">
-          <ac:chgData name="Fingerhut, John Andy" userId="6ad675d3-541e-4813-9336-4804cd571dc7" providerId="ADAL" clId="{AB46A06D-E856-40B7-957C-0F50F3800040}" dt="2021-04-12T15:32:44.138" v="1"/>
-          <ac:cxnSpMkLst>
-            <pc:docMk/>
-            <pc:sldMk cId="1091789387" sldId="273"/>
-            <ac:cxnSpMk id="203" creationId="{CDDACF73-F35C-4DEA-BDB6-CA6825625EAF}"/>
-          </ac:cxnSpMkLst>
-        </pc:cxnChg>
-        <pc:cxnChg chg="add del mod">
-          <ac:chgData name="Fingerhut, John Andy" userId="6ad675d3-541e-4813-9336-4804cd571dc7" providerId="ADAL" clId="{AB46A06D-E856-40B7-957C-0F50F3800040}" dt="2021-04-12T15:32:44.138" v="1"/>
-          <ac:cxnSpMkLst>
-            <pc:docMk/>
-            <pc:sldMk cId="1091789387" sldId="273"/>
-            <ac:cxnSpMk id="204" creationId="{C6523C86-4FF0-4F90-8CAC-324FB9754E6E}"/>
-          </ac:cxnSpMkLst>
-        </pc:cxnChg>
-        <pc:cxnChg chg="add del mod">
-          <ac:chgData name="Fingerhut, John Andy" userId="6ad675d3-541e-4813-9336-4804cd571dc7" providerId="ADAL" clId="{AB46A06D-E856-40B7-957C-0F50F3800040}" dt="2021-04-12T15:32:44.138" v="1"/>
-          <ac:cxnSpMkLst>
-            <pc:docMk/>
-            <pc:sldMk cId="1091789387" sldId="273"/>
-            <ac:cxnSpMk id="205" creationId="{30EC4716-91F5-4830-984A-20F32A0453AE}"/>
-          </ac:cxnSpMkLst>
-        </pc:cxnChg>
-        <pc:cxnChg chg="add del mod">
-          <ac:chgData name="Fingerhut, John Andy" userId="6ad675d3-541e-4813-9336-4804cd571dc7" providerId="ADAL" clId="{AB46A06D-E856-40B7-957C-0F50F3800040}" dt="2021-04-12T15:32:44.138" v="1"/>
-          <ac:cxnSpMkLst>
-            <pc:docMk/>
-            <pc:sldMk cId="1091789387" sldId="273"/>
-            <ac:cxnSpMk id="206" creationId="{FAD5F4FD-938D-4481-9184-27C2A050B797}"/>
-          </ac:cxnSpMkLst>
-        </pc:cxnChg>
-        <pc:cxnChg chg="add del mod">
-          <ac:chgData name="Fingerhut, John Andy" userId="6ad675d3-541e-4813-9336-4804cd571dc7" providerId="ADAL" clId="{AB46A06D-E856-40B7-957C-0F50F3800040}" dt="2021-04-12T15:32:44.138" v="1"/>
-          <ac:cxnSpMkLst>
-            <pc:docMk/>
-            <pc:sldMk cId="1091789387" sldId="273"/>
-            <ac:cxnSpMk id="207" creationId="{0A9B7F70-86AC-4279-9D1A-105BACCFC189}"/>
-          </ac:cxnSpMkLst>
-        </pc:cxnChg>
-        <pc:cxnChg chg="add del mod">
-          <ac:chgData name="Fingerhut, John Andy" userId="6ad675d3-541e-4813-9336-4804cd571dc7" providerId="ADAL" clId="{AB46A06D-E856-40B7-957C-0F50F3800040}" dt="2021-04-12T15:32:44.138" v="1"/>
-          <ac:cxnSpMkLst>
-            <pc:docMk/>
-            <pc:sldMk cId="1091789387" sldId="273"/>
-            <ac:cxnSpMk id="208" creationId="{966A622E-BF82-4CF1-916F-285FA4A24777}"/>
-          </ac:cxnSpMkLst>
-        </pc:cxnChg>
-        <pc:cxnChg chg="add del mod">
-          <ac:chgData name="Fingerhut, John Andy" userId="6ad675d3-541e-4813-9336-4804cd571dc7" providerId="ADAL" clId="{AB46A06D-E856-40B7-957C-0F50F3800040}" dt="2021-04-12T15:32:44.138" v="1"/>
-          <ac:cxnSpMkLst>
-            <pc:docMk/>
-            <pc:sldMk cId="1091789387" sldId="273"/>
-            <ac:cxnSpMk id="209" creationId="{47B90B10-1448-4CDE-9B2A-FA431E33164C}"/>
-          </ac:cxnSpMkLst>
-        </pc:cxnChg>
-        <pc:cxnChg chg="add del mod">
-          <ac:chgData name="Fingerhut, John Andy" userId="6ad675d3-541e-4813-9336-4804cd571dc7" providerId="ADAL" clId="{AB46A06D-E856-40B7-957C-0F50F3800040}" dt="2021-04-12T15:32:44.138" v="1"/>
-          <ac:cxnSpMkLst>
-            <pc:docMk/>
-            <pc:sldMk cId="1091789387" sldId="273"/>
-            <ac:cxnSpMk id="210" creationId="{DC78A1B6-7C2E-49F8-9D21-45BEF0810B00}"/>
-          </ac:cxnSpMkLst>
-        </pc:cxnChg>
-        <pc:cxnChg chg="add del mod">
-          <ac:chgData name="Fingerhut, John Andy" userId="6ad675d3-541e-4813-9336-4804cd571dc7" providerId="ADAL" clId="{AB46A06D-E856-40B7-957C-0F50F3800040}" dt="2021-04-12T15:32:44.138" v="1"/>
-          <ac:cxnSpMkLst>
-            <pc:docMk/>
-            <pc:sldMk cId="1091789387" sldId="273"/>
-            <ac:cxnSpMk id="211" creationId="{25E636DA-E5BD-4D37-B08A-269C98A97C7F}"/>
-          </ac:cxnSpMkLst>
-        </pc:cxnChg>
-        <pc:cxnChg chg="add del mod">
-          <ac:chgData name="Fingerhut, John Andy" userId="6ad675d3-541e-4813-9336-4804cd571dc7" providerId="ADAL" clId="{AB46A06D-E856-40B7-957C-0F50F3800040}" dt="2021-04-12T15:32:44.138" v="1"/>
-          <ac:cxnSpMkLst>
-            <pc:docMk/>
-            <pc:sldMk cId="1091789387" sldId="273"/>
-            <ac:cxnSpMk id="212" creationId="{10B7F1B3-14AC-40CB-9A88-7D1A9328272C}"/>
-          </ac:cxnSpMkLst>
-        </pc:cxnChg>
-        <pc:cxnChg chg="add del mod">
-          <ac:chgData name="Fingerhut, John Andy" userId="6ad675d3-541e-4813-9336-4804cd571dc7" providerId="ADAL" clId="{AB46A06D-E856-40B7-957C-0F50F3800040}" dt="2021-04-12T15:32:44.138" v="1"/>
-          <ac:cxnSpMkLst>
-            <pc:docMk/>
-            <pc:sldMk cId="1091789387" sldId="273"/>
-            <ac:cxnSpMk id="213" creationId="{3D407075-1A84-46F4-9BB6-AA8049AEEDA1}"/>
-          </ac:cxnSpMkLst>
-        </pc:cxnChg>
-        <pc:cxnChg chg="add del mod">
-          <ac:chgData name="Fingerhut, John Andy" userId="6ad675d3-541e-4813-9336-4804cd571dc7" providerId="ADAL" clId="{AB46A06D-E856-40B7-957C-0F50F3800040}" dt="2021-04-12T15:32:44.138" v="1"/>
-          <ac:cxnSpMkLst>
-            <pc:docMk/>
-            <pc:sldMk cId="1091789387" sldId="273"/>
-            <ac:cxnSpMk id="215" creationId="{C8DFCF3D-152E-44A1-BBB3-0E4E4F0DB736}"/>
-          </ac:cxnSpMkLst>
-        </pc:cxnChg>
-        <pc:cxnChg chg="add del mod">
-          <ac:chgData name="Fingerhut, John Andy" userId="6ad675d3-541e-4813-9336-4804cd571dc7" providerId="ADAL" clId="{AB46A06D-E856-40B7-957C-0F50F3800040}" dt="2021-04-12T15:32:44.138" v="1"/>
-          <ac:cxnSpMkLst>
-            <pc:docMk/>
-            <pc:sldMk cId="1091789387" sldId="273"/>
-            <ac:cxnSpMk id="217" creationId="{63AE2C0C-D1B3-4809-881D-BDE8B097C99A}"/>
-          </ac:cxnSpMkLst>
-        </pc:cxnChg>
-        <pc:cxnChg chg="add del mod">
-          <ac:chgData name="Fingerhut, John Andy" userId="6ad675d3-541e-4813-9336-4804cd571dc7" providerId="ADAL" clId="{AB46A06D-E856-40B7-957C-0F50F3800040}" dt="2021-04-12T15:32:44.138" v="1"/>
-          <ac:cxnSpMkLst>
-            <pc:docMk/>
-            <pc:sldMk cId="1091789387" sldId="273"/>
-            <ac:cxnSpMk id="218" creationId="{AF49F8A1-1DEB-4B86-8C91-20488A4C3EAC}"/>
-          </ac:cxnSpMkLst>
-        </pc:cxnChg>
-        <pc:cxnChg chg="add del mod">
-          <ac:chgData name="Fingerhut, John Andy" userId="6ad675d3-541e-4813-9336-4804cd571dc7" providerId="ADAL" clId="{AB46A06D-E856-40B7-957C-0F50F3800040}" dt="2021-04-12T15:32:44.138" v="1"/>
-          <ac:cxnSpMkLst>
-            <pc:docMk/>
-            <pc:sldMk cId="1091789387" sldId="273"/>
-            <ac:cxnSpMk id="220" creationId="{D35069FB-0489-489D-BCF9-35D8B4ADD186}"/>
-          </ac:cxnSpMkLst>
-        </pc:cxnChg>
-        <pc:cxnChg chg="add del mod">
-          <ac:chgData name="Fingerhut, John Andy" userId="6ad675d3-541e-4813-9336-4804cd571dc7" providerId="ADAL" clId="{AB46A06D-E856-40B7-957C-0F50F3800040}" dt="2021-04-12T15:32:44.138" v="1"/>
-          <ac:cxnSpMkLst>
-            <pc:docMk/>
-            <pc:sldMk cId="1091789387" sldId="273"/>
-            <ac:cxnSpMk id="221" creationId="{EE608D53-4377-4C3A-95BE-0B77B974942D}"/>
-          </ac:cxnSpMkLst>
-        </pc:cxnChg>
-        <pc:cxnChg chg="add mod">
-          <ac:chgData name="Fingerhut, John Andy" userId="6ad675d3-541e-4813-9336-4804cd571dc7" providerId="ADAL" clId="{AB46A06D-E856-40B7-957C-0F50F3800040}" dt="2021-04-12T15:32:47.971" v="3"/>
-          <ac:cxnSpMkLst>
-            <pc:docMk/>
-            <pc:sldMk cId="1091789387" sldId="273"/>
-            <ac:cxnSpMk id="231" creationId="{FFF2B4D5-2E93-4B5A-A9DF-81D9C179557A}"/>
-          </ac:cxnSpMkLst>
-        </pc:cxnChg>
-        <pc:cxnChg chg="add mod">
-          <ac:chgData name="Fingerhut, John Andy" userId="6ad675d3-541e-4813-9336-4804cd571dc7" providerId="ADAL" clId="{AB46A06D-E856-40B7-957C-0F50F3800040}" dt="2021-04-12T15:32:47.971" v="3"/>
-          <ac:cxnSpMkLst>
-            <pc:docMk/>
-            <pc:sldMk cId="1091789387" sldId="273"/>
-            <ac:cxnSpMk id="232" creationId="{08751EF5-869E-4130-9212-C8741761CAC6}"/>
-          </ac:cxnSpMkLst>
-        </pc:cxnChg>
-        <pc:cxnChg chg="add mod">
-          <ac:chgData name="Fingerhut, John Andy" userId="6ad675d3-541e-4813-9336-4804cd571dc7" providerId="ADAL" clId="{AB46A06D-E856-40B7-957C-0F50F3800040}" dt="2021-04-12T15:32:47.971" v="3"/>
-          <ac:cxnSpMkLst>
-            <pc:docMk/>
-            <pc:sldMk cId="1091789387" sldId="273"/>
-            <ac:cxnSpMk id="233" creationId="{856F1056-8EB7-4FAA-B9C9-609CD7AD7645}"/>
-          </ac:cxnSpMkLst>
-        </pc:cxnChg>
-        <pc:cxnChg chg="add mod">
-          <ac:chgData name="Fingerhut, John Andy" userId="6ad675d3-541e-4813-9336-4804cd571dc7" providerId="ADAL" clId="{AB46A06D-E856-40B7-957C-0F50F3800040}" dt="2021-04-12T15:32:47.971" v="3"/>
-          <ac:cxnSpMkLst>
-            <pc:docMk/>
-            <pc:sldMk cId="1091789387" sldId="273"/>
-            <ac:cxnSpMk id="234" creationId="{30EB7FF0-4987-4780-AD04-A9A763576801}"/>
-          </ac:cxnSpMkLst>
-        </pc:cxnChg>
-        <pc:cxnChg chg="add mod">
-          <ac:chgData name="Fingerhut, John Andy" userId="6ad675d3-541e-4813-9336-4804cd571dc7" providerId="ADAL" clId="{AB46A06D-E856-40B7-957C-0F50F3800040}" dt="2021-04-12T15:32:47.971" v="3"/>
-          <ac:cxnSpMkLst>
-            <pc:docMk/>
-            <pc:sldMk cId="1091789387" sldId="273"/>
-            <ac:cxnSpMk id="235" creationId="{0BBC1BD7-627A-4A2C-9AA4-6C682BBC69F8}"/>
-          </ac:cxnSpMkLst>
-        </pc:cxnChg>
-        <pc:cxnChg chg="add mod">
-          <ac:chgData name="Fingerhut, John Andy" userId="6ad675d3-541e-4813-9336-4804cd571dc7" providerId="ADAL" clId="{AB46A06D-E856-40B7-957C-0F50F3800040}" dt="2021-04-12T15:32:47.971" v="3"/>
-          <ac:cxnSpMkLst>
-            <pc:docMk/>
-            <pc:sldMk cId="1091789387" sldId="273"/>
-            <ac:cxnSpMk id="236" creationId="{772A4263-1FCC-49D6-8724-A53882F2A4FE}"/>
-          </ac:cxnSpMkLst>
-        </pc:cxnChg>
-        <pc:cxnChg chg="add mod">
-          <ac:chgData name="Fingerhut, John Andy" userId="6ad675d3-541e-4813-9336-4804cd571dc7" providerId="ADAL" clId="{AB46A06D-E856-40B7-957C-0F50F3800040}" dt="2021-04-12T15:32:47.971" v="3"/>
-          <ac:cxnSpMkLst>
-            <pc:docMk/>
-            <pc:sldMk cId="1091789387" sldId="273"/>
-            <ac:cxnSpMk id="237" creationId="{785C3731-3B3F-4CD5-8E7C-DB9ED6C26FE7}"/>
-          </ac:cxnSpMkLst>
-        </pc:cxnChg>
-        <pc:cxnChg chg="add mod">
-          <ac:chgData name="Fingerhut, John Andy" userId="6ad675d3-541e-4813-9336-4804cd571dc7" providerId="ADAL" clId="{AB46A06D-E856-40B7-957C-0F50F3800040}" dt="2021-04-12T15:32:47.971" v="3"/>
-          <ac:cxnSpMkLst>
-            <pc:docMk/>
-            <pc:sldMk cId="1091789387" sldId="273"/>
-            <ac:cxnSpMk id="238" creationId="{30E9BAA8-16AE-4A99-9674-7286259428AB}"/>
-          </ac:cxnSpMkLst>
-        </pc:cxnChg>
-        <pc:cxnChg chg="mod">
-          <ac:chgData name="Fingerhut, John Andy" userId="6ad675d3-541e-4813-9336-4804cd571dc7" providerId="ADAL" clId="{AB46A06D-E856-40B7-957C-0F50F3800040}" dt="2021-04-12T15:32:47.971" v="3"/>
-          <ac:cxnSpMkLst>
-            <pc:docMk/>
-            <pc:sldMk cId="1091789387" sldId="273"/>
-            <ac:cxnSpMk id="243" creationId="{86C44683-CECA-457D-82B9-A27634319A83}"/>
-          </ac:cxnSpMkLst>
-        </pc:cxnChg>
-        <pc:cxnChg chg="mod">
-          <ac:chgData name="Fingerhut, John Andy" userId="6ad675d3-541e-4813-9336-4804cd571dc7" providerId="ADAL" clId="{AB46A06D-E856-40B7-957C-0F50F3800040}" dt="2021-04-12T15:32:47.971" v="3"/>
-          <ac:cxnSpMkLst>
-            <pc:docMk/>
-            <pc:sldMk cId="1091789387" sldId="273"/>
-            <ac:cxnSpMk id="244" creationId="{E2F2CB72-AA03-46BF-9BA6-388CB4DA26EA}"/>
-          </ac:cxnSpMkLst>
-        </pc:cxnChg>
-        <pc:cxnChg chg="mod">
-          <ac:chgData name="Fingerhut, John Andy" userId="6ad675d3-541e-4813-9336-4804cd571dc7" providerId="ADAL" clId="{AB46A06D-E856-40B7-957C-0F50F3800040}" dt="2021-04-12T15:32:47.971" v="3"/>
-          <ac:cxnSpMkLst>
-            <pc:docMk/>
-            <pc:sldMk cId="1091789387" sldId="273"/>
-            <ac:cxnSpMk id="248" creationId="{D690429A-9C9D-4CE5-810F-43323AEBABFB}"/>
-          </ac:cxnSpMkLst>
-        </pc:cxnChg>
-        <pc:cxnChg chg="mod">
-          <ac:chgData name="Fingerhut, John Andy" userId="6ad675d3-541e-4813-9336-4804cd571dc7" providerId="ADAL" clId="{AB46A06D-E856-40B7-957C-0F50F3800040}" dt="2021-04-12T15:32:47.971" v="3"/>
-          <ac:cxnSpMkLst>
-            <pc:docMk/>
-            <pc:sldMk cId="1091789387" sldId="273"/>
-            <ac:cxnSpMk id="249" creationId="{314B3860-3706-4794-911E-C9C017DE96E8}"/>
-          </ac:cxnSpMkLst>
-        </pc:cxnChg>
-        <pc:cxnChg chg="mod">
-          <ac:chgData name="Fingerhut, John Andy" userId="6ad675d3-541e-4813-9336-4804cd571dc7" providerId="ADAL" clId="{AB46A06D-E856-40B7-957C-0F50F3800040}" dt="2021-04-12T15:32:47.971" v="3"/>
-          <ac:cxnSpMkLst>
-            <pc:docMk/>
-            <pc:sldMk cId="1091789387" sldId="273"/>
-            <ac:cxnSpMk id="253" creationId="{B08A12BB-BF36-44A2-8061-85EEB3489839}"/>
-          </ac:cxnSpMkLst>
-        </pc:cxnChg>
-        <pc:cxnChg chg="mod">
-          <ac:chgData name="Fingerhut, John Andy" userId="6ad675d3-541e-4813-9336-4804cd571dc7" providerId="ADAL" clId="{AB46A06D-E856-40B7-957C-0F50F3800040}" dt="2021-04-12T15:32:47.971" v="3"/>
-          <ac:cxnSpMkLst>
-            <pc:docMk/>
-            <pc:sldMk cId="1091789387" sldId="273"/>
-            <ac:cxnSpMk id="254" creationId="{5B8ECAF9-1C4E-4D71-B71B-CF8A0DE135DC}"/>
-          </ac:cxnSpMkLst>
-        </pc:cxnChg>
-        <pc:cxnChg chg="add mod">
-          <ac:chgData name="Fingerhut, John Andy" userId="6ad675d3-541e-4813-9336-4804cd571dc7" providerId="ADAL" clId="{AB46A06D-E856-40B7-957C-0F50F3800040}" dt="2021-04-12T15:32:47.971" v="3"/>
-          <ac:cxnSpMkLst>
-            <pc:docMk/>
-            <pc:sldMk cId="1091789387" sldId="273"/>
-            <ac:cxnSpMk id="255" creationId="{552090D0-A48A-4568-ACB1-196CD221D8CF}"/>
-          </ac:cxnSpMkLst>
-        </pc:cxnChg>
-        <pc:cxnChg chg="mod">
-          <ac:chgData name="Fingerhut, John Andy" userId="6ad675d3-541e-4813-9336-4804cd571dc7" providerId="ADAL" clId="{AB46A06D-E856-40B7-957C-0F50F3800040}" dt="2021-04-12T15:32:47.971" v="3"/>
-          <ac:cxnSpMkLst>
-            <pc:docMk/>
-            <pc:sldMk cId="1091789387" sldId="273"/>
-            <ac:cxnSpMk id="260" creationId="{571A982D-E8ED-416F-9BD8-B150891874EF}"/>
-          </ac:cxnSpMkLst>
-        </pc:cxnChg>
-        <pc:cxnChg chg="mod">
-          <ac:chgData name="Fingerhut, John Andy" userId="6ad675d3-541e-4813-9336-4804cd571dc7" providerId="ADAL" clId="{AB46A06D-E856-40B7-957C-0F50F3800040}" dt="2021-04-12T15:32:47.971" v="3"/>
-          <ac:cxnSpMkLst>
-            <pc:docMk/>
-            <pc:sldMk cId="1091789387" sldId="273"/>
-            <ac:cxnSpMk id="261" creationId="{7E87507E-1A2C-40C7-9A52-C8D21A606A39}"/>
-          </ac:cxnSpMkLst>
-        </pc:cxnChg>
-        <pc:cxnChg chg="mod">
-          <ac:chgData name="Fingerhut, John Andy" userId="6ad675d3-541e-4813-9336-4804cd571dc7" providerId="ADAL" clId="{AB46A06D-E856-40B7-957C-0F50F3800040}" dt="2021-04-12T15:32:47.971" v="3"/>
-          <ac:cxnSpMkLst>
-            <pc:docMk/>
-            <pc:sldMk cId="1091789387" sldId="273"/>
-            <ac:cxnSpMk id="265" creationId="{A5660E5A-A3F9-4C89-A9B3-D5F2472F4AF9}"/>
-          </ac:cxnSpMkLst>
-        </pc:cxnChg>
-        <pc:cxnChg chg="mod">
-          <ac:chgData name="Fingerhut, John Andy" userId="6ad675d3-541e-4813-9336-4804cd571dc7" providerId="ADAL" clId="{AB46A06D-E856-40B7-957C-0F50F3800040}" dt="2021-04-12T15:32:47.971" v="3"/>
-          <ac:cxnSpMkLst>
-            <pc:docMk/>
-            <pc:sldMk cId="1091789387" sldId="273"/>
-            <ac:cxnSpMk id="266" creationId="{795C18E0-916D-4774-B202-4C430DBE6B13}"/>
-          </ac:cxnSpMkLst>
-        </pc:cxnChg>
-        <pc:cxnChg chg="mod">
-          <ac:chgData name="Fingerhut, John Andy" userId="6ad675d3-541e-4813-9336-4804cd571dc7" providerId="ADAL" clId="{AB46A06D-E856-40B7-957C-0F50F3800040}" dt="2021-04-12T15:32:47.971" v="3"/>
-          <ac:cxnSpMkLst>
-            <pc:docMk/>
-            <pc:sldMk cId="1091789387" sldId="273"/>
-            <ac:cxnSpMk id="270" creationId="{E1CA9F43-DC4F-4673-9B62-080125959D5E}"/>
-          </ac:cxnSpMkLst>
-        </pc:cxnChg>
-        <pc:cxnChg chg="mod">
-          <ac:chgData name="Fingerhut, John Andy" userId="6ad675d3-541e-4813-9336-4804cd571dc7" providerId="ADAL" clId="{AB46A06D-E856-40B7-957C-0F50F3800040}" dt="2021-04-12T15:32:47.971" v="3"/>
-          <ac:cxnSpMkLst>
-            <pc:docMk/>
-            <pc:sldMk cId="1091789387" sldId="273"/>
-            <ac:cxnSpMk id="271" creationId="{A2A85ADF-A68F-49BC-AEB4-81578254A8B1}"/>
-          </ac:cxnSpMkLst>
-        </pc:cxnChg>
-        <pc:cxnChg chg="add mod">
-          <ac:chgData name="Fingerhut, John Andy" userId="6ad675d3-541e-4813-9336-4804cd571dc7" providerId="ADAL" clId="{AB46A06D-E856-40B7-957C-0F50F3800040}" dt="2021-04-12T15:32:47.971" v="3"/>
-          <ac:cxnSpMkLst>
-            <pc:docMk/>
-            <pc:sldMk cId="1091789387" sldId="273"/>
-            <ac:cxnSpMk id="272" creationId="{2B08C2EB-75BB-4EB9-B294-D4C9570C8667}"/>
-          </ac:cxnSpMkLst>
-        </pc:cxnChg>
-        <pc:cxnChg chg="add mod">
-          <ac:chgData name="Fingerhut, John Andy" userId="6ad675d3-541e-4813-9336-4804cd571dc7" providerId="ADAL" clId="{AB46A06D-E856-40B7-957C-0F50F3800040}" dt="2021-04-12T15:32:47.971" v="3"/>
-          <ac:cxnSpMkLst>
-            <pc:docMk/>
-            <pc:sldMk cId="1091789387" sldId="273"/>
-            <ac:cxnSpMk id="275" creationId="{37BE0E60-BBC8-41CA-BBF3-0016D07C2260}"/>
-          </ac:cxnSpMkLst>
-        </pc:cxnChg>
-        <pc:cxnChg chg="add mod">
-          <ac:chgData name="Fingerhut, John Andy" userId="6ad675d3-541e-4813-9336-4804cd571dc7" providerId="ADAL" clId="{AB46A06D-E856-40B7-957C-0F50F3800040}" dt="2021-04-12T15:32:47.971" v="3"/>
-          <ac:cxnSpMkLst>
-            <pc:docMk/>
-            <pc:sldMk cId="1091789387" sldId="273"/>
-            <ac:cxnSpMk id="278" creationId="{B6DCA3E1-3B6C-4A31-85D3-2F9C2CDAC977}"/>
-          </ac:cxnSpMkLst>
-        </pc:cxnChg>
-        <pc:cxnChg chg="add mod">
-          <ac:chgData name="Fingerhut, John Andy" userId="6ad675d3-541e-4813-9336-4804cd571dc7" providerId="ADAL" clId="{AB46A06D-E856-40B7-957C-0F50F3800040}" dt="2021-04-12T15:32:47.971" v="3"/>
-          <ac:cxnSpMkLst>
-            <pc:docMk/>
-            <pc:sldMk cId="1091789387" sldId="273"/>
-            <ac:cxnSpMk id="279" creationId="{C443E615-1193-4A98-A793-2DCE9563BB65}"/>
-          </ac:cxnSpMkLst>
-        </pc:cxnChg>
-        <pc:cxnChg chg="add mod">
-          <ac:chgData name="Fingerhut, John Andy" userId="6ad675d3-541e-4813-9336-4804cd571dc7" providerId="ADAL" clId="{AB46A06D-E856-40B7-957C-0F50F3800040}" dt="2021-04-12T15:32:47.971" v="3"/>
-          <ac:cxnSpMkLst>
-            <pc:docMk/>
-            <pc:sldMk cId="1091789387" sldId="273"/>
-            <ac:cxnSpMk id="280" creationId="{2619B468-6320-486D-8EDA-1196560C8AF2}"/>
-          </ac:cxnSpMkLst>
-        </pc:cxnChg>
-        <pc:cxnChg chg="add mod">
-          <ac:chgData name="Fingerhut, John Andy" userId="6ad675d3-541e-4813-9336-4804cd571dc7" providerId="ADAL" clId="{AB46A06D-E856-40B7-957C-0F50F3800040}" dt="2021-04-12T15:32:47.971" v="3"/>
-          <ac:cxnSpMkLst>
-            <pc:docMk/>
-            <pc:sldMk cId="1091789387" sldId="273"/>
-            <ac:cxnSpMk id="281" creationId="{8072B402-D030-412C-BD62-36A7A905EB58}"/>
-          </ac:cxnSpMkLst>
-        </pc:cxnChg>
-        <pc:cxnChg chg="add mod">
-          <ac:chgData name="Fingerhut, John Andy" userId="6ad675d3-541e-4813-9336-4804cd571dc7" providerId="ADAL" clId="{AB46A06D-E856-40B7-957C-0F50F3800040}" dt="2021-04-12T15:32:47.971" v="3"/>
-          <ac:cxnSpMkLst>
-            <pc:docMk/>
-            <pc:sldMk cId="1091789387" sldId="273"/>
-            <ac:cxnSpMk id="282" creationId="{DB67302F-AFC9-4C9B-A821-D55E704A35CD}"/>
-          </ac:cxnSpMkLst>
-        </pc:cxnChg>
-        <pc:cxnChg chg="add mod">
-          <ac:chgData name="Fingerhut, John Andy" userId="6ad675d3-541e-4813-9336-4804cd571dc7" providerId="ADAL" clId="{AB46A06D-E856-40B7-957C-0F50F3800040}" dt="2021-04-12T15:32:47.971" v="3"/>
-          <ac:cxnSpMkLst>
-            <pc:docMk/>
-            <pc:sldMk cId="1091789387" sldId="273"/>
-            <ac:cxnSpMk id="284" creationId="{94DA0782-16EE-470B-ADC8-92FB4D26A4BD}"/>
-          </ac:cxnSpMkLst>
-        </pc:cxnChg>
-        <pc:cxnChg chg="add mod">
-          <ac:chgData name="Fingerhut, John Andy" userId="6ad675d3-541e-4813-9336-4804cd571dc7" providerId="ADAL" clId="{AB46A06D-E856-40B7-957C-0F50F3800040}" dt="2021-04-12T15:32:47.971" v="3"/>
-          <ac:cxnSpMkLst>
-            <pc:docMk/>
-            <pc:sldMk cId="1091789387" sldId="273"/>
-            <ac:cxnSpMk id="285" creationId="{D6C5A1C5-210A-4A44-A72C-1C432166FAD5}"/>
-          </ac:cxnSpMkLst>
-        </pc:cxnChg>
-        <pc:cxnChg chg="add mod">
-          <ac:chgData name="Fingerhut, John Andy" userId="6ad675d3-541e-4813-9336-4804cd571dc7" providerId="ADAL" clId="{AB46A06D-E856-40B7-957C-0F50F3800040}" dt="2021-04-12T15:32:47.971" v="3"/>
-          <ac:cxnSpMkLst>
-            <pc:docMk/>
-            <pc:sldMk cId="1091789387" sldId="273"/>
-            <ac:cxnSpMk id="291" creationId="{975620DA-F204-4886-8DF5-75B260E4FEB3}"/>
-          </ac:cxnSpMkLst>
-        </pc:cxnChg>
-        <pc:cxnChg chg="add mod">
-          <ac:chgData name="Fingerhut, John Andy" userId="6ad675d3-541e-4813-9336-4804cd571dc7" providerId="ADAL" clId="{AB46A06D-E856-40B7-957C-0F50F3800040}" dt="2021-04-12T15:32:47.971" v="3"/>
-          <ac:cxnSpMkLst>
-            <pc:docMk/>
-            <pc:sldMk cId="1091789387" sldId="273"/>
-            <ac:cxnSpMk id="292" creationId="{F2A4F303-3270-4322-B4D4-71EB55509A90}"/>
-          </ac:cxnSpMkLst>
-        </pc:cxnChg>
-        <pc:cxnChg chg="add mod">
-          <ac:chgData name="Fingerhut, John Andy" userId="6ad675d3-541e-4813-9336-4804cd571dc7" providerId="ADAL" clId="{AB46A06D-E856-40B7-957C-0F50F3800040}" dt="2021-04-12T15:32:47.971" v="3"/>
-          <ac:cxnSpMkLst>
-            <pc:docMk/>
-            <pc:sldMk cId="1091789387" sldId="273"/>
-            <ac:cxnSpMk id="293" creationId="{3B110F17-DBD3-46F1-AA06-1E2F93C10168}"/>
-          </ac:cxnSpMkLst>
-        </pc:cxnChg>
-        <pc:cxnChg chg="add mod">
-          <ac:chgData name="Fingerhut, John Andy" userId="6ad675d3-541e-4813-9336-4804cd571dc7" providerId="ADAL" clId="{AB46A06D-E856-40B7-957C-0F50F3800040}" dt="2021-04-12T15:32:47.971" v="3"/>
-          <ac:cxnSpMkLst>
-            <pc:docMk/>
-            <pc:sldMk cId="1091789387" sldId="273"/>
-            <ac:cxnSpMk id="294" creationId="{132FAF17-1422-4C66-BDC6-BD0E1EC05ABE}"/>
-          </ac:cxnSpMkLst>
-        </pc:cxnChg>
-        <pc:cxnChg chg="add mod">
-          <ac:chgData name="Fingerhut, John Andy" userId="6ad675d3-541e-4813-9336-4804cd571dc7" providerId="ADAL" clId="{AB46A06D-E856-40B7-957C-0F50F3800040}" dt="2021-04-12T15:32:47.971" v="3"/>
-          <ac:cxnSpMkLst>
-            <pc:docMk/>
-            <pc:sldMk cId="1091789387" sldId="273"/>
-            <ac:cxnSpMk id="295" creationId="{8392C6E3-4B62-4598-A61D-50379CFDC32E}"/>
-          </ac:cxnSpMkLst>
-        </pc:cxnChg>
-        <pc:cxnChg chg="add mod">
-          <ac:chgData name="Fingerhut, John Andy" userId="6ad675d3-541e-4813-9336-4804cd571dc7" providerId="ADAL" clId="{AB46A06D-E856-40B7-957C-0F50F3800040}" dt="2021-04-12T15:32:47.971" v="3"/>
-          <ac:cxnSpMkLst>
-            <pc:docMk/>
-            <pc:sldMk cId="1091789387" sldId="273"/>
-            <ac:cxnSpMk id="296" creationId="{AFD5B5D5-6FCB-4A9D-8E9D-0659DD53CDA7}"/>
-          </ac:cxnSpMkLst>
-        </pc:cxnChg>
-        <pc:cxnChg chg="add mod">
-          <ac:chgData name="Fingerhut, John Andy" userId="6ad675d3-541e-4813-9336-4804cd571dc7" providerId="ADAL" clId="{AB46A06D-E856-40B7-957C-0F50F3800040}" dt="2021-04-12T15:32:47.971" v="3"/>
-          <ac:cxnSpMkLst>
-            <pc:docMk/>
-            <pc:sldMk cId="1091789387" sldId="273"/>
-            <ac:cxnSpMk id="297" creationId="{AD23FF2C-AAB2-4F69-9E3B-72F3DF1A5C4A}"/>
-          </ac:cxnSpMkLst>
-        </pc:cxnChg>
-        <pc:cxnChg chg="add mod">
-          <ac:chgData name="Fingerhut, John Andy" userId="6ad675d3-541e-4813-9336-4804cd571dc7" providerId="ADAL" clId="{AB46A06D-E856-40B7-957C-0F50F3800040}" dt="2021-04-12T15:32:47.971" v="3"/>
-          <ac:cxnSpMkLst>
-            <pc:docMk/>
-            <pc:sldMk cId="1091789387" sldId="273"/>
-            <ac:cxnSpMk id="298" creationId="{F21017AA-7720-4DBA-86B3-B183D869B2CC}"/>
-          </ac:cxnSpMkLst>
-        </pc:cxnChg>
-        <pc:cxnChg chg="add mod">
-          <ac:chgData name="Fingerhut, John Andy" userId="6ad675d3-541e-4813-9336-4804cd571dc7" providerId="ADAL" clId="{AB46A06D-E856-40B7-957C-0F50F3800040}" dt="2021-04-12T15:32:47.971" v="3"/>
-          <ac:cxnSpMkLst>
-            <pc:docMk/>
-            <pc:sldMk cId="1091789387" sldId="273"/>
-            <ac:cxnSpMk id="299" creationId="{7D95EB9B-4649-48B8-B77E-A6A7F05C3FFF}"/>
-          </ac:cxnSpMkLst>
-        </pc:cxnChg>
-        <pc:cxnChg chg="add mod">
-          <ac:chgData name="Fingerhut, John Andy" userId="6ad675d3-541e-4813-9336-4804cd571dc7" providerId="ADAL" clId="{AB46A06D-E856-40B7-957C-0F50F3800040}" dt="2021-04-12T15:32:47.971" v="3"/>
-          <ac:cxnSpMkLst>
-            <pc:docMk/>
-            <pc:sldMk cId="1091789387" sldId="273"/>
-            <ac:cxnSpMk id="300" creationId="{26DB3D12-209C-4ED3-8D8F-D66DCD94D9EF}"/>
-          </ac:cxnSpMkLst>
-        </pc:cxnChg>
-        <pc:cxnChg chg="add mod">
-          <ac:chgData name="Fingerhut, John Andy" userId="6ad675d3-541e-4813-9336-4804cd571dc7" providerId="ADAL" clId="{AB46A06D-E856-40B7-957C-0F50F3800040}" dt="2021-04-12T15:32:47.971" v="3"/>
-          <ac:cxnSpMkLst>
-            <pc:docMk/>
-            <pc:sldMk cId="1091789387" sldId="273"/>
-            <ac:cxnSpMk id="301" creationId="{4DC35F3F-FD85-4068-83DF-F596995AA6FA}"/>
-          </ac:cxnSpMkLst>
-        </pc:cxnChg>
-        <pc:cxnChg chg="add mod">
-          <ac:chgData name="Fingerhut, John Andy" userId="6ad675d3-541e-4813-9336-4804cd571dc7" providerId="ADAL" clId="{AB46A06D-E856-40B7-957C-0F50F3800040}" dt="2021-04-12T15:32:47.971" v="3"/>
-          <ac:cxnSpMkLst>
-            <pc:docMk/>
-            <pc:sldMk cId="1091789387" sldId="273"/>
-            <ac:cxnSpMk id="303" creationId="{D3A4E10E-EB35-43DB-B5CE-58A044FD9547}"/>
-          </ac:cxnSpMkLst>
-        </pc:cxnChg>
-        <pc:cxnChg chg="add mod">
-          <ac:chgData name="Fingerhut, John Andy" userId="6ad675d3-541e-4813-9336-4804cd571dc7" providerId="ADAL" clId="{AB46A06D-E856-40B7-957C-0F50F3800040}" dt="2021-04-12T15:32:47.971" v="3"/>
-          <ac:cxnSpMkLst>
-            <pc:docMk/>
-            <pc:sldMk cId="1091789387" sldId="273"/>
-            <ac:cxnSpMk id="305" creationId="{9DBCA7FA-F2AC-4264-855D-71D88031345B}"/>
-          </ac:cxnSpMkLst>
-        </pc:cxnChg>
-        <pc:cxnChg chg="add mod">
-          <ac:chgData name="Fingerhut, John Andy" userId="6ad675d3-541e-4813-9336-4804cd571dc7" providerId="ADAL" clId="{AB46A06D-E856-40B7-957C-0F50F3800040}" dt="2021-04-12T15:32:47.971" v="3"/>
-          <ac:cxnSpMkLst>
-            <pc:docMk/>
-            <pc:sldMk cId="1091789387" sldId="273"/>
-            <ac:cxnSpMk id="306" creationId="{F0CDD946-DEDA-49BC-881E-2EFF0E53EEAF}"/>
-          </ac:cxnSpMkLst>
-        </pc:cxnChg>
-        <pc:cxnChg chg="add mod">
-          <ac:chgData name="Fingerhut, John Andy" userId="6ad675d3-541e-4813-9336-4804cd571dc7" providerId="ADAL" clId="{AB46A06D-E856-40B7-957C-0F50F3800040}" dt="2021-04-12T15:32:47.971" v="3"/>
-          <ac:cxnSpMkLst>
-            <pc:docMk/>
-            <pc:sldMk cId="1091789387" sldId="273"/>
-            <ac:cxnSpMk id="308" creationId="{EB206779-8C96-4FD7-8AB9-8EC49CB6AB8A}"/>
-          </ac:cxnSpMkLst>
-        </pc:cxnChg>
-        <pc:cxnChg chg="add mod">
-          <ac:chgData name="Fingerhut, John Andy" userId="6ad675d3-541e-4813-9336-4804cd571dc7" providerId="ADAL" clId="{AB46A06D-E856-40B7-957C-0F50F3800040}" dt="2021-04-12T15:32:47.971" v="3"/>
-          <ac:cxnSpMkLst>
-            <pc:docMk/>
-            <pc:sldMk cId="1091789387" sldId="273"/>
-            <ac:cxnSpMk id="309" creationId="{20379808-FE56-458C-8084-B9FAD8A45934}"/>
-          </ac:cxnSpMkLst>
-        </pc:cxnChg>
-      </pc:sldChg>
-    </pc:docChg>
-  </pc:docChgLst>
-</pc:chgInfo>
 </file>
 
 <file path=ppt/slideLayouts/slideLayout1.xml><?xml version="1.0" encoding="utf-8"?>
@@ -2648,7 +267,7 @@
           <a:p>
             <a:fld id="{B72825D7-6CAC-4DD9-81D1-F420B7F343C3}" type="datetimeFigureOut">
               <a:rPr lang="en-US" smtClean="0"/>
-              <a:t>4/12/2021</a:t>
+              <a:t>5/14/2021</a:t>
             </a:fld>
             <a:endParaRPr lang="en-US"/>
           </a:p>
@@ -2846,7 +465,7 @@
           <a:p>
             <a:fld id="{B72825D7-6CAC-4DD9-81D1-F420B7F343C3}" type="datetimeFigureOut">
               <a:rPr lang="en-US" smtClean="0"/>
-              <a:t>4/12/2021</a:t>
+              <a:t>5/14/2021</a:t>
             </a:fld>
             <a:endParaRPr lang="en-US"/>
           </a:p>
@@ -3054,7 +673,7 @@
           <a:p>
             <a:fld id="{B72825D7-6CAC-4DD9-81D1-F420B7F343C3}" type="datetimeFigureOut">
               <a:rPr lang="en-US" smtClean="0"/>
-              <a:t>4/12/2021</a:t>
+              <a:t>5/14/2021</a:t>
             </a:fld>
             <a:endParaRPr lang="en-US"/>
           </a:p>
@@ -3252,7 +871,7 @@
           <a:p>
             <a:fld id="{B72825D7-6CAC-4DD9-81D1-F420B7F343C3}" type="datetimeFigureOut">
               <a:rPr lang="en-US" smtClean="0"/>
-              <a:t>4/12/2021</a:t>
+              <a:t>5/14/2021</a:t>
             </a:fld>
             <a:endParaRPr lang="en-US"/>
           </a:p>
@@ -3527,7 +1146,7 @@
           <a:p>
             <a:fld id="{B72825D7-6CAC-4DD9-81D1-F420B7F343C3}" type="datetimeFigureOut">
               <a:rPr lang="en-US" smtClean="0"/>
-              <a:t>4/12/2021</a:t>
+              <a:t>5/14/2021</a:t>
             </a:fld>
             <a:endParaRPr lang="en-US"/>
           </a:p>
@@ -3792,7 +1411,7 @@
           <a:p>
             <a:fld id="{B72825D7-6CAC-4DD9-81D1-F420B7F343C3}" type="datetimeFigureOut">
               <a:rPr lang="en-US" smtClean="0"/>
-              <a:t>4/12/2021</a:t>
+              <a:t>5/14/2021</a:t>
             </a:fld>
             <a:endParaRPr lang="en-US"/>
           </a:p>
@@ -4204,7 +1823,7 @@
           <a:p>
             <a:fld id="{B72825D7-6CAC-4DD9-81D1-F420B7F343C3}" type="datetimeFigureOut">
               <a:rPr lang="en-US" smtClean="0"/>
-              <a:t>4/12/2021</a:t>
+              <a:t>5/14/2021</a:t>
             </a:fld>
             <a:endParaRPr lang="en-US"/>
           </a:p>
@@ -4345,7 +1964,7 @@
           <a:p>
             <a:fld id="{B72825D7-6CAC-4DD9-81D1-F420B7F343C3}" type="datetimeFigureOut">
               <a:rPr lang="en-US" smtClean="0"/>
-              <a:t>4/12/2021</a:t>
+              <a:t>5/14/2021</a:t>
             </a:fld>
             <a:endParaRPr lang="en-US"/>
           </a:p>
@@ -4458,7 +2077,7 @@
           <a:p>
             <a:fld id="{B72825D7-6CAC-4DD9-81D1-F420B7F343C3}" type="datetimeFigureOut">
               <a:rPr lang="en-US" smtClean="0"/>
-              <a:t>4/12/2021</a:t>
+              <a:t>5/14/2021</a:t>
             </a:fld>
             <a:endParaRPr lang="en-US"/>
           </a:p>
@@ -4769,7 +2388,7 @@
           <a:p>
             <a:fld id="{B72825D7-6CAC-4DD9-81D1-F420B7F343C3}" type="datetimeFigureOut">
               <a:rPr lang="en-US" smtClean="0"/>
-              <a:t>4/12/2021</a:t>
+              <a:t>5/14/2021</a:t>
             </a:fld>
             <a:endParaRPr lang="en-US"/>
           </a:p>
@@ -5057,7 +2676,7 @@
           <a:p>
             <a:fld id="{B72825D7-6CAC-4DD9-81D1-F420B7F343C3}" type="datetimeFigureOut">
               <a:rPr lang="en-US" smtClean="0"/>
-              <a:t>4/12/2021</a:t>
+              <a:t>5/14/2021</a:t>
             </a:fld>
             <a:endParaRPr lang="en-US"/>
           </a:p>
@@ -5298,7 +2917,7 @@
           <a:p>
             <a:fld id="{B72825D7-6CAC-4DD9-81D1-F420B7F343C3}" type="datetimeFigureOut">
               <a:rPr lang="en-US" smtClean="0"/>
-              <a:t>4/12/2021</a:t>
+              <a:t>5/14/2021</a:t>
             </a:fld>
             <a:endParaRPr lang="en-US"/>
           </a:p>
@@ -5717,10 +3336,10 @@
       </p:grpSpPr>
       <p:sp>
         <p:nvSpPr>
-          <p:cNvPr id="222" name="Rectangle 221">
-            <a:extLst>
-              <a:ext uri="{FF2B5EF4-FFF2-40B4-BE49-F238E27FC236}">
-                <a16:creationId xmlns:a16="http://schemas.microsoft.com/office/drawing/2014/main" id="{266099EA-ACC6-4078-B069-B852B2050CE6}"/>
+          <p:cNvPr id="148" name="Rectangle 147">
+            <a:extLst>
+              <a:ext uri="{FF2B5EF4-FFF2-40B4-BE49-F238E27FC236}">
+                <a16:creationId xmlns:a16="http://schemas.microsoft.com/office/drawing/2014/main" id="{0E3FF64B-C6A6-4736-9847-96B6371F20AE}"/>
               </a:ext>
             </a:extLst>
           </p:cNvPr>
@@ -5729,7 +3348,7 @@
         </p:nvSpPr>
         <p:spPr>
           <a:xfrm rot="16200000">
-            <a:off x="8767177" y="3937957"/>
+            <a:off x="8327088" y="3937957"/>
             <a:ext cx="2276178" cy="392105"/>
           </a:xfrm>
           <a:prstGeom prst="rect">
@@ -5771,691 +3390,12 @@
           </a:p>
         </p:txBody>
       </p:sp>
-      <p:sp>
-        <p:nvSpPr>
-          <p:cNvPr id="223" name="Rectangle 222">
-            <a:extLst>
-              <a:ext uri="{FF2B5EF4-FFF2-40B4-BE49-F238E27FC236}">
-                <a16:creationId xmlns:a16="http://schemas.microsoft.com/office/drawing/2014/main" id="{A028C3F0-E2D9-48A3-A1EC-A86001815691}"/>
-              </a:ext>
-            </a:extLst>
-          </p:cNvPr>
-          <p:cNvSpPr/>
-          <p:nvPr/>
-        </p:nvSpPr>
-        <p:spPr>
-          <a:xfrm rot="16200000">
-            <a:off x="5643169" y="2742665"/>
-            <a:ext cx="1621162" cy="2032069"/>
-          </a:xfrm>
-          <a:prstGeom prst="rect">
-            <a:avLst/>
-          </a:prstGeom>
-          <a:solidFill>
-            <a:schemeClr val="accent5">
-              <a:lumMod val="40000"/>
-              <a:lumOff val="60000"/>
-            </a:schemeClr>
-          </a:solidFill>
-        </p:spPr>
-        <p:style>
-          <a:lnRef idx="2">
-            <a:schemeClr val="accent1">
-              <a:shade val="50000"/>
-            </a:schemeClr>
-          </a:lnRef>
-          <a:fillRef idx="1">
-            <a:schemeClr val="accent1"/>
-          </a:fillRef>
-          <a:effectRef idx="0">
-            <a:schemeClr val="accent1"/>
-          </a:effectRef>
-          <a:fontRef idx="minor">
-            <a:schemeClr val="lt1"/>
-          </a:fontRef>
-        </p:style>
-        <p:txBody>
-          <a:bodyPr rtlCol="0" anchor="ctr"/>
-          <a:lstStyle/>
-          <a:p>
-            <a:endParaRPr lang="en-US" dirty="0">
-              <a:solidFill>
-                <a:schemeClr val="tx1"/>
-              </a:solidFill>
-            </a:endParaRPr>
-          </a:p>
-        </p:txBody>
-      </p:sp>
-      <p:sp>
-        <p:nvSpPr>
-          <p:cNvPr id="224" name="Rectangle 223">
-            <a:extLst>
-              <a:ext uri="{FF2B5EF4-FFF2-40B4-BE49-F238E27FC236}">
-                <a16:creationId xmlns:a16="http://schemas.microsoft.com/office/drawing/2014/main" id="{319FE9D4-53FF-4EC3-8286-AC455816A8D2}"/>
-              </a:ext>
-            </a:extLst>
-          </p:cNvPr>
-          <p:cNvSpPr/>
-          <p:nvPr/>
-        </p:nvSpPr>
-        <p:spPr>
-          <a:xfrm rot="16200000">
-            <a:off x="5194979" y="3643815"/>
-            <a:ext cx="1494503" cy="224589"/>
-          </a:xfrm>
-          <a:prstGeom prst="rect">
-            <a:avLst/>
-          </a:prstGeom>
-          <a:solidFill>
-            <a:srgbClr val="00B050"/>
-          </a:solidFill>
-        </p:spPr>
-        <p:style>
-          <a:lnRef idx="2">
-            <a:schemeClr val="accent1">
-              <a:shade val="50000"/>
-            </a:schemeClr>
-          </a:lnRef>
-          <a:fillRef idx="1">
-            <a:schemeClr val="accent1"/>
-          </a:fillRef>
-          <a:effectRef idx="0">
-            <a:schemeClr val="accent1"/>
-          </a:effectRef>
-          <a:fontRef idx="minor">
-            <a:schemeClr val="lt1"/>
-          </a:fontRef>
-        </p:style>
-        <p:txBody>
-          <a:bodyPr rtlCol="0" anchor="ctr"/>
-          <a:lstStyle/>
-          <a:p>
-            <a:pPr algn="ctr"/>
-            <a:r>
-              <a:rPr lang="en-US" dirty="0"/>
-              <a:t>Main Parser</a:t>
-            </a:r>
-          </a:p>
-        </p:txBody>
-      </p:sp>
-      <p:sp>
-        <p:nvSpPr>
-          <p:cNvPr id="225" name="Rectangle 224">
-            <a:extLst>
-              <a:ext uri="{FF2B5EF4-FFF2-40B4-BE49-F238E27FC236}">
-                <a16:creationId xmlns:a16="http://schemas.microsoft.com/office/drawing/2014/main" id="{D77F621A-AF1F-4682-9574-F1162A46B3CF}"/>
-              </a:ext>
-            </a:extLst>
-          </p:cNvPr>
-          <p:cNvSpPr/>
-          <p:nvPr/>
-        </p:nvSpPr>
-        <p:spPr>
-          <a:xfrm rot="16200000">
-            <a:off x="5889559" y="3659420"/>
-            <a:ext cx="1494503" cy="200960"/>
-          </a:xfrm>
-          <a:prstGeom prst="rect">
-            <a:avLst/>
-          </a:prstGeom>
-          <a:solidFill>
-            <a:srgbClr val="00B050"/>
-          </a:solidFill>
-        </p:spPr>
-        <p:style>
-          <a:lnRef idx="2">
-            <a:schemeClr val="accent1">
-              <a:shade val="50000"/>
-            </a:schemeClr>
-          </a:lnRef>
-          <a:fillRef idx="1">
-            <a:schemeClr val="accent1"/>
-          </a:fillRef>
-          <a:effectRef idx="0">
-            <a:schemeClr val="accent1"/>
-          </a:effectRef>
-          <a:fontRef idx="minor">
-            <a:schemeClr val="lt1"/>
-          </a:fontRef>
-        </p:style>
-        <p:txBody>
-          <a:bodyPr rtlCol="0" anchor="ctr"/>
-          <a:lstStyle/>
-          <a:p>
-            <a:pPr algn="ctr"/>
-            <a:r>
-              <a:rPr lang="en-US" dirty="0"/>
-              <a:t>Main control</a:t>
-            </a:r>
-          </a:p>
-        </p:txBody>
-      </p:sp>
-      <p:sp>
-        <p:nvSpPr>
-          <p:cNvPr id="226" name="Rectangle 225">
-            <a:extLst>
-              <a:ext uri="{FF2B5EF4-FFF2-40B4-BE49-F238E27FC236}">
-                <a16:creationId xmlns:a16="http://schemas.microsoft.com/office/drawing/2014/main" id="{EDE8BA1F-87A2-490D-B7E5-0F00B58003A6}"/>
-              </a:ext>
-            </a:extLst>
-          </p:cNvPr>
-          <p:cNvSpPr/>
-          <p:nvPr/>
-        </p:nvSpPr>
-        <p:spPr>
-          <a:xfrm rot="16200000">
-            <a:off x="6245106" y="3642459"/>
-            <a:ext cx="1494503" cy="234880"/>
-          </a:xfrm>
-          <a:prstGeom prst="rect">
-            <a:avLst/>
-          </a:prstGeom>
-          <a:solidFill>
-            <a:srgbClr val="00B050"/>
-          </a:solidFill>
-        </p:spPr>
-        <p:style>
-          <a:lnRef idx="2">
-            <a:schemeClr val="accent1">
-              <a:shade val="50000"/>
-            </a:schemeClr>
-          </a:lnRef>
-          <a:fillRef idx="1">
-            <a:schemeClr val="accent1"/>
-          </a:fillRef>
-          <a:effectRef idx="0">
-            <a:schemeClr val="accent1"/>
-          </a:effectRef>
-          <a:fontRef idx="minor">
-            <a:schemeClr val="lt1"/>
-          </a:fontRef>
-        </p:style>
-        <p:txBody>
-          <a:bodyPr rtlCol="0" anchor="ctr"/>
-          <a:lstStyle/>
-          <a:p>
-            <a:pPr algn="ctr"/>
-            <a:r>
-              <a:rPr lang="en-US" sz="1600" dirty="0"/>
-              <a:t>Main Deparser</a:t>
-            </a:r>
-          </a:p>
-        </p:txBody>
-      </p:sp>
-      <p:sp>
-        <p:nvSpPr>
-          <p:cNvPr id="227" name="TextBox 226">
-            <a:extLst>
-              <a:ext uri="{FF2B5EF4-FFF2-40B4-BE49-F238E27FC236}">
-                <a16:creationId xmlns:a16="http://schemas.microsoft.com/office/drawing/2014/main" id="{CA4323CB-ADAC-4ED5-AD4C-9DEC465AC37E}"/>
-              </a:ext>
-            </a:extLst>
-          </p:cNvPr>
-          <p:cNvSpPr txBox="1"/>
-          <p:nvPr/>
-        </p:nvSpPr>
-        <p:spPr>
-          <a:xfrm rot="16200000">
-            <a:off x="5145785" y="3191740"/>
-            <a:ext cx="811441" cy="253916"/>
-          </a:xfrm>
-          <a:prstGeom prst="rect">
-            <a:avLst/>
-          </a:prstGeom>
-          <a:noFill/>
-        </p:spPr>
-        <p:txBody>
-          <a:bodyPr wrap="none" rtlCol="0">
-            <a:spAutoFit/>
-          </a:bodyPr>
-          <a:lstStyle/>
-          <a:p>
-            <a:r>
-              <a:rPr lang="en-US" sz="1050" dirty="0"/>
-              <a:t>FROM_NET</a:t>
-            </a:r>
-          </a:p>
-        </p:txBody>
-      </p:sp>
-      <p:sp>
-        <p:nvSpPr>
-          <p:cNvPr id="228" name="TextBox 227">
-            <a:extLst>
-              <a:ext uri="{FF2B5EF4-FFF2-40B4-BE49-F238E27FC236}">
-                <a16:creationId xmlns:a16="http://schemas.microsoft.com/office/drawing/2014/main" id="{BF72167F-9D28-44BD-8402-6E8E588D1E32}"/>
-              </a:ext>
-            </a:extLst>
-          </p:cNvPr>
-          <p:cNvSpPr txBox="1"/>
-          <p:nvPr/>
-        </p:nvSpPr>
-        <p:spPr>
-          <a:xfrm rot="16200000">
-            <a:off x="7031931" y="4071910"/>
-            <a:ext cx="625492" cy="253916"/>
-          </a:xfrm>
-          <a:prstGeom prst="rect">
-            <a:avLst/>
-          </a:prstGeom>
-          <a:noFill/>
-        </p:spPr>
-        <p:txBody>
-          <a:bodyPr wrap="none" rtlCol="0">
-            <a:spAutoFit/>
-          </a:bodyPr>
-          <a:lstStyle/>
-          <a:p>
-            <a:r>
-              <a:rPr lang="en-US" sz="1050" dirty="0"/>
-              <a:t>TO_NET</a:t>
-            </a:r>
-          </a:p>
-        </p:txBody>
-      </p:sp>
-      <p:sp>
-        <p:nvSpPr>
-          <p:cNvPr id="229" name="TextBox 228">
-            <a:extLst>
-              <a:ext uri="{FF2B5EF4-FFF2-40B4-BE49-F238E27FC236}">
-                <a16:creationId xmlns:a16="http://schemas.microsoft.com/office/drawing/2014/main" id="{EC47DCBD-93C9-4B30-A048-58347E5CCC5C}"/>
-              </a:ext>
-            </a:extLst>
-          </p:cNvPr>
-          <p:cNvSpPr txBox="1"/>
-          <p:nvPr/>
-        </p:nvSpPr>
-        <p:spPr>
-          <a:xfrm rot="16200000">
-            <a:off x="5113216" y="4015454"/>
-            <a:ext cx="894797" cy="253916"/>
-          </a:xfrm>
-          <a:prstGeom prst="rect">
-            <a:avLst/>
-          </a:prstGeom>
-          <a:noFill/>
-        </p:spPr>
-        <p:txBody>
-          <a:bodyPr wrap="none" rtlCol="0">
-            <a:spAutoFit/>
-          </a:bodyPr>
-          <a:lstStyle/>
-          <a:p>
-            <a:r>
-              <a:rPr lang="en-US" sz="1050" dirty="0"/>
-              <a:t>FROM_HOST</a:t>
-            </a:r>
-          </a:p>
-        </p:txBody>
-      </p:sp>
-      <p:sp>
-        <p:nvSpPr>
-          <p:cNvPr id="230" name="TextBox 229">
-            <a:extLst>
-              <a:ext uri="{FF2B5EF4-FFF2-40B4-BE49-F238E27FC236}">
-                <a16:creationId xmlns:a16="http://schemas.microsoft.com/office/drawing/2014/main" id="{A984E7E2-CBFA-4994-AA26-E806CCB6F70E}"/>
-              </a:ext>
-            </a:extLst>
-          </p:cNvPr>
-          <p:cNvSpPr txBox="1"/>
-          <p:nvPr/>
-        </p:nvSpPr>
-        <p:spPr>
-          <a:xfrm rot="16200000">
-            <a:off x="6983565" y="3224089"/>
-            <a:ext cx="708848" cy="253916"/>
-          </a:xfrm>
-          <a:prstGeom prst="rect">
-            <a:avLst/>
-          </a:prstGeom>
-          <a:noFill/>
-        </p:spPr>
-        <p:txBody>
-          <a:bodyPr wrap="none" rtlCol="0">
-            <a:spAutoFit/>
-          </a:bodyPr>
-          <a:lstStyle/>
-          <a:p>
-            <a:r>
-              <a:rPr lang="en-US" sz="1050" dirty="0"/>
-              <a:t>TO_HOST</a:t>
-            </a:r>
-          </a:p>
-        </p:txBody>
-      </p:sp>
-      <p:cxnSp>
-        <p:nvCxnSpPr>
-          <p:cNvPr id="231" name="Straight Arrow Connector 230">
-            <a:extLst>
-              <a:ext uri="{FF2B5EF4-FFF2-40B4-BE49-F238E27FC236}">
-                <a16:creationId xmlns:a16="http://schemas.microsoft.com/office/drawing/2014/main" id="{FFF2B4D5-2E93-4B5A-A9DF-81D9C179557A}"/>
-              </a:ext>
-            </a:extLst>
-          </p:cNvPr>
-          <p:cNvCxnSpPr>
-            <a:cxnSpLocks/>
-          </p:cNvCxnSpPr>
-          <p:nvPr/>
-        </p:nvCxnSpPr>
-        <p:spPr>
-          <a:xfrm rot="16200000">
-            <a:off x="5757382" y="4114823"/>
-            <a:ext cx="0" cy="145108"/>
-          </a:xfrm>
-          <a:prstGeom prst="straightConnector1">
-            <a:avLst/>
-          </a:prstGeom>
-          <a:ln>
-            <a:tailEnd type="triangle"/>
-          </a:ln>
-        </p:spPr>
-        <p:style>
-          <a:lnRef idx="1">
-            <a:schemeClr val="accent1"/>
-          </a:lnRef>
-          <a:fillRef idx="0">
-            <a:schemeClr val="accent1"/>
-          </a:fillRef>
-          <a:effectRef idx="0">
-            <a:schemeClr val="accent1"/>
-          </a:effectRef>
-          <a:fontRef idx="minor">
-            <a:schemeClr val="tx1"/>
-          </a:fontRef>
-        </p:style>
-      </p:cxnSp>
-      <p:cxnSp>
-        <p:nvCxnSpPr>
-          <p:cNvPr id="232" name="Straight Arrow Connector 231">
-            <a:extLst>
-              <a:ext uri="{FF2B5EF4-FFF2-40B4-BE49-F238E27FC236}">
-                <a16:creationId xmlns:a16="http://schemas.microsoft.com/office/drawing/2014/main" id="{08751EF5-869E-4130-9212-C8741761CAC6}"/>
-              </a:ext>
-            </a:extLst>
-          </p:cNvPr>
-          <p:cNvCxnSpPr>
-            <a:cxnSpLocks/>
-          </p:cNvCxnSpPr>
-          <p:nvPr/>
-        </p:nvCxnSpPr>
-        <p:spPr>
-          <a:xfrm rot="16200000">
-            <a:off x="6474269" y="3248883"/>
-            <a:ext cx="0" cy="138113"/>
-          </a:xfrm>
-          <a:prstGeom prst="straightConnector1">
-            <a:avLst/>
-          </a:prstGeom>
-          <a:ln>
-            <a:tailEnd type="triangle"/>
-          </a:ln>
-        </p:spPr>
-        <p:style>
-          <a:lnRef idx="1">
-            <a:schemeClr val="accent1"/>
-          </a:lnRef>
-          <a:fillRef idx="0">
-            <a:schemeClr val="accent1"/>
-          </a:fillRef>
-          <a:effectRef idx="0">
-            <a:schemeClr val="accent1"/>
-          </a:effectRef>
-          <a:fontRef idx="minor">
-            <a:schemeClr val="tx1"/>
-          </a:fontRef>
-        </p:style>
-      </p:cxnSp>
-      <p:cxnSp>
-        <p:nvCxnSpPr>
-          <p:cNvPr id="233" name="Straight Arrow Connector 232">
-            <a:extLst>
-              <a:ext uri="{FF2B5EF4-FFF2-40B4-BE49-F238E27FC236}">
-                <a16:creationId xmlns:a16="http://schemas.microsoft.com/office/drawing/2014/main" id="{856F1056-8EB7-4FAA-B9C9-609CD7AD7645}"/>
-              </a:ext>
-            </a:extLst>
-          </p:cNvPr>
-          <p:cNvCxnSpPr>
-            <a:cxnSpLocks/>
-          </p:cNvCxnSpPr>
-          <p:nvPr/>
-        </p:nvCxnSpPr>
-        <p:spPr>
-          <a:xfrm rot="16200000">
-            <a:off x="6806104" y="3253673"/>
-            <a:ext cx="0" cy="137627"/>
-          </a:xfrm>
-          <a:prstGeom prst="straightConnector1">
-            <a:avLst/>
-          </a:prstGeom>
-          <a:ln>
-            <a:tailEnd type="triangle"/>
-          </a:ln>
-        </p:spPr>
-        <p:style>
-          <a:lnRef idx="1">
-            <a:schemeClr val="accent1"/>
-          </a:lnRef>
-          <a:fillRef idx="0">
-            <a:schemeClr val="accent1"/>
-          </a:fillRef>
-          <a:effectRef idx="0">
-            <a:schemeClr val="accent1"/>
-          </a:effectRef>
-          <a:fontRef idx="minor">
-            <a:schemeClr val="tx1"/>
-          </a:fontRef>
-        </p:style>
-      </p:cxnSp>
-      <p:cxnSp>
-        <p:nvCxnSpPr>
-          <p:cNvPr id="234" name="Straight Arrow Connector 233">
-            <a:extLst>
-              <a:ext uri="{FF2B5EF4-FFF2-40B4-BE49-F238E27FC236}">
-                <a16:creationId xmlns:a16="http://schemas.microsoft.com/office/drawing/2014/main" id="{30EB7FF0-4987-4780-AD04-A9A763576801}"/>
-              </a:ext>
-            </a:extLst>
-          </p:cNvPr>
-          <p:cNvCxnSpPr>
-            <a:cxnSpLocks/>
-          </p:cNvCxnSpPr>
-          <p:nvPr/>
-        </p:nvCxnSpPr>
-        <p:spPr>
-          <a:xfrm rot="16200000">
-            <a:off x="5757382" y="3246143"/>
-            <a:ext cx="0" cy="145108"/>
-          </a:xfrm>
-          <a:prstGeom prst="straightConnector1">
-            <a:avLst/>
-          </a:prstGeom>
-          <a:ln>
-            <a:tailEnd type="triangle"/>
-          </a:ln>
-        </p:spPr>
-        <p:style>
-          <a:lnRef idx="1">
-            <a:schemeClr val="accent1"/>
-          </a:lnRef>
-          <a:fillRef idx="0">
-            <a:schemeClr val="accent1"/>
-          </a:fillRef>
-          <a:effectRef idx="0">
-            <a:schemeClr val="accent1"/>
-          </a:effectRef>
-          <a:fontRef idx="minor">
-            <a:schemeClr val="tx1"/>
-          </a:fontRef>
-        </p:style>
-      </p:cxnSp>
-      <p:cxnSp>
-        <p:nvCxnSpPr>
-          <p:cNvPr id="235" name="Straight Arrow Connector 234">
-            <a:extLst>
-              <a:ext uri="{FF2B5EF4-FFF2-40B4-BE49-F238E27FC236}">
-                <a16:creationId xmlns:a16="http://schemas.microsoft.com/office/drawing/2014/main" id="{0BBC1BD7-627A-4A2C-9AA4-6C682BBC69F8}"/>
-              </a:ext>
-            </a:extLst>
-          </p:cNvPr>
-          <p:cNvCxnSpPr>
-            <a:cxnSpLocks/>
-          </p:cNvCxnSpPr>
-          <p:nvPr/>
-        </p:nvCxnSpPr>
-        <p:spPr>
-          <a:xfrm rot="16200000">
-            <a:off x="7182351" y="4118613"/>
-            <a:ext cx="0" cy="145108"/>
-          </a:xfrm>
-          <a:prstGeom prst="straightConnector1">
-            <a:avLst/>
-          </a:prstGeom>
-          <a:ln>
-            <a:tailEnd type="triangle"/>
-          </a:ln>
-        </p:spPr>
-        <p:style>
-          <a:lnRef idx="1">
-            <a:schemeClr val="accent1"/>
-          </a:lnRef>
-          <a:fillRef idx="0">
-            <a:schemeClr val="accent1"/>
-          </a:fillRef>
-          <a:effectRef idx="0">
-            <a:schemeClr val="accent1"/>
-          </a:effectRef>
-          <a:fontRef idx="minor">
-            <a:schemeClr val="tx1"/>
-          </a:fontRef>
-        </p:style>
-      </p:cxnSp>
-      <p:cxnSp>
-        <p:nvCxnSpPr>
-          <p:cNvPr id="236" name="Straight Arrow Connector 235">
-            <a:extLst>
-              <a:ext uri="{FF2B5EF4-FFF2-40B4-BE49-F238E27FC236}">
-                <a16:creationId xmlns:a16="http://schemas.microsoft.com/office/drawing/2014/main" id="{772A4263-1FCC-49D6-8724-A53882F2A4FE}"/>
-              </a:ext>
-            </a:extLst>
-          </p:cNvPr>
-          <p:cNvCxnSpPr>
-            <a:cxnSpLocks/>
-          </p:cNvCxnSpPr>
-          <p:nvPr/>
-        </p:nvCxnSpPr>
-        <p:spPr>
-          <a:xfrm rot="16200000">
-            <a:off x="7182351" y="3249933"/>
-            <a:ext cx="0" cy="145108"/>
-          </a:xfrm>
-          <a:prstGeom prst="straightConnector1">
-            <a:avLst/>
-          </a:prstGeom>
-          <a:ln>
-            <a:tailEnd type="triangle"/>
-          </a:ln>
-        </p:spPr>
-        <p:style>
-          <a:lnRef idx="1">
-            <a:schemeClr val="accent1"/>
-          </a:lnRef>
-          <a:fillRef idx="0">
-            <a:schemeClr val="accent1"/>
-          </a:fillRef>
-          <a:effectRef idx="0">
-            <a:schemeClr val="accent1"/>
-          </a:effectRef>
-          <a:fontRef idx="minor">
-            <a:schemeClr val="tx1"/>
-          </a:fontRef>
-        </p:style>
-      </p:cxnSp>
-      <p:cxnSp>
-        <p:nvCxnSpPr>
-          <p:cNvPr id="237" name="Straight Arrow Connector 236">
-            <a:extLst>
-              <a:ext uri="{FF2B5EF4-FFF2-40B4-BE49-F238E27FC236}">
-                <a16:creationId xmlns:a16="http://schemas.microsoft.com/office/drawing/2014/main" id="{785C3731-3B3F-4CD5-8E7C-DB9ED6C26FE7}"/>
-              </a:ext>
-            </a:extLst>
-          </p:cNvPr>
-          <p:cNvCxnSpPr>
-            <a:cxnSpLocks/>
-          </p:cNvCxnSpPr>
-          <p:nvPr/>
-        </p:nvCxnSpPr>
-        <p:spPr>
-          <a:xfrm rot="16200000">
-            <a:off x="6470771" y="4118613"/>
-            <a:ext cx="0" cy="145108"/>
-          </a:xfrm>
-          <a:prstGeom prst="straightConnector1">
-            <a:avLst/>
-          </a:prstGeom>
-          <a:ln>
-            <a:tailEnd type="triangle"/>
-          </a:ln>
-        </p:spPr>
-        <p:style>
-          <a:lnRef idx="1">
-            <a:schemeClr val="accent1"/>
-          </a:lnRef>
-          <a:fillRef idx="0">
-            <a:schemeClr val="accent1"/>
-          </a:fillRef>
-          <a:effectRef idx="0">
-            <a:schemeClr val="accent1"/>
-          </a:effectRef>
-          <a:fontRef idx="minor">
-            <a:schemeClr val="tx1"/>
-          </a:fontRef>
-        </p:style>
-      </p:cxnSp>
-      <p:cxnSp>
-        <p:nvCxnSpPr>
-          <p:cNvPr id="238" name="Straight Arrow Connector 237">
-            <a:extLst>
-              <a:ext uri="{FF2B5EF4-FFF2-40B4-BE49-F238E27FC236}">
-                <a16:creationId xmlns:a16="http://schemas.microsoft.com/office/drawing/2014/main" id="{30E9BAA8-16AE-4A99-9674-7286259428AB}"/>
-              </a:ext>
-            </a:extLst>
-          </p:cNvPr>
-          <p:cNvCxnSpPr>
-            <a:cxnSpLocks/>
-          </p:cNvCxnSpPr>
-          <p:nvPr/>
-        </p:nvCxnSpPr>
-        <p:spPr>
-          <a:xfrm rot="16200000">
-            <a:off x="6809844" y="4118613"/>
-            <a:ext cx="0" cy="145108"/>
-          </a:xfrm>
-          <a:prstGeom prst="straightConnector1">
-            <a:avLst/>
-          </a:prstGeom>
-          <a:ln>
-            <a:tailEnd type="triangle"/>
-          </a:ln>
-        </p:spPr>
-        <p:style>
-          <a:lnRef idx="1">
-            <a:schemeClr val="accent1"/>
-          </a:lnRef>
-          <a:fillRef idx="0">
-            <a:schemeClr val="accent1"/>
-          </a:fillRef>
-          <a:effectRef idx="0">
-            <a:schemeClr val="accent1"/>
-          </a:effectRef>
-          <a:fontRef idx="minor">
-            <a:schemeClr val="tx1"/>
-          </a:fontRef>
-        </p:style>
-      </p:cxnSp>
       <p:grpSp>
         <p:nvGrpSpPr>
-          <p:cNvPr id="239" name="Group 238">
-            <a:extLst>
-              <a:ext uri="{FF2B5EF4-FFF2-40B4-BE49-F238E27FC236}">
-                <a16:creationId xmlns:a16="http://schemas.microsoft.com/office/drawing/2014/main" id="{7AB11CB4-1483-4384-BFD8-CB28863FBB6A}"/>
+          <p:cNvPr id="78" name="Group 77">
+            <a:extLst>
+              <a:ext uri="{FF2B5EF4-FFF2-40B4-BE49-F238E27FC236}">
+                <a16:creationId xmlns:a16="http://schemas.microsoft.com/office/drawing/2014/main" id="{45FA8724-A465-47A6-9A0E-9F107AF39809}"/>
               </a:ext>
             </a:extLst>
           </p:cNvPr>
@@ -6464,7 +3404,7 @@
         </p:nvGrpSpPr>
         <p:grpSpPr>
           <a:xfrm>
-            <a:off x="4083063" y="4598203"/>
+            <a:off x="3725832" y="4598203"/>
             <a:ext cx="1036865" cy="660688"/>
             <a:chOff x="7162255" y="2438057"/>
             <a:chExt cx="1036865" cy="660688"/>
@@ -6478,10 +3418,10 @@
         </p:grpSpPr>
         <p:grpSp>
           <p:nvGrpSpPr>
-            <p:cNvPr id="240" name="Group 239">
+            <p:cNvPr id="65" name="Group 64">
               <a:extLst>
                 <a:ext uri="{FF2B5EF4-FFF2-40B4-BE49-F238E27FC236}">
-                  <a16:creationId xmlns:a16="http://schemas.microsoft.com/office/drawing/2014/main" id="{473D80A0-7581-4A88-9511-55AFCF94F3C2}"/>
+                  <a16:creationId xmlns:a16="http://schemas.microsoft.com/office/drawing/2014/main" id="{4DF3C48E-C2EF-4D20-AFB2-DB281529E8F3}"/>
                 </a:ext>
               </a:extLst>
             </p:cNvPr>
@@ -6499,10 +3439,10 @@
           </p:grpSpPr>
           <p:sp>
             <p:nvSpPr>
-              <p:cNvPr id="250" name="Rectangle 249">
+              <p:cNvPr id="57" name="Rectangle 56">
                 <a:extLst>
                   <a:ext uri="{FF2B5EF4-FFF2-40B4-BE49-F238E27FC236}">
-                    <a16:creationId xmlns:a16="http://schemas.microsoft.com/office/drawing/2014/main" id="{DE6F5B0E-AD8C-497A-AD7E-59F4EA9CF3A7}"/>
+                    <a16:creationId xmlns:a16="http://schemas.microsoft.com/office/drawing/2014/main" id="{789E4118-41DC-4868-9B6A-C447AD851B5D}"/>
                   </a:ext>
                 </a:extLst>
               </p:cNvPr>
@@ -6546,10 +3486,10 @@
           </p:sp>
           <p:sp>
             <p:nvSpPr>
-              <p:cNvPr id="251" name="Rectangle 250">
+              <p:cNvPr id="60" name="Rectangle 59">
                 <a:extLst>
                   <a:ext uri="{FF2B5EF4-FFF2-40B4-BE49-F238E27FC236}">
-                    <a16:creationId xmlns:a16="http://schemas.microsoft.com/office/drawing/2014/main" id="{F87431F3-DBD6-48C5-9D50-412E6199F245}"/>
+                    <a16:creationId xmlns:a16="http://schemas.microsoft.com/office/drawing/2014/main" id="{190398E5-521F-4063-99FE-BE1264D443E1}"/>
                   </a:ext>
                 </a:extLst>
               </p:cNvPr>
@@ -6593,10 +3533,10 @@
           </p:sp>
           <p:sp>
             <p:nvSpPr>
-              <p:cNvPr id="252" name="Rectangle 251">
+              <p:cNvPr id="61" name="Rectangle 60">
                 <a:extLst>
                   <a:ext uri="{FF2B5EF4-FFF2-40B4-BE49-F238E27FC236}">
-                    <a16:creationId xmlns:a16="http://schemas.microsoft.com/office/drawing/2014/main" id="{B849BBD3-A5B9-4E17-813E-D69D581EE6DC}"/>
+                    <a16:creationId xmlns:a16="http://schemas.microsoft.com/office/drawing/2014/main" id="{BECBDE68-91F2-47E4-AC15-78AF217D7254}"/>
                   </a:ext>
                 </a:extLst>
               </p:cNvPr>
@@ -6640,15 +3580,15 @@
           </p:sp>
           <p:cxnSp>
             <p:nvCxnSpPr>
-              <p:cNvPr id="253" name="Straight Connector 252">
+              <p:cNvPr id="63" name="Straight Connector 62">
                 <a:extLst>
                   <a:ext uri="{FF2B5EF4-FFF2-40B4-BE49-F238E27FC236}">
-                    <a16:creationId xmlns:a16="http://schemas.microsoft.com/office/drawing/2014/main" id="{B08A12BB-BF36-44A2-8061-85EEB3489839}"/>
+                    <a16:creationId xmlns:a16="http://schemas.microsoft.com/office/drawing/2014/main" id="{06F1B34D-78E2-4CD7-A79E-D052F378D7AC}"/>
                   </a:ext>
                 </a:extLst>
               </p:cNvPr>
               <p:cNvCxnSpPr>
-                <a:stCxn id="252" idx="0"/>
+                <a:stCxn id="61" idx="0"/>
               </p:cNvCxnSpPr>
               <p:nvPr/>
             </p:nvCxnSpPr>
@@ -6684,10 +3624,10 @@
           </p:cxnSp>
           <p:cxnSp>
             <p:nvCxnSpPr>
-              <p:cNvPr id="254" name="Straight Connector 253">
+              <p:cNvPr id="64" name="Straight Connector 63">
                 <a:extLst>
                   <a:ext uri="{FF2B5EF4-FFF2-40B4-BE49-F238E27FC236}">
-                    <a16:creationId xmlns:a16="http://schemas.microsoft.com/office/drawing/2014/main" id="{5B8ECAF9-1C4E-4D71-B71B-CF8A0DE135DC}"/>
+                    <a16:creationId xmlns:a16="http://schemas.microsoft.com/office/drawing/2014/main" id="{B0897452-91E2-44F6-BA39-CC080CF0F7D7}"/>
                   </a:ext>
                 </a:extLst>
               </p:cNvPr>
@@ -6727,10 +3667,10 @@
         </p:grpSp>
         <p:grpSp>
           <p:nvGrpSpPr>
-            <p:cNvPr id="241" name="Group 240">
+            <p:cNvPr id="66" name="Group 65">
               <a:extLst>
                 <a:ext uri="{FF2B5EF4-FFF2-40B4-BE49-F238E27FC236}">
-                  <a16:creationId xmlns:a16="http://schemas.microsoft.com/office/drawing/2014/main" id="{2B66C1FB-22FC-4731-98C9-928FB454CA77}"/>
+                  <a16:creationId xmlns:a16="http://schemas.microsoft.com/office/drawing/2014/main" id="{B9FDB37A-305A-4275-ACA9-DB35B7949DC1}"/>
                 </a:ext>
               </a:extLst>
             </p:cNvPr>
@@ -6748,10 +3688,10 @@
           </p:grpSpPr>
           <p:sp>
             <p:nvSpPr>
-              <p:cNvPr id="245" name="Rectangle 244">
+              <p:cNvPr id="67" name="Rectangle 66">
                 <a:extLst>
                   <a:ext uri="{FF2B5EF4-FFF2-40B4-BE49-F238E27FC236}">
-                    <a16:creationId xmlns:a16="http://schemas.microsoft.com/office/drawing/2014/main" id="{C2C6849C-5149-4135-9B52-DF9C58854811}"/>
+                    <a16:creationId xmlns:a16="http://schemas.microsoft.com/office/drawing/2014/main" id="{521E671A-4AB0-45E2-927C-7EB4F296105C}"/>
                   </a:ext>
                 </a:extLst>
               </p:cNvPr>
@@ -6795,10 +3735,10 @@
           </p:sp>
           <p:sp>
             <p:nvSpPr>
-              <p:cNvPr id="246" name="Rectangle 245">
+              <p:cNvPr id="68" name="Rectangle 67">
                 <a:extLst>
                   <a:ext uri="{FF2B5EF4-FFF2-40B4-BE49-F238E27FC236}">
-                    <a16:creationId xmlns:a16="http://schemas.microsoft.com/office/drawing/2014/main" id="{0BA30467-5A2B-4F23-BC71-D82E690613AB}"/>
+                    <a16:creationId xmlns:a16="http://schemas.microsoft.com/office/drawing/2014/main" id="{F80FA354-CDAD-4F92-82D2-BB7E29F7234F}"/>
                   </a:ext>
                 </a:extLst>
               </p:cNvPr>
@@ -6842,10 +3782,10 @@
           </p:sp>
           <p:sp>
             <p:nvSpPr>
-              <p:cNvPr id="247" name="Rectangle 246">
+              <p:cNvPr id="69" name="Rectangle 68">
                 <a:extLst>
                   <a:ext uri="{FF2B5EF4-FFF2-40B4-BE49-F238E27FC236}">
-                    <a16:creationId xmlns:a16="http://schemas.microsoft.com/office/drawing/2014/main" id="{8F9EB285-79CF-4156-A067-E0D9B954F9FB}"/>
+                    <a16:creationId xmlns:a16="http://schemas.microsoft.com/office/drawing/2014/main" id="{E2DA1646-60A8-4B65-A623-9C5669963125}"/>
                   </a:ext>
                 </a:extLst>
               </p:cNvPr>
@@ -6889,15 +3829,15 @@
           </p:sp>
           <p:cxnSp>
             <p:nvCxnSpPr>
-              <p:cNvPr id="248" name="Straight Connector 247">
+              <p:cNvPr id="70" name="Straight Connector 69">
                 <a:extLst>
                   <a:ext uri="{FF2B5EF4-FFF2-40B4-BE49-F238E27FC236}">
-                    <a16:creationId xmlns:a16="http://schemas.microsoft.com/office/drawing/2014/main" id="{D690429A-9C9D-4CE5-810F-43323AEBABFB}"/>
+                    <a16:creationId xmlns:a16="http://schemas.microsoft.com/office/drawing/2014/main" id="{5AAC09B2-0041-43CD-ABEB-047275A88945}"/>
                   </a:ext>
                 </a:extLst>
               </p:cNvPr>
               <p:cNvCxnSpPr>
-                <a:stCxn id="247" idx="0"/>
+                <a:stCxn id="69" idx="0"/>
               </p:cNvCxnSpPr>
               <p:nvPr/>
             </p:nvCxnSpPr>
@@ -6933,10 +3873,10 @@
           </p:cxnSp>
           <p:cxnSp>
             <p:nvCxnSpPr>
-              <p:cNvPr id="249" name="Straight Connector 248">
+              <p:cNvPr id="71" name="Straight Connector 70">
                 <a:extLst>
                   <a:ext uri="{FF2B5EF4-FFF2-40B4-BE49-F238E27FC236}">
-                    <a16:creationId xmlns:a16="http://schemas.microsoft.com/office/drawing/2014/main" id="{314B3860-3706-4794-911E-C9C017DE96E8}"/>
+                    <a16:creationId xmlns:a16="http://schemas.microsoft.com/office/drawing/2014/main" id="{675BAC5A-ABFE-45F5-B96B-39E7A4A2E9FF}"/>
                   </a:ext>
                 </a:extLst>
               </p:cNvPr>
@@ -6976,10 +3916,10 @@
         </p:grpSp>
         <p:sp>
           <p:nvSpPr>
-            <p:cNvPr id="242" name="Isosceles Triangle 241">
+            <p:cNvPr id="72" name="Isosceles Triangle 71">
               <a:extLst>
                 <a:ext uri="{FF2B5EF4-FFF2-40B4-BE49-F238E27FC236}">
-                  <a16:creationId xmlns:a16="http://schemas.microsoft.com/office/drawing/2014/main" id="{CC6D63A5-9D88-4DDA-A7E2-79047D65455A}"/>
+                  <a16:creationId xmlns:a16="http://schemas.microsoft.com/office/drawing/2014/main" id="{E4EB1CBB-A1A6-4A7E-B150-7170D3DEB315}"/>
                 </a:ext>
               </a:extLst>
             </p:cNvPr>
@@ -7025,15 +3965,15 @@
         </p:sp>
         <p:cxnSp>
           <p:nvCxnSpPr>
-            <p:cNvPr id="243" name="Straight Connector 242">
+            <p:cNvPr id="74" name="Straight Connector 73">
               <a:extLst>
                 <a:ext uri="{FF2B5EF4-FFF2-40B4-BE49-F238E27FC236}">
-                  <a16:creationId xmlns:a16="http://schemas.microsoft.com/office/drawing/2014/main" id="{86C44683-CECA-457D-82B9-A27634319A83}"/>
+                  <a16:creationId xmlns:a16="http://schemas.microsoft.com/office/drawing/2014/main" id="{F9729964-2882-4AE9-AFD2-1FA623551E12}"/>
                 </a:ext>
               </a:extLst>
             </p:cNvPr>
             <p:cNvCxnSpPr>
-              <a:stCxn id="250" idx="1"/>
+              <a:stCxn id="57" idx="1"/>
             </p:cNvCxnSpPr>
             <p:nvPr/>
           </p:nvCxnSpPr>
@@ -7069,16 +4009,16 @@
         </p:cxnSp>
         <p:cxnSp>
           <p:nvCxnSpPr>
-            <p:cNvPr id="244" name="Straight Connector 243">
+            <p:cNvPr id="75" name="Straight Connector 74">
               <a:extLst>
                 <a:ext uri="{FF2B5EF4-FFF2-40B4-BE49-F238E27FC236}">
-                  <a16:creationId xmlns:a16="http://schemas.microsoft.com/office/drawing/2014/main" id="{E2F2CB72-AA03-46BF-9BA6-388CB4DA26EA}"/>
+                  <a16:creationId xmlns:a16="http://schemas.microsoft.com/office/drawing/2014/main" id="{FF3752F6-B834-45F7-9B97-364258E51903}"/>
                 </a:ext>
               </a:extLst>
             </p:cNvPr>
             <p:cNvCxnSpPr>
               <a:cxnSpLocks/>
-              <a:stCxn id="245" idx="1"/>
+              <a:stCxn id="67" idx="1"/>
             </p:cNvCxnSpPr>
             <p:nvPr/>
           </p:nvCxnSpPr>
@@ -7113,56 +4053,12 @@
           </p:style>
         </p:cxnSp>
       </p:grpSp>
-      <p:cxnSp>
-        <p:nvCxnSpPr>
-          <p:cNvPr id="255" name="Connector: Elbow 254">
-            <a:extLst>
-              <a:ext uri="{FF2B5EF4-FFF2-40B4-BE49-F238E27FC236}">
-                <a16:creationId xmlns:a16="http://schemas.microsoft.com/office/drawing/2014/main" id="{552090D0-A48A-4568-ACB1-196CD221D8CF}"/>
-              </a:ext>
-            </a:extLst>
-          </p:cNvPr>
-          <p:cNvCxnSpPr>
-            <a:cxnSpLocks/>
-            <a:stCxn id="228" idx="2"/>
-          </p:cNvCxnSpPr>
-          <p:nvPr/>
-        </p:nvCxnSpPr>
-        <p:spPr>
-          <a:xfrm flipH="1">
-            <a:off x="5119926" y="4198868"/>
-            <a:ext cx="2351709" cy="943925"/>
-          </a:xfrm>
-          <a:prstGeom prst="bentConnector3">
-            <a:avLst>
-              <a:gd name="adj1" fmla="val -11465"/>
-            </a:avLst>
-          </a:prstGeom>
-          <a:ln>
-            <a:tailEnd type="triangle"/>
-          </a:ln>
-        </p:spPr>
-        <p:style>
-          <a:lnRef idx="1">
-            <a:schemeClr val="accent1"/>
-          </a:lnRef>
-          <a:fillRef idx="0">
-            <a:schemeClr val="accent1"/>
-          </a:fillRef>
-          <a:effectRef idx="0">
-            <a:schemeClr val="accent1"/>
-          </a:effectRef>
-          <a:fontRef idx="minor">
-            <a:schemeClr val="tx1"/>
-          </a:fontRef>
-        </p:style>
-      </p:cxnSp>
       <p:grpSp>
         <p:nvGrpSpPr>
-          <p:cNvPr id="256" name="Group 255">
-            <a:extLst>
-              <a:ext uri="{FF2B5EF4-FFF2-40B4-BE49-F238E27FC236}">
-                <a16:creationId xmlns:a16="http://schemas.microsoft.com/office/drawing/2014/main" id="{411D4FB8-0363-49AC-8F8A-8727B1637CD2}"/>
+          <p:cNvPr id="83" name="Group 82">
+            <a:extLst>
+              <a:ext uri="{FF2B5EF4-FFF2-40B4-BE49-F238E27FC236}">
+                <a16:creationId xmlns:a16="http://schemas.microsoft.com/office/drawing/2014/main" id="{1C834900-1FBA-4F79-9BAA-4729CB027B15}"/>
               </a:ext>
             </a:extLst>
           </p:cNvPr>
@@ -7171,7 +4067,7 @@
         </p:nvGrpSpPr>
         <p:grpSpPr>
           <a:xfrm rot="10800000">
-            <a:off x="7756319" y="2996747"/>
+            <a:off x="7316230" y="4597410"/>
             <a:ext cx="1036865" cy="660688"/>
             <a:chOff x="7162255" y="2438057"/>
             <a:chExt cx="1036865" cy="660688"/>
@@ -7185,10 +4081,10 @@
         </p:grpSpPr>
         <p:grpSp>
           <p:nvGrpSpPr>
-            <p:cNvPr id="257" name="Group 256">
+            <p:cNvPr id="84" name="Group 83">
               <a:extLst>
                 <a:ext uri="{FF2B5EF4-FFF2-40B4-BE49-F238E27FC236}">
-                  <a16:creationId xmlns:a16="http://schemas.microsoft.com/office/drawing/2014/main" id="{B6A68A3E-EE6C-439A-A4EA-AAB7DE163770}"/>
+                  <a16:creationId xmlns:a16="http://schemas.microsoft.com/office/drawing/2014/main" id="{A234B8E6-B6C8-4BFF-A10F-079EB15198A8}"/>
                 </a:ext>
               </a:extLst>
             </p:cNvPr>
@@ -7206,10 +4102,10 @@
           </p:grpSpPr>
           <p:sp>
             <p:nvSpPr>
-              <p:cNvPr id="267" name="Rectangle 266">
+              <p:cNvPr id="94" name="Rectangle 93">
                 <a:extLst>
                   <a:ext uri="{FF2B5EF4-FFF2-40B4-BE49-F238E27FC236}">
-                    <a16:creationId xmlns:a16="http://schemas.microsoft.com/office/drawing/2014/main" id="{BCF9FCC9-5798-40FD-ABAC-34BB060F0EBB}"/>
+                    <a16:creationId xmlns:a16="http://schemas.microsoft.com/office/drawing/2014/main" id="{F13AE22C-8AD7-40F6-9EF8-6B4DE095F8DF}"/>
                   </a:ext>
                 </a:extLst>
               </p:cNvPr>
@@ -7253,10 +4149,10 @@
           </p:sp>
           <p:sp>
             <p:nvSpPr>
-              <p:cNvPr id="268" name="Rectangle 267">
+              <p:cNvPr id="95" name="Rectangle 94">
                 <a:extLst>
                   <a:ext uri="{FF2B5EF4-FFF2-40B4-BE49-F238E27FC236}">
-                    <a16:creationId xmlns:a16="http://schemas.microsoft.com/office/drawing/2014/main" id="{99CF885C-AA89-4F44-AEEF-0292B6575942}"/>
+                    <a16:creationId xmlns:a16="http://schemas.microsoft.com/office/drawing/2014/main" id="{EF785829-C061-4AFB-BDB7-9C39345526BD}"/>
                   </a:ext>
                 </a:extLst>
               </p:cNvPr>
@@ -7300,10 +4196,10 @@
           </p:sp>
           <p:sp>
             <p:nvSpPr>
-              <p:cNvPr id="269" name="Rectangle 268">
+              <p:cNvPr id="96" name="Rectangle 95">
                 <a:extLst>
                   <a:ext uri="{FF2B5EF4-FFF2-40B4-BE49-F238E27FC236}">
-                    <a16:creationId xmlns:a16="http://schemas.microsoft.com/office/drawing/2014/main" id="{87FED087-287F-4559-A3A8-206139F371EB}"/>
+                    <a16:creationId xmlns:a16="http://schemas.microsoft.com/office/drawing/2014/main" id="{A83D7377-E38F-400E-BCB0-83D756291236}"/>
                   </a:ext>
                 </a:extLst>
               </p:cNvPr>
@@ -7347,15 +4243,15 @@
           </p:sp>
           <p:cxnSp>
             <p:nvCxnSpPr>
-              <p:cNvPr id="270" name="Straight Connector 269">
+              <p:cNvPr id="97" name="Straight Connector 96">
                 <a:extLst>
                   <a:ext uri="{FF2B5EF4-FFF2-40B4-BE49-F238E27FC236}">
-                    <a16:creationId xmlns:a16="http://schemas.microsoft.com/office/drawing/2014/main" id="{E1CA9F43-DC4F-4673-9B62-080125959D5E}"/>
+                    <a16:creationId xmlns:a16="http://schemas.microsoft.com/office/drawing/2014/main" id="{9A9CB8A9-645C-47BF-A98F-F493E5C3BF7C}"/>
                   </a:ext>
                 </a:extLst>
               </p:cNvPr>
               <p:cNvCxnSpPr>
-                <a:stCxn id="269" idx="0"/>
+                <a:stCxn id="96" idx="0"/>
               </p:cNvCxnSpPr>
               <p:nvPr/>
             </p:nvCxnSpPr>
@@ -7391,10 +4287,10 @@
           </p:cxnSp>
           <p:cxnSp>
             <p:nvCxnSpPr>
-              <p:cNvPr id="271" name="Straight Connector 270">
+              <p:cNvPr id="98" name="Straight Connector 97">
                 <a:extLst>
                   <a:ext uri="{FF2B5EF4-FFF2-40B4-BE49-F238E27FC236}">
-                    <a16:creationId xmlns:a16="http://schemas.microsoft.com/office/drawing/2014/main" id="{A2A85ADF-A68F-49BC-AEB4-81578254A8B1}"/>
+                    <a16:creationId xmlns:a16="http://schemas.microsoft.com/office/drawing/2014/main" id="{12F34EA5-A6AF-4011-A59A-0B5A3CB4CB1E}"/>
                   </a:ext>
                 </a:extLst>
               </p:cNvPr>
@@ -7434,10 +4330,10 @@
         </p:grpSp>
         <p:grpSp>
           <p:nvGrpSpPr>
-            <p:cNvPr id="258" name="Group 257">
+            <p:cNvPr id="85" name="Group 84">
               <a:extLst>
                 <a:ext uri="{FF2B5EF4-FFF2-40B4-BE49-F238E27FC236}">
-                  <a16:creationId xmlns:a16="http://schemas.microsoft.com/office/drawing/2014/main" id="{2EC64FAF-9E49-45E6-9EF9-9945277230B8}"/>
+                  <a16:creationId xmlns:a16="http://schemas.microsoft.com/office/drawing/2014/main" id="{93D2EA44-E572-4314-A407-A19912C2D501}"/>
                 </a:ext>
               </a:extLst>
             </p:cNvPr>
@@ -7455,10 +4351,10 @@
           </p:grpSpPr>
           <p:sp>
             <p:nvSpPr>
-              <p:cNvPr id="262" name="Rectangle 261">
+              <p:cNvPr id="89" name="Rectangle 88">
                 <a:extLst>
                   <a:ext uri="{FF2B5EF4-FFF2-40B4-BE49-F238E27FC236}">
-                    <a16:creationId xmlns:a16="http://schemas.microsoft.com/office/drawing/2014/main" id="{E739ED30-7A02-425A-92E3-566A3D7D624A}"/>
+                    <a16:creationId xmlns:a16="http://schemas.microsoft.com/office/drawing/2014/main" id="{69FA7F2F-5E1A-4F16-89E2-0CB288EEE1E1}"/>
                   </a:ext>
                 </a:extLst>
               </p:cNvPr>
@@ -7502,10 +4398,10 @@
           </p:sp>
           <p:sp>
             <p:nvSpPr>
-              <p:cNvPr id="263" name="Rectangle 262">
+              <p:cNvPr id="90" name="Rectangle 89">
                 <a:extLst>
                   <a:ext uri="{FF2B5EF4-FFF2-40B4-BE49-F238E27FC236}">
-                    <a16:creationId xmlns:a16="http://schemas.microsoft.com/office/drawing/2014/main" id="{9CD43880-5503-49E1-95C6-808A00B687F7}"/>
+                    <a16:creationId xmlns:a16="http://schemas.microsoft.com/office/drawing/2014/main" id="{F3B28F9F-E81C-43E0-8F8F-E37C550607A4}"/>
                   </a:ext>
                 </a:extLst>
               </p:cNvPr>
@@ -7549,10 +4445,10 @@
           </p:sp>
           <p:sp>
             <p:nvSpPr>
-              <p:cNvPr id="264" name="Rectangle 263">
+              <p:cNvPr id="91" name="Rectangle 90">
                 <a:extLst>
                   <a:ext uri="{FF2B5EF4-FFF2-40B4-BE49-F238E27FC236}">
-                    <a16:creationId xmlns:a16="http://schemas.microsoft.com/office/drawing/2014/main" id="{B8558D66-F563-4619-BBDC-4F3FF8118DE8}"/>
+                    <a16:creationId xmlns:a16="http://schemas.microsoft.com/office/drawing/2014/main" id="{0E6D3780-48EF-411D-8EA2-E6D89A649A36}"/>
                   </a:ext>
                 </a:extLst>
               </p:cNvPr>
@@ -7596,15 +4492,15 @@
           </p:sp>
           <p:cxnSp>
             <p:nvCxnSpPr>
-              <p:cNvPr id="265" name="Straight Connector 264">
+              <p:cNvPr id="92" name="Straight Connector 91">
                 <a:extLst>
                   <a:ext uri="{FF2B5EF4-FFF2-40B4-BE49-F238E27FC236}">
-                    <a16:creationId xmlns:a16="http://schemas.microsoft.com/office/drawing/2014/main" id="{A5660E5A-A3F9-4C89-A9B3-D5F2472F4AF9}"/>
+                    <a16:creationId xmlns:a16="http://schemas.microsoft.com/office/drawing/2014/main" id="{A0AC4723-CB26-4590-80A1-F7276F18C7C4}"/>
                   </a:ext>
                 </a:extLst>
               </p:cNvPr>
               <p:cNvCxnSpPr>
-                <a:stCxn id="264" idx="0"/>
+                <a:stCxn id="91" idx="0"/>
               </p:cNvCxnSpPr>
               <p:nvPr/>
             </p:nvCxnSpPr>
@@ -7640,10 +4536,10 @@
           </p:cxnSp>
           <p:cxnSp>
             <p:nvCxnSpPr>
-              <p:cNvPr id="266" name="Straight Connector 265">
+              <p:cNvPr id="93" name="Straight Connector 92">
                 <a:extLst>
                   <a:ext uri="{FF2B5EF4-FFF2-40B4-BE49-F238E27FC236}">
-                    <a16:creationId xmlns:a16="http://schemas.microsoft.com/office/drawing/2014/main" id="{795C18E0-916D-4774-B202-4C430DBE6B13}"/>
+                    <a16:creationId xmlns:a16="http://schemas.microsoft.com/office/drawing/2014/main" id="{BF6ACD16-9151-4EB9-8D35-BF01BF9499FA}"/>
                   </a:ext>
                 </a:extLst>
               </p:cNvPr>
@@ -7683,10 +4579,10 @@
         </p:grpSp>
         <p:sp>
           <p:nvSpPr>
-            <p:cNvPr id="259" name="Isosceles Triangle 258">
+            <p:cNvPr id="86" name="Isosceles Triangle 85">
               <a:extLst>
                 <a:ext uri="{FF2B5EF4-FFF2-40B4-BE49-F238E27FC236}">
-                  <a16:creationId xmlns:a16="http://schemas.microsoft.com/office/drawing/2014/main" id="{E382B92E-664A-4573-B636-0157070B835C}"/>
+                  <a16:creationId xmlns:a16="http://schemas.microsoft.com/office/drawing/2014/main" id="{E0EC7B73-1EFE-47F9-937E-B4ED639FD123}"/>
                 </a:ext>
               </a:extLst>
             </p:cNvPr>
@@ -7732,15 +4628,15 @@
         </p:sp>
         <p:cxnSp>
           <p:nvCxnSpPr>
-            <p:cNvPr id="260" name="Straight Connector 259">
+            <p:cNvPr id="87" name="Straight Connector 86">
               <a:extLst>
                 <a:ext uri="{FF2B5EF4-FFF2-40B4-BE49-F238E27FC236}">
-                  <a16:creationId xmlns:a16="http://schemas.microsoft.com/office/drawing/2014/main" id="{571A982D-E8ED-416F-9BD8-B150891874EF}"/>
+                  <a16:creationId xmlns:a16="http://schemas.microsoft.com/office/drawing/2014/main" id="{B4F37508-E32F-4F43-B165-1554A5AB679E}"/>
                 </a:ext>
               </a:extLst>
             </p:cNvPr>
             <p:cNvCxnSpPr>
-              <a:stCxn id="267" idx="1"/>
+              <a:stCxn id="94" idx="1"/>
             </p:cNvCxnSpPr>
             <p:nvPr/>
           </p:nvCxnSpPr>
@@ -7776,16 +4672,16 @@
         </p:cxnSp>
         <p:cxnSp>
           <p:nvCxnSpPr>
-            <p:cNvPr id="261" name="Straight Connector 260">
+            <p:cNvPr id="88" name="Straight Connector 87">
               <a:extLst>
                 <a:ext uri="{FF2B5EF4-FFF2-40B4-BE49-F238E27FC236}">
-                  <a16:creationId xmlns:a16="http://schemas.microsoft.com/office/drawing/2014/main" id="{7E87507E-1A2C-40C7-9A52-C8D21A606A39}"/>
+                  <a16:creationId xmlns:a16="http://schemas.microsoft.com/office/drawing/2014/main" id="{8EA0C0BF-71AF-491F-8D77-A19CCBAC8916}"/>
                 </a:ext>
               </a:extLst>
             </p:cNvPr>
             <p:cNvCxnSpPr>
               <a:cxnSpLocks/>
-              <a:stCxn id="262" idx="1"/>
+              <a:stCxn id="89" idx="1"/>
             </p:cNvCxnSpPr>
             <p:nvPr/>
           </p:nvCxnSpPr>
@@ -7820,55 +4716,12 @@
           </p:style>
         </p:cxnSp>
       </p:grpSp>
-      <p:cxnSp>
-        <p:nvCxnSpPr>
-          <p:cNvPr id="272" name="Connector: Elbow 271">
-            <a:extLst>
-              <a:ext uri="{FF2B5EF4-FFF2-40B4-BE49-F238E27FC236}">
-                <a16:creationId xmlns:a16="http://schemas.microsoft.com/office/drawing/2014/main" id="{2B08C2EB-75BB-4EB9-B294-D4C9570C8667}"/>
-              </a:ext>
-            </a:extLst>
-          </p:cNvPr>
-          <p:cNvCxnSpPr>
-            <a:cxnSpLocks/>
-          </p:cNvCxnSpPr>
-          <p:nvPr/>
-        </p:nvCxnSpPr>
-        <p:spPr>
-          <a:xfrm flipV="1">
-            <a:off x="7464947" y="3354678"/>
-            <a:ext cx="316688" cy="180"/>
-          </a:xfrm>
-          <a:prstGeom prst="bentConnector3">
-            <a:avLst>
-              <a:gd name="adj1" fmla="val 50000"/>
-            </a:avLst>
-          </a:prstGeom>
-          <a:ln>
-            <a:tailEnd type="triangle"/>
-          </a:ln>
-        </p:spPr>
-        <p:style>
-          <a:lnRef idx="1">
-            <a:schemeClr val="accent1"/>
-          </a:lnRef>
-          <a:fillRef idx="0">
-            <a:schemeClr val="accent1"/>
-          </a:fillRef>
-          <a:effectRef idx="0">
-            <a:schemeClr val="accent1"/>
-          </a:effectRef>
-          <a:fontRef idx="minor">
-            <a:schemeClr val="tx1"/>
-          </a:fontRef>
-        </p:style>
-      </p:cxnSp>
-      <p:sp>
-        <p:nvSpPr>
-          <p:cNvPr id="273" name="Rectangle 272">
-            <a:extLst>
-              <a:ext uri="{FF2B5EF4-FFF2-40B4-BE49-F238E27FC236}">
-                <a16:creationId xmlns:a16="http://schemas.microsoft.com/office/drawing/2014/main" id="{A944B993-D7E2-4EBE-8E83-C3708249E589}"/>
+      <p:sp>
+        <p:nvSpPr>
+          <p:cNvPr id="121" name="Rectangle 120">
+            <a:extLst>
+              <a:ext uri="{FF2B5EF4-FFF2-40B4-BE49-F238E27FC236}">
+                <a16:creationId xmlns:a16="http://schemas.microsoft.com/office/drawing/2014/main" id="{C5B57169-1275-4E2F-A03B-8F7108AA0A55}"/>
               </a:ext>
             </a:extLst>
           </p:cNvPr>
@@ -7877,66 +4730,7 @@
         </p:nvSpPr>
         <p:spPr>
           <a:xfrm>
-            <a:off x="5757847" y="2167447"/>
-            <a:ext cx="1406025" cy="596438"/>
-          </a:xfrm>
-          <a:prstGeom prst="rect">
-            <a:avLst/>
-          </a:prstGeom>
-          <a:solidFill>
-            <a:schemeClr val="accent4">
-              <a:lumMod val="40000"/>
-              <a:lumOff val="60000"/>
-            </a:schemeClr>
-          </a:solidFill>
-        </p:spPr>
-        <p:style>
-          <a:lnRef idx="2">
-            <a:schemeClr val="accent1">
-              <a:shade val="50000"/>
-            </a:schemeClr>
-          </a:lnRef>
-          <a:fillRef idx="1">
-            <a:schemeClr val="accent1"/>
-          </a:fillRef>
-          <a:effectRef idx="0">
-            <a:schemeClr val="accent1"/>
-          </a:effectRef>
-          <a:fontRef idx="minor">
-            <a:schemeClr val="lt1"/>
-          </a:fontRef>
-        </p:style>
-        <p:txBody>
-          <a:bodyPr rtlCol="0" anchor="ctr"/>
-          <a:lstStyle/>
-          <a:p>
-            <a:pPr algn="ctr"/>
-            <a:r>
-              <a:rPr lang="en-US" dirty="0">
-                <a:solidFill>
-                  <a:schemeClr val="tx1"/>
-                </a:solidFill>
-              </a:rPr>
-              <a:t>Net-to-host inline extern</a:t>
-            </a:r>
-          </a:p>
-        </p:txBody>
-      </p:sp>
-      <p:sp>
-        <p:nvSpPr>
-          <p:cNvPr id="274" name="Rectangle 273">
-            <a:extLst>
-              <a:ext uri="{FF2B5EF4-FFF2-40B4-BE49-F238E27FC236}">
-                <a16:creationId xmlns:a16="http://schemas.microsoft.com/office/drawing/2014/main" id="{FA122D6D-249C-4715-B438-29650AAC2F6B}"/>
-              </a:ext>
-            </a:extLst>
-          </p:cNvPr>
-          <p:cNvSpPr/>
-          <p:nvPr/>
-        </p:nvSpPr>
-        <p:spPr>
-          <a:xfrm>
-            <a:off x="2335252" y="4589811"/>
+            <a:off x="2218614" y="4589811"/>
             <a:ext cx="1350435" cy="681362"/>
           </a:xfrm>
           <a:prstGeom prst="rect">
@@ -7983,24 +4777,23 @@
       </p:sp>
       <p:cxnSp>
         <p:nvCxnSpPr>
-          <p:cNvPr id="275" name="Connector: Elbow 274">
-            <a:extLst>
-              <a:ext uri="{FF2B5EF4-FFF2-40B4-BE49-F238E27FC236}">
-                <a16:creationId xmlns:a16="http://schemas.microsoft.com/office/drawing/2014/main" id="{37BE0E60-BBC8-41CA-BBF3-0016D07C2260}"/>
+          <p:cNvPr id="134" name="Connector: Elbow 133">
+            <a:extLst>
+              <a:ext uri="{FF2B5EF4-FFF2-40B4-BE49-F238E27FC236}">
+                <a16:creationId xmlns:a16="http://schemas.microsoft.com/office/drawing/2014/main" id="{6C8D7A4A-4E00-4E2B-A752-9407B9B8DC70}"/>
               </a:ext>
             </a:extLst>
           </p:cNvPr>
           <p:cNvCxnSpPr>
             <a:cxnSpLocks/>
-            <a:stCxn id="242" idx="0"/>
-            <a:endCxn id="274" idx="3"/>
+            <a:endCxn id="121" idx="3"/>
           </p:cNvCxnSpPr>
           <p:nvPr/>
         </p:nvCxnSpPr>
         <p:spPr>
           <a:xfrm rot="10800000" flipV="1">
-            <a:off x="3685687" y="4926642"/>
-            <a:ext cx="397376" cy="3849"/>
+            <a:off x="3569049" y="4930490"/>
+            <a:ext cx="150404" cy="1"/>
           </a:xfrm>
           <a:prstGeom prst="bentConnector3">
             <a:avLst/>
@@ -8029,10 +4822,10 @@
       </p:cxnSp>
       <p:sp>
         <p:nvSpPr>
-          <p:cNvPr id="276" name="Isosceles Triangle 275">
-            <a:extLst>
-              <a:ext uri="{FF2B5EF4-FFF2-40B4-BE49-F238E27FC236}">
-                <a16:creationId xmlns:a16="http://schemas.microsoft.com/office/drawing/2014/main" id="{B6A9F9C8-0B3A-408C-BF6E-3F54FE02E4D0}"/>
+          <p:cNvPr id="138" name="Isosceles Triangle 137">
+            <a:extLst>
+              <a:ext uri="{FF2B5EF4-FFF2-40B4-BE49-F238E27FC236}">
+                <a16:creationId xmlns:a16="http://schemas.microsoft.com/office/drawing/2014/main" id="{69446477-9F3C-4C1B-897E-FE05C5B55386}"/>
               </a:ext>
             </a:extLst>
           </p:cNvPr>
@@ -8083,10 +4876,10 @@
       </p:sp>
       <p:sp>
         <p:nvSpPr>
-          <p:cNvPr id="277" name="Isosceles Triangle 276">
-            <a:extLst>
-              <a:ext uri="{FF2B5EF4-FFF2-40B4-BE49-F238E27FC236}">
-                <a16:creationId xmlns:a16="http://schemas.microsoft.com/office/drawing/2014/main" id="{A550955F-E587-4E41-9780-79D794CCDF68}"/>
+          <p:cNvPr id="155" name="Isosceles Triangle 154">
+            <a:extLst>
+              <a:ext uri="{FF2B5EF4-FFF2-40B4-BE49-F238E27FC236}">
+                <a16:creationId xmlns:a16="http://schemas.microsoft.com/office/drawing/2014/main" id="{9A9B0175-8F65-42F2-977C-C24007A56A08}"/>
               </a:ext>
             </a:extLst>
           </p:cNvPr>
@@ -8137,10 +4930,10 @@
       </p:sp>
       <p:cxnSp>
         <p:nvCxnSpPr>
-          <p:cNvPr id="278" name="Connector: Elbow 277">
-            <a:extLst>
-              <a:ext uri="{FF2B5EF4-FFF2-40B4-BE49-F238E27FC236}">
-                <a16:creationId xmlns:a16="http://schemas.microsoft.com/office/drawing/2014/main" id="{B6DCA3E1-3B6C-4A31-85D3-2F9C2CDAC977}"/>
+          <p:cNvPr id="166" name="Connector: Elbow 165">
+            <a:extLst>
+              <a:ext uri="{FF2B5EF4-FFF2-40B4-BE49-F238E27FC236}">
+                <a16:creationId xmlns:a16="http://schemas.microsoft.com/office/drawing/2014/main" id="{3C48504E-28A7-489B-8BDA-8A995ED1375D}"/>
               </a:ext>
             </a:extLst>
           </p:cNvPr>
@@ -8178,10 +4971,10 @@
       </p:cxnSp>
       <p:cxnSp>
         <p:nvCxnSpPr>
-          <p:cNvPr id="279" name="Connector: Elbow 278">
-            <a:extLst>
-              <a:ext uri="{FF2B5EF4-FFF2-40B4-BE49-F238E27FC236}">
-                <a16:creationId xmlns:a16="http://schemas.microsoft.com/office/drawing/2014/main" id="{C443E615-1193-4A98-A793-2DCE9563BB65}"/>
+          <p:cNvPr id="170" name="Connector: Elbow 169">
+            <a:extLst>
+              <a:ext uri="{FF2B5EF4-FFF2-40B4-BE49-F238E27FC236}">
+                <a16:creationId xmlns:a16="http://schemas.microsoft.com/office/drawing/2014/main" id="{40A865F1-4DDF-4A37-936C-7E29C2D815D1}"/>
               </a:ext>
             </a:extLst>
           </p:cNvPr>
@@ -8221,10 +5014,10 @@
       </p:cxnSp>
       <p:cxnSp>
         <p:nvCxnSpPr>
-          <p:cNvPr id="280" name="Straight Arrow Connector 279">
-            <a:extLst>
-              <a:ext uri="{FF2B5EF4-FFF2-40B4-BE49-F238E27FC236}">
-                <a16:creationId xmlns:a16="http://schemas.microsoft.com/office/drawing/2014/main" id="{2619B468-6320-486D-8EDA-1196560C8AF2}"/>
+          <p:cNvPr id="175" name="Straight Arrow Connector 174">
+            <a:extLst>
+              <a:ext uri="{FF2B5EF4-FFF2-40B4-BE49-F238E27FC236}">
+                <a16:creationId xmlns:a16="http://schemas.microsoft.com/office/drawing/2014/main" id="{0780DDE3-D616-4239-A66D-F2FEFC8DECC9}"/>
               </a:ext>
             </a:extLst>
           </p:cNvPr>
@@ -8262,10 +5055,10 @@
       </p:cxnSp>
       <p:cxnSp>
         <p:nvCxnSpPr>
-          <p:cNvPr id="281" name="Straight Arrow Connector 280">
-            <a:extLst>
-              <a:ext uri="{FF2B5EF4-FFF2-40B4-BE49-F238E27FC236}">
-                <a16:creationId xmlns:a16="http://schemas.microsoft.com/office/drawing/2014/main" id="{8072B402-D030-412C-BD62-36A7A905EB58}"/>
+          <p:cNvPr id="179" name="Straight Arrow Connector 178">
+            <a:extLst>
+              <a:ext uri="{FF2B5EF4-FFF2-40B4-BE49-F238E27FC236}">
+                <a16:creationId xmlns:a16="http://schemas.microsoft.com/office/drawing/2014/main" id="{675C8117-3AA7-4E36-88BA-920C6B3941AA}"/>
               </a:ext>
             </a:extLst>
           </p:cNvPr>
@@ -8303,24 +5096,24 @@
       </p:cxnSp>
       <p:cxnSp>
         <p:nvCxnSpPr>
-          <p:cNvPr id="282" name="Straight Arrow Connector 281">
-            <a:extLst>
-              <a:ext uri="{FF2B5EF4-FFF2-40B4-BE49-F238E27FC236}">
-                <a16:creationId xmlns:a16="http://schemas.microsoft.com/office/drawing/2014/main" id="{DB67302F-AFC9-4C9B-A821-D55E704A35CD}"/>
+          <p:cNvPr id="181" name="Straight Arrow Connector 180">
+            <a:extLst>
+              <a:ext uri="{FF2B5EF4-FFF2-40B4-BE49-F238E27FC236}">
+                <a16:creationId xmlns:a16="http://schemas.microsoft.com/office/drawing/2014/main" id="{90B81CF6-C291-4A3A-8CFF-4322DFD54B64}"/>
               </a:ext>
             </a:extLst>
           </p:cNvPr>
           <p:cNvCxnSpPr>
             <a:cxnSpLocks/>
-            <a:stCxn id="274" idx="1"/>
-            <a:endCxn id="277" idx="0"/>
+            <a:stCxn id="121" idx="1"/>
+            <a:endCxn id="155" idx="0"/>
           </p:cNvCxnSpPr>
           <p:nvPr/>
         </p:nvCxnSpPr>
         <p:spPr>
           <a:xfrm flipH="1" flipV="1">
             <a:off x="2052479" y="4925851"/>
-            <a:ext cx="282773" cy="4641"/>
+            <a:ext cx="166135" cy="4641"/>
           </a:xfrm>
           <a:prstGeom prst="straightConnector1">
             <a:avLst/>
@@ -8346,10 +5139,10 @@
       </p:cxnSp>
       <p:sp>
         <p:nvSpPr>
-          <p:cNvPr id="283" name="Rectangle 282">
-            <a:extLst>
-              <a:ext uri="{FF2B5EF4-FFF2-40B4-BE49-F238E27FC236}">
-                <a16:creationId xmlns:a16="http://schemas.microsoft.com/office/drawing/2014/main" id="{5D6A279C-2804-4242-AD41-B5BFE673A44A}"/>
+          <p:cNvPr id="184" name="Rectangle 183">
+            <a:extLst>
+              <a:ext uri="{FF2B5EF4-FFF2-40B4-BE49-F238E27FC236}">
+                <a16:creationId xmlns:a16="http://schemas.microsoft.com/office/drawing/2014/main" id="{68FB0182-B326-448A-83DA-468E49772E39}"/>
               </a:ext>
             </a:extLst>
           </p:cNvPr>
@@ -8405,28 +5198,29 @@
       </p:sp>
       <p:cxnSp>
         <p:nvCxnSpPr>
-          <p:cNvPr id="284" name="Connector: Elbow 283">
-            <a:extLst>
-              <a:ext uri="{FF2B5EF4-FFF2-40B4-BE49-F238E27FC236}">
-                <a16:creationId xmlns:a16="http://schemas.microsoft.com/office/drawing/2014/main" id="{94DA0782-16EE-470B-ADC8-92FB4D26A4BD}"/>
+          <p:cNvPr id="196" name="Connector: Elbow 195">
+            <a:extLst>
+              <a:ext uri="{FF2B5EF4-FFF2-40B4-BE49-F238E27FC236}">
+                <a16:creationId xmlns:a16="http://schemas.microsoft.com/office/drawing/2014/main" id="{C4648FD0-BE39-49B2-A297-6987E7ED42BA}"/>
               </a:ext>
             </a:extLst>
           </p:cNvPr>
           <p:cNvCxnSpPr>
             <a:cxnSpLocks/>
-            <a:stCxn id="289" idx="0"/>
-            <a:endCxn id="229" idx="0"/>
+            <a:stCxn id="111" idx="0"/>
+            <a:endCxn id="12" idx="0"/>
           </p:cNvCxnSpPr>
           <p:nvPr/>
         </p:nvCxnSpPr>
         <p:spPr>
           <a:xfrm rot="10800000">
-            <a:off x="5433657" y="4142413"/>
-            <a:ext cx="3538146" cy="801247"/>
+            <a:off x="6556592" y="2610581"/>
+            <a:ext cx="1975122" cy="721846"/>
           </a:xfrm>
-          <a:prstGeom prst="bentConnector3">
+          <a:prstGeom prst="bentConnector4">
             <a:avLst>
-              <a:gd name="adj1" fmla="val 106903"/>
+              <a:gd name="adj1" fmla="val 33251"/>
+              <a:gd name="adj2" fmla="val 131669"/>
             </a:avLst>
           </a:prstGeom>
           <a:ln>
@@ -8450,22 +5244,22 @@
       </p:cxnSp>
       <p:cxnSp>
         <p:nvCxnSpPr>
-          <p:cNvPr id="285" name="Straight Arrow Connector 284">
-            <a:extLst>
-              <a:ext uri="{FF2B5EF4-FFF2-40B4-BE49-F238E27FC236}">
-                <a16:creationId xmlns:a16="http://schemas.microsoft.com/office/drawing/2014/main" id="{D6C5A1C5-210A-4A44-A72C-1C432166FAD5}"/>
+          <p:cNvPr id="199" name="Straight Arrow Connector 198">
+            <a:extLst>
+              <a:ext uri="{FF2B5EF4-FFF2-40B4-BE49-F238E27FC236}">
+                <a16:creationId xmlns:a16="http://schemas.microsoft.com/office/drawing/2014/main" id="{9B56D066-03B7-4AA5-AE48-439E5D95D240}"/>
               </a:ext>
             </a:extLst>
           </p:cNvPr>
           <p:cNvCxnSpPr>
             <a:cxnSpLocks/>
-            <a:endCxn id="286" idx="0"/>
+            <a:endCxn id="200" idx="0"/>
           </p:cNvCxnSpPr>
           <p:nvPr/>
         </p:nvCxnSpPr>
         <p:spPr>
           <a:xfrm>
-            <a:off x="10101319" y="3502272"/>
+            <a:off x="9661230" y="3502272"/>
             <a:ext cx="311852" cy="0"/>
           </a:xfrm>
           <a:prstGeom prst="straightConnector1">
@@ -8493,10 +5287,10 @@
       </p:cxnSp>
       <p:sp>
         <p:nvSpPr>
-          <p:cNvPr id="286" name="Rectangle 285">
-            <a:extLst>
-              <a:ext uri="{FF2B5EF4-FFF2-40B4-BE49-F238E27FC236}">
-                <a16:creationId xmlns:a16="http://schemas.microsoft.com/office/drawing/2014/main" id="{C2862EDF-6CB8-473B-96F0-7B08BA4372DC}"/>
+          <p:cNvPr id="200" name="Rectangle 199">
+            <a:extLst>
+              <a:ext uri="{FF2B5EF4-FFF2-40B4-BE49-F238E27FC236}">
+                <a16:creationId xmlns:a16="http://schemas.microsoft.com/office/drawing/2014/main" id="{6143778A-3CAF-4C20-AA59-3CC193DB8BCB}"/>
               </a:ext>
             </a:extLst>
           </p:cNvPr>
@@ -8505,7 +5299,7 @@
         </p:nvSpPr>
         <p:spPr>
           <a:xfrm rot="16200000">
-            <a:off x="10086062" y="3318158"/>
+            <a:off x="9645973" y="3318158"/>
             <a:ext cx="1022445" cy="368228"/>
           </a:xfrm>
           <a:prstGeom prst="rect">
@@ -8551,10 +5345,10 @@
       </p:sp>
       <p:sp>
         <p:nvSpPr>
-          <p:cNvPr id="287" name="Rectangle 286">
-            <a:extLst>
-              <a:ext uri="{FF2B5EF4-FFF2-40B4-BE49-F238E27FC236}">
-                <a16:creationId xmlns:a16="http://schemas.microsoft.com/office/drawing/2014/main" id="{BC313380-86A5-40BC-857A-1E9599CB7604}"/>
+          <p:cNvPr id="113" name="Rectangle 112">
+            <a:extLst>
+              <a:ext uri="{FF2B5EF4-FFF2-40B4-BE49-F238E27FC236}">
+                <a16:creationId xmlns:a16="http://schemas.microsoft.com/office/drawing/2014/main" id="{58FA7448-7B0F-43F4-A246-03BDB307CBC0}"/>
               </a:ext>
             </a:extLst>
           </p:cNvPr>
@@ -8563,7 +5357,7 @@
         </p:nvSpPr>
         <p:spPr>
           <a:xfrm>
-            <a:off x="8692145" y="2113631"/>
+            <a:off x="8252056" y="2181696"/>
             <a:ext cx="2089254" cy="224589"/>
           </a:xfrm>
           <a:prstGeom prst="rect">
@@ -8603,10 +5397,10 @@
       </p:sp>
       <p:sp>
         <p:nvSpPr>
-          <p:cNvPr id="288" name="Rectangle 287">
-            <a:extLst>
-              <a:ext uri="{FF2B5EF4-FFF2-40B4-BE49-F238E27FC236}">
-                <a16:creationId xmlns:a16="http://schemas.microsoft.com/office/drawing/2014/main" id="{AD45C259-3BDF-4D24-A628-AFA2804DB86A}"/>
+          <p:cNvPr id="114" name="Rectangle 113">
+            <a:extLst>
+              <a:ext uri="{FF2B5EF4-FFF2-40B4-BE49-F238E27FC236}">
+                <a16:creationId xmlns:a16="http://schemas.microsoft.com/office/drawing/2014/main" id="{8981AA32-2977-41CF-9174-51C16EB7A3C1}"/>
               </a:ext>
             </a:extLst>
           </p:cNvPr>
@@ -8615,7 +5409,7 @@
         </p:nvSpPr>
         <p:spPr>
           <a:xfrm>
-            <a:off x="8692145" y="2348203"/>
+            <a:off x="8252056" y="2416268"/>
             <a:ext cx="2089254" cy="240643"/>
           </a:xfrm>
           <a:prstGeom prst="rect">
@@ -8662,10 +5456,10 @@
       </p:sp>
       <p:sp>
         <p:nvSpPr>
-          <p:cNvPr id="289" name="Isosceles Triangle 288">
-            <a:extLst>
-              <a:ext uri="{FF2B5EF4-FFF2-40B4-BE49-F238E27FC236}">
-                <a16:creationId xmlns:a16="http://schemas.microsoft.com/office/drawing/2014/main" id="{009FF2E6-3B45-4B42-B075-BA4BF1C645DD}"/>
+          <p:cNvPr id="110" name="Isosceles Triangle 109">
+            <a:extLst>
+              <a:ext uri="{FF2B5EF4-FFF2-40B4-BE49-F238E27FC236}">
+                <a16:creationId xmlns:a16="http://schemas.microsoft.com/office/drawing/2014/main" id="{CBF41200-6B39-49A7-85D4-64606C55105F}"/>
               </a:ext>
             </a:extLst>
           </p:cNvPr>
@@ -8674,7 +5468,7 @@
         </p:nvSpPr>
         <p:spPr>
           <a:xfrm rot="16200000">
-            <a:off x="8757559" y="4829463"/>
+            <a:off x="8317470" y="4829463"/>
             <a:ext cx="656879" cy="228392"/>
           </a:xfrm>
           <a:prstGeom prst="triangle">
@@ -8716,10 +5510,10 @@
       </p:sp>
       <p:sp>
         <p:nvSpPr>
-          <p:cNvPr id="290" name="Isosceles Triangle 289">
-            <a:extLst>
-              <a:ext uri="{FF2B5EF4-FFF2-40B4-BE49-F238E27FC236}">
-                <a16:creationId xmlns:a16="http://schemas.microsoft.com/office/drawing/2014/main" id="{6C428765-A7D7-4AD9-9009-6BA2D842DE3E}"/>
+          <p:cNvPr id="111" name="Isosceles Triangle 110">
+            <a:extLst>
+              <a:ext uri="{FF2B5EF4-FFF2-40B4-BE49-F238E27FC236}">
+                <a16:creationId xmlns:a16="http://schemas.microsoft.com/office/drawing/2014/main" id="{8EF40A48-3C9D-4A24-A40E-E4870584BA66}"/>
               </a:ext>
             </a:extLst>
           </p:cNvPr>
@@ -8728,7 +5522,7 @@
         </p:nvSpPr>
         <p:spPr>
           <a:xfrm rot="16200000">
-            <a:off x="8757559" y="3218231"/>
+            <a:off x="8317470" y="3218231"/>
             <a:ext cx="656879" cy="228392"/>
           </a:xfrm>
           <a:prstGeom prst="triangle">
@@ -8768,12 +5562,119 @@
           </a:p>
         </p:txBody>
       </p:sp>
+      <p:grpSp>
+        <p:nvGrpSpPr>
+          <p:cNvPr id="25" name="Group 24">
+            <a:extLst>
+              <a:ext uri="{FF2B5EF4-FFF2-40B4-BE49-F238E27FC236}">
+                <a16:creationId xmlns:a16="http://schemas.microsoft.com/office/drawing/2014/main" id="{E69DD46B-B87C-437F-BA55-C57AF60D765B}"/>
+              </a:ext>
+            </a:extLst>
+          </p:cNvPr>
+          <p:cNvGrpSpPr/>
+          <p:nvPr/>
+        </p:nvGrpSpPr>
+        <p:grpSpPr>
+          <a:xfrm flipV="1">
+            <a:off x="8760105" y="3519254"/>
+            <a:ext cx="301553" cy="1251523"/>
+            <a:chOff x="9200194" y="3519254"/>
+            <a:chExt cx="301553" cy="1251523"/>
+          </a:xfrm>
+        </p:grpSpPr>
+        <p:cxnSp>
+          <p:nvCxnSpPr>
+            <p:cNvPr id="112" name="Connector: Elbow 111">
+              <a:extLst>
+                <a:ext uri="{FF2B5EF4-FFF2-40B4-BE49-F238E27FC236}">
+                  <a16:creationId xmlns:a16="http://schemas.microsoft.com/office/drawing/2014/main" id="{C64DEB71-3093-431E-88AF-4C2BE81668EF}"/>
+                </a:ext>
+              </a:extLst>
+            </p:cNvPr>
+            <p:cNvCxnSpPr>
+              <a:cxnSpLocks/>
+            </p:cNvCxnSpPr>
+            <p:nvPr/>
+          </p:nvCxnSpPr>
+          <p:spPr>
+            <a:xfrm rot="5400000" flipV="1">
+              <a:off x="8993077" y="3726372"/>
+              <a:ext cx="715787" cy="301552"/>
+            </a:xfrm>
+            <a:prstGeom prst="bentConnector3">
+              <a:avLst>
+                <a:gd name="adj1" fmla="val -3572"/>
+              </a:avLst>
+            </a:prstGeom>
+            <a:ln>
+              <a:tailEnd type="none"/>
+            </a:ln>
+          </p:spPr>
+          <p:style>
+            <a:lnRef idx="1">
+              <a:schemeClr val="accent1"/>
+            </a:lnRef>
+            <a:fillRef idx="0">
+              <a:schemeClr val="accent1"/>
+            </a:fillRef>
+            <a:effectRef idx="0">
+              <a:schemeClr val="accent1"/>
+            </a:effectRef>
+            <a:fontRef idx="minor">
+              <a:schemeClr val="tx1"/>
+            </a:fontRef>
+          </p:style>
+        </p:cxnSp>
+        <p:cxnSp>
+          <p:nvCxnSpPr>
+            <p:cNvPr id="115" name="Connector: Elbow 114">
+              <a:extLst>
+                <a:ext uri="{FF2B5EF4-FFF2-40B4-BE49-F238E27FC236}">
+                  <a16:creationId xmlns:a16="http://schemas.microsoft.com/office/drawing/2014/main" id="{368C70F1-7509-412A-8F1A-A518E73EEB07}"/>
+                </a:ext>
+              </a:extLst>
+            </p:cNvPr>
+            <p:cNvCxnSpPr>
+              <a:cxnSpLocks/>
+            </p:cNvCxnSpPr>
+            <p:nvPr/>
+          </p:nvCxnSpPr>
+          <p:spPr>
+            <a:xfrm rot="16200000" flipH="1" flipV="1">
+              <a:off x="9072285" y="4344340"/>
+              <a:ext cx="554346" cy="298527"/>
+            </a:xfrm>
+            <a:prstGeom prst="bentConnector3">
+              <a:avLst>
+                <a:gd name="adj1" fmla="val 99663"/>
+              </a:avLst>
+            </a:prstGeom>
+            <a:ln>
+              <a:tailEnd type="triangle"/>
+            </a:ln>
+          </p:spPr>
+          <p:style>
+            <a:lnRef idx="1">
+              <a:schemeClr val="accent1"/>
+            </a:lnRef>
+            <a:fillRef idx="0">
+              <a:schemeClr val="accent1"/>
+            </a:fillRef>
+            <a:effectRef idx="0">
+              <a:schemeClr val="accent1"/>
+            </a:effectRef>
+            <a:fontRef idx="minor">
+              <a:schemeClr val="tx1"/>
+            </a:fontRef>
+          </p:style>
+        </p:cxnSp>
+      </p:grpSp>
       <p:cxnSp>
         <p:nvCxnSpPr>
-          <p:cNvPr id="291" name="Connector: Elbow 290">
-            <a:extLst>
-              <a:ext uri="{FF2B5EF4-FFF2-40B4-BE49-F238E27FC236}">
-                <a16:creationId xmlns:a16="http://schemas.microsoft.com/office/drawing/2014/main" id="{975620DA-F204-4886-8DF5-75B260E4FEB3}"/>
+          <p:cNvPr id="116" name="Straight Arrow Connector 115">
+            <a:extLst>
+              <a:ext uri="{FF2B5EF4-FFF2-40B4-BE49-F238E27FC236}">
+                <a16:creationId xmlns:a16="http://schemas.microsoft.com/office/drawing/2014/main" id="{D6EAE7FF-ED18-4376-A74D-07B093B5896D}"/>
               </a:ext>
             </a:extLst>
           </p:cNvPr>
@@ -8783,94 +5684,8 @@
           <p:nvPr/>
         </p:nvCxnSpPr>
         <p:spPr>
-          <a:xfrm rot="5400000" flipV="1">
-            <a:off x="8993077" y="3726372"/>
-            <a:ext cx="715787" cy="301552"/>
-          </a:xfrm>
-          <a:prstGeom prst="bentConnector3">
-            <a:avLst>
-              <a:gd name="adj1" fmla="val -3572"/>
-            </a:avLst>
-          </a:prstGeom>
-          <a:ln>
-            <a:tailEnd type="none"/>
-          </a:ln>
-        </p:spPr>
-        <p:style>
-          <a:lnRef idx="1">
-            <a:schemeClr val="accent1"/>
-          </a:lnRef>
-          <a:fillRef idx="0">
-            <a:schemeClr val="accent1"/>
-          </a:fillRef>
-          <a:effectRef idx="0">
-            <a:schemeClr val="accent1"/>
-          </a:effectRef>
-          <a:fontRef idx="minor">
-            <a:schemeClr val="tx1"/>
-          </a:fontRef>
-        </p:style>
-      </p:cxnSp>
-      <p:cxnSp>
-        <p:nvCxnSpPr>
-          <p:cNvPr id="292" name="Connector: Elbow 291">
-            <a:extLst>
-              <a:ext uri="{FF2B5EF4-FFF2-40B4-BE49-F238E27FC236}">
-                <a16:creationId xmlns:a16="http://schemas.microsoft.com/office/drawing/2014/main" id="{F2A4F303-3270-4322-B4D4-71EB55509A90}"/>
-              </a:ext>
-            </a:extLst>
-          </p:cNvPr>
-          <p:cNvCxnSpPr>
-            <a:cxnSpLocks/>
-          </p:cNvCxnSpPr>
-          <p:nvPr/>
-        </p:nvCxnSpPr>
-        <p:spPr>
-          <a:xfrm rot="16200000" flipH="1" flipV="1">
-            <a:off x="9072285" y="4344340"/>
-            <a:ext cx="554346" cy="298527"/>
-          </a:xfrm>
-          <a:prstGeom prst="bentConnector3">
-            <a:avLst>
-              <a:gd name="adj1" fmla="val 99663"/>
-            </a:avLst>
-          </a:prstGeom>
-          <a:ln>
-            <a:tailEnd type="triangle"/>
-          </a:ln>
-        </p:spPr>
-        <p:style>
-          <a:lnRef idx="1">
-            <a:schemeClr val="accent1"/>
-          </a:lnRef>
-          <a:fillRef idx="0">
-            <a:schemeClr val="accent1"/>
-          </a:fillRef>
-          <a:effectRef idx="0">
-            <a:schemeClr val="accent1"/>
-          </a:effectRef>
-          <a:fontRef idx="minor">
-            <a:schemeClr val="tx1"/>
-          </a:fontRef>
-        </p:style>
-      </p:cxnSp>
-      <p:cxnSp>
-        <p:nvCxnSpPr>
-          <p:cNvPr id="293" name="Straight Arrow Connector 292">
-            <a:extLst>
-              <a:ext uri="{FF2B5EF4-FFF2-40B4-BE49-F238E27FC236}">
-                <a16:creationId xmlns:a16="http://schemas.microsoft.com/office/drawing/2014/main" id="{3B110F17-DBD3-46F1-AA06-1E2F93C10168}"/>
-              </a:ext>
-            </a:extLst>
-          </p:cNvPr>
-          <p:cNvCxnSpPr>
-            <a:cxnSpLocks/>
-          </p:cNvCxnSpPr>
-          <p:nvPr/>
-        </p:nvCxnSpPr>
-        <p:spPr>
-          <a:xfrm rot="10800000">
-            <a:off x="9204576" y="5095376"/>
+          <a:xfrm rot="10800000" flipH="1">
+            <a:off x="8764487" y="5095376"/>
             <a:ext cx="494377" cy="1"/>
           </a:xfrm>
           <a:prstGeom prst="straightConnector1">
@@ -8897,10 +5712,10 @@
       </p:cxnSp>
       <p:cxnSp>
         <p:nvCxnSpPr>
-          <p:cNvPr id="294" name="Straight Arrow Connector 293">
-            <a:extLst>
-              <a:ext uri="{FF2B5EF4-FFF2-40B4-BE49-F238E27FC236}">
-                <a16:creationId xmlns:a16="http://schemas.microsoft.com/office/drawing/2014/main" id="{132FAF17-1422-4C66-BDC6-BD0E1EC05ABE}"/>
+          <p:cNvPr id="117" name="Straight Arrow Connector 116">
+            <a:extLst>
+              <a:ext uri="{FF2B5EF4-FFF2-40B4-BE49-F238E27FC236}">
+                <a16:creationId xmlns:a16="http://schemas.microsoft.com/office/drawing/2014/main" id="{2B8B9C9F-8E4C-4C30-AB47-9A5A956DF566}"/>
               </a:ext>
             </a:extLst>
           </p:cNvPr>
@@ -8910,8 +5725,8 @@
           <p:nvPr/>
         </p:nvCxnSpPr>
         <p:spPr>
-          <a:xfrm rot="10800000" flipH="1">
-            <a:off x="9204576" y="3180321"/>
+          <a:xfrm rot="10800000">
+            <a:off x="8764487" y="3180321"/>
             <a:ext cx="487249" cy="0"/>
           </a:xfrm>
           <a:prstGeom prst="straightConnector1">
@@ -8938,23 +5753,22 @@
       </p:cxnSp>
       <p:cxnSp>
         <p:nvCxnSpPr>
-          <p:cNvPr id="295" name="Straight Arrow Connector 294">
-            <a:extLst>
-              <a:ext uri="{FF2B5EF4-FFF2-40B4-BE49-F238E27FC236}">
-                <a16:creationId xmlns:a16="http://schemas.microsoft.com/office/drawing/2014/main" id="{8392C6E3-4B62-4598-A61D-50379CFDC32E}"/>
+          <p:cNvPr id="118" name="Straight Arrow Connector 117">
+            <a:extLst>
+              <a:ext uri="{FF2B5EF4-FFF2-40B4-BE49-F238E27FC236}">
+                <a16:creationId xmlns:a16="http://schemas.microsoft.com/office/drawing/2014/main" id="{40462665-FCF8-4E8C-943A-0EF224BA3563}"/>
               </a:ext>
             </a:extLst>
           </p:cNvPr>
           <p:cNvCxnSpPr>
             <a:cxnSpLocks/>
-            <a:stCxn id="259" idx="0"/>
-            <a:endCxn id="290" idx="0"/>
+            <a:stCxn id="86" idx="0"/>
           </p:cNvCxnSpPr>
           <p:nvPr/>
         </p:nvCxnSpPr>
         <p:spPr>
           <a:xfrm>
-            <a:off x="8793185" y="3328996"/>
+            <a:off x="8353096" y="4929659"/>
             <a:ext cx="178618" cy="3431"/>
           </a:xfrm>
           <a:prstGeom prst="straightConnector1">
@@ -8981,69 +5795,29 @@
       </p:cxnSp>
       <p:cxnSp>
         <p:nvCxnSpPr>
-          <p:cNvPr id="296" name="Connector: Elbow 295">
-            <a:extLst>
-              <a:ext uri="{FF2B5EF4-FFF2-40B4-BE49-F238E27FC236}">
-                <a16:creationId xmlns:a16="http://schemas.microsoft.com/office/drawing/2014/main" id="{AFD5B5D5-6FCB-4A9D-8E9D-0659DD53CDA7}"/>
+          <p:cNvPr id="106" name="Connector: Elbow 105">
+            <a:extLst>
+              <a:ext uri="{FF2B5EF4-FFF2-40B4-BE49-F238E27FC236}">
+                <a16:creationId xmlns:a16="http://schemas.microsoft.com/office/drawing/2014/main" id="{16B1E8FE-E0AE-4FF6-AC2B-2BC0EAF5B4C8}"/>
               </a:ext>
             </a:extLst>
           </p:cNvPr>
           <p:cNvCxnSpPr>
             <a:cxnSpLocks/>
+            <a:stCxn id="138" idx="0"/>
+            <a:endCxn id="14" idx="0"/>
           </p:cNvCxnSpPr>
           <p:nvPr/>
         </p:nvCxnSpPr>
         <p:spPr>
-          <a:xfrm rot="5400000" flipH="1" flipV="1">
-            <a:off x="7200632" y="2735448"/>
-            <a:ext cx="676870" cy="136691"/>
+          <a:xfrm flipV="1">
+            <a:off x="2052479" y="2619690"/>
+            <a:ext cx="3641244" cy="694929"/>
           </a:xfrm>
-          <a:prstGeom prst="bentConnector3">
+          <a:prstGeom prst="bentConnector4">
             <a:avLst>
-              <a:gd name="adj1" fmla="val -97"/>
-            </a:avLst>
-          </a:prstGeom>
-          <a:ln>
-            <a:tailEnd type="none"/>
-          </a:ln>
-        </p:spPr>
-        <p:style>
-          <a:lnRef idx="1">
-            <a:schemeClr val="accent1"/>
-          </a:lnRef>
-          <a:fillRef idx="0">
-            <a:schemeClr val="accent1"/>
-          </a:fillRef>
-          <a:effectRef idx="0">
-            <a:schemeClr val="accent1"/>
-          </a:effectRef>
-          <a:fontRef idx="minor">
-            <a:schemeClr val="tx1"/>
-          </a:fontRef>
-        </p:style>
-      </p:cxnSp>
-      <p:cxnSp>
-        <p:nvCxnSpPr>
-          <p:cNvPr id="297" name="Connector: Elbow 296">
-            <a:extLst>
-              <a:ext uri="{FF2B5EF4-FFF2-40B4-BE49-F238E27FC236}">
-                <a16:creationId xmlns:a16="http://schemas.microsoft.com/office/drawing/2014/main" id="{AD23FF2C-AAB2-4F69-9E3B-72F3DF1A5C4A}"/>
-              </a:ext>
-            </a:extLst>
-          </p:cNvPr>
-          <p:cNvCxnSpPr>
-            <a:cxnSpLocks/>
-          </p:cNvCxnSpPr>
-          <p:nvPr/>
-        </p:nvCxnSpPr>
-        <p:spPr>
-          <a:xfrm rot="16200000" flipH="1">
-            <a:off x="5024235" y="2733173"/>
-            <a:ext cx="672330" cy="150304"/>
-          </a:xfrm>
-          <a:prstGeom prst="bentConnector3">
-            <a:avLst>
-              <a:gd name="adj1" fmla="val 100435"/>
+              <a:gd name="adj1" fmla="val 41487"/>
+              <a:gd name="adj2" fmla="val 132895"/>
             </a:avLst>
           </a:prstGeom>
           <a:ln>
@@ -9065,180 +5839,12 @@
           </a:fontRef>
         </p:style>
       </p:cxnSp>
-      <p:cxnSp>
-        <p:nvCxnSpPr>
-          <p:cNvPr id="298" name="Connector: Elbow 297">
-            <a:extLst>
-              <a:ext uri="{FF2B5EF4-FFF2-40B4-BE49-F238E27FC236}">
-                <a16:creationId xmlns:a16="http://schemas.microsoft.com/office/drawing/2014/main" id="{F21017AA-7720-4DBA-86B3-B183D869B2CC}"/>
-              </a:ext>
-            </a:extLst>
-          </p:cNvPr>
-          <p:cNvCxnSpPr>
-            <a:cxnSpLocks/>
-          </p:cNvCxnSpPr>
-          <p:nvPr/>
-        </p:nvCxnSpPr>
-        <p:spPr>
-          <a:xfrm rot="16200000" flipH="1">
-            <a:off x="7326389" y="4490272"/>
-            <a:ext cx="403990" cy="115327"/>
-          </a:xfrm>
-          <a:prstGeom prst="bentConnector3">
-            <a:avLst>
-              <a:gd name="adj1" fmla="val 960"/>
-            </a:avLst>
-          </a:prstGeom>
-          <a:ln>
-            <a:tailEnd type="none"/>
-          </a:ln>
-        </p:spPr>
-        <p:style>
-          <a:lnRef idx="1">
-            <a:schemeClr val="accent1"/>
-          </a:lnRef>
-          <a:fillRef idx="0">
-            <a:schemeClr val="accent1"/>
-          </a:fillRef>
-          <a:effectRef idx="0">
-            <a:schemeClr val="accent1"/>
-          </a:effectRef>
-          <a:fontRef idx="minor">
-            <a:schemeClr val="tx1"/>
-          </a:fontRef>
-        </p:style>
-      </p:cxnSp>
-      <p:cxnSp>
-        <p:nvCxnSpPr>
-          <p:cNvPr id="299" name="Connector: Elbow 298">
-            <a:extLst>
-              <a:ext uri="{FF2B5EF4-FFF2-40B4-BE49-F238E27FC236}">
-                <a16:creationId xmlns:a16="http://schemas.microsoft.com/office/drawing/2014/main" id="{7D95EB9B-4649-48B8-B77E-A6A7F05C3FFF}"/>
-              </a:ext>
-            </a:extLst>
-          </p:cNvPr>
-          <p:cNvCxnSpPr>
-            <a:cxnSpLocks/>
-          </p:cNvCxnSpPr>
-          <p:nvPr/>
-        </p:nvCxnSpPr>
-        <p:spPr>
-          <a:xfrm rot="5400000" flipH="1" flipV="1">
-            <a:off x="5163407" y="4480360"/>
-            <a:ext cx="408827" cy="135459"/>
-          </a:xfrm>
-          <a:prstGeom prst="bentConnector3">
-            <a:avLst>
-              <a:gd name="adj1" fmla="val 99393"/>
-            </a:avLst>
-          </a:prstGeom>
-          <a:ln>
-            <a:tailEnd type="triangle"/>
-          </a:ln>
-        </p:spPr>
-        <p:style>
-          <a:lnRef idx="1">
-            <a:schemeClr val="accent1"/>
-          </a:lnRef>
-          <a:fillRef idx="0">
-            <a:schemeClr val="accent1"/>
-          </a:fillRef>
-          <a:effectRef idx="0">
-            <a:schemeClr val="accent1"/>
-          </a:effectRef>
-          <a:fontRef idx="minor">
-            <a:schemeClr val="tx1"/>
-          </a:fontRef>
-        </p:style>
-      </p:cxnSp>
-      <p:cxnSp>
-        <p:nvCxnSpPr>
-          <p:cNvPr id="300" name="Straight Connector 299">
-            <a:extLst>
-              <a:ext uri="{FF2B5EF4-FFF2-40B4-BE49-F238E27FC236}">
-                <a16:creationId xmlns:a16="http://schemas.microsoft.com/office/drawing/2014/main" id="{26DB3D12-209C-4ED3-8D8F-D66DCD94D9EF}"/>
-              </a:ext>
-            </a:extLst>
-          </p:cNvPr>
-          <p:cNvCxnSpPr>
-            <a:cxnSpLocks/>
-          </p:cNvCxnSpPr>
-          <p:nvPr/>
-        </p:nvCxnSpPr>
-        <p:spPr>
-          <a:xfrm flipH="1">
-            <a:off x="5300092" y="4747290"/>
-            <a:ext cx="2285956" cy="5212"/>
-          </a:xfrm>
-          <a:prstGeom prst="line">
-            <a:avLst/>
-          </a:prstGeom>
-        </p:spPr>
-        <p:style>
-          <a:lnRef idx="1">
-            <a:schemeClr val="accent1"/>
-          </a:lnRef>
-          <a:fillRef idx="0">
-            <a:schemeClr val="accent1"/>
-          </a:fillRef>
-          <a:effectRef idx="0">
-            <a:schemeClr val="accent1"/>
-          </a:effectRef>
-          <a:fontRef idx="minor">
-            <a:schemeClr val="tx1"/>
-          </a:fontRef>
-        </p:style>
-      </p:cxnSp>
-      <p:cxnSp>
-        <p:nvCxnSpPr>
-          <p:cNvPr id="301" name="Connector: Elbow 300">
-            <a:extLst>
-              <a:ext uri="{FF2B5EF4-FFF2-40B4-BE49-F238E27FC236}">
-                <a16:creationId xmlns:a16="http://schemas.microsoft.com/office/drawing/2014/main" id="{4DC35F3F-FD85-4068-83DF-F596995AA6FA}"/>
-              </a:ext>
-            </a:extLst>
-          </p:cNvPr>
-          <p:cNvCxnSpPr>
-            <a:cxnSpLocks/>
-            <a:stCxn id="276" idx="0"/>
-          </p:cNvCxnSpPr>
-          <p:nvPr/>
-        </p:nvCxnSpPr>
-        <p:spPr>
-          <a:xfrm>
-            <a:off x="2052479" y="3314619"/>
-            <a:ext cx="3367830" cy="172881"/>
-          </a:xfrm>
-          <a:prstGeom prst="bentConnector3">
-            <a:avLst>
-              <a:gd name="adj1" fmla="val 50000"/>
-            </a:avLst>
-          </a:prstGeom>
-          <a:ln>
-            <a:tailEnd type="triangle"/>
-          </a:ln>
-        </p:spPr>
-        <p:style>
-          <a:lnRef idx="1">
-            <a:schemeClr val="accent1"/>
-          </a:lnRef>
-          <a:fillRef idx="0">
-            <a:schemeClr val="accent1"/>
-          </a:fillRef>
-          <a:effectRef idx="0">
-            <a:schemeClr val="accent1"/>
-          </a:effectRef>
-          <a:fontRef idx="minor">
-            <a:schemeClr val="tx1"/>
-          </a:fontRef>
-        </p:style>
-      </p:cxnSp>
-      <p:sp>
-        <p:nvSpPr>
-          <p:cNvPr id="302" name="Rectangle 301">
-            <a:extLst>
-              <a:ext uri="{FF2B5EF4-FFF2-40B4-BE49-F238E27FC236}">
-                <a16:creationId xmlns:a16="http://schemas.microsoft.com/office/drawing/2014/main" id="{B792A41C-06A7-4FAC-A54E-95C77477E0E5}"/>
+      <p:sp>
+        <p:nvSpPr>
+          <p:cNvPr id="101" name="Rectangle 100">
+            <a:extLst>
+              <a:ext uri="{FF2B5EF4-FFF2-40B4-BE49-F238E27FC236}">
+                <a16:creationId xmlns:a16="http://schemas.microsoft.com/office/drawing/2014/main" id="{5BEE2C53-F970-432C-9EF0-B16395497DDB}"/>
               </a:ext>
             </a:extLst>
           </p:cNvPr>
@@ -9247,7 +5853,7 @@
         </p:nvSpPr>
         <p:spPr>
           <a:xfrm rot="16200000">
-            <a:off x="10086062" y="4578852"/>
+            <a:off x="9645973" y="4578852"/>
             <a:ext cx="1022445" cy="368228"/>
           </a:xfrm>
           <a:prstGeom prst="rect">
@@ -9293,22 +5899,22 @@
       </p:sp>
       <p:cxnSp>
         <p:nvCxnSpPr>
-          <p:cNvPr id="303" name="Straight Arrow Connector 302">
-            <a:extLst>
-              <a:ext uri="{FF2B5EF4-FFF2-40B4-BE49-F238E27FC236}">
-                <a16:creationId xmlns:a16="http://schemas.microsoft.com/office/drawing/2014/main" id="{D3A4E10E-EB35-43DB-B5CE-58A044FD9547}"/>
+          <p:cNvPr id="102" name="Straight Arrow Connector 101">
+            <a:extLst>
+              <a:ext uri="{FF2B5EF4-FFF2-40B4-BE49-F238E27FC236}">
+                <a16:creationId xmlns:a16="http://schemas.microsoft.com/office/drawing/2014/main" id="{EB96FCB9-19D5-432B-B874-01E971C45BF4}"/>
               </a:ext>
             </a:extLst>
           </p:cNvPr>
           <p:cNvCxnSpPr>
             <a:cxnSpLocks/>
-            <a:endCxn id="302" idx="0"/>
+            <a:endCxn id="101" idx="0"/>
           </p:cNvCxnSpPr>
           <p:nvPr/>
         </p:nvCxnSpPr>
         <p:spPr>
           <a:xfrm>
-            <a:off x="10101319" y="4762966"/>
+            <a:off x="9661230" y="4762966"/>
             <a:ext cx="311852" cy="0"/>
           </a:xfrm>
           <a:prstGeom prst="straightConnector1">
@@ -9336,10 +5942,10 @@
       </p:cxnSp>
       <p:sp>
         <p:nvSpPr>
-          <p:cNvPr id="304" name="TextBox 303">
-            <a:extLst>
-              <a:ext uri="{FF2B5EF4-FFF2-40B4-BE49-F238E27FC236}">
-                <a16:creationId xmlns:a16="http://schemas.microsoft.com/office/drawing/2014/main" id="{2238240A-BE3B-4E7C-800D-27309503901B}"/>
+          <p:cNvPr id="107" name="TextBox 106">
+            <a:extLst>
+              <a:ext uri="{FF2B5EF4-FFF2-40B4-BE49-F238E27FC236}">
+                <a16:creationId xmlns:a16="http://schemas.microsoft.com/office/drawing/2014/main" id="{A6F5D3B7-9CD0-4224-9762-C76C79E1371B}"/>
               </a:ext>
             </a:extLst>
           </p:cNvPr>
@@ -9348,7 +5954,7 @@
         </p:nvSpPr>
         <p:spPr>
           <a:xfrm rot="16200000">
-            <a:off x="10444675" y="4005660"/>
+            <a:off x="10004586" y="4005660"/>
             <a:ext cx="238248" cy="253916"/>
           </a:xfrm>
           <a:prstGeom prst="rect">
@@ -9370,90 +5976,119 @@
           </a:p>
         </p:txBody>
       </p:sp>
-      <p:cxnSp>
-        <p:nvCxnSpPr>
-          <p:cNvPr id="305" name="Straight Connector 304">
-            <a:extLst>
-              <a:ext uri="{FF2B5EF4-FFF2-40B4-BE49-F238E27FC236}">
-                <a16:creationId xmlns:a16="http://schemas.microsoft.com/office/drawing/2014/main" id="{9DBCA7FA-F2AC-4264-855D-71D88031345B}"/>
-              </a:ext>
-            </a:extLst>
-          </p:cNvPr>
-          <p:cNvCxnSpPr>
-            <a:cxnSpLocks/>
-            <a:stCxn id="273" idx="1"/>
-          </p:cNvCxnSpPr>
+      <p:sp>
+        <p:nvSpPr>
+          <p:cNvPr id="7" name="Rectangle 6">
+            <a:extLst>
+              <a:ext uri="{FF2B5EF4-FFF2-40B4-BE49-F238E27FC236}">
+                <a16:creationId xmlns:a16="http://schemas.microsoft.com/office/drawing/2014/main" id="{9719FC3C-4B0A-4BE8-AD6C-44B06ECD8204}"/>
+              </a:ext>
+            </a:extLst>
+          </p:cNvPr>
+          <p:cNvSpPr/>
           <p:nvPr/>
-        </p:nvCxnSpPr>
+        </p:nvSpPr>
         <p:spPr>
-          <a:xfrm flipH="1">
-            <a:off x="5279521" y="2465666"/>
-            <a:ext cx="478326" cy="2858"/>
+          <a:xfrm>
+            <a:off x="5308532" y="2623749"/>
+            <a:ext cx="1621162" cy="2032069"/>
           </a:xfrm>
-          <a:prstGeom prst="line">
+          <a:prstGeom prst="rect">
             <a:avLst/>
           </a:prstGeom>
+          <a:solidFill>
+            <a:schemeClr val="accent5">
+              <a:lumMod val="40000"/>
+              <a:lumOff val="60000"/>
+            </a:schemeClr>
+          </a:solidFill>
         </p:spPr>
         <p:style>
-          <a:lnRef idx="1">
-            <a:schemeClr val="accent1"/>
+          <a:lnRef idx="2">
+            <a:schemeClr val="accent1">
+              <a:shade val="50000"/>
+            </a:schemeClr>
           </a:lnRef>
-          <a:fillRef idx="0">
+          <a:fillRef idx="1">
             <a:schemeClr val="accent1"/>
           </a:fillRef>
           <a:effectRef idx="0">
             <a:schemeClr val="accent1"/>
           </a:effectRef>
           <a:fontRef idx="minor">
-            <a:schemeClr val="tx1"/>
+            <a:schemeClr val="lt1"/>
           </a:fontRef>
         </p:style>
-      </p:cxnSp>
-      <p:cxnSp>
-        <p:nvCxnSpPr>
-          <p:cNvPr id="306" name="Straight Connector 305">
-            <a:extLst>
-              <a:ext uri="{FF2B5EF4-FFF2-40B4-BE49-F238E27FC236}">
-                <a16:creationId xmlns:a16="http://schemas.microsoft.com/office/drawing/2014/main" id="{F0CDD946-DEDA-49BC-881E-2EFF0E53EEAF}"/>
-              </a:ext>
-            </a:extLst>
-          </p:cNvPr>
-          <p:cNvCxnSpPr>
-            <a:cxnSpLocks/>
-            <a:endCxn id="273" idx="3"/>
-          </p:cNvCxnSpPr>
+        <p:txBody>
+          <a:bodyPr rtlCol="0" anchor="ctr"/>
+          <a:lstStyle/>
+          <a:p>
+            <a:endParaRPr lang="en-US" dirty="0">
+              <a:solidFill>
+                <a:schemeClr val="tx1"/>
+              </a:solidFill>
+            </a:endParaRPr>
+          </a:p>
+        </p:txBody>
+      </p:sp>
+      <p:sp>
+        <p:nvSpPr>
+          <p:cNvPr id="9" name="Rectangle 8">
+            <a:extLst>
+              <a:ext uri="{FF2B5EF4-FFF2-40B4-BE49-F238E27FC236}">
+                <a16:creationId xmlns:a16="http://schemas.microsoft.com/office/drawing/2014/main" id="{08CD8402-7233-47B1-A1B5-23D2E88AF40D}"/>
+              </a:ext>
+            </a:extLst>
+          </p:cNvPr>
+          <p:cNvSpPr/>
           <p:nvPr/>
-        </p:nvCxnSpPr>
+        </p:nvSpPr>
         <p:spPr>
-          <a:xfrm flipH="1">
-            <a:off x="7163872" y="2465359"/>
-            <a:ext cx="443542" cy="307"/>
+          <a:xfrm>
+            <a:off x="5374452" y="3015970"/>
+            <a:ext cx="1494503" cy="224589"/>
           </a:xfrm>
-          <a:prstGeom prst="line">
+          <a:prstGeom prst="rect">
             <a:avLst/>
           </a:prstGeom>
+          <a:solidFill>
+            <a:srgbClr val="00B050"/>
+          </a:solidFill>
         </p:spPr>
         <p:style>
-          <a:lnRef idx="1">
-            <a:schemeClr val="accent1"/>
+          <a:lnRef idx="2">
+            <a:schemeClr val="accent1">
+              <a:shade val="50000"/>
+            </a:schemeClr>
           </a:lnRef>
-          <a:fillRef idx="0">
+          <a:fillRef idx="1">
             <a:schemeClr val="accent1"/>
           </a:fillRef>
           <a:effectRef idx="0">
             <a:schemeClr val="accent1"/>
           </a:effectRef>
           <a:fontRef idx="minor">
-            <a:schemeClr val="tx1"/>
+            <a:schemeClr val="lt1"/>
           </a:fontRef>
         </p:style>
-      </p:cxnSp>
-      <p:sp>
-        <p:nvSpPr>
-          <p:cNvPr id="307" name="Rectangle 306">
-            <a:extLst>
-              <a:ext uri="{FF2B5EF4-FFF2-40B4-BE49-F238E27FC236}">
-                <a16:creationId xmlns:a16="http://schemas.microsoft.com/office/drawing/2014/main" id="{713EFF7B-52ED-43B8-BB1A-73445955696C}"/>
+        <p:txBody>
+          <a:bodyPr rtlCol="0" anchor="ctr"/>
+          <a:lstStyle/>
+          <a:p>
+            <a:pPr algn="ctr"/>
+            <a:r>
+              <a:rPr lang="en-US" dirty="0"/>
+              <a:t>Main Parser</a:t>
+            </a:r>
+          </a:p>
+        </p:txBody>
+      </p:sp>
+      <p:sp>
+        <p:nvSpPr>
+          <p:cNvPr id="10" name="Rectangle 9">
+            <a:extLst>
+              <a:ext uri="{FF2B5EF4-FFF2-40B4-BE49-F238E27FC236}">
+                <a16:creationId xmlns:a16="http://schemas.microsoft.com/office/drawing/2014/main" id="{4DA835D9-811A-4207-86BD-82A8C24C1D85}"/>
               </a:ext>
             </a:extLst>
           </p:cNvPr>
@@ -9461,8 +6096,8 @@
           <p:nvPr/>
         </p:nvSpPr>
         <p:spPr>
-          <a:xfrm rot="16200000">
-            <a:off x="5554161" y="3655629"/>
+          <a:xfrm>
+            <a:off x="5370661" y="3722364"/>
             <a:ext cx="1494503" cy="200960"/>
           </a:xfrm>
           <a:prstGeom prst="rect">
@@ -9495,17 +6130,209 @@
             <a:pPr algn="ctr"/>
             <a:r>
               <a:rPr lang="en-US" dirty="0"/>
-              <a:t>Pre control</a:t>
+              <a:t>Main control</a:t>
+            </a:r>
+          </a:p>
+        </p:txBody>
+      </p:sp>
+      <p:sp>
+        <p:nvSpPr>
+          <p:cNvPr id="11" name="Rectangle 10">
+            <a:extLst>
+              <a:ext uri="{FF2B5EF4-FFF2-40B4-BE49-F238E27FC236}">
+                <a16:creationId xmlns:a16="http://schemas.microsoft.com/office/drawing/2014/main" id="{C5E0B604-11FA-4D85-8C27-1B6B6D7746A0}"/>
+              </a:ext>
+            </a:extLst>
+          </p:cNvPr>
+          <p:cNvSpPr/>
+          <p:nvPr/>
+        </p:nvSpPr>
+        <p:spPr>
+          <a:xfrm>
+            <a:off x="5370662" y="4060951"/>
+            <a:ext cx="1494503" cy="234880"/>
+          </a:xfrm>
+          <a:prstGeom prst="rect">
+            <a:avLst/>
+          </a:prstGeom>
+          <a:solidFill>
+            <a:srgbClr val="00B050"/>
+          </a:solidFill>
+        </p:spPr>
+        <p:style>
+          <a:lnRef idx="2">
+            <a:schemeClr val="accent1">
+              <a:shade val="50000"/>
+            </a:schemeClr>
+          </a:lnRef>
+          <a:fillRef idx="1">
+            <a:schemeClr val="accent1"/>
+          </a:fillRef>
+          <a:effectRef idx="0">
+            <a:schemeClr val="accent1"/>
+          </a:effectRef>
+          <a:fontRef idx="minor">
+            <a:schemeClr val="lt1"/>
+          </a:fontRef>
+        </p:style>
+        <p:txBody>
+          <a:bodyPr rtlCol="0" anchor="ctr"/>
+          <a:lstStyle/>
+          <a:p>
+            <a:pPr algn="ctr"/>
+            <a:r>
+              <a:rPr lang="en-US" sz="1600" dirty="0"/>
+              <a:t>Main Deparser</a:t>
+            </a:r>
+          </a:p>
+        </p:txBody>
+      </p:sp>
+      <p:sp>
+        <p:nvSpPr>
+          <p:cNvPr id="12" name="TextBox 11">
+            <a:extLst>
+              <a:ext uri="{FF2B5EF4-FFF2-40B4-BE49-F238E27FC236}">
+                <a16:creationId xmlns:a16="http://schemas.microsoft.com/office/drawing/2014/main" id="{A57A30FC-8EBC-4414-9C3F-8F53C01E89DB}"/>
+              </a:ext>
+            </a:extLst>
+          </p:cNvPr>
+          <p:cNvSpPr txBox="1"/>
+          <p:nvPr/>
+        </p:nvSpPr>
+        <p:spPr>
+          <a:xfrm>
+            <a:off x="6109193" y="2610581"/>
+            <a:ext cx="894797" cy="253916"/>
+          </a:xfrm>
+          <a:prstGeom prst="rect">
+            <a:avLst/>
+          </a:prstGeom>
+          <a:noFill/>
+        </p:spPr>
+        <p:txBody>
+          <a:bodyPr wrap="none" rtlCol="0">
+            <a:spAutoFit/>
+          </a:bodyPr>
+          <a:lstStyle/>
+          <a:p>
+            <a:r>
+              <a:rPr lang="en-US" sz="1050" dirty="0"/>
+              <a:t>FROM_HOST</a:t>
+            </a:r>
+          </a:p>
+        </p:txBody>
+      </p:sp>
+      <p:sp>
+        <p:nvSpPr>
+          <p:cNvPr id="13" name="TextBox 12">
+            <a:extLst>
+              <a:ext uri="{FF2B5EF4-FFF2-40B4-BE49-F238E27FC236}">
+                <a16:creationId xmlns:a16="http://schemas.microsoft.com/office/drawing/2014/main" id="{1CFDA1D5-F37B-4541-B9D2-E055C8630AC5}"/>
+              </a:ext>
+            </a:extLst>
+          </p:cNvPr>
+          <p:cNvSpPr txBox="1"/>
+          <p:nvPr/>
+        </p:nvSpPr>
+        <p:spPr>
+          <a:xfrm>
+            <a:off x="5349421" y="4403753"/>
+            <a:ext cx="708848" cy="253916"/>
+          </a:xfrm>
+          <a:prstGeom prst="rect">
+            <a:avLst/>
+          </a:prstGeom>
+          <a:noFill/>
+        </p:spPr>
+        <p:txBody>
+          <a:bodyPr wrap="none" rtlCol="0">
+            <a:spAutoFit/>
+          </a:bodyPr>
+          <a:lstStyle/>
+          <a:p>
+            <a:r>
+              <a:rPr lang="en-US" sz="1050" dirty="0"/>
+              <a:t>TO_HOST</a:t>
+            </a:r>
+          </a:p>
+        </p:txBody>
+      </p:sp>
+      <p:sp>
+        <p:nvSpPr>
+          <p:cNvPr id="14" name="TextBox 13">
+            <a:extLst>
+              <a:ext uri="{FF2B5EF4-FFF2-40B4-BE49-F238E27FC236}">
+                <a16:creationId xmlns:a16="http://schemas.microsoft.com/office/drawing/2014/main" id="{1334AC9D-6D71-45C5-B180-594CD48DA462}"/>
+              </a:ext>
+            </a:extLst>
+          </p:cNvPr>
+          <p:cNvSpPr txBox="1"/>
+          <p:nvPr/>
+        </p:nvSpPr>
+        <p:spPr>
+          <a:xfrm>
+            <a:off x="5288002" y="2619690"/>
+            <a:ext cx="811441" cy="253916"/>
+          </a:xfrm>
+          <a:prstGeom prst="rect">
+            <a:avLst/>
+          </a:prstGeom>
+          <a:noFill/>
+        </p:spPr>
+        <p:txBody>
+          <a:bodyPr wrap="none" rtlCol="0">
+            <a:spAutoFit/>
+          </a:bodyPr>
+          <a:lstStyle/>
+          <a:p>
+            <a:r>
+              <a:rPr lang="en-US" sz="1050" dirty="0"/>
+              <a:t>FROM_NET</a:t>
+            </a:r>
+          </a:p>
+        </p:txBody>
+      </p:sp>
+      <p:sp>
+        <p:nvSpPr>
+          <p:cNvPr id="15" name="TextBox 14">
+            <a:extLst>
+              <a:ext uri="{FF2B5EF4-FFF2-40B4-BE49-F238E27FC236}">
+                <a16:creationId xmlns:a16="http://schemas.microsoft.com/office/drawing/2014/main" id="{962C12F2-DD96-4A51-B663-4E2BD4690C21}"/>
+              </a:ext>
+            </a:extLst>
+          </p:cNvPr>
+          <p:cNvSpPr txBox="1"/>
+          <p:nvPr/>
+        </p:nvSpPr>
+        <p:spPr>
+          <a:xfrm>
+            <a:off x="6231065" y="4397065"/>
+            <a:ext cx="625492" cy="253916"/>
+          </a:xfrm>
+          <a:prstGeom prst="rect">
+            <a:avLst/>
+          </a:prstGeom>
+          <a:noFill/>
+        </p:spPr>
+        <p:txBody>
+          <a:bodyPr wrap="none" rtlCol="0">
+            <a:spAutoFit/>
+          </a:bodyPr>
+          <a:lstStyle/>
+          <a:p>
+            <a:r>
+              <a:rPr lang="en-US" sz="1050" dirty="0"/>
+              <a:t>TO_NET</a:t>
             </a:r>
           </a:p>
         </p:txBody>
       </p:sp>
       <p:cxnSp>
         <p:nvCxnSpPr>
-          <p:cNvPr id="308" name="Straight Arrow Connector 307">
-            <a:extLst>
-              <a:ext uri="{FF2B5EF4-FFF2-40B4-BE49-F238E27FC236}">
-                <a16:creationId xmlns:a16="http://schemas.microsoft.com/office/drawing/2014/main" id="{EB206779-8C96-4FD7-8AB9-8EC49CB6AB8A}"/>
+          <p:cNvPr id="8" name="Straight Arrow Connector 7">
+            <a:extLst>
+              <a:ext uri="{FF2B5EF4-FFF2-40B4-BE49-F238E27FC236}">
+                <a16:creationId xmlns:a16="http://schemas.microsoft.com/office/drawing/2014/main" id="{BB801080-B3EB-43D3-BDB6-AD0E67A57AA2}"/>
               </a:ext>
             </a:extLst>
           </p:cNvPr>
@@ -9515,8 +6342,49 @@
           <p:nvPr/>
         </p:nvCxnSpPr>
         <p:spPr>
-          <a:xfrm rot="16200000">
-            <a:off x="6138871" y="3245092"/>
+          <a:xfrm>
+            <a:off x="5690436" y="2870862"/>
+            <a:ext cx="0" cy="145108"/>
+          </a:xfrm>
+          <a:prstGeom prst="straightConnector1">
+            <a:avLst/>
+          </a:prstGeom>
+          <a:ln>
+            <a:tailEnd type="triangle"/>
+          </a:ln>
+        </p:spPr>
+        <p:style>
+          <a:lnRef idx="1">
+            <a:schemeClr val="accent1"/>
+          </a:lnRef>
+          <a:fillRef idx="0">
+            <a:schemeClr val="accent1"/>
+          </a:fillRef>
+          <a:effectRef idx="0">
+            <a:schemeClr val="accent1"/>
+          </a:effectRef>
+          <a:fontRef idx="minor">
+            <a:schemeClr val="tx1"/>
+          </a:fontRef>
+        </p:style>
+      </p:cxnSp>
+      <p:cxnSp>
+        <p:nvCxnSpPr>
+          <p:cNvPr id="18" name="Straight Arrow Connector 17">
+            <a:extLst>
+              <a:ext uri="{FF2B5EF4-FFF2-40B4-BE49-F238E27FC236}">
+                <a16:creationId xmlns:a16="http://schemas.microsoft.com/office/drawing/2014/main" id="{78AD3BE8-DF3A-4F04-908C-973DFE021940}"/>
+              </a:ext>
+            </a:extLst>
+          </p:cNvPr>
+          <p:cNvCxnSpPr>
+            <a:cxnSpLocks/>
+          </p:cNvCxnSpPr>
+          <p:nvPr/>
+        </p:nvCxnSpPr>
+        <p:spPr>
+          <a:xfrm>
+            <a:off x="6559873" y="3591246"/>
             <a:ext cx="0" cy="138113"/>
           </a:xfrm>
           <a:prstGeom prst="straightConnector1">
@@ -9543,10 +6411,10 @@
       </p:cxnSp>
       <p:cxnSp>
         <p:nvCxnSpPr>
-          <p:cNvPr id="309" name="Straight Arrow Connector 308">
-            <a:extLst>
-              <a:ext uri="{FF2B5EF4-FFF2-40B4-BE49-F238E27FC236}">
-                <a16:creationId xmlns:a16="http://schemas.microsoft.com/office/drawing/2014/main" id="{20379808-FE56-458C-8084-B9FAD8A45934}"/>
+          <p:cNvPr id="21" name="Straight Arrow Connector 20">
+            <a:extLst>
+              <a:ext uri="{FF2B5EF4-FFF2-40B4-BE49-F238E27FC236}">
+                <a16:creationId xmlns:a16="http://schemas.microsoft.com/office/drawing/2014/main" id="{118C6842-6E5E-4C24-B95F-914E14CD1B9C}"/>
               </a:ext>
             </a:extLst>
           </p:cNvPr>
@@ -9556,8 +6424,49 @@
           <p:nvPr/>
         </p:nvCxnSpPr>
         <p:spPr>
-          <a:xfrm rot="16200000">
-            <a:off x="6135373" y="4114822"/>
+          <a:xfrm>
+            <a:off x="6555326" y="3923324"/>
+            <a:ext cx="0" cy="137627"/>
+          </a:xfrm>
+          <a:prstGeom prst="straightConnector1">
+            <a:avLst/>
+          </a:prstGeom>
+          <a:ln>
+            <a:tailEnd type="triangle"/>
+          </a:ln>
+        </p:spPr>
+        <p:style>
+          <a:lnRef idx="1">
+            <a:schemeClr val="accent1"/>
+          </a:lnRef>
+          <a:fillRef idx="0">
+            <a:schemeClr val="accent1"/>
+          </a:fillRef>
+          <a:effectRef idx="0">
+            <a:schemeClr val="accent1"/>
+          </a:effectRef>
+          <a:fontRef idx="minor">
+            <a:schemeClr val="tx1"/>
+          </a:fontRef>
+        </p:style>
+      </p:cxnSp>
+      <p:cxnSp>
+        <p:nvCxnSpPr>
+          <p:cNvPr id="29" name="Straight Arrow Connector 28">
+            <a:extLst>
+              <a:ext uri="{FF2B5EF4-FFF2-40B4-BE49-F238E27FC236}">
+                <a16:creationId xmlns:a16="http://schemas.microsoft.com/office/drawing/2014/main" id="{6E973354-BD42-4475-A807-8DE90F54F8A4}"/>
+              </a:ext>
+            </a:extLst>
+          </p:cNvPr>
+          <p:cNvCxnSpPr>
+            <a:cxnSpLocks/>
+          </p:cNvCxnSpPr>
+          <p:nvPr/>
+        </p:nvCxnSpPr>
+        <p:spPr>
+          <a:xfrm>
+            <a:off x="6559116" y="2870862"/>
             <a:ext cx="0" cy="145108"/>
           </a:xfrm>
           <a:prstGeom prst="straightConnector1">
@@ -9582,12 +6491,841 @@
           </a:fontRef>
         </p:style>
       </p:cxnSp>
-      <p:sp>
-        <p:nvSpPr>
-          <p:cNvPr id="310" name="TextBox 309">
-            <a:extLst>
-              <a:ext uri="{FF2B5EF4-FFF2-40B4-BE49-F238E27FC236}">
-                <a16:creationId xmlns:a16="http://schemas.microsoft.com/office/drawing/2014/main" id="{981107E8-DE2D-4888-BCFC-33D69FEF332E}"/>
+      <p:cxnSp>
+        <p:nvCxnSpPr>
+          <p:cNvPr id="30" name="Straight Arrow Connector 29">
+            <a:extLst>
+              <a:ext uri="{FF2B5EF4-FFF2-40B4-BE49-F238E27FC236}">
+                <a16:creationId xmlns:a16="http://schemas.microsoft.com/office/drawing/2014/main" id="{D4BD033C-95E1-41B3-B6D8-C9EAC2E4C393}"/>
+              </a:ext>
+            </a:extLst>
+          </p:cNvPr>
+          <p:cNvCxnSpPr>
+            <a:cxnSpLocks/>
+          </p:cNvCxnSpPr>
+          <p:nvPr/>
+        </p:nvCxnSpPr>
+        <p:spPr>
+          <a:xfrm>
+            <a:off x="5686646" y="4295831"/>
+            <a:ext cx="0" cy="145108"/>
+          </a:xfrm>
+          <a:prstGeom prst="straightConnector1">
+            <a:avLst/>
+          </a:prstGeom>
+          <a:ln>
+            <a:tailEnd type="triangle"/>
+          </a:ln>
+        </p:spPr>
+        <p:style>
+          <a:lnRef idx="1">
+            <a:schemeClr val="accent1"/>
+          </a:lnRef>
+          <a:fillRef idx="0">
+            <a:schemeClr val="accent1"/>
+          </a:fillRef>
+          <a:effectRef idx="0">
+            <a:schemeClr val="accent1"/>
+          </a:effectRef>
+          <a:fontRef idx="minor">
+            <a:schemeClr val="tx1"/>
+          </a:fontRef>
+        </p:style>
+      </p:cxnSp>
+      <p:cxnSp>
+        <p:nvCxnSpPr>
+          <p:cNvPr id="31" name="Straight Arrow Connector 30">
+            <a:extLst>
+              <a:ext uri="{FF2B5EF4-FFF2-40B4-BE49-F238E27FC236}">
+                <a16:creationId xmlns:a16="http://schemas.microsoft.com/office/drawing/2014/main" id="{3B2C21DB-6C35-4435-AF14-F51CB6679761}"/>
+              </a:ext>
+            </a:extLst>
+          </p:cNvPr>
+          <p:cNvCxnSpPr>
+            <a:cxnSpLocks/>
+          </p:cNvCxnSpPr>
+          <p:nvPr/>
+        </p:nvCxnSpPr>
+        <p:spPr>
+          <a:xfrm>
+            <a:off x="6555326" y="4295831"/>
+            <a:ext cx="0" cy="145108"/>
+          </a:xfrm>
+          <a:prstGeom prst="straightConnector1">
+            <a:avLst/>
+          </a:prstGeom>
+          <a:ln>
+            <a:tailEnd type="triangle"/>
+          </a:ln>
+        </p:spPr>
+        <p:style>
+          <a:lnRef idx="1">
+            <a:schemeClr val="accent1"/>
+          </a:lnRef>
+          <a:fillRef idx="0">
+            <a:schemeClr val="accent1"/>
+          </a:fillRef>
+          <a:effectRef idx="0">
+            <a:schemeClr val="accent1"/>
+          </a:effectRef>
+          <a:fontRef idx="minor">
+            <a:schemeClr val="tx1"/>
+          </a:fontRef>
+        </p:style>
+      </p:cxnSp>
+      <p:cxnSp>
+        <p:nvCxnSpPr>
+          <p:cNvPr id="32" name="Straight Arrow Connector 31">
+            <a:extLst>
+              <a:ext uri="{FF2B5EF4-FFF2-40B4-BE49-F238E27FC236}">
+                <a16:creationId xmlns:a16="http://schemas.microsoft.com/office/drawing/2014/main" id="{92046405-9500-4397-B377-F93955C0070E}"/>
+              </a:ext>
+            </a:extLst>
+          </p:cNvPr>
+          <p:cNvCxnSpPr>
+            <a:cxnSpLocks/>
+          </p:cNvCxnSpPr>
+          <p:nvPr/>
+        </p:nvCxnSpPr>
+        <p:spPr>
+          <a:xfrm>
+            <a:off x="5686646" y="3584251"/>
+            <a:ext cx="0" cy="145108"/>
+          </a:xfrm>
+          <a:prstGeom prst="straightConnector1">
+            <a:avLst/>
+          </a:prstGeom>
+          <a:ln>
+            <a:tailEnd type="triangle"/>
+          </a:ln>
+        </p:spPr>
+        <p:style>
+          <a:lnRef idx="1">
+            <a:schemeClr val="accent1"/>
+          </a:lnRef>
+          <a:fillRef idx="0">
+            <a:schemeClr val="accent1"/>
+          </a:fillRef>
+          <a:effectRef idx="0">
+            <a:schemeClr val="accent1"/>
+          </a:effectRef>
+          <a:fontRef idx="minor">
+            <a:schemeClr val="tx1"/>
+          </a:fontRef>
+        </p:style>
+      </p:cxnSp>
+      <p:cxnSp>
+        <p:nvCxnSpPr>
+          <p:cNvPr id="33" name="Straight Arrow Connector 32">
+            <a:extLst>
+              <a:ext uri="{FF2B5EF4-FFF2-40B4-BE49-F238E27FC236}">
+                <a16:creationId xmlns:a16="http://schemas.microsoft.com/office/drawing/2014/main" id="{E38A593F-0DEE-408E-8DF2-68583A1E725F}"/>
+              </a:ext>
+            </a:extLst>
+          </p:cNvPr>
+          <p:cNvCxnSpPr>
+            <a:cxnSpLocks/>
+          </p:cNvCxnSpPr>
+          <p:nvPr/>
+        </p:nvCxnSpPr>
+        <p:spPr>
+          <a:xfrm>
+            <a:off x="5686646" y="3923324"/>
+            <a:ext cx="0" cy="145108"/>
+          </a:xfrm>
+          <a:prstGeom prst="straightConnector1">
+            <a:avLst/>
+          </a:prstGeom>
+          <a:ln>
+            <a:tailEnd type="triangle"/>
+          </a:ln>
+        </p:spPr>
+        <p:style>
+          <a:lnRef idx="1">
+            <a:schemeClr val="accent1"/>
+          </a:lnRef>
+          <a:fillRef idx="0">
+            <a:schemeClr val="accent1"/>
+          </a:fillRef>
+          <a:effectRef idx="0">
+            <a:schemeClr val="accent1"/>
+          </a:effectRef>
+          <a:fontRef idx="minor">
+            <a:schemeClr val="tx1"/>
+          </a:fontRef>
+        </p:style>
+      </p:cxnSp>
+      <p:sp>
+        <p:nvSpPr>
+          <p:cNvPr id="145" name="Rectangle 144">
+            <a:extLst>
+              <a:ext uri="{FF2B5EF4-FFF2-40B4-BE49-F238E27FC236}">
+                <a16:creationId xmlns:a16="http://schemas.microsoft.com/office/drawing/2014/main" id="{69B7E0ED-8772-44A6-BD46-8EBA68442208}"/>
+              </a:ext>
+            </a:extLst>
+          </p:cNvPr>
+          <p:cNvSpPr/>
+          <p:nvPr/>
+        </p:nvSpPr>
+        <p:spPr>
+          <a:xfrm>
+            <a:off x="5374452" y="3386966"/>
+            <a:ext cx="1494503" cy="200960"/>
+          </a:xfrm>
+          <a:prstGeom prst="rect">
+            <a:avLst/>
+          </a:prstGeom>
+          <a:solidFill>
+            <a:srgbClr val="00B050"/>
+          </a:solidFill>
+        </p:spPr>
+        <p:style>
+          <a:lnRef idx="2">
+            <a:schemeClr val="accent1">
+              <a:shade val="50000"/>
+            </a:schemeClr>
+          </a:lnRef>
+          <a:fillRef idx="1">
+            <a:schemeClr val="accent1"/>
+          </a:fillRef>
+          <a:effectRef idx="0">
+            <a:schemeClr val="accent1"/>
+          </a:effectRef>
+          <a:fontRef idx="minor">
+            <a:schemeClr val="lt1"/>
+          </a:fontRef>
+        </p:style>
+        <p:txBody>
+          <a:bodyPr rtlCol="0" anchor="ctr"/>
+          <a:lstStyle/>
+          <a:p>
+            <a:pPr algn="ctr"/>
+            <a:r>
+              <a:rPr lang="en-US" dirty="0"/>
+              <a:t>Pre control</a:t>
+            </a:r>
+          </a:p>
+        </p:txBody>
+      </p:sp>
+      <p:cxnSp>
+        <p:nvCxnSpPr>
+          <p:cNvPr id="146" name="Straight Arrow Connector 145">
+            <a:extLst>
+              <a:ext uri="{FF2B5EF4-FFF2-40B4-BE49-F238E27FC236}">
+                <a16:creationId xmlns:a16="http://schemas.microsoft.com/office/drawing/2014/main" id="{57FA4F80-C4C0-4859-884B-41920790CA7A}"/>
+              </a:ext>
+            </a:extLst>
+          </p:cNvPr>
+          <p:cNvCxnSpPr>
+            <a:cxnSpLocks/>
+          </p:cNvCxnSpPr>
+          <p:nvPr/>
+        </p:nvCxnSpPr>
+        <p:spPr>
+          <a:xfrm>
+            <a:off x="6563664" y="3255848"/>
+            <a:ext cx="0" cy="138113"/>
+          </a:xfrm>
+          <a:prstGeom prst="straightConnector1">
+            <a:avLst/>
+          </a:prstGeom>
+          <a:ln>
+            <a:tailEnd type="triangle"/>
+          </a:ln>
+        </p:spPr>
+        <p:style>
+          <a:lnRef idx="1">
+            <a:schemeClr val="accent1"/>
+          </a:lnRef>
+          <a:fillRef idx="0">
+            <a:schemeClr val="accent1"/>
+          </a:fillRef>
+          <a:effectRef idx="0">
+            <a:schemeClr val="accent1"/>
+          </a:effectRef>
+          <a:fontRef idx="minor">
+            <a:schemeClr val="tx1"/>
+          </a:fontRef>
+        </p:style>
+      </p:cxnSp>
+      <p:cxnSp>
+        <p:nvCxnSpPr>
+          <p:cNvPr id="147" name="Straight Arrow Connector 146">
+            <a:extLst>
+              <a:ext uri="{FF2B5EF4-FFF2-40B4-BE49-F238E27FC236}">
+                <a16:creationId xmlns:a16="http://schemas.microsoft.com/office/drawing/2014/main" id="{BCD7B2CD-4139-4CA0-8F3D-C2F75675CAD0}"/>
+              </a:ext>
+            </a:extLst>
+          </p:cNvPr>
+          <p:cNvCxnSpPr>
+            <a:cxnSpLocks/>
+          </p:cNvCxnSpPr>
+          <p:nvPr/>
+        </p:nvCxnSpPr>
+        <p:spPr>
+          <a:xfrm>
+            <a:off x="5690437" y="3248853"/>
+            <a:ext cx="0" cy="145108"/>
+          </a:xfrm>
+          <a:prstGeom prst="straightConnector1">
+            <a:avLst/>
+          </a:prstGeom>
+          <a:ln>
+            <a:tailEnd type="triangle"/>
+          </a:ln>
+        </p:spPr>
+        <p:style>
+          <a:lnRef idx="1">
+            <a:schemeClr val="accent1"/>
+          </a:lnRef>
+          <a:fillRef idx="0">
+            <a:schemeClr val="accent1"/>
+          </a:fillRef>
+          <a:effectRef idx="0">
+            <a:schemeClr val="accent1"/>
+          </a:effectRef>
+          <a:fontRef idx="minor">
+            <a:schemeClr val="tx1"/>
+          </a:fontRef>
+        </p:style>
+      </p:cxnSp>
+      <p:cxnSp>
+        <p:nvCxnSpPr>
+          <p:cNvPr id="99" name="Connector: Elbow 98">
+            <a:extLst>
+              <a:ext uri="{FF2B5EF4-FFF2-40B4-BE49-F238E27FC236}">
+                <a16:creationId xmlns:a16="http://schemas.microsoft.com/office/drawing/2014/main" id="{F5BF228F-7392-4163-85E4-ED62A7AC1794}"/>
+              </a:ext>
+            </a:extLst>
+          </p:cNvPr>
+          <p:cNvCxnSpPr>
+            <a:cxnSpLocks/>
+            <a:stCxn id="15" idx="2"/>
+          </p:cNvCxnSpPr>
+          <p:nvPr/>
+        </p:nvCxnSpPr>
+        <p:spPr>
+          <a:xfrm rot="5400000">
+            <a:off x="5506054" y="3907622"/>
+            <a:ext cx="294399" cy="1781116"/>
+          </a:xfrm>
+          <a:prstGeom prst="bentConnector2">
+            <a:avLst/>
+          </a:prstGeom>
+          <a:ln>
+            <a:tailEnd type="triangle"/>
+          </a:ln>
+        </p:spPr>
+        <p:style>
+          <a:lnRef idx="1">
+            <a:schemeClr val="accent1"/>
+          </a:lnRef>
+          <a:fillRef idx="0">
+            <a:schemeClr val="accent1"/>
+          </a:fillRef>
+          <a:effectRef idx="0">
+            <a:schemeClr val="accent1"/>
+          </a:effectRef>
+          <a:fontRef idx="minor">
+            <a:schemeClr val="tx1"/>
+          </a:fontRef>
+        </p:style>
+      </p:cxnSp>
+      <p:cxnSp>
+        <p:nvCxnSpPr>
+          <p:cNvPr id="140" name="Connector: Elbow 139">
+            <a:extLst>
+              <a:ext uri="{FF2B5EF4-FFF2-40B4-BE49-F238E27FC236}">
+                <a16:creationId xmlns:a16="http://schemas.microsoft.com/office/drawing/2014/main" id="{E9876982-0570-44F5-B12B-B2063F961DF8}"/>
+              </a:ext>
+            </a:extLst>
+          </p:cNvPr>
+          <p:cNvCxnSpPr>
+            <a:cxnSpLocks/>
+            <a:stCxn id="13" idx="2"/>
+          </p:cNvCxnSpPr>
+          <p:nvPr/>
+        </p:nvCxnSpPr>
+        <p:spPr>
+          <a:xfrm rot="16200000" flipH="1">
+            <a:off x="6262431" y="4099083"/>
+            <a:ext cx="190304" cy="1307476"/>
+          </a:xfrm>
+          <a:prstGeom prst="bentConnector2">
+            <a:avLst/>
+          </a:prstGeom>
+          <a:ln>
+            <a:tailEnd type="none"/>
+          </a:ln>
+        </p:spPr>
+        <p:style>
+          <a:lnRef idx="1">
+            <a:schemeClr val="accent1"/>
+          </a:lnRef>
+          <a:fillRef idx="0">
+            <a:schemeClr val="accent1"/>
+          </a:fillRef>
+          <a:effectRef idx="0">
+            <a:schemeClr val="accent1"/>
+          </a:effectRef>
+          <a:fontRef idx="minor">
+            <a:schemeClr val="tx1"/>
+          </a:fontRef>
+        </p:style>
+      </p:cxnSp>
+      <p:cxnSp>
+        <p:nvCxnSpPr>
+          <p:cNvPr id="141" name="Straight Connector 140">
+            <a:extLst>
+              <a:ext uri="{FF2B5EF4-FFF2-40B4-BE49-F238E27FC236}">
+                <a16:creationId xmlns:a16="http://schemas.microsoft.com/office/drawing/2014/main" id="{956C68FF-B872-470E-8F89-290953F628E9}"/>
+              </a:ext>
+            </a:extLst>
+          </p:cNvPr>
+          <p:cNvCxnSpPr>
+            <a:cxnSpLocks/>
+          </p:cNvCxnSpPr>
+          <p:nvPr/>
+        </p:nvCxnSpPr>
+        <p:spPr>
+          <a:xfrm flipV="1">
+            <a:off x="7009006" y="4847973"/>
+            <a:ext cx="0" cy="85118"/>
+          </a:xfrm>
+          <a:prstGeom prst="line">
+            <a:avLst/>
+          </a:prstGeom>
+        </p:spPr>
+        <p:style>
+          <a:lnRef idx="1">
+            <a:schemeClr val="accent1"/>
+          </a:lnRef>
+          <a:fillRef idx="0">
+            <a:schemeClr val="accent1"/>
+          </a:fillRef>
+          <a:effectRef idx="0">
+            <a:schemeClr val="accent1"/>
+          </a:effectRef>
+          <a:fontRef idx="minor">
+            <a:schemeClr val="tx1"/>
+          </a:fontRef>
+        </p:style>
+      </p:cxnSp>
+      <p:grpSp>
+        <p:nvGrpSpPr>
+          <p:cNvPr id="130" name="Group 129">
+            <a:extLst>
+              <a:ext uri="{FF2B5EF4-FFF2-40B4-BE49-F238E27FC236}">
+                <a16:creationId xmlns:a16="http://schemas.microsoft.com/office/drawing/2014/main" id="{2D698BE8-3C15-496F-9E33-6CDA16B84D33}"/>
+              </a:ext>
+            </a:extLst>
+          </p:cNvPr>
+          <p:cNvGrpSpPr/>
+          <p:nvPr/>
+        </p:nvGrpSpPr>
+        <p:grpSpPr>
+          <a:xfrm flipH="1">
+            <a:off x="6662769" y="2484867"/>
+            <a:ext cx="408827" cy="2285957"/>
+            <a:chOff x="5547388" y="-106133"/>
+            <a:chExt cx="408827" cy="2285957"/>
+          </a:xfrm>
+        </p:grpSpPr>
+        <p:cxnSp>
+          <p:nvCxnSpPr>
+            <p:cNvPr id="153" name="Connector: Elbow 152">
+              <a:extLst>
+                <a:ext uri="{FF2B5EF4-FFF2-40B4-BE49-F238E27FC236}">
+                  <a16:creationId xmlns:a16="http://schemas.microsoft.com/office/drawing/2014/main" id="{0A298E79-BB8F-4FCE-8F51-69445642F1B6}"/>
+                </a:ext>
+              </a:extLst>
+            </p:cNvPr>
+            <p:cNvCxnSpPr>
+              <a:cxnSpLocks/>
+            </p:cNvCxnSpPr>
+            <p:nvPr/>
+          </p:nvCxnSpPr>
+          <p:spPr>
+            <a:xfrm flipH="1">
+              <a:off x="5549960" y="2064496"/>
+              <a:ext cx="403990" cy="115327"/>
+            </a:xfrm>
+            <a:prstGeom prst="bentConnector3">
+              <a:avLst>
+                <a:gd name="adj1" fmla="val 960"/>
+              </a:avLst>
+            </a:prstGeom>
+            <a:ln>
+              <a:tailEnd type="none"/>
+            </a:ln>
+          </p:spPr>
+          <p:style>
+            <a:lnRef idx="1">
+              <a:schemeClr val="accent1"/>
+            </a:lnRef>
+            <a:fillRef idx="0">
+              <a:schemeClr val="accent1"/>
+            </a:fillRef>
+            <a:effectRef idx="0">
+              <a:schemeClr val="accent1"/>
+            </a:effectRef>
+            <a:fontRef idx="minor">
+              <a:schemeClr val="tx1"/>
+            </a:fontRef>
+          </p:style>
+        </p:cxnSp>
+        <p:cxnSp>
+          <p:nvCxnSpPr>
+            <p:cNvPr id="154" name="Connector: Elbow 153">
+              <a:extLst>
+                <a:ext uri="{FF2B5EF4-FFF2-40B4-BE49-F238E27FC236}">
+                  <a16:creationId xmlns:a16="http://schemas.microsoft.com/office/drawing/2014/main" id="{23E5A02B-F0BE-4FBD-8B4B-640E6650DBC7}"/>
+                </a:ext>
+              </a:extLst>
+            </p:cNvPr>
+            <p:cNvCxnSpPr>
+              <a:cxnSpLocks/>
+            </p:cNvCxnSpPr>
+            <p:nvPr/>
+          </p:nvCxnSpPr>
+          <p:spPr>
+            <a:xfrm rot="10800000" flipH="1" flipV="1">
+              <a:off x="5547388" y="-106133"/>
+              <a:ext cx="408827" cy="135459"/>
+            </a:xfrm>
+            <a:prstGeom prst="bentConnector3">
+              <a:avLst>
+                <a:gd name="adj1" fmla="val 99393"/>
+              </a:avLst>
+            </a:prstGeom>
+            <a:ln>
+              <a:tailEnd type="triangle"/>
+            </a:ln>
+          </p:spPr>
+          <p:style>
+            <a:lnRef idx="1">
+              <a:schemeClr val="accent1"/>
+            </a:lnRef>
+            <a:fillRef idx="0">
+              <a:schemeClr val="accent1"/>
+            </a:fillRef>
+            <a:effectRef idx="0">
+              <a:schemeClr val="accent1"/>
+            </a:effectRef>
+            <a:fontRef idx="minor">
+              <a:schemeClr val="tx1"/>
+            </a:fontRef>
+          </p:style>
+        </p:cxnSp>
+        <p:cxnSp>
+          <p:nvCxnSpPr>
+            <p:cNvPr id="156" name="Straight Connector 155">
+              <a:extLst>
+                <a:ext uri="{FF2B5EF4-FFF2-40B4-BE49-F238E27FC236}">
+                  <a16:creationId xmlns:a16="http://schemas.microsoft.com/office/drawing/2014/main" id="{4A5E2129-B58F-401B-84C8-766C2777479C}"/>
+                </a:ext>
+              </a:extLst>
+            </p:cNvPr>
+            <p:cNvCxnSpPr>
+              <a:cxnSpLocks/>
+            </p:cNvCxnSpPr>
+            <p:nvPr/>
+          </p:nvCxnSpPr>
+          <p:spPr>
+            <a:xfrm rot="5400000" flipH="1">
+              <a:off x="4407017" y="1034240"/>
+              <a:ext cx="2285956" cy="5212"/>
+            </a:xfrm>
+            <a:prstGeom prst="line">
+              <a:avLst/>
+            </a:prstGeom>
+          </p:spPr>
+          <p:style>
+            <a:lnRef idx="1">
+              <a:schemeClr val="accent1"/>
+            </a:lnRef>
+            <a:fillRef idx="0">
+              <a:schemeClr val="accent1"/>
+            </a:fillRef>
+            <a:effectRef idx="0">
+              <a:schemeClr val="accent1"/>
+            </a:effectRef>
+            <a:fontRef idx="minor">
+              <a:schemeClr val="tx1"/>
+            </a:fontRef>
+          </p:style>
+        </p:cxnSp>
+      </p:grpSp>
+      <p:sp>
+        <p:nvSpPr>
+          <p:cNvPr id="157" name="Rectangle 156">
+            <a:extLst>
+              <a:ext uri="{FF2B5EF4-FFF2-40B4-BE49-F238E27FC236}">
+                <a16:creationId xmlns:a16="http://schemas.microsoft.com/office/drawing/2014/main" id="{63589632-E957-4E7E-BD65-62A7B15EAC3E}"/>
+              </a:ext>
+            </a:extLst>
+          </p:cNvPr>
+          <p:cNvSpPr/>
+          <p:nvPr/>
+        </p:nvSpPr>
+        <p:spPr>
+          <a:xfrm rot="16200000" flipH="1">
+            <a:off x="4447810" y="3416557"/>
+            <a:ext cx="1121778" cy="467855"/>
+          </a:xfrm>
+          <a:prstGeom prst="rect">
+            <a:avLst/>
+          </a:prstGeom>
+          <a:solidFill>
+            <a:schemeClr val="accent4">
+              <a:lumMod val="40000"/>
+              <a:lumOff val="60000"/>
+            </a:schemeClr>
+          </a:solidFill>
+        </p:spPr>
+        <p:style>
+          <a:lnRef idx="2">
+            <a:schemeClr val="accent1">
+              <a:shade val="50000"/>
+            </a:schemeClr>
+          </a:lnRef>
+          <a:fillRef idx="1">
+            <a:schemeClr val="accent1"/>
+          </a:fillRef>
+          <a:effectRef idx="0">
+            <a:schemeClr val="accent1"/>
+          </a:effectRef>
+          <a:fontRef idx="minor">
+            <a:schemeClr val="lt1"/>
+          </a:fontRef>
+        </p:style>
+        <p:txBody>
+          <a:bodyPr rtlCol="0" anchor="ctr"/>
+          <a:lstStyle/>
+          <a:p>
+            <a:pPr algn="ctr"/>
+            <a:r>
+              <a:rPr lang="en-US" sz="1400" dirty="0">
+                <a:solidFill>
+                  <a:schemeClr val="tx1"/>
+                </a:solidFill>
+              </a:rPr>
+              <a:t>Net-to-host inline extern</a:t>
+            </a:r>
+          </a:p>
+        </p:txBody>
+      </p:sp>
+      <p:cxnSp>
+        <p:nvCxnSpPr>
+          <p:cNvPr id="158" name="Connector: Elbow 157">
+            <a:extLst>
+              <a:ext uri="{FF2B5EF4-FFF2-40B4-BE49-F238E27FC236}">
+                <a16:creationId xmlns:a16="http://schemas.microsoft.com/office/drawing/2014/main" id="{9AD9CF24-6711-4BF0-AED5-D7D1F9DB12EB}"/>
+              </a:ext>
+            </a:extLst>
+          </p:cNvPr>
+          <p:cNvCxnSpPr>
+            <a:cxnSpLocks/>
+          </p:cNvCxnSpPr>
+          <p:nvPr/>
+        </p:nvCxnSpPr>
+        <p:spPr>
+          <a:xfrm flipH="1">
+            <a:off x="5008699" y="4661491"/>
+            <a:ext cx="592233" cy="119599"/>
+          </a:xfrm>
+          <a:prstGeom prst="bentConnector3">
+            <a:avLst>
+              <a:gd name="adj1" fmla="val -180"/>
+            </a:avLst>
+          </a:prstGeom>
+          <a:ln>
+            <a:tailEnd type="none"/>
+          </a:ln>
+        </p:spPr>
+        <p:style>
+          <a:lnRef idx="1">
+            <a:schemeClr val="accent1"/>
+          </a:lnRef>
+          <a:fillRef idx="0">
+            <a:schemeClr val="accent1"/>
+          </a:fillRef>
+          <a:effectRef idx="0">
+            <a:schemeClr val="accent1"/>
+          </a:effectRef>
+          <a:fontRef idx="minor">
+            <a:schemeClr val="tx1"/>
+          </a:fontRef>
+        </p:style>
+      </p:cxnSp>
+      <p:cxnSp>
+        <p:nvCxnSpPr>
+          <p:cNvPr id="159" name="Connector: Elbow 158">
+            <a:extLst>
+              <a:ext uri="{FF2B5EF4-FFF2-40B4-BE49-F238E27FC236}">
+                <a16:creationId xmlns:a16="http://schemas.microsoft.com/office/drawing/2014/main" id="{5221A856-95B9-4D0D-9AEA-E2DED9F7DABF}"/>
+              </a:ext>
+            </a:extLst>
+          </p:cNvPr>
+          <p:cNvCxnSpPr>
+            <a:cxnSpLocks/>
+          </p:cNvCxnSpPr>
+          <p:nvPr/>
+        </p:nvCxnSpPr>
+        <p:spPr>
+          <a:xfrm rot="10800000" flipH="1" flipV="1">
+            <a:off x="5008698" y="2484867"/>
+            <a:ext cx="595249" cy="133072"/>
+          </a:xfrm>
+          <a:prstGeom prst="bentConnector3">
+            <a:avLst>
+              <a:gd name="adj1" fmla="val 99925"/>
+            </a:avLst>
+          </a:prstGeom>
+          <a:ln>
+            <a:tailEnd type="triangle"/>
+          </a:ln>
+        </p:spPr>
+        <p:style>
+          <a:lnRef idx="1">
+            <a:schemeClr val="accent1"/>
+          </a:lnRef>
+          <a:fillRef idx="0">
+            <a:schemeClr val="accent1"/>
+          </a:fillRef>
+          <a:effectRef idx="0">
+            <a:schemeClr val="accent1"/>
+          </a:effectRef>
+          <a:fontRef idx="minor">
+            <a:schemeClr val="tx1"/>
+          </a:fontRef>
+        </p:style>
+      </p:cxnSp>
+      <p:cxnSp>
+        <p:nvCxnSpPr>
+          <p:cNvPr id="160" name="Straight Connector 159">
+            <a:extLst>
+              <a:ext uri="{FF2B5EF4-FFF2-40B4-BE49-F238E27FC236}">
+                <a16:creationId xmlns:a16="http://schemas.microsoft.com/office/drawing/2014/main" id="{70746428-D555-43AA-9FBF-C46ACFCA17FD}"/>
+              </a:ext>
+            </a:extLst>
+          </p:cNvPr>
+          <p:cNvCxnSpPr>
+            <a:cxnSpLocks/>
+            <a:stCxn id="157" idx="1"/>
+          </p:cNvCxnSpPr>
+          <p:nvPr/>
+        </p:nvCxnSpPr>
+        <p:spPr>
+          <a:xfrm flipH="1" flipV="1">
+            <a:off x="5008699" y="2484867"/>
+            <a:ext cx="0" cy="604729"/>
+          </a:xfrm>
+          <a:prstGeom prst="line">
+            <a:avLst/>
+          </a:prstGeom>
+        </p:spPr>
+        <p:style>
+          <a:lnRef idx="1">
+            <a:schemeClr val="accent1"/>
+          </a:lnRef>
+          <a:fillRef idx="0">
+            <a:schemeClr val="accent1"/>
+          </a:fillRef>
+          <a:effectRef idx="0">
+            <a:schemeClr val="accent1"/>
+          </a:effectRef>
+          <a:fontRef idx="minor">
+            <a:schemeClr val="tx1"/>
+          </a:fontRef>
+        </p:style>
+      </p:cxnSp>
+      <p:cxnSp>
+        <p:nvCxnSpPr>
+          <p:cNvPr id="161" name="Straight Connector 160">
+            <a:extLst>
+              <a:ext uri="{FF2B5EF4-FFF2-40B4-BE49-F238E27FC236}">
+                <a16:creationId xmlns:a16="http://schemas.microsoft.com/office/drawing/2014/main" id="{B6ED4961-067E-44B0-A854-66E8C044105E}"/>
+              </a:ext>
+            </a:extLst>
+          </p:cNvPr>
+          <p:cNvCxnSpPr>
+            <a:cxnSpLocks/>
+            <a:endCxn id="157" idx="3"/>
+          </p:cNvCxnSpPr>
+          <p:nvPr/>
+        </p:nvCxnSpPr>
+        <p:spPr>
+          <a:xfrm flipH="1" flipV="1">
+            <a:off x="5008699" y="4211374"/>
+            <a:ext cx="0" cy="569716"/>
+          </a:xfrm>
+          <a:prstGeom prst="line">
+            <a:avLst/>
+          </a:prstGeom>
+        </p:spPr>
+        <p:style>
+          <a:lnRef idx="1">
+            <a:schemeClr val="accent1"/>
+          </a:lnRef>
+          <a:fillRef idx="0">
+            <a:schemeClr val="accent1"/>
+          </a:fillRef>
+          <a:effectRef idx="0">
+            <a:schemeClr val="accent1"/>
+          </a:effectRef>
+          <a:fontRef idx="minor">
+            <a:schemeClr val="tx1"/>
+          </a:fontRef>
+        </p:style>
+      </p:cxnSp>
+      <p:cxnSp>
+        <p:nvCxnSpPr>
+          <p:cNvPr id="104" name="Straight Arrow Connector 103">
+            <a:extLst>
+              <a:ext uri="{FF2B5EF4-FFF2-40B4-BE49-F238E27FC236}">
+                <a16:creationId xmlns:a16="http://schemas.microsoft.com/office/drawing/2014/main" id="{C456DBB3-732A-47A6-BC0F-02D56B7BFF6B}"/>
+              </a:ext>
+            </a:extLst>
+          </p:cNvPr>
+          <p:cNvCxnSpPr>
+            <a:cxnSpLocks/>
+          </p:cNvCxnSpPr>
+          <p:nvPr/>
+        </p:nvCxnSpPr>
+        <p:spPr>
+          <a:xfrm>
+            <a:off x="7009006" y="4933090"/>
+            <a:ext cx="307223" cy="0"/>
+          </a:xfrm>
+          <a:prstGeom prst="straightConnector1">
+            <a:avLst/>
+          </a:prstGeom>
+          <a:ln>
+            <a:tailEnd type="triangle"/>
+          </a:ln>
+        </p:spPr>
+        <p:style>
+          <a:lnRef idx="1">
+            <a:schemeClr val="accent1"/>
+          </a:lnRef>
+          <a:fillRef idx="0">
+            <a:schemeClr val="accent1"/>
+          </a:fillRef>
+          <a:effectRef idx="0">
+            <a:schemeClr val="accent1"/>
+          </a:effectRef>
+          <a:fontRef idx="minor">
+            <a:schemeClr val="tx1"/>
+          </a:fontRef>
+        </p:style>
+      </p:cxnSp>
+      <p:sp>
+        <p:nvSpPr>
+          <p:cNvPr id="100" name="TextBox 99">
+            <a:extLst>
+              <a:ext uri="{FF2B5EF4-FFF2-40B4-BE49-F238E27FC236}">
+                <a16:creationId xmlns:a16="http://schemas.microsoft.com/office/drawing/2014/main" id="{1CF038BA-11FD-4C7D-86A2-E4CB6243DE00}"/>
               </a:ext>
             </a:extLst>
           </p:cNvPr>
@@ -9619,10 +7357,10 @@
       </p:sp>
       <p:sp>
         <p:nvSpPr>
-          <p:cNvPr id="2" name="Freeform: Shape 1">
-            <a:extLst>
-              <a:ext uri="{FF2B5EF4-FFF2-40B4-BE49-F238E27FC236}">
-                <a16:creationId xmlns:a16="http://schemas.microsoft.com/office/drawing/2014/main" id="{9847D30F-9ADA-4810-B8C8-D6A7B44A60A8}"/>
+          <p:cNvPr id="103" name="Freeform: Shape 102">
+            <a:extLst>
+              <a:ext uri="{FF2B5EF4-FFF2-40B4-BE49-F238E27FC236}">
+                <a16:creationId xmlns:a16="http://schemas.microsoft.com/office/drawing/2014/main" id="{28E0E637-8982-4AA9-8C2E-1CDBE8976A4B}"/>
               </a:ext>
             </a:extLst>
           </p:cNvPr>
@@ -9778,10 +7516,10 @@
       </p:sp>
       <p:sp>
         <p:nvSpPr>
-          <p:cNvPr id="311" name="TextBox 310">
-            <a:extLst>
-              <a:ext uri="{FF2B5EF4-FFF2-40B4-BE49-F238E27FC236}">
-                <a16:creationId xmlns:a16="http://schemas.microsoft.com/office/drawing/2014/main" id="{817919C8-F833-43A3-8A44-4D58815D9EAD}"/>
+          <p:cNvPr id="105" name="TextBox 104">
+            <a:extLst>
+              <a:ext uri="{FF2B5EF4-FFF2-40B4-BE49-F238E27FC236}">
+                <a16:creationId xmlns:a16="http://schemas.microsoft.com/office/drawing/2014/main" id="{3013F4D7-EFCF-4646-A606-5BFA084F7FB5}"/>
               </a:ext>
             </a:extLst>
           </p:cNvPr>
@@ -9790,7 +7528,7 @@
         </p:nvSpPr>
         <p:spPr>
           <a:xfrm>
-            <a:off x="8388278" y="3874371"/>
+            <a:off x="7940020" y="3874371"/>
             <a:ext cx="862081" cy="523220"/>
           </a:xfrm>
           <a:prstGeom prst="rect">
@@ -9813,10 +7551,10 @@
       </p:sp>
       <p:sp>
         <p:nvSpPr>
-          <p:cNvPr id="3" name="Freeform: Shape 2">
-            <a:extLst>
-              <a:ext uri="{FF2B5EF4-FFF2-40B4-BE49-F238E27FC236}">
-                <a16:creationId xmlns:a16="http://schemas.microsoft.com/office/drawing/2014/main" id="{77EB1111-14C9-4FDE-9B8C-BE6CB0048C13}"/>
+          <p:cNvPr id="108" name="Freeform: Shape 107">
+            <a:extLst>
+              <a:ext uri="{FF2B5EF4-FFF2-40B4-BE49-F238E27FC236}">
+                <a16:creationId xmlns:a16="http://schemas.microsoft.com/office/drawing/2014/main" id="{54499906-87FB-4366-BB72-16C0762C66D6}"/>
               </a:ext>
             </a:extLst>
           </p:cNvPr>
@@ -9825,7 +7563,7 @@
         </p:nvSpPr>
         <p:spPr>
           <a:xfrm>
-            <a:off x="9103179" y="4033157"/>
+            <a:off x="8654921" y="4033157"/>
             <a:ext cx="367392" cy="40822"/>
           </a:xfrm>
           <a:custGeom>
@@ -9988,10 +7726,10 @@
       </p:sp>
       <p:sp>
         <p:nvSpPr>
-          <p:cNvPr id="312" name="TextBox 311">
-            <a:extLst>
-              <a:ext uri="{FF2B5EF4-FFF2-40B4-BE49-F238E27FC236}">
-                <a16:creationId xmlns:a16="http://schemas.microsoft.com/office/drawing/2014/main" id="{DF91EB96-4E37-4BAD-AE0C-B421AB9B6A31}"/>
+          <p:cNvPr id="109" name="TextBox 108">
+            <a:extLst>
+              <a:ext uri="{FF2B5EF4-FFF2-40B4-BE49-F238E27FC236}">
+                <a16:creationId xmlns:a16="http://schemas.microsoft.com/office/drawing/2014/main" id="{60169DDD-F6C2-4EEA-B8B5-1B9E58C6E73E}"/>
               </a:ext>
             </a:extLst>
           </p:cNvPr>
@@ -10000,7 +7738,7 @@
         </p:nvSpPr>
         <p:spPr>
           <a:xfrm>
-            <a:off x="7376072" y="1667927"/>
+            <a:off x="3800909" y="2539988"/>
             <a:ext cx="1103873" cy="523220"/>
           </a:xfrm>
           <a:prstGeom prst="rect">
@@ -10023,10 +7761,10 @@
       </p:sp>
       <p:sp>
         <p:nvSpPr>
-          <p:cNvPr id="4" name="Freeform: Shape 3">
-            <a:extLst>
-              <a:ext uri="{FF2B5EF4-FFF2-40B4-BE49-F238E27FC236}">
-                <a16:creationId xmlns:a16="http://schemas.microsoft.com/office/drawing/2014/main" id="{4F2B0426-4DBD-4DCA-8121-6447B8554B64}"/>
+          <p:cNvPr id="119" name="Freeform: Shape 118">
+            <a:extLst>
+              <a:ext uri="{FF2B5EF4-FFF2-40B4-BE49-F238E27FC236}">
+                <a16:creationId xmlns:a16="http://schemas.microsoft.com/office/drawing/2014/main" id="{53D8EBBF-4C27-42DB-B5BB-6C0E90EF7CE2}"/>
               </a:ext>
             </a:extLst>
           </p:cNvPr>
@@ -10034,27 +7772,27 @@
           <p:nvPr/>
         </p:nvSpPr>
         <p:spPr>
-          <a:xfrm>
-            <a:off x="7666264" y="2188029"/>
-            <a:ext cx="91956" cy="326571"/>
+          <a:xfrm rot="16200000">
+            <a:off x="4817758" y="2706095"/>
+            <a:ext cx="99758" cy="209879"/>
           </a:xfrm>
           <a:custGeom>
             <a:avLst/>
             <a:gdLst>
-              <a:gd name="connsiteX0" fmla="*/ 81643 w 91956"/>
-              <a:gd name="connsiteY0" fmla="*/ 0 h 326571"/>
-              <a:gd name="connsiteX1" fmla="*/ 81643 w 91956"/>
-              <a:gd name="connsiteY1" fmla="*/ 187778 h 326571"/>
-              <a:gd name="connsiteX2" fmla="*/ 73479 w 91956"/>
-              <a:gd name="connsiteY2" fmla="*/ 212271 h 326571"/>
-              <a:gd name="connsiteX3" fmla="*/ 57150 w 91956"/>
-              <a:gd name="connsiteY3" fmla="*/ 236764 h 326571"/>
-              <a:gd name="connsiteX4" fmla="*/ 24493 w 91956"/>
-              <a:gd name="connsiteY4" fmla="*/ 277585 h 326571"/>
-              <a:gd name="connsiteX5" fmla="*/ 16329 w 91956"/>
-              <a:gd name="connsiteY5" fmla="*/ 302078 h 326571"/>
-              <a:gd name="connsiteX6" fmla="*/ 0 w 91956"/>
-              <a:gd name="connsiteY6" fmla="*/ 326571 h 326571"/>
+              <a:gd name="connsiteX0" fmla="*/ 88569 w 99758"/>
+              <a:gd name="connsiteY0" fmla="*/ 0 h 209879"/>
+              <a:gd name="connsiteX1" fmla="*/ 88569 w 99758"/>
+              <a:gd name="connsiteY1" fmla="*/ 120680 h 209879"/>
+              <a:gd name="connsiteX2" fmla="*/ 79713 w 99758"/>
+              <a:gd name="connsiteY2" fmla="*/ 136421 h 209879"/>
+              <a:gd name="connsiteX3" fmla="*/ 61998 w 99758"/>
+              <a:gd name="connsiteY3" fmla="*/ 152162 h 209879"/>
+              <a:gd name="connsiteX4" fmla="*/ 26571 w 99758"/>
+              <a:gd name="connsiteY4" fmla="*/ 178396 h 209879"/>
+              <a:gd name="connsiteX5" fmla="*/ 17714 w 99758"/>
+              <a:gd name="connsiteY5" fmla="*/ 194137 h 209879"/>
+              <a:gd name="connsiteX6" fmla="*/ 0 w 99758"/>
+              <a:gd name="connsiteY6" fmla="*/ 209878 h 209879"/>
             </a:gdLst>
             <a:ahLst/>
             <a:cxnLst>
@@ -10082,39 +7820,39 @@
             </a:cxnLst>
             <a:rect l="l" t="t" r="r" b="b"/>
             <a:pathLst>
-              <a:path w="91956" h="326571" extrusionOk="0">
+              <a:path w="99758" h="209879" extrusionOk="0">
                 <a:moveTo>
-                  <a:pt x="81643" y="0"/>
+                  <a:pt x="88569" y="0"/>
                 </a:moveTo>
                 <a:cubicBezTo>
-                  <a:pt x="95695" y="86853"/>
-                  <a:pt x="94190" y="61414"/>
-                  <a:pt x="81643" y="187778"/>
+                  <a:pt x="102372" y="59574"/>
+                  <a:pt x="102419" y="39648"/>
+                  <a:pt x="88569" y="120680"/>
                 </a:cubicBezTo>
                 <a:cubicBezTo>
-                  <a:pt x="80613" y="196469"/>
-                  <a:pt x="78193" y="206108"/>
-                  <a:pt x="73479" y="212271"/>
+                  <a:pt x="87396" y="126363"/>
+                  <a:pt x="84554" y="132655"/>
+                  <a:pt x="79713" y="136421"/>
                 </a:cubicBezTo>
                 <a:cubicBezTo>
-                  <a:pt x="68708" y="219161"/>
-                  <a:pt x="63883" y="230571"/>
-                  <a:pt x="57150" y="236764"/>
+                  <a:pt x="74714" y="140881"/>
+                  <a:pt x="68224" y="147405"/>
+                  <a:pt x="61998" y="152162"/>
                 </a:cubicBezTo>
                 <a:cubicBezTo>
-                  <a:pt x="39805" y="296060"/>
-                  <a:pt x="64237" y="230292"/>
-                  <a:pt x="24493" y="277585"/>
+                  <a:pt x="47846" y="185935"/>
+                  <a:pt x="68351" y="153384"/>
+                  <a:pt x="26571" y="178396"/>
                 </a:cubicBezTo>
                 <a:cubicBezTo>
-                  <a:pt x="18868" y="283452"/>
-                  <a:pt x="19507" y="293072"/>
-                  <a:pt x="16329" y="302078"/>
+                  <a:pt x="20481" y="181833"/>
+                  <a:pt x="21373" y="188181"/>
+                  <a:pt x="17714" y="194137"/>
                 </a:cubicBezTo>
                 <a:cubicBezTo>
-                  <a:pt x="11941" y="310854"/>
-                  <a:pt x="0" y="326571"/>
-                  <a:pt x="0" y="326571"/>
+                  <a:pt x="12954" y="199778"/>
+                  <a:pt x="0" y="209878"/>
+                  <a:pt x="0" y="209878"/>
                 </a:cubicBezTo>
               </a:path>
             </a:pathLst>
@@ -10242,10 +7980,10 @@
       </p:sp>
       <p:sp>
         <p:nvSpPr>
-          <p:cNvPr id="313" name="TextBox 312">
-            <a:extLst>
-              <a:ext uri="{FF2B5EF4-FFF2-40B4-BE49-F238E27FC236}">
-                <a16:creationId xmlns:a16="http://schemas.microsoft.com/office/drawing/2014/main" id="{7AD35517-AAB9-439E-949C-2F8377393A25}"/>
+          <p:cNvPr id="120" name="TextBox 119">
+            <a:extLst>
+              <a:ext uri="{FF2B5EF4-FFF2-40B4-BE49-F238E27FC236}">
+                <a16:creationId xmlns:a16="http://schemas.microsoft.com/office/drawing/2014/main" id="{ACF37051-7754-41A0-A338-34BBFD339E01}"/>
               </a:ext>
             </a:extLst>
           </p:cNvPr>
@@ -10254,7 +7992,7 @@
         </p:nvSpPr>
         <p:spPr>
           <a:xfrm>
-            <a:off x="6083864" y="5248705"/>
+            <a:off x="7150227" y="3379583"/>
             <a:ext cx="1103873" cy="523220"/>
           </a:xfrm>
           <a:prstGeom prst="rect">
@@ -10277,10 +8015,10 @@
       </p:sp>
       <p:sp>
         <p:nvSpPr>
-          <p:cNvPr id="5" name="Freeform: Shape 4">
-            <a:extLst>
-              <a:ext uri="{FF2B5EF4-FFF2-40B4-BE49-F238E27FC236}">
-                <a16:creationId xmlns:a16="http://schemas.microsoft.com/office/drawing/2014/main" id="{09605A1F-B696-46DC-AC49-F2C8B4EE6697}"/>
+          <p:cNvPr id="122" name="Freeform: Shape 121">
+            <a:extLst>
+              <a:ext uri="{FF2B5EF4-FFF2-40B4-BE49-F238E27FC236}">
+                <a16:creationId xmlns:a16="http://schemas.microsoft.com/office/drawing/2014/main" id="{05C1EA91-8373-4FD7-99EE-7C7BBC974C11}"/>
               </a:ext>
             </a:extLst>
           </p:cNvPr>
@@ -10288,35 +8026,35 @@
           <p:nvPr/>
         </p:nvSpPr>
         <p:spPr>
-          <a:xfrm>
-            <a:off x="7053943" y="4784271"/>
-            <a:ext cx="417484" cy="636815"/>
+          <a:xfrm rot="16200000">
+            <a:off x="7105542" y="2927154"/>
+            <a:ext cx="417484" cy="471775"/>
           </a:xfrm>
           <a:custGeom>
             <a:avLst/>
             <a:gdLst>
               <a:gd name="connsiteX0" fmla="*/ 0 w 417484"/>
-              <a:gd name="connsiteY0" fmla="*/ 636815 h 636815"/>
+              <a:gd name="connsiteY0" fmla="*/ 471775 h 471775"/>
               <a:gd name="connsiteX1" fmla="*/ 220436 w 417484"/>
-              <a:gd name="connsiteY1" fmla="*/ 628650 h 636815"/>
+              <a:gd name="connsiteY1" fmla="*/ 465726 h 471775"/>
               <a:gd name="connsiteX2" fmla="*/ 310243 w 417484"/>
-              <a:gd name="connsiteY2" fmla="*/ 612322 h 636815"/>
+              <a:gd name="connsiteY2" fmla="*/ 453629 h 471775"/>
               <a:gd name="connsiteX3" fmla="*/ 342900 w 417484"/>
-              <a:gd name="connsiteY3" fmla="*/ 555172 h 636815"/>
+              <a:gd name="connsiteY3" fmla="*/ 411290 h 471775"/>
               <a:gd name="connsiteX4" fmla="*/ 351064 w 417484"/>
-              <a:gd name="connsiteY4" fmla="*/ 522515 h 636815"/>
+              <a:gd name="connsiteY4" fmla="*/ 387097 h 471775"/>
               <a:gd name="connsiteX5" fmla="*/ 367393 w 417484"/>
-              <a:gd name="connsiteY5" fmla="*/ 498022 h 636815"/>
+              <a:gd name="connsiteY5" fmla="*/ 368952 h 471775"/>
               <a:gd name="connsiteX6" fmla="*/ 391886 w 417484"/>
-              <a:gd name="connsiteY6" fmla="*/ 440872 h 636815"/>
+              <a:gd name="connsiteY6" fmla="*/ 326613 h 471775"/>
               <a:gd name="connsiteX7" fmla="*/ 400050 w 417484"/>
-              <a:gd name="connsiteY7" fmla="*/ 408215 h 636815"/>
+              <a:gd name="connsiteY7" fmla="*/ 302420 h 471775"/>
               <a:gd name="connsiteX8" fmla="*/ 408214 w 417484"/>
-              <a:gd name="connsiteY8" fmla="*/ 383722 h 636815"/>
+              <a:gd name="connsiteY8" fmla="*/ 284274 h 471775"/>
               <a:gd name="connsiteX9" fmla="*/ 416378 w 417484"/>
-              <a:gd name="connsiteY9" fmla="*/ 351065 h 636815"/>
+              <a:gd name="connsiteY9" fmla="*/ 260081 h 471775"/>
               <a:gd name="connsiteX10" fmla="*/ 416378 w 417484"/>
-              <a:gd name="connsiteY10" fmla="*/ 0 h 636815"/>
+              <a:gd name="connsiteY10" fmla="*/ 0 h 471775"/>
             </a:gdLst>
             <a:ahLst/>
             <a:cxnLst>
@@ -10356,58 +8094,58 @@
             </a:cxnLst>
             <a:rect l="l" t="t" r="r" b="b"/>
             <a:pathLst>
-              <a:path w="417484" h="636815" extrusionOk="0">
+              <a:path w="417484" h="471775" extrusionOk="0">
                 <a:moveTo>
-                  <a:pt x="0" y="636815"/>
+                  <a:pt x="0" y="471775"/>
                 </a:moveTo>
                 <a:cubicBezTo>
-                  <a:pt x="69630" y="647485"/>
-                  <a:pt x="154426" y="629498"/>
-                  <a:pt x="220436" y="628650"/>
+                  <a:pt x="71571" y="476398"/>
+                  <a:pt x="158398" y="463689"/>
+                  <a:pt x="220436" y="465726"/>
                 </a:cubicBezTo>
                 <a:cubicBezTo>
-                  <a:pt x="276634" y="624750"/>
-                  <a:pt x="272447" y="624921"/>
-                  <a:pt x="310243" y="612322"/>
+                  <a:pt x="276607" y="462691"/>
+                  <a:pt x="272512" y="462907"/>
+                  <a:pt x="310243" y="453629"/>
                 </a:cubicBezTo>
                 <a:cubicBezTo>
-                  <a:pt x="332726" y="528404"/>
-                  <a:pt x="315460" y="626852"/>
-                  <a:pt x="342900" y="555172"/>
+                  <a:pt x="338657" y="403401"/>
+                  <a:pt x="316291" y="463151"/>
+                  <a:pt x="342900" y="411290"/>
                 </a:cubicBezTo>
                 <a:cubicBezTo>
-                  <a:pt x="348291" y="544960"/>
-                  <a:pt x="346438" y="535191"/>
-                  <a:pt x="351064" y="522515"/>
+                  <a:pt x="348318" y="403675"/>
+                  <a:pt x="346527" y="396081"/>
+                  <a:pt x="351064" y="387097"/>
                 </a:cubicBezTo>
                 <a:cubicBezTo>
-                  <a:pt x="355241" y="512440"/>
-                  <a:pt x="360018" y="507677"/>
-                  <a:pt x="367393" y="498022"/>
+                  <a:pt x="355051" y="380003"/>
+                  <a:pt x="361481" y="375362"/>
+                  <a:pt x="367393" y="368952"/>
                 </a:cubicBezTo>
                 <a:cubicBezTo>
-                  <a:pt x="370901" y="400095"/>
-                  <a:pt x="362093" y="514812"/>
-                  <a:pt x="391886" y="440872"/>
+                  <a:pt x="382884" y="297831"/>
+                  <a:pt x="362289" y="379854"/>
+                  <a:pt x="391886" y="326613"/>
                 </a:cubicBezTo>
                 <a:cubicBezTo>
-                  <a:pt x="394599" y="432112"/>
-                  <a:pt x="395368" y="419651"/>
-                  <a:pt x="400050" y="408215"/>
+                  <a:pt x="394989" y="320172"/>
+                  <a:pt x="396302" y="310681"/>
+                  <a:pt x="400050" y="302420"/>
                 </a:cubicBezTo>
                 <a:cubicBezTo>
-                  <a:pt x="402105" y="400136"/>
-                  <a:pt x="406338" y="392063"/>
-                  <a:pt x="408214" y="383722"/>
+                  <a:pt x="402235" y="296403"/>
+                  <a:pt x="407302" y="290602"/>
+                  <a:pt x="408214" y="284274"/>
                 </a:cubicBezTo>
                 <a:cubicBezTo>
-                  <a:pt x="413773" y="373142"/>
-                  <a:pt x="416807" y="362846"/>
-                  <a:pt x="416378" y="351065"/>
+                  <a:pt x="412642" y="276394"/>
+                  <a:pt x="417615" y="269637"/>
+                  <a:pt x="416378" y="260081"/>
                 </a:cubicBezTo>
                 <a:cubicBezTo>
-                  <a:pt x="410771" y="233300"/>
-                  <a:pt x="413387" y="113899"/>
+                  <a:pt x="402080" y="171810"/>
+                  <a:pt x="412458" y="82600"/>
                   <a:pt x="416378" y="0"/>
                 </a:cubicBezTo>
               </a:path>
@@ -10577,7 +8315,7 @@
     </p:spTree>
     <p:extLst>
       <p:ext uri="{BB962C8B-B14F-4D97-AF65-F5344CB8AC3E}">
-        <p14:creationId xmlns:p14="http://schemas.microsoft.com/office/powerpoint/2010/main" val="1091789387"/>
+        <p14:creationId xmlns:p14="http://schemas.microsoft.com/office/powerpoint/2010/main" val="385545695"/>
       </p:ext>
     </p:extLst>
   </p:cSld>
@@ -10883,6 +8621,21 @@
 </file>
 
 <file path=customXml/item1.xml><?xml version="1.0" encoding="utf-8"?>
+<p:properties xmlns:p="http://schemas.microsoft.com/office/2006/metadata/properties" xmlns:xsi="http://www.w3.org/2001/XMLSchema-instance" xmlns:pc="http://schemas.microsoft.com/office/infopath/2007/PartnerControls">
+  <documentManagement/>
+</p:properties>
+</file>
+
+<file path=customXml/item2.xml><?xml version="1.0" encoding="utf-8"?>
+<?mso-contentType ?>
+<FormTemplates xmlns="http://schemas.microsoft.com/sharepoint/v3/contenttype/forms">
+  <Display>DocumentLibraryForm</Display>
+  <Edit>DocumentLibraryForm</Edit>
+  <New>DocumentLibraryForm</New>
+</FormTemplates>
+</file>
+
+<file path=customXml/item3.xml><?xml version="1.0" encoding="utf-8"?>
 <ct:contentTypeSchema xmlns:ct="http://schemas.microsoft.com/office/2006/metadata/contentType" xmlns:ma="http://schemas.microsoft.com/office/2006/metadata/properties/metaAttributes" ct:_="" ma:_="" ma:contentTypeName="Document" ma:contentTypeID="0x01010074D2001F796B5842ACB4675D256F8FDC" ma:contentTypeVersion="12" ma:contentTypeDescription="Create a new document." ma:contentTypeScope="" ma:versionID="c85e048fa781f40110e66b592c02dbca">
   <xsd:schema xmlns:xsd="http://www.w3.org/2001/XMLSchema" xmlns:xs="http://www.w3.org/2001/XMLSchema" xmlns:p="http://schemas.microsoft.com/office/2006/metadata/properties" xmlns:ns3="88a3e169-3f2e-4cb2-84e3-0f816f3920de" xmlns:ns4="6d44ab1e-4f7a-423e-9215-d8d8e61f56e6" targetNamespace="http://schemas.microsoft.com/office/2006/metadata/properties" ma:root="true" ma:fieldsID="6538c91a1e992d8cfb9fb30155d82126" ns3:_="" ns4:_="">
     <xsd:import namespace="88a3e169-3f2e-4cb2-84e3-0f816f3920de"/>
@@ -11099,22 +8852,32 @@
 </ct:contentTypeSchema>
 </file>
 
-<file path=customXml/item2.xml><?xml version="1.0" encoding="utf-8"?>
-<?mso-contentType ?>
-<FormTemplates xmlns="http://schemas.microsoft.com/sharepoint/v3/contenttype/forms">
-  <Display>DocumentLibraryForm</Display>
-  <Edit>DocumentLibraryForm</Edit>
-  <New>DocumentLibraryForm</New>
-</FormTemplates>
+<file path=customXml/itemProps1.xml><?xml version="1.0" encoding="utf-8"?>
+<ds:datastoreItem xmlns:ds="http://schemas.openxmlformats.org/officeDocument/2006/customXml" ds:itemID="{05F4B324-A6F8-4FC0-BBBB-05E2337781BA}">
+  <ds:schemaRefs>
+    <ds:schemaRef ds:uri="http://purl.org/dc/dcmitype/"/>
+    <ds:schemaRef ds:uri="http://schemas.microsoft.com/office/infopath/2007/PartnerControls"/>
+    <ds:schemaRef ds:uri="http://purl.org/dc/elements/1.1/"/>
+    <ds:schemaRef ds:uri="http://schemas.microsoft.com/office/2006/metadata/properties"/>
+    <ds:schemaRef ds:uri="http://schemas.microsoft.com/office/2006/documentManagement/types"/>
+    <ds:schemaRef ds:uri="http://purl.org/dc/terms/"/>
+    <ds:schemaRef ds:uri="http://schemas.openxmlformats.org/package/2006/metadata/core-properties"/>
+    <ds:schemaRef ds:uri="6d44ab1e-4f7a-423e-9215-d8d8e61f56e6"/>
+    <ds:schemaRef ds:uri="88a3e169-3f2e-4cb2-84e3-0f816f3920de"/>
+    <ds:schemaRef ds:uri="http://www.w3.org/XML/1998/namespace"/>
+  </ds:schemaRefs>
+</ds:datastoreItem>
 </file>
 
-<file path=customXml/item3.xml><?xml version="1.0" encoding="utf-8"?>
-<p:properties xmlns:p="http://schemas.microsoft.com/office/2006/metadata/properties" xmlns:xsi="http://www.w3.org/2001/XMLSchema-instance" xmlns:pc="http://schemas.microsoft.com/office/infopath/2007/PartnerControls">
-  <documentManagement/>
-</p:properties>
+<file path=customXml/itemProps2.xml><?xml version="1.0" encoding="utf-8"?>
+<ds:datastoreItem xmlns:ds="http://schemas.openxmlformats.org/officeDocument/2006/customXml" ds:itemID="{7F29137C-F1C0-4930-80A0-A7C0C38F3D82}">
+  <ds:schemaRefs>
+    <ds:schemaRef ds:uri="http://schemas.microsoft.com/sharepoint/v3/contenttype/forms"/>
+  </ds:schemaRefs>
+</ds:datastoreItem>
 </file>
 
-<file path=customXml/itemProps1.xml><?xml version="1.0" encoding="utf-8"?>
+<file path=customXml/itemProps3.xml><?xml version="1.0" encoding="utf-8"?>
 <ds:datastoreItem xmlns:ds="http://schemas.openxmlformats.org/officeDocument/2006/customXml" ds:itemID="{BE4DBC62-83C7-4C26-A85C-6023E4D35A02}">
   <ds:schemaRefs>
     <ds:schemaRef ds:uri="http://schemas.microsoft.com/office/2006/metadata/contentType"/>
@@ -11131,21 +8894,4 @@
     <ds:schemaRef ds:uri="http://schemas.microsoft.com/internal/obd"/>
   </ds:schemaRefs>
 </ds:datastoreItem>
-</file>
-
-<file path=customXml/itemProps2.xml><?xml version="1.0" encoding="utf-8"?>
-<ds:datastoreItem xmlns:ds="http://schemas.openxmlformats.org/officeDocument/2006/customXml" ds:itemID="{7F29137C-F1C0-4930-80A0-A7C0C38F3D82}">
-  <ds:schemaRefs>
-    <ds:schemaRef ds:uri="http://schemas.microsoft.com/sharepoint/v3/contenttype/forms"/>
-  </ds:schemaRefs>
-</ds:datastoreItem>
-</file>
-
-<file path=customXml/itemProps3.xml><?xml version="1.0" encoding="utf-8"?>
-<ds:datastoreItem xmlns:ds="http://schemas.openxmlformats.org/officeDocument/2006/customXml" ds:itemID="{05F4B324-A6F8-4FC0-BBBB-05E2337781BA}">
-  <ds:schemaRefs>
-    <ds:schemaRef ds:uri="http://schemas.microsoft.com/office/2006/metadata/properties"/>
-    <ds:schemaRef ds:uri="http://schemas.microsoft.com/office/infopath/2007/PartnerControls"/>
-  </ds:schemaRefs>
-</ds:datastoreItem>
 </file>
--- a/figs/pna-packet-paths-figure.pptx
+++ b/figs/pna-packet-paths-figure.pptx
@@ -267,7 +267,7 @@
           <a:p>
             <a:fld id="{B72825D7-6CAC-4DD9-81D1-F420B7F343C3}" type="datetimeFigureOut">
               <a:rPr lang="en-US" smtClean="0"/>
-              <a:t>5/14/2021</a:t>
+              <a:t>5/15/21</a:t>
             </a:fld>
             <a:endParaRPr lang="en-US"/>
           </a:p>
@@ -465,7 +465,7 @@
           <a:p>
             <a:fld id="{B72825D7-6CAC-4DD9-81D1-F420B7F343C3}" type="datetimeFigureOut">
               <a:rPr lang="en-US" smtClean="0"/>
-              <a:t>5/14/2021</a:t>
+              <a:t>5/15/21</a:t>
             </a:fld>
             <a:endParaRPr lang="en-US"/>
           </a:p>
@@ -673,7 +673,7 @@
           <a:p>
             <a:fld id="{B72825D7-6CAC-4DD9-81D1-F420B7F343C3}" type="datetimeFigureOut">
               <a:rPr lang="en-US" smtClean="0"/>
-              <a:t>5/14/2021</a:t>
+              <a:t>5/15/21</a:t>
             </a:fld>
             <a:endParaRPr lang="en-US"/>
           </a:p>
@@ -871,7 +871,7 @@
           <a:p>
             <a:fld id="{B72825D7-6CAC-4DD9-81D1-F420B7F343C3}" type="datetimeFigureOut">
               <a:rPr lang="en-US" smtClean="0"/>
-              <a:t>5/14/2021</a:t>
+              <a:t>5/15/21</a:t>
             </a:fld>
             <a:endParaRPr lang="en-US"/>
           </a:p>
@@ -1146,7 +1146,7 @@
           <a:p>
             <a:fld id="{B72825D7-6CAC-4DD9-81D1-F420B7F343C3}" type="datetimeFigureOut">
               <a:rPr lang="en-US" smtClean="0"/>
-              <a:t>5/14/2021</a:t>
+              <a:t>5/15/21</a:t>
             </a:fld>
             <a:endParaRPr lang="en-US"/>
           </a:p>
@@ -1411,7 +1411,7 @@
           <a:p>
             <a:fld id="{B72825D7-6CAC-4DD9-81D1-F420B7F343C3}" type="datetimeFigureOut">
               <a:rPr lang="en-US" smtClean="0"/>
-              <a:t>5/14/2021</a:t>
+              <a:t>5/15/21</a:t>
             </a:fld>
             <a:endParaRPr lang="en-US"/>
           </a:p>
@@ -1823,7 +1823,7 @@
           <a:p>
             <a:fld id="{B72825D7-6CAC-4DD9-81D1-F420B7F343C3}" type="datetimeFigureOut">
               <a:rPr lang="en-US" smtClean="0"/>
-              <a:t>5/14/2021</a:t>
+              <a:t>5/15/21</a:t>
             </a:fld>
             <a:endParaRPr lang="en-US"/>
           </a:p>
@@ -1964,7 +1964,7 @@
           <a:p>
             <a:fld id="{B72825D7-6CAC-4DD9-81D1-F420B7F343C3}" type="datetimeFigureOut">
               <a:rPr lang="en-US" smtClean="0"/>
-              <a:t>5/14/2021</a:t>
+              <a:t>5/15/21</a:t>
             </a:fld>
             <a:endParaRPr lang="en-US"/>
           </a:p>
@@ -2077,7 +2077,7 @@
           <a:p>
             <a:fld id="{B72825D7-6CAC-4DD9-81D1-F420B7F343C3}" type="datetimeFigureOut">
               <a:rPr lang="en-US" smtClean="0"/>
-              <a:t>5/14/2021</a:t>
+              <a:t>5/15/21</a:t>
             </a:fld>
             <a:endParaRPr lang="en-US"/>
           </a:p>
@@ -2388,7 +2388,7 @@
           <a:p>
             <a:fld id="{B72825D7-6CAC-4DD9-81D1-F420B7F343C3}" type="datetimeFigureOut">
               <a:rPr lang="en-US" smtClean="0"/>
-              <a:t>5/14/2021</a:t>
+              <a:t>5/15/21</a:t>
             </a:fld>
             <a:endParaRPr lang="en-US"/>
           </a:p>
@@ -2676,7 +2676,7 @@
           <a:p>
             <a:fld id="{B72825D7-6CAC-4DD9-81D1-F420B7F343C3}" type="datetimeFigureOut">
               <a:rPr lang="en-US" smtClean="0"/>
-              <a:t>5/14/2021</a:t>
+              <a:t>5/15/21</a:t>
             </a:fld>
             <a:endParaRPr lang="en-US"/>
           </a:p>
@@ -2917,7 +2917,7 @@
           <a:p>
             <a:fld id="{B72825D7-6CAC-4DD9-81D1-F420B7F343C3}" type="datetimeFigureOut">
               <a:rPr lang="en-US" smtClean="0"/>
-              <a:t>5/14/2021</a:t>
+              <a:t>5/15/21</a:t>
             </a:fld>
             <a:endParaRPr lang="en-US"/>
           </a:p>
@@ -3354,9 +3354,14 @@
           <a:prstGeom prst="rect">
             <a:avLst/>
           </a:prstGeom>
-          <a:solidFill>
-            <a:srgbClr val="00B050"/>
-          </a:solidFill>
+          <a:pattFill prst="wdDnDiag">
+            <a:fgClr>
+              <a:srgbClr val="00B050"/>
+            </a:fgClr>
+            <a:bgClr>
+              <a:srgbClr val="92D050"/>
+            </a:bgClr>
+          </a:pattFill>
         </p:spPr>
         <p:style>
           <a:lnRef idx="2">
@@ -5345,117 +5350,6 @@
       </p:sp>
       <p:sp>
         <p:nvSpPr>
-          <p:cNvPr id="113" name="Rectangle 112">
-            <a:extLst>
-              <a:ext uri="{FF2B5EF4-FFF2-40B4-BE49-F238E27FC236}">
-                <a16:creationId xmlns:a16="http://schemas.microsoft.com/office/drawing/2014/main" id="{58FA7448-7B0F-43F4-A246-03BDB307CBC0}"/>
-              </a:ext>
-            </a:extLst>
-          </p:cNvPr>
-          <p:cNvSpPr/>
-          <p:nvPr/>
-        </p:nvSpPr>
-        <p:spPr>
-          <a:xfrm>
-            <a:off x="8252056" y="2181696"/>
-            <a:ext cx="2089254" cy="224589"/>
-          </a:xfrm>
-          <a:prstGeom prst="rect">
-            <a:avLst/>
-          </a:prstGeom>
-          <a:solidFill>
-            <a:srgbClr val="00B050"/>
-          </a:solidFill>
-        </p:spPr>
-        <p:style>
-          <a:lnRef idx="2">
-            <a:schemeClr val="accent1">
-              <a:shade val="50000"/>
-            </a:schemeClr>
-          </a:lnRef>
-          <a:fillRef idx="1">
-            <a:schemeClr val="accent1"/>
-          </a:fillRef>
-          <a:effectRef idx="0">
-            <a:schemeClr val="accent1"/>
-          </a:effectRef>
-          <a:fontRef idx="minor">
-            <a:schemeClr val="lt1"/>
-          </a:fontRef>
-        </p:style>
-        <p:txBody>
-          <a:bodyPr rtlCol="0" anchor="ctr"/>
-          <a:lstStyle/>
-          <a:p>
-            <a:pPr algn="ctr"/>
-            <a:r>
-              <a:rPr lang="en-US" dirty="0"/>
-              <a:t>Programmed in P4</a:t>
-            </a:r>
-          </a:p>
-        </p:txBody>
-      </p:sp>
-      <p:sp>
-        <p:nvSpPr>
-          <p:cNvPr id="114" name="Rectangle 113">
-            <a:extLst>
-              <a:ext uri="{FF2B5EF4-FFF2-40B4-BE49-F238E27FC236}">
-                <a16:creationId xmlns:a16="http://schemas.microsoft.com/office/drawing/2014/main" id="{8981AA32-2977-41CF-9174-51C16EB7A3C1}"/>
-              </a:ext>
-            </a:extLst>
-          </p:cNvPr>
-          <p:cNvSpPr/>
-          <p:nvPr/>
-        </p:nvSpPr>
-        <p:spPr>
-          <a:xfrm>
-            <a:off x="8252056" y="2416268"/>
-            <a:ext cx="2089254" cy="240643"/>
-          </a:xfrm>
-          <a:prstGeom prst="rect">
-            <a:avLst/>
-          </a:prstGeom>
-          <a:solidFill>
-            <a:schemeClr val="accent4">
-              <a:lumMod val="40000"/>
-              <a:lumOff val="60000"/>
-            </a:schemeClr>
-          </a:solidFill>
-        </p:spPr>
-        <p:style>
-          <a:lnRef idx="2">
-            <a:schemeClr val="accent1">
-              <a:shade val="50000"/>
-            </a:schemeClr>
-          </a:lnRef>
-          <a:fillRef idx="1">
-            <a:schemeClr val="accent1"/>
-          </a:fillRef>
-          <a:effectRef idx="0">
-            <a:schemeClr val="accent1"/>
-          </a:effectRef>
-          <a:fontRef idx="minor">
-            <a:schemeClr val="lt1"/>
-          </a:fontRef>
-        </p:style>
-        <p:txBody>
-          <a:bodyPr rtlCol="0" anchor="ctr"/>
-          <a:lstStyle/>
-          <a:p>
-            <a:pPr algn="ctr"/>
-            <a:r>
-              <a:rPr lang="en-US" dirty="0">
-                <a:solidFill>
-                  <a:schemeClr val="tx1"/>
-                </a:solidFill>
-              </a:rPr>
-              <a:t>Fixed function</a:t>
-            </a:r>
-          </a:p>
-        </p:txBody>
-      </p:sp>
-      <p:sp>
-        <p:nvSpPr>
           <p:cNvPr id="110" name="Isosceles Triangle 109">
             <a:extLst>
               <a:ext uri="{FF2B5EF4-FFF2-40B4-BE49-F238E27FC236}">
@@ -8309,6 +8203,174 @@
           <a:p>
             <a:pPr algn="ctr"/>
             <a:endParaRPr lang="en-US"/>
+          </a:p>
+        </p:txBody>
+      </p:sp>
+      <p:sp>
+        <p:nvSpPr>
+          <p:cNvPr id="123" name="Rectangle 122">
+            <a:extLst>
+              <a:ext uri="{FF2B5EF4-FFF2-40B4-BE49-F238E27FC236}">
+                <a16:creationId xmlns:a16="http://schemas.microsoft.com/office/drawing/2014/main" id="{D8F55212-775C-CF44-8B25-948D84F07E46}"/>
+              </a:ext>
+            </a:extLst>
+          </p:cNvPr>
+          <p:cNvSpPr/>
+          <p:nvPr/>
+        </p:nvSpPr>
+        <p:spPr>
+          <a:xfrm>
+            <a:off x="8252056" y="2191852"/>
+            <a:ext cx="2089254" cy="224589"/>
+          </a:xfrm>
+          <a:prstGeom prst="rect">
+            <a:avLst/>
+          </a:prstGeom>
+          <a:solidFill>
+            <a:srgbClr val="00B050"/>
+          </a:solidFill>
+        </p:spPr>
+        <p:style>
+          <a:lnRef idx="2">
+            <a:schemeClr val="accent1">
+              <a:shade val="50000"/>
+            </a:schemeClr>
+          </a:lnRef>
+          <a:fillRef idx="1">
+            <a:schemeClr val="accent1"/>
+          </a:fillRef>
+          <a:effectRef idx="0">
+            <a:schemeClr val="accent1"/>
+          </a:effectRef>
+          <a:fontRef idx="minor">
+            <a:schemeClr val="lt1"/>
+          </a:fontRef>
+        </p:style>
+        <p:txBody>
+          <a:bodyPr rtlCol="0" anchor="ctr"/>
+          <a:lstStyle/>
+          <a:p>
+            <a:pPr algn="ctr"/>
+            <a:r>
+              <a:rPr lang="en-US" dirty="0"/>
+              <a:t>Programmed in P4</a:t>
+            </a:r>
+          </a:p>
+        </p:txBody>
+      </p:sp>
+      <p:sp>
+        <p:nvSpPr>
+          <p:cNvPr id="124" name="Rectangle 123">
+            <a:extLst>
+              <a:ext uri="{FF2B5EF4-FFF2-40B4-BE49-F238E27FC236}">
+                <a16:creationId xmlns:a16="http://schemas.microsoft.com/office/drawing/2014/main" id="{C5E0B6E6-DB9D-CA43-A814-714041DA0198}"/>
+              </a:ext>
+            </a:extLst>
+          </p:cNvPr>
+          <p:cNvSpPr/>
+          <p:nvPr/>
+        </p:nvSpPr>
+        <p:spPr>
+          <a:xfrm>
+            <a:off x="8252056" y="2642796"/>
+            <a:ext cx="2089254" cy="240643"/>
+          </a:xfrm>
+          <a:prstGeom prst="rect">
+            <a:avLst/>
+          </a:prstGeom>
+          <a:solidFill>
+            <a:schemeClr val="accent4">
+              <a:lumMod val="40000"/>
+              <a:lumOff val="60000"/>
+            </a:schemeClr>
+          </a:solidFill>
+        </p:spPr>
+        <p:style>
+          <a:lnRef idx="2">
+            <a:schemeClr val="accent1">
+              <a:shade val="50000"/>
+            </a:schemeClr>
+          </a:lnRef>
+          <a:fillRef idx="1">
+            <a:schemeClr val="accent1"/>
+          </a:fillRef>
+          <a:effectRef idx="0">
+            <a:schemeClr val="accent1"/>
+          </a:effectRef>
+          <a:fontRef idx="minor">
+            <a:schemeClr val="lt1"/>
+          </a:fontRef>
+        </p:style>
+        <p:txBody>
+          <a:bodyPr rtlCol="0" anchor="ctr"/>
+          <a:lstStyle/>
+          <a:p>
+            <a:pPr algn="ctr"/>
+            <a:r>
+              <a:rPr lang="en-US" dirty="0">
+                <a:solidFill>
+                  <a:schemeClr val="tx1"/>
+                </a:solidFill>
+              </a:rPr>
+              <a:t>Fixed function</a:t>
+            </a:r>
+          </a:p>
+        </p:txBody>
+      </p:sp>
+      <p:sp>
+        <p:nvSpPr>
+          <p:cNvPr id="125" name="Rectangle 124">
+            <a:extLst>
+              <a:ext uri="{FF2B5EF4-FFF2-40B4-BE49-F238E27FC236}">
+                <a16:creationId xmlns:a16="http://schemas.microsoft.com/office/drawing/2014/main" id="{52FD2768-19B7-3641-97DA-E6D694594367}"/>
+              </a:ext>
+            </a:extLst>
+          </p:cNvPr>
+          <p:cNvSpPr/>
+          <p:nvPr/>
+        </p:nvSpPr>
+        <p:spPr>
+          <a:xfrm>
+            <a:off x="8252056" y="2417177"/>
+            <a:ext cx="2089254" cy="224589"/>
+          </a:xfrm>
+          <a:prstGeom prst="rect">
+            <a:avLst/>
+          </a:prstGeom>
+          <a:pattFill prst="wdDnDiag">
+            <a:fgClr>
+              <a:srgbClr val="00B050"/>
+            </a:fgClr>
+            <a:bgClr>
+              <a:srgbClr val="92D050"/>
+            </a:bgClr>
+          </a:pattFill>
+        </p:spPr>
+        <p:style>
+          <a:lnRef idx="2">
+            <a:schemeClr val="accent1">
+              <a:shade val="50000"/>
+            </a:schemeClr>
+          </a:lnRef>
+          <a:fillRef idx="1">
+            <a:schemeClr val="accent1"/>
+          </a:fillRef>
+          <a:effectRef idx="0">
+            <a:schemeClr val="accent1"/>
+          </a:effectRef>
+          <a:fontRef idx="minor">
+            <a:schemeClr val="lt1"/>
+          </a:fontRef>
+        </p:style>
+        <p:txBody>
+          <a:bodyPr rtlCol="0" anchor="ctr"/>
+          <a:lstStyle/>
+          <a:p>
+            <a:pPr algn="ctr"/>
+            <a:r>
+              <a:rPr lang="en-US" dirty="0"/>
+              <a:t>Planned Extension</a:t>
+            </a:r>
           </a:p>
         </p:txBody>
       </p:sp>
@@ -8621,21 +8683,6 @@
 </file>
 
 <file path=customXml/item1.xml><?xml version="1.0" encoding="utf-8"?>
-<p:properties xmlns:p="http://schemas.microsoft.com/office/2006/metadata/properties" xmlns:xsi="http://www.w3.org/2001/XMLSchema-instance" xmlns:pc="http://schemas.microsoft.com/office/infopath/2007/PartnerControls">
-  <documentManagement/>
-</p:properties>
-</file>
-
-<file path=customXml/item2.xml><?xml version="1.0" encoding="utf-8"?>
-<?mso-contentType ?>
-<FormTemplates xmlns="http://schemas.microsoft.com/sharepoint/v3/contenttype/forms">
-  <Display>DocumentLibraryForm</Display>
-  <Edit>DocumentLibraryForm</Edit>
-  <New>DocumentLibraryForm</New>
-</FormTemplates>
-</file>
-
-<file path=customXml/item3.xml><?xml version="1.0" encoding="utf-8"?>
 <ct:contentTypeSchema xmlns:ct="http://schemas.microsoft.com/office/2006/metadata/contentType" xmlns:ma="http://schemas.microsoft.com/office/2006/metadata/properties/metaAttributes" ct:_="" ma:_="" ma:contentTypeName="Document" ma:contentTypeID="0x01010074D2001F796B5842ACB4675D256F8FDC" ma:contentTypeVersion="12" ma:contentTypeDescription="Create a new document." ma:contentTypeScope="" ma:versionID="c85e048fa781f40110e66b592c02dbca">
   <xsd:schema xmlns:xsd="http://www.w3.org/2001/XMLSchema" xmlns:xs="http://www.w3.org/2001/XMLSchema" xmlns:p="http://schemas.microsoft.com/office/2006/metadata/properties" xmlns:ns3="88a3e169-3f2e-4cb2-84e3-0f816f3920de" xmlns:ns4="6d44ab1e-4f7a-423e-9215-d8d8e61f56e6" targetNamespace="http://schemas.microsoft.com/office/2006/metadata/properties" ma:root="true" ma:fieldsID="6538c91a1e992d8cfb9fb30155d82126" ns3:_="" ns4:_="">
     <xsd:import namespace="88a3e169-3f2e-4cb2-84e3-0f816f3920de"/>
@@ -8852,32 +8899,22 @@
 </ct:contentTypeSchema>
 </file>
 
-<file path=customXml/itemProps1.xml><?xml version="1.0" encoding="utf-8"?>
-<ds:datastoreItem xmlns:ds="http://schemas.openxmlformats.org/officeDocument/2006/customXml" ds:itemID="{05F4B324-A6F8-4FC0-BBBB-05E2337781BA}">
-  <ds:schemaRefs>
-    <ds:schemaRef ds:uri="http://purl.org/dc/dcmitype/"/>
-    <ds:schemaRef ds:uri="http://schemas.microsoft.com/office/infopath/2007/PartnerControls"/>
-    <ds:schemaRef ds:uri="http://purl.org/dc/elements/1.1/"/>
-    <ds:schemaRef ds:uri="http://schemas.microsoft.com/office/2006/metadata/properties"/>
-    <ds:schemaRef ds:uri="http://schemas.microsoft.com/office/2006/documentManagement/types"/>
-    <ds:schemaRef ds:uri="http://purl.org/dc/terms/"/>
-    <ds:schemaRef ds:uri="http://schemas.openxmlformats.org/package/2006/metadata/core-properties"/>
-    <ds:schemaRef ds:uri="6d44ab1e-4f7a-423e-9215-d8d8e61f56e6"/>
-    <ds:schemaRef ds:uri="88a3e169-3f2e-4cb2-84e3-0f816f3920de"/>
-    <ds:schemaRef ds:uri="http://www.w3.org/XML/1998/namespace"/>
-  </ds:schemaRefs>
-</ds:datastoreItem>
+<file path=customXml/item2.xml><?xml version="1.0" encoding="utf-8"?>
+<?mso-contentType ?>
+<FormTemplates xmlns="http://schemas.microsoft.com/sharepoint/v3/contenttype/forms">
+  <Display>DocumentLibraryForm</Display>
+  <Edit>DocumentLibraryForm</Edit>
+  <New>DocumentLibraryForm</New>
+</FormTemplates>
 </file>
 
-<file path=customXml/itemProps2.xml><?xml version="1.0" encoding="utf-8"?>
-<ds:datastoreItem xmlns:ds="http://schemas.openxmlformats.org/officeDocument/2006/customXml" ds:itemID="{7F29137C-F1C0-4930-80A0-A7C0C38F3D82}">
-  <ds:schemaRefs>
-    <ds:schemaRef ds:uri="http://schemas.microsoft.com/sharepoint/v3/contenttype/forms"/>
-  </ds:schemaRefs>
-</ds:datastoreItem>
+<file path=customXml/item3.xml><?xml version="1.0" encoding="utf-8"?>
+<p:properties xmlns:p="http://schemas.microsoft.com/office/2006/metadata/properties" xmlns:xsi="http://www.w3.org/2001/XMLSchema-instance" xmlns:pc="http://schemas.microsoft.com/office/infopath/2007/PartnerControls">
+  <documentManagement/>
+</p:properties>
 </file>
 
-<file path=customXml/itemProps3.xml><?xml version="1.0" encoding="utf-8"?>
+<file path=customXml/itemProps1.xml><?xml version="1.0" encoding="utf-8"?>
 <ds:datastoreItem xmlns:ds="http://schemas.openxmlformats.org/officeDocument/2006/customXml" ds:itemID="{BE4DBC62-83C7-4C26-A85C-6023E4D35A02}">
   <ds:schemaRefs>
     <ds:schemaRef ds:uri="http://schemas.microsoft.com/office/2006/metadata/contentType"/>
@@ -8894,4 +8931,29 @@
     <ds:schemaRef ds:uri="http://schemas.microsoft.com/internal/obd"/>
   </ds:schemaRefs>
 </ds:datastoreItem>
+</file>
+
+<file path=customXml/itemProps2.xml><?xml version="1.0" encoding="utf-8"?>
+<ds:datastoreItem xmlns:ds="http://schemas.openxmlformats.org/officeDocument/2006/customXml" ds:itemID="{7F29137C-F1C0-4930-80A0-A7C0C38F3D82}">
+  <ds:schemaRefs>
+    <ds:schemaRef ds:uri="http://schemas.microsoft.com/sharepoint/v3/contenttype/forms"/>
+  </ds:schemaRefs>
+</ds:datastoreItem>
+</file>
+
+<file path=customXml/itemProps3.xml><?xml version="1.0" encoding="utf-8"?>
+<ds:datastoreItem xmlns:ds="http://schemas.openxmlformats.org/officeDocument/2006/customXml" ds:itemID="{05F4B324-A6F8-4FC0-BBBB-05E2337781BA}">
+  <ds:schemaRefs>
+    <ds:schemaRef ds:uri="http://purl.org/dc/dcmitype/"/>
+    <ds:schemaRef ds:uri="http://schemas.microsoft.com/office/infopath/2007/PartnerControls"/>
+    <ds:schemaRef ds:uri="http://purl.org/dc/elements/1.1/"/>
+    <ds:schemaRef ds:uri="http://schemas.microsoft.com/office/2006/metadata/properties"/>
+    <ds:schemaRef ds:uri="http://schemas.microsoft.com/office/2006/documentManagement/types"/>
+    <ds:schemaRef ds:uri="http://purl.org/dc/terms/"/>
+    <ds:schemaRef ds:uri="http://schemas.openxmlformats.org/package/2006/metadata/core-properties"/>
+    <ds:schemaRef ds:uri="6d44ab1e-4f7a-423e-9215-d8d8e61f56e6"/>
+    <ds:schemaRef ds:uri="88a3e169-3f2e-4cb2-84e3-0f816f3920de"/>
+    <ds:schemaRef ds:uri="http://www.w3.org/XML/1998/namespace"/>
+  </ds:schemaRefs>
+</ds:datastoreItem>
 </file>